--- a/documentation/AbschlussPr�sentation.pptx
+++ b/documentation/AbschlussPr�sentation.pptx
@@ -6708,7 +6708,7 @@
       </p:sp>
       <p:pic>
         <p:nvPicPr>
-          <p:cNvPr id="6146" name="Picture 2" descr="C:\Users\Manuel\Documents\uni\semester 5\workspace\OwlSoft\documentation\AblaufMessaging.jpg"/>
+          <p:cNvPr id="1026" name="Picture 2" descr="C:\Users\Manuel\Documents\uni\semester 5\workspace\OwlSoft\documentation\AblaufMessaging.jpg"/>
           <p:cNvPicPr>
             <a:picLocks noChangeAspect="1" noChangeArrowheads="1"/>
           </p:cNvPicPr>
@@ -6729,8 +6729,8 @@
         </p:blipFill>
         <p:spPr bwMode="auto">
           <a:xfrm>
-            <a:off x="0" y="0"/>
-            <a:ext cx="9144000" cy="6858000"/>
+            <a:off x="-1" y="-17388"/>
+            <a:ext cx="9095653" cy="6875388"/>
           </a:xfrm>
           <a:prstGeom prst="rect">
             <a:avLst/>

--- a/documentation/AbschlussPr�sentation.pptx
+++ b/documentation/AbschlussPr�sentation.pptx
@@ -5,29 +5,37 @@
     <p:sldMasterId id="2147483732" r:id="rId1"/>
   </p:sldMasterIdLst>
   <p:notesMasterIdLst>
-    <p:notesMasterId r:id="rId22"/>
+    <p:notesMasterId r:id="rId30"/>
   </p:notesMasterIdLst>
   <p:sldIdLst>
     <p:sldId id="256" r:id="rId2"/>
     <p:sldId id="257" r:id="rId3"/>
-    <p:sldId id="258" r:id="rId4"/>
-    <p:sldId id="259" r:id="rId5"/>
-    <p:sldId id="260" r:id="rId6"/>
-    <p:sldId id="261" r:id="rId7"/>
-    <p:sldId id="262" r:id="rId8"/>
-    <p:sldId id="264" r:id="rId9"/>
-    <p:sldId id="263" r:id="rId10"/>
-    <p:sldId id="265" r:id="rId11"/>
-    <p:sldId id="266" r:id="rId12"/>
-    <p:sldId id="267" r:id="rId13"/>
-    <p:sldId id="268" r:id="rId14"/>
-    <p:sldId id="269" r:id="rId15"/>
-    <p:sldId id="270" r:id="rId16"/>
-    <p:sldId id="271" r:id="rId17"/>
-    <p:sldId id="272" r:id="rId18"/>
-    <p:sldId id="273" r:id="rId19"/>
-    <p:sldId id="274" r:id="rId20"/>
-    <p:sldId id="275" r:id="rId21"/>
+    <p:sldId id="276" r:id="rId4"/>
+    <p:sldId id="278" r:id="rId5"/>
+    <p:sldId id="258" r:id="rId6"/>
+    <p:sldId id="279" r:id="rId7"/>
+    <p:sldId id="280" r:id="rId8"/>
+    <p:sldId id="281" r:id="rId9"/>
+    <p:sldId id="282" r:id="rId10"/>
+    <p:sldId id="283" r:id="rId11"/>
+    <p:sldId id="284" r:id="rId12"/>
+    <p:sldId id="285" r:id="rId13"/>
+    <p:sldId id="286" r:id="rId14"/>
+    <p:sldId id="260" r:id="rId15"/>
+    <p:sldId id="262" r:id="rId16"/>
+    <p:sldId id="264" r:id="rId17"/>
+    <p:sldId id="263" r:id="rId18"/>
+    <p:sldId id="265" r:id="rId19"/>
+    <p:sldId id="266" r:id="rId20"/>
+    <p:sldId id="267" r:id="rId21"/>
+    <p:sldId id="268" r:id="rId22"/>
+    <p:sldId id="269" r:id="rId23"/>
+    <p:sldId id="270" r:id="rId24"/>
+    <p:sldId id="271" r:id="rId25"/>
+    <p:sldId id="272" r:id="rId26"/>
+    <p:sldId id="273" r:id="rId27"/>
+    <p:sldId id="274" r:id="rId28"/>
+    <p:sldId id="275" r:id="rId29"/>
   </p:sldIdLst>
   <p:sldSz cx="9144000" cy="6858000" type="screen4x3"/>
   <p:notesSz cx="6858000" cy="9144000"/>
@@ -127,6 +135,3228 @@
     </a:lvl9pPr>
   </p:defaultTextStyle>
 </p:presentation>
+</file>
+
+<file path=ppt/diagrams/colors1.xml><?xml version="1.0" encoding="utf-8"?>
+<dgm:colorsDef xmlns:dgm="http://schemas.openxmlformats.org/drawingml/2006/diagram" xmlns:a="http://schemas.openxmlformats.org/drawingml/2006/main" uniqueId="urn:microsoft.com/office/officeart/2005/8/colors/accent3_3">
+  <dgm:title val=""/>
+  <dgm:desc val=""/>
+  <dgm:catLst>
+    <dgm:cat type="accent3" pri="11300"/>
+  </dgm:catLst>
+  <dgm:styleLbl name="node0">
+    <dgm:fillClrLst meth="repeat">
+      <a:schemeClr val="accent3">
+        <a:shade val="80000"/>
+      </a:schemeClr>
+    </dgm:fillClrLst>
+    <dgm:linClrLst meth="repeat">
+      <a:schemeClr val="lt1"/>
+    </dgm:linClrLst>
+    <dgm:effectClrLst/>
+    <dgm:txLinClrLst/>
+    <dgm:txFillClrLst/>
+    <dgm:txEffectClrLst/>
+  </dgm:styleLbl>
+  <dgm:styleLbl name="node1">
+    <dgm:fillClrLst>
+      <a:schemeClr val="accent3">
+        <a:shade val="80000"/>
+      </a:schemeClr>
+      <a:schemeClr val="accent3">
+        <a:tint val="70000"/>
+      </a:schemeClr>
+    </dgm:fillClrLst>
+    <dgm:linClrLst meth="repeat">
+      <a:schemeClr val="lt1"/>
+    </dgm:linClrLst>
+    <dgm:effectClrLst/>
+    <dgm:txLinClrLst/>
+    <dgm:txFillClrLst/>
+    <dgm:txEffectClrLst/>
+  </dgm:styleLbl>
+  <dgm:styleLbl name="alignNode1">
+    <dgm:fillClrLst>
+      <a:schemeClr val="accent3">
+        <a:shade val="80000"/>
+      </a:schemeClr>
+      <a:schemeClr val="accent3">
+        <a:tint val="70000"/>
+      </a:schemeClr>
+    </dgm:fillClrLst>
+    <dgm:linClrLst>
+      <a:schemeClr val="accent3">
+        <a:shade val="80000"/>
+      </a:schemeClr>
+      <a:schemeClr val="accent3">
+        <a:tint val="70000"/>
+      </a:schemeClr>
+    </dgm:linClrLst>
+    <dgm:effectClrLst/>
+    <dgm:txLinClrLst/>
+    <dgm:txFillClrLst/>
+    <dgm:txEffectClrLst/>
+  </dgm:styleLbl>
+  <dgm:styleLbl name="lnNode1">
+    <dgm:fillClrLst>
+      <a:schemeClr val="accent3">
+        <a:shade val="80000"/>
+      </a:schemeClr>
+      <a:schemeClr val="accent3">
+        <a:tint val="70000"/>
+      </a:schemeClr>
+    </dgm:fillClrLst>
+    <dgm:linClrLst meth="repeat">
+      <a:schemeClr val="lt1"/>
+    </dgm:linClrLst>
+    <dgm:effectClrLst/>
+    <dgm:txLinClrLst/>
+    <dgm:txFillClrLst/>
+    <dgm:txEffectClrLst/>
+  </dgm:styleLbl>
+  <dgm:styleLbl name="vennNode1">
+    <dgm:fillClrLst>
+      <a:schemeClr val="accent3">
+        <a:shade val="80000"/>
+        <a:alpha val="50000"/>
+      </a:schemeClr>
+      <a:schemeClr val="accent3">
+        <a:tint val="70000"/>
+        <a:alpha val="50000"/>
+      </a:schemeClr>
+    </dgm:fillClrLst>
+    <dgm:linClrLst meth="repeat">
+      <a:schemeClr val="lt1"/>
+    </dgm:linClrLst>
+    <dgm:effectClrLst/>
+    <dgm:txLinClrLst/>
+    <dgm:txFillClrLst/>
+    <dgm:txEffectClrLst/>
+  </dgm:styleLbl>
+  <dgm:styleLbl name="node2">
+    <dgm:fillClrLst>
+      <a:schemeClr val="accent3">
+        <a:tint val="99000"/>
+      </a:schemeClr>
+    </dgm:fillClrLst>
+    <dgm:linClrLst meth="repeat">
+      <a:schemeClr val="lt1"/>
+    </dgm:linClrLst>
+    <dgm:effectClrLst/>
+    <dgm:txLinClrLst/>
+    <dgm:txFillClrLst/>
+    <dgm:txEffectClrLst/>
+  </dgm:styleLbl>
+  <dgm:styleLbl name="node3">
+    <dgm:fillClrLst>
+      <a:schemeClr val="accent3">
+        <a:tint val="80000"/>
+      </a:schemeClr>
+    </dgm:fillClrLst>
+    <dgm:linClrLst meth="repeat">
+      <a:schemeClr val="lt1"/>
+    </dgm:linClrLst>
+    <dgm:effectClrLst/>
+    <dgm:txLinClrLst/>
+    <dgm:txFillClrLst/>
+    <dgm:txEffectClrLst/>
+  </dgm:styleLbl>
+  <dgm:styleLbl name="node4">
+    <dgm:fillClrLst>
+      <a:schemeClr val="accent3">
+        <a:tint val="70000"/>
+      </a:schemeClr>
+    </dgm:fillClrLst>
+    <dgm:linClrLst meth="repeat">
+      <a:schemeClr val="lt1"/>
+    </dgm:linClrLst>
+    <dgm:effectClrLst/>
+    <dgm:txLinClrLst/>
+    <dgm:txFillClrLst/>
+    <dgm:txEffectClrLst/>
+  </dgm:styleLbl>
+  <dgm:styleLbl name="fgImgPlace1">
+    <dgm:fillClrLst>
+      <a:schemeClr val="accent3">
+        <a:tint val="50000"/>
+      </a:schemeClr>
+      <a:schemeClr val="accent3">
+        <a:tint val="20000"/>
+      </a:schemeClr>
+    </dgm:fillClrLst>
+    <dgm:linClrLst meth="repeat">
+      <a:schemeClr val="lt1"/>
+    </dgm:linClrLst>
+    <dgm:effectClrLst/>
+    <dgm:txLinClrLst/>
+    <dgm:txFillClrLst meth="repeat">
+      <a:schemeClr val="lt1"/>
+    </dgm:txFillClrLst>
+    <dgm:txEffectClrLst/>
+  </dgm:styleLbl>
+  <dgm:styleLbl name="alignImgPlace1">
+    <dgm:fillClrLst>
+      <a:schemeClr val="accent3">
+        <a:tint val="50000"/>
+      </a:schemeClr>
+      <a:schemeClr val="accent3">
+        <a:tint val="20000"/>
+      </a:schemeClr>
+    </dgm:fillClrLst>
+    <dgm:linClrLst meth="repeat">
+      <a:schemeClr val="lt1"/>
+    </dgm:linClrLst>
+    <dgm:effectClrLst/>
+    <dgm:txLinClrLst/>
+    <dgm:txFillClrLst meth="repeat">
+      <a:schemeClr val="lt1"/>
+    </dgm:txFillClrLst>
+    <dgm:txEffectClrLst/>
+  </dgm:styleLbl>
+  <dgm:styleLbl name="bgImgPlace1">
+    <dgm:fillClrLst>
+      <a:schemeClr val="accent3">
+        <a:tint val="50000"/>
+      </a:schemeClr>
+      <a:schemeClr val="accent3">
+        <a:tint val="20000"/>
+      </a:schemeClr>
+    </dgm:fillClrLst>
+    <dgm:linClrLst meth="repeat">
+      <a:schemeClr val="lt1"/>
+    </dgm:linClrLst>
+    <dgm:effectClrLst/>
+    <dgm:txLinClrLst/>
+    <dgm:txFillClrLst meth="repeat">
+      <a:schemeClr val="lt1"/>
+    </dgm:txFillClrLst>
+    <dgm:txEffectClrLst/>
+  </dgm:styleLbl>
+  <dgm:styleLbl name="sibTrans2D1">
+    <dgm:fillClrLst>
+      <a:schemeClr val="accent3">
+        <a:shade val="90000"/>
+      </a:schemeClr>
+      <a:schemeClr val="accent3">
+        <a:tint val="70000"/>
+      </a:schemeClr>
+    </dgm:fillClrLst>
+    <dgm:linClrLst>
+      <a:schemeClr val="accent3">
+        <a:shade val="90000"/>
+      </a:schemeClr>
+      <a:schemeClr val="accent3">
+        <a:tint val="70000"/>
+      </a:schemeClr>
+    </dgm:linClrLst>
+    <dgm:effectClrLst/>
+    <dgm:txLinClrLst/>
+    <dgm:txFillClrLst/>
+    <dgm:txEffectClrLst/>
+  </dgm:styleLbl>
+  <dgm:styleLbl name="fgSibTrans2D1">
+    <dgm:fillClrLst>
+      <a:schemeClr val="accent3">
+        <a:shade val="90000"/>
+      </a:schemeClr>
+      <a:schemeClr val="accent3">
+        <a:tint val="70000"/>
+      </a:schemeClr>
+    </dgm:fillClrLst>
+    <dgm:linClrLst>
+      <a:schemeClr val="accent3">
+        <a:shade val="90000"/>
+      </a:schemeClr>
+      <a:schemeClr val="accent3">
+        <a:tint val="70000"/>
+      </a:schemeClr>
+    </dgm:linClrLst>
+    <dgm:effectClrLst/>
+    <dgm:txLinClrLst/>
+    <dgm:txFillClrLst meth="repeat">
+      <a:schemeClr val="lt1"/>
+    </dgm:txFillClrLst>
+    <dgm:txEffectClrLst/>
+  </dgm:styleLbl>
+  <dgm:styleLbl name="bgSibTrans2D1">
+    <dgm:fillClrLst>
+      <a:schemeClr val="accent3">
+        <a:shade val="90000"/>
+      </a:schemeClr>
+      <a:schemeClr val="accent3">
+        <a:tint val="70000"/>
+      </a:schemeClr>
+    </dgm:fillClrLst>
+    <dgm:linClrLst>
+      <a:schemeClr val="accent3">
+        <a:shade val="90000"/>
+      </a:schemeClr>
+      <a:schemeClr val="accent3">
+        <a:tint val="70000"/>
+      </a:schemeClr>
+    </dgm:linClrLst>
+    <dgm:effectClrLst/>
+    <dgm:txLinClrLst/>
+    <dgm:txFillClrLst meth="repeat">
+      <a:schemeClr val="lt1"/>
+    </dgm:txFillClrLst>
+    <dgm:txEffectClrLst/>
+  </dgm:styleLbl>
+  <dgm:styleLbl name="sibTrans1D1">
+    <dgm:fillClrLst>
+      <a:schemeClr val="accent3">
+        <a:shade val="90000"/>
+      </a:schemeClr>
+      <a:schemeClr val="accent3">
+        <a:tint val="70000"/>
+      </a:schemeClr>
+    </dgm:fillClrLst>
+    <dgm:linClrLst>
+      <a:schemeClr val="accent3">
+        <a:shade val="90000"/>
+      </a:schemeClr>
+      <a:schemeClr val="accent3">
+        <a:tint val="70000"/>
+      </a:schemeClr>
+    </dgm:linClrLst>
+    <dgm:effectClrLst/>
+    <dgm:txLinClrLst/>
+    <dgm:txFillClrLst meth="repeat">
+      <a:schemeClr val="tx1"/>
+    </dgm:txFillClrLst>
+    <dgm:txEffectClrLst/>
+  </dgm:styleLbl>
+  <dgm:styleLbl name="callout">
+    <dgm:fillClrLst meth="repeat">
+      <a:schemeClr val="accent3"/>
+    </dgm:fillClrLst>
+    <dgm:linClrLst meth="repeat">
+      <a:schemeClr val="accent3"/>
+    </dgm:linClrLst>
+    <dgm:effectClrLst/>
+    <dgm:txLinClrLst/>
+    <dgm:txFillClrLst meth="repeat">
+      <a:schemeClr val="tx1"/>
+    </dgm:txFillClrLst>
+    <dgm:txEffectClrLst/>
+  </dgm:styleLbl>
+  <dgm:styleLbl name="asst0">
+    <dgm:fillClrLst meth="repeat">
+      <a:schemeClr val="accent3">
+        <a:shade val="80000"/>
+      </a:schemeClr>
+    </dgm:fillClrLst>
+    <dgm:linClrLst meth="repeat">
+      <a:schemeClr val="lt1"/>
+    </dgm:linClrLst>
+    <dgm:effectClrLst/>
+    <dgm:txLinClrLst/>
+    <dgm:txFillClrLst/>
+    <dgm:txEffectClrLst/>
+  </dgm:styleLbl>
+  <dgm:styleLbl name="asst1">
+    <dgm:fillClrLst meth="repeat">
+      <a:schemeClr val="accent3">
+        <a:shade val="80000"/>
+      </a:schemeClr>
+    </dgm:fillClrLst>
+    <dgm:linClrLst meth="repeat">
+      <a:schemeClr val="lt1"/>
+    </dgm:linClrLst>
+    <dgm:effectClrLst/>
+    <dgm:txLinClrLst/>
+    <dgm:txFillClrLst/>
+    <dgm:txEffectClrLst/>
+  </dgm:styleLbl>
+  <dgm:styleLbl name="asst2">
+    <dgm:fillClrLst>
+      <a:schemeClr val="accent3">
+        <a:tint val="99000"/>
+      </a:schemeClr>
+    </dgm:fillClrLst>
+    <dgm:linClrLst meth="repeat">
+      <a:schemeClr val="lt1"/>
+    </dgm:linClrLst>
+    <dgm:effectClrLst/>
+    <dgm:txLinClrLst/>
+    <dgm:txFillClrLst/>
+    <dgm:txEffectClrLst/>
+  </dgm:styleLbl>
+  <dgm:styleLbl name="asst3">
+    <dgm:fillClrLst>
+      <a:schemeClr val="accent3">
+        <a:tint val="80000"/>
+      </a:schemeClr>
+    </dgm:fillClrLst>
+    <dgm:linClrLst meth="repeat">
+      <a:schemeClr val="lt1"/>
+    </dgm:linClrLst>
+    <dgm:effectClrLst/>
+    <dgm:txLinClrLst/>
+    <dgm:txFillClrLst/>
+    <dgm:txEffectClrLst/>
+  </dgm:styleLbl>
+  <dgm:styleLbl name="asst4">
+    <dgm:fillClrLst>
+      <a:schemeClr val="accent3">
+        <a:tint val="70000"/>
+      </a:schemeClr>
+    </dgm:fillClrLst>
+    <dgm:linClrLst meth="repeat">
+      <a:schemeClr val="lt1"/>
+    </dgm:linClrLst>
+    <dgm:effectClrLst/>
+    <dgm:txLinClrLst/>
+    <dgm:txFillClrLst/>
+    <dgm:txEffectClrLst/>
+  </dgm:styleLbl>
+  <dgm:styleLbl name="parChTrans2D1">
+    <dgm:fillClrLst meth="repeat">
+      <a:schemeClr val="accent3">
+        <a:tint val="60000"/>
+      </a:schemeClr>
+    </dgm:fillClrLst>
+    <dgm:linClrLst meth="repeat">
+      <a:schemeClr val="accent3">
+        <a:tint val="60000"/>
+      </a:schemeClr>
+    </dgm:linClrLst>
+    <dgm:effectClrLst/>
+    <dgm:txLinClrLst/>
+    <dgm:txFillClrLst meth="repeat">
+      <a:schemeClr val="lt1"/>
+    </dgm:txFillClrLst>
+    <dgm:txEffectClrLst/>
+  </dgm:styleLbl>
+  <dgm:styleLbl name="parChTrans2D2">
+    <dgm:fillClrLst meth="repeat">
+      <a:schemeClr val="accent3">
+        <a:tint val="90000"/>
+      </a:schemeClr>
+    </dgm:fillClrLst>
+    <dgm:linClrLst meth="repeat">
+      <a:schemeClr val="accent3">
+        <a:tint val="90000"/>
+      </a:schemeClr>
+    </dgm:linClrLst>
+    <dgm:effectClrLst/>
+    <dgm:txLinClrLst/>
+    <dgm:txFillClrLst/>
+    <dgm:txEffectClrLst/>
+  </dgm:styleLbl>
+  <dgm:styleLbl name="parChTrans2D3">
+    <dgm:fillClrLst meth="repeat">
+      <a:schemeClr val="accent3">
+        <a:tint val="70000"/>
+      </a:schemeClr>
+    </dgm:fillClrLst>
+    <dgm:linClrLst meth="repeat">
+      <a:schemeClr val="accent3">
+        <a:tint val="70000"/>
+      </a:schemeClr>
+    </dgm:linClrLst>
+    <dgm:effectClrLst/>
+    <dgm:txLinClrLst/>
+    <dgm:txFillClrLst/>
+    <dgm:txEffectClrLst/>
+  </dgm:styleLbl>
+  <dgm:styleLbl name="parChTrans2D4">
+    <dgm:fillClrLst meth="repeat">
+      <a:schemeClr val="accent3">
+        <a:tint val="50000"/>
+      </a:schemeClr>
+    </dgm:fillClrLst>
+    <dgm:linClrLst meth="repeat">
+      <a:schemeClr val="accent3">
+        <a:tint val="50000"/>
+      </a:schemeClr>
+    </dgm:linClrLst>
+    <dgm:effectClrLst/>
+    <dgm:txLinClrLst/>
+    <dgm:txFillClrLst meth="repeat">
+      <a:schemeClr val="lt1"/>
+    </dgm:txFillClrLst>
+    <dgm:txEffectClrLst/>
+  </dgm:styleLbl>
+  <dgm:styleLbl name="parChTrans1D1">
+    <dgm:fillClrLst meth="repeat">
+      <a:schemeClr val="accent3">
+        <a:shade val="80000"/>
+      </a:schemeClr>
+    </dgm:fillClrLst>
+    <dgm:linClrLst meth="repeat">
+      <a:schemeClr val="accent3">
+        <a:shade val="80000"/>
+      </a:schemeClr>
+    </dgm:linClrLst>
+    <dgm:effectClrLst/>
+    <dgm:txLinClrLst/>
+    <dgm:txFillClrLst meth="repeat">
+      <a:schemeClr val="tx1"/>
+    </dgm:txFillClrLst>
+    <dgm:txEffectClrLst/>
+  </dgm:styleLbl>
+  <dgm:styleLbl name="parChTrans1D2">
+    <dgm:fillClrLst meth="repeat">
+      <a:schemeClr val="accent3">
+        <a:tint val="99000"/>
+      </a:schemeClr>
+    </dgm:fillClrLst>
+    <dgm:linClrLst meth="repeat">
+      <a:schemeClr val="accent3">
+        <a:tint val="99000"/>
+      </a:schemeClr>
+    </dgm:linClrLst>
+    <dgm:effectClrLst/>
+    <dgm:txLinClrLst/>
+    <dgm:txFillClrLst meth="repeat">
+      <a:schemeClr val="tx1"/>
+    </dgm:txFillClrLst>
+    <dgm:txEffectClrLst/>
+  </dgm:styleLbl>
+  <dgm:styleLbl name="parChTrans1D3">
+    <dgm:fillClrLst meth="repeat">
+      <a:schemeClr val="accent3">
+        <a:tint val="80000"/>
+      </a:schemeClr>
+    </dgm:fillClrLst>
+    <dgm:linClrLst meth="repeat">
+      <a:schemeClr val="accent3">
+        <a:tint val="80000"/>
+      </a:schemeClr>
+    </dgm:linClrLst>
+    <dgm:effectClrLst/>
+    <dgm:txLinClrLst/>
+    <dgm:txFillClrLst meth="repeat">
+      <a:schemeClr val="tx1"/>
+    </dgm:txFillClrLst>
+    <dgm:txEffectClrLst/>
+  </dgm:styleLbl>
+  <dgm:styleLbl name="parChTrans1D4">
+    <dgm:fillClrLst meth="repeat">
+      <a:schemeClr val="accent3">
+        <a:tint val="70000"/>
+      </a:schemeClr>
+    </dgm:fillClrLst>
+    <dgm:linClrLst meth="repeat">
+      <a:schemeClr val="accent3">
+        <a:tint val="70000"/>
+      </a:schemeClr>
+    </dgm:linClrLst>
+    <dgm:effectClrLst/>
+    <dgm:txLinClrLst/>
+    <dgm:txFillClrLst meth="repeat">
+      <a:schemeClr val="tx1"/>
+    </dgm:txFillClrLst>
+    <dgm:txEffectClrLst/>
+  </dgm:styleLbl>
+  <dgm:styleLbl name="fgAcc1">
+    <dgm:fillClrLst meth="repeat">
+      <a:schemeClr val="lt1">
+        <a:alpha val="90000"/>
+      </a:schemeClr>
+    </dgm:fillClrLst>
+    <dgm:linClrLst>
+      <a:schemeClr val="accent3">
+        <a:shade val="80000"/>
+      </a:schemeClr>
+      <a:schemeClr val="accent3">
+        <a:tint val="70000"/>
+      </a:schemeClr>
+    </dgm:linClrLst>
+    <dgm:effectClrLst/>
+    <dgm:txLinClrLst/>
+    <dgm:txFillClrLst meth="repeat">
+      <a:schemeClr val="dk1"/>
+    </dgm:txFillClrLst>
+    <dgm:txEffectClrLst/>
+  </dgm:styleLbl>
+  <dgm:styleLbl name="conFgAcc1">
+    <dgm:fillClrLst meth="repeat">
+      <a:schemeClr val="lt1">
+        <a:alpha val="90000"/>
+      </a:schemeClr>
+    </dgm:fillClrLst>
+    <dgm:linClrLst>
+      <a:schemeClr val="accent3">
+        <a:shade val="80000"/>
+      </a:schemeClr>
+      <a:schemeClr val="accent3">
+        <a:tint val="70000"/>
+      </a:schemeClr>
+    </dgm:linClrLst>
+    <dgm:effectClrLst/>
+    <dgm:txLinClrLst/>
+    <dgm:txFillClrLst meth="repeat">
+      <a:schemeClr val="dk1"/>
+    </dgm:txFillClrLst>
+    <dgm:txEffectClrLst/>
+  </dgm:styleLbl>
+  <dgm:styleLbl name="alignAcc1">
+    <dgm:fillClrLst meth="repeat">
+      <a:schemeClr val="lt1">
+        <a:alpha val="90000"/>
+      </a:schemeClr>
+    </dgm:fillClrLst>
+    <dgm:linClrLst>
+      <a:schemeClr val="accent3">
+        <a:shade val="80000"/>
+      </a:schemeClr>
+      <a:schemeClr val="accent3">
+        <a:tint val="70000"/>
+      </a:schemeClr>
+    </dgm:linClrLst>
+    <dgm:effectClrLst/>
+    <dgm:txLinClrLst/>
+    <dgm:txFillClrLst meth="repeat">
+      <a:schemeClr val="dk1"/>
+    </dgm:txFillClrLst>
+    <dgm:txEffectClrLst/>
+  </dgm:styleLbl>
+  <dgm:styleLbl name="trAlignAcc1">
+    <dgm:fillClrLst meth="repeat">
+      <a:schemeClr val="lt1">
+        <a:alpha val="40000"/>
+      </a:schemeClr>
+    </dgm:fillClrLst>
+    <dgm:linClrLst meth="repeat">
+      <a:schemeClr val="accent3"/>
+    </dgm:linClrLst>
+    <dgm:effectClrLst/>
+    <dgm:txLinClrLst/>
+    <dgm:txFillClrLst meth="repeat">
+      <a:schemeClr val="dk1"/>
+    </dgm:txFillClrLst>
+    <dgm:txEffectClrLst/>
+  </dgm:styleLbl>
+  <dgm:styleLbl name="bgAcc1">
+    <dgm:fillClrLst meth="repeat">
+      <a:schemeClr val="lt1">
+        <a:alpha val="90000"/>
+      </a:schemeClr>
+    </dgm:fillClrLst>
+    <dgm:linClrLst>
+      <a:schemeClr val="accent3">
+        <a:shade val="80000"/>
+      </a:schemeClr>
+      <a:schemeClr val="accent3">
+        <a:tint val="70000"/>
+      </a:schemeClr>
+    </dgm:linClrLst>
+    <dgm:effectClrLst/>
+    <dgm:txLinClrLst/>
+    <dgm:txFillClrLst meth="repeat">
+      <a:schemeClr val="dk1"/>
+    </dgm:txFillClrLst>
+    <dgm:txEffectClrLst/>
+  </dgm:styleLbl>
+  <dgm:styleLbl name="solidFgAcc1">
+    <dgm:fillClrLst meth="repeat">
+      <a:schemeClr val="lt1"/>
+    </dgm:fillClrLst>
+    <dgm:linClrLst>
+      <a:schemeClr val="accent3">
+        <a:shade val="80000"/>
+      </a:schemeClr>
+      <a:schemeClr val="accent3">
+        <a:tint val="70000"/>
+      </a:schemeClr>
+    </dgm:linClrLst>
+    <dgm:effectClrLst/>
+    <dgm:txLinClrLst/>
+    <dgm:txFillClrLst meth="repeat">
+      <a:schemeClr val="dk1"/>
+    </dgm:txFillClrLst>
+    <dgm:txEffectClrLst/>
+  </dgm:styleLbl>
+  <dgm:styleLbl name="solidAlignAcc1">
+    <dgm:fillClrLst meth="repeat">
+      <a:schemeClr val="lt1"/>
+    </dgm:fillClrLst>
+    <dgm:linClrLst meth="repeat">
+      <a:schemeClr val="accent3"/>
+    </dgm:linClrLst>
+    <dgm:effectClrLst/>
+    <dgm:txLinClrLst/>
+    <dgm:txFillClrLst meth="repeat">
+      <a:schemeClr val="dk1"/>
+    </dgm:txFillClrLst>
+    <dgm:txEffectClrLst/>
+  </dgm:styleLbl>
+  <dgm:styleLbl name="solidBgAcc1">
+    <dgm:fillClrLst meth="repeat">
+      <a:schemeClr val="lt1"/>
+    </dgm:fillClrLst>
+    <dgm:linClrLst meth="repeat">
+      <a:schemeClr val="accent3"/>
+    </dgm:linClrLst>
+    <dgm:effectClrLst/>
+    <dgm:txLinClrLst/>
+    <dgm:txFillClrLst meth="repeat">
+      <a:schemeClr val="dk1"/>
+    </dgm:txFillClrLst>
+    <dgm:txEffectClrLst/>
+  </dgm:styleLbl>
+  <dgm:styleLbl name="fgAccFollowNode1">
+    <dgm:fillClrLst meth="repeat">
+      <a:schemeClr val="accent3">
+        <a:alpha val="90000"/>
+        <a:tint val="40000"/>
+      </a:schemeClr>
+    </dgm:fillClrLst>
+    <dgm:linClrLst meth="repeat">
+      <a:schemeClr val="accent3">
+        <a:alpha val="90000"/>
+        <a:tint val="40000"/>
+      </a:schemeClr>
+    </dgm:linClrLst>
+    <dgm:effectClrLst/>
+    <dgm:txLinClrLst/>
+    <dgm:txFillClrLst meth="repeat">
+      <a:schemeClr val="dk1"/>
+    </dgm:txFillClrLst>
+    <dgm:txEffectClrLst/>
+  </dgm:styleLbl>
+  <dgm:styleLbl name="alignAccFollowNode1">
+    <dgm:fillClrLst meth="repeat">
+      <a:schemeClr val="accent3">
+        <a:alpha val="90000"/>
+        <a:tint val="40000"/>
+      </a:schemeClr>
+    </dgm:fillClrLst>
+    <dgm:linClrLst meth="repeat">
+      <a:schemeClr val="accent3">
+        <a:alpha val="90000"/>
+        <a:tint val="40000"/>
+      </a:schemeClr>
+    </dgm:linClrLst>
+    <dgm:effectClrLst/>
+    <dgm:txLinClrLst/>
+    <dgm:txFillClrLst meth="repeat">
+      <a:schemeClr val="dk1"/>
+    </dgm:txFillClrLst>
+    <dgm:txEffectClrLst/>
+  </dgm:styleLbl>
+  <dgm:styleLbl name="bgAccFollowNode1">
+    <dgm:fillClrLst meth="repeat">
+      <a:schemeClr val="accent3">
+        <a:alpha val="90000"/>
+        <a:tint val="40000"/>
+      </a:schemeClr>
+    </dgm:fillClrLst>
+    <dgm:linClrLst meth="repeat">
+      <a:schemeClr val="lt1"/>
+    </dgm:linClrLst>
+    <dgm:effectClrLst/>
+    <dgm:txLinClrLst/>
+    <dgm:txFillClrLst meth="repeat">
+      <a:schemeClr val="dk1"/>
+    </dgm:txFillClrLst>
+    <dgm:txEffectClrLst/>
+  </dgm:styleLbl>
+  <dgm:styleLbl name="fgAcc0">
+    <dgm:fillClrLst meth="repeat">
+      <a:schemeClr val="lt1">
+        <a:alpha val="90000"/>
+      </a:schemeClr>
+    </dgm:fillClrLst>
+    <dgm:linClrLst meth="repeat">
+      <a:schemeClr val="accent3">
+        <a:shade val="80000"/>
+      </a:schemeClr>
+    </dgm:linClrLst>
+    <dgm:effectClrLst/>
+    <dgm:txLinClrLst/>
+    <dgm:txFillClrLst meth="repeat">
+      <a:schemeClr val="dk1"/>
+    </dgm:txFillClrLst>
+    <dgm:txEffectClrLst/>
+  </dgm:styleLbl>
+  <dgm:styleLbl name="fgAcc2">
+    <dgm:fillClrLst meth="repeat">
+      <a:schemeClr val="lt1">
+        <a:alpha val="90000"/>
+      </a:schemeClr>
+    </dgm:fillClrLst>
+    <dgm:linClrLst meth="repeat">
+      <a:schemeClr val="accent3">
+        <a:tint val="99000"/>
+      </a:schemeClr>
+    </dgm:linClrLst>
+    <dgm:effectClrLst/>
+    <dgm:txLinClrLst/>
+    <dgm:txFillClrLst meth="repeat">
+      <a:schemeClr val="dk1"/>
+    </dgm:txFillClrLst>
+    <dgm:txEffectClrLst/>
+  </dgm:styleLbl>
+  <dgm:styleLbl name="fgAcc3">
+    <dgm:fillClrLst meth="repeat">
+      <a:schemeClr val="lt1">
+        <a:alpha val="90000"/>
+      </a:schemeClr>
+    </dgm:fillClrLst>
+    <dgm:linClrLst meth="repeat">
+      <a:schemeClr val="accent3">
+        <a:tint val="80000"/>
+      </a:schemeClr>
+    </dgm:linClrLst>
+    <dgm:effectClrLst/>
+    <dgm:txLinClrLst/>
+    <dgm:txFillClrLst meth="repeat">
+      <a:schemeClr val="dk1"/>
+    </dgm:txFillClrLst>
+    <dgm:txEffectClrLst/>
+  </dgm:styleLbl>
+  <dgm:styleLbl name="fgAcc4">
+    <dgm:fillClrLst meth="repeat">
+      <a:schemeClr val="lt1">
+        <a:alpha val="90000"/>
+      </a:schemeClr>
+    </dgm:fillClrLst>
+    <dgm:linClrLst meth="repeat">
+      <a:schemeClr val="accent3">
+        <a:tint val="70000"/>
+      </a:schemeClr>
+    </dgm:linClrLst>
+    <dgm:effectClrLst/>
+    <dgm:txLinClrLst/>
+    <dgm:txFillClrLst meth="repeat">
+      <a:schemeClr val="dk1"/>
+    </dgm:txFillClrLst>
+    <dgm:txEffectClrLst/>
+  </dgm:styleLbl>
+  <dgm:styleLbl name="bgShp">
+    <dgm:fillClrLst meth="repeat">
+      <a:schemeClr val="accent3">
+        <a:tint val="40000"/>
+      </a:schemeClr>
+    </dgm:fillClrLst>
+    <dgm:linClrLst meth="repeat">
+      <a:schemeClr val="dk1"/>
+    </dgm:linClrLst>
+    <dgm:effectClrLst/>
+    <dgm:txLinClrLst/>
+    <dgm:txFillClrLst meth="repeat">
+      <a:schemeClr val="dk1"/>
+    </dgm:txFillClrLst>
+    <dgm:txEffectClrLst/>
+  </dgm:styleLbl>
+  <dgm:styleLbl name="dkBgShp">
+    <dgm:fillClrLst meth="repeat">
+      <a:schemeClr val="accent3">
+        <a:shade val="90000"/>
+      </a:schemeClr>
+    </dgm:fillClrLst>
+    <dgm:linClrLst meth="repeat">
+      <a:schemeClr val="dk1"/>
+    </dgm:linClrLst>
+    <dgm:effectClrLst/>
+    <dgm:txLinClrLst/>
+    <dgm:txFillClrLst meth="repeat">
+      <a:schemeClr val="lt1"/>
+    </dgm:txFillClrLst>
+    <dgm:txEffectClrLst/>
+  </dgm:styleLbl>
+  <dgm:styleLbl name="trBgShp">
+    <dgm:fillClrLst meth="repeat">
+      <a:schemeClr val="accent3">
+        <a:tint val="50000"/>
+        <a:alpha val="40000"/>
+      </a:schemeClr>
+    </dgm:fillClrLst>
+    <dgm:linClrLst meth="repeat">
+      <a:schemeClr val="accent3"/>
+    </dgm:linClrLst>
+    <dgm:effectClrLst/>
+    <dgm:txLinClrLst/>
+    <dgm:txFillClrLst meth="repeat">
+      <a:schemeClr val="lt1"/>
+    </dgm:txFillClrLst>
+    <dgm:txEffectClrLst/>
+  </dgm:styleLbl>
+  <dgm:styleLbl name="fgShp">
+    <dgm:fillClrLst meth="repeat">
+      <a:schemeClr val="accent3">
+        <a:tint val="40000"/>
+      </a:schemeClr>
+    </dgm:fillClrLst>
+    <dgm:linClrLst meth="repeat">
+      <a:schemeClr val="lt1"/>
+    </dgm:linClrLst>
+    <dgm:effectClrLst/>
+    <dgm:txLinClrLst/>
+    <dgm:txFillClrLst meth="repeat">
+      <a:schemeClr val="dk1"/>
+    </dgm:txFillClrLst>
+    <dgm:txEffectClrLst/>
+  </dgm:styleLbl>
+  <dgm:styleLbl name="revTx">
+    <dgm:fillClrLst meth="repeat">
+      <a:schemeClr val="lt1">
+        <a:alpha val="0"/>
+      </a:schemeClr>
+    </dgm:fillClrLst>
+    <dgm:linClrLst meth="repeat">
+      <a:schemeClr val="dk1">
+        <a:alpha val="0"/>
+      </a:schemeClr>
+    </dgm:linClrLst>
+    <dgm:effectClrLst/>
+    <dgm:txLinClrLst/>
+    <dgm:txFillClrLst meth="repeat">
+      <a:schemeClr val="tx1"/>
+    </dgm:txFillClrLst>
+    <dgm:txEffectClrLst/>
+  </dgm:styleLbl>
+</dgm:colorsDef>
+</file>
+
+<file path=ppt/diagrams/data1.xml><?xml version="1.0" encoding="utf-8"?>
+<dgm:dataModel xmlns:dgm="http://schemas.openxmlformats.org/drawingml/2006/diagram" xmlns:a="http://schemas.openxmlformats.org/drawingml/2006/main">
+  <dgm:ptLst>
+    <dgm:pt modelId="{4773A4CB-DE17-43DA-AE55-332A33065CFE}" type="doc">
+      <dgm:prSet loTypeId="urn:microsoft.com/office/officeart/2005/8/layout/hierarchy4" loCatId="hierarchy" qsTypeId="urn:microsoft.com/office/officeart/2005/8/quickstyle/simple1" qsCatId="simple" csTypeId="urn:microsoft.com/office/officeart/2005/8/colors/accent3_3" csCatId="accent3" phldr="1"/>
+      <dgm:spPr/>
+      <dgm:t>
+        <a:bodyPr/>
+        <a:lstStyle/>
+        <a:p>
+          <a:endParaRPr lang="de-AT"/>
+        </a:p>
+      </dgm:t>
+    </dgm:pt>
+    <dgm:pt modelId="{A02FDD53-61E2-4919-8539-BDE854692DE6}">
+      <dgm:prSet phldrT="[Text]"/>
+      <dgm:spPr/>
+      <dgm:t>
+        <a:bodyPr/>
+        <a:lstStyle/>
+        <a:p>
+          <a:r>
+            <a:rPr lang="de-AT" dirty="0" smtClean="0"/>
+            <a:t>Kommunikationsschicht</a:t>
+          </a:r>
+          <a:endParaRPr lang="de-AT" dirty="0"/>
+        </a:p>
+      </dgm:t>
+    </dgm:pt>
+    <dgm:pt modelId="{1B89847F-A8DC-4A7A-8EEC-9B13168725CA}" type="parTrans" cxnId="{5428B0DA-ACA5-4403-9A23-8F4D8D2FC486}">
+      <dgm:prSet/>
+      <dgm:spPr/>
+      <dgm:t>
+        <a:bodyPr/>
+        <a:lstStyle/>
+        <a:p>
+          <a:endParaRPr lang="de-AT"/>
+        </a:p>
+      </dgm:t>
+    </dgm:pt>
+    <dgm:pt modelId="{67191F1E-C01C-42C3-8324-C78FE3158AB7}" type="sibTrans" cxnId="{5428B0DA-ACA5-4403-9A23-8F4D8D2FC486}">
+      <dgm:prSet/>
+      <dgm:spPr/>
+      <dgm:t>
+        <a:bodyPr/>
+        <a:lstStyle/>
+        <a:p>
+          <a:endParaRPr lang="de-AT"/>
+        </a:p>
+      </dgm:t>
+    </dgm:pt>
+    <dgm:pt modelId="{01F9321B-7D32-49EF-B567-2114954A7AB1}">
+      <dgm:prSet phldrT="[Text]"/>
+      <dgm:spPr/>
+      <dgm:t>
+        <a:bodyPr/>
+        <a:lstStyle/>
+        <a:p>
+          <a:r>
+            <a:rPr lang="de-AT" dirty="0" smtClean="0"/>
+            <a:t>Anwendungslogik</a:t>
+          </a:r>
+          <a:endParaRPr lang="de-AT" dirty="0"/>
+        </a:p>
+      </dgm:t>
+    </dgm:pt>
+    <dgm:pt modelId="{B8FC3329-24FA-4D2A-B92C-89E785E66C22}" type="parTrans" cxnId="{0C96B79E-1119-4011-A46F-194C832EAC42}">
+      <dgm:prSet/>
+      <dgm:spPr/>
+      <dgm:t>
+        <a:bodyPr/>
+        <a:lstStyle/>
+        <a:p>
+          <a:endParaRPr lang="de-AT"/>
+        </a:p>
+      </dgm:t>
+    </dgm:pt>
+    <dgm:pt modelId="{3A76BABA-DF42-46E3-B7E7-8994CD423005}" type="sibTrans" cxnId="{0C96B79E-1119-4011-A46F-194C832EAC42}">
+      <dgm:prSet/>
+      <dgm:spPr/>
+      <dgm:t>
+        <a:bodyPr/>
+        <a:lstStyle/>
+        <a:p>
+          <a:endParaRPr lang="de-AT"/>
+        </a:p>
+      </dgm:t>
+    </dgm:pt>
+    <dgm:pt modelId="{508F67C3-D501-45DC-983E-9FD7E0CF32FF}">
+      <dgm:prSet phldrT="[Text]"/>
+      <dgm:spPr/>
+      <dgm:t>
+        <a:bodyPr/>
+        <a:lstStyle/>
+        <a:p>
+          <a:r>
+            <a:rPr lang="de-AT" dirty="0" smtClean="0"/>
+            <a:t>Businesslogik</a:t>
+          </a:r>
+          <a:endParaRPr lang="de-AT" dirty="0"/>
+        </a:p>
+      </dgm:t>
+    </dgm:pt>
+    <dgm:pt modelId="{BA254FC8-B205-4DD3-AB56-E0553F03F96B}" type="parTrans" cxnId="{508D737E-F5AD-4514-931A-870C84EEDAFB}">
+      <dgm:prSet/>
+      <dgm:spPr/>
+      <dgm:t>
+        <a:bodyPr/>
+        <a:lstStyle/>
+        <a:p>
+          <a:endParaRPr lang="de-AT"/>
+        </a:p>
+      </dgm:t>
+    </dgm:pt>
+    <dgm:pt modelId="{ED668B4C-DE8F-4C2A-BB36-575B70317B31}" type="sibTrans" cxnId="{508D737E-F5AD-4514-931A-870C84EEDAFB}">
+      <dgm:prSet/>
+      <dgm:spPr/>
+      <dgm:t>
+        <a:bodyPr/>
+        <a:lstStyle/>
+        <a:p>
+          <a:endParaRPr lang="de-AT"/>
+        </a:p>
+      </dgm:t>
+    </dgm:pt>
+    <dgm:pt modelId="{567F1570-040B-4F40-ACA7-7A0064F0DD04}">
+      <dgm:prSet phldrT="[Text]"/>
+      <dgm:spPr/>
+      <dgm:t>
+        <a:bodyPr/>
+        <a:lstStyle/>
+        <a:p>
+          <a:r>
+            <a:rPr lang="de-AT" dirty="0" smtClean="0"/>
+            <a:t>Datenabstraktion</a:t>
+          </a:r>
+          <a:endParaRPr lang="de-AT" dirty="0"/>
+        </a:p>
+      </dgm:t>
+    </dgm:pt>
+    <dgm:pt modelId="{7F06D23C-D223-43E3-BED3-75035B05E1CC}" type="parTrans" cxnId="{EB30EEF9-1001-48D5-80F3-6C6B52423C89}">
+      <dgm:prSet/>
+      <dgm:spPr/>
+      <dgm:t>
+        <a:bodyPr/>
+        <a:lstStyle/>
+        <a:p>
+          <a:endParaRPr lang="de-AT"/>
+        </a:p>
+      </dgm:t>
+    </dgm:pt>
+    <dgm:pt modelId="{71DFAB5F-F79C-458F-9A6D-BAFED27D1F62}" type="sibTrans" cxnId="{EB30EEF9-1001-48D5-80F3-6C6B52423C89}">
+      <dgm:prSet/>
+      <dgm:spPr/>
+      <dgm:t>
+        <a:bodyPr/>
+        <a:lstStyle/>
+        <a:p>
+          <a:endParaRPr lang="de-AT"/>
+        </a:p>
+      </dgm:t>
+    </dgm:pt>
+    <dgm:pt modelId="{6E930AF4-1093-49CD-8DA3-7B7E8B19A502}">
+      <dgm:prSet phldrT="[Text]"/>
+      <dgm:spPr/>
+      <dgm:t>
+        <a:bodyPr/>
+        <a:lstStyle/>
+        <a:p>
+          <a:r>
+            <a:rPr lang="de-AT" dirty="0" smtClean="0"/>
+            <a:t>Daten</a:t>
+          </a:r>
+          <a:endParaRPr lang="de-AT" dirty="0"/>
+        </a:p>
+      </dgm:t>
+    </dgm:pt>
+    <dgm:pt modelId="{AD02AB8E-042A-4394-BB2C-CAE75A8D12DF}" type="parTrans" cxnId="{D268358D-E6FD-451F-9062-A52FBBAE44BD}">
+      <dgm:prSet/>
+      <dgm:spPr/>
+      <dgm:t>
+        <a:bodyPr/>
+        <a:lstStyle/>
+        <a:p>
+          <a:endParaRPr lang="de-AT"/>
+        </a:p>
+      </dgm:t>
+    </dgm:pt>
+    <dgm:pt modelId="{005C3811-1F29-4853-AD4A-6F88F5A2D1BC}" type="sibTrans" cxnId="{D268358D-E6FD-451F-9062-A52FBBAE44BD}">
+      <dgm:prSet/>
+      <dgm:spPr/>
+      <dgm:t>
+        <a:bodyPr/>
+        <a:lstStyle/>
+        <a:p>
+          <a:endParaRPr lang="de-AT"/>
+        </a:p>
+      </dgm:t>
+    </dgm:pt>
+    <dgm:pt modelId="{11F4B928-078B-4BA7-90F8-4F585371C77B}" type="pres">
+      <dgm:prSet presAssocID="{4773A4CB-DE17-43DA-AE55-332A33065CFE}" presName="Name0" presStyleCnt="0">
+        <dgm:presLayoutVars>
+          <dgm:chPref val="1"/>
+          <dgm:dir/>
+          <dgm:animOne val="branch"/>
+          <dgm:animLvl val="lvl"/>
+          <dgm:resizeHandles/>
+        </dgm:presLayoutVars>
+      </dgm:prSet>
+      <dgm:spPr/>
+    </dgm:pt>
+    <dgm:pt modelId="{512A2A93-774C-4D10-AADB-D044CAB9C57B}" type="pres">
+      <dgm:prSet presAssocID="{A02FDD53-61E2-4919-8539-BDE854692DE6}" presName="vertOne" presStyleCnt="0"/>
+      <dgm:spPr/>
+    </dgm:pt>
+    <dgm:pt modelId="{0BB0D374-1138-4270-8FBE-F9F593F638CB}" type="pres">
+      <dgm:prSet presAssocID="{A02FDD53-61E2-4919-8539-BDE854692DE6}" presName="txOne" presStyleLbl="node0" presStyleIdx="0" presStyleCnt="1">
+        <dgm:presLayoutVars>
+          <dgm:chPref val="3"/>
+        </dgm:presLayoutVars>
+      </dgm:prSet>
+      <dgm:spPr/>
+      <dgm:t>
+        <a:bodyPr/>
+        <a:lstStyle/>
+        <a:p>
+          <a:endParaRPr lang="de-AT"/>
+        </a:p>
+      </dgm:t>
+    </dgm:pt>
+    <dgm:pt modelId="{AA235959-66CA-4F3A-A5F9-CA15E068A9E6}" type="pres">
+      <dgm:prSet presAssocID="{A02FDD53-61E2-4919-8539-BDE854692DE6}" presName="parTransOne" presStyleCnt="0"/>
+      <dgm:spPr/>
+    </dgm:pt>
+    <dgm:pt modelId="{75B1B6FF-D78E-4861-BFA0-89287CFCB587}" type="pres">
+      <dgm:prSet presAssocID="{A02FDD53-61E2-4919-8539-BDE854692DE6}" presName="horzOne" presStyleCnt="0"/>
+      <dgm:spPr/>
+    </dgm:pt>
+    <dgm:pt modelId="{37863B87-A249-4526-827E-25721AF48325}" type="pres">
+      <dgm:prSet presAssocID="{01F9321B-7D32-49EF-B567-2114954A7AB1}" presName="vertTwo" presStyleCnt="0"/>
+      <dgm:spPr/>
+    </dgm:pt>
+    <dgm:pt modelId="{DD78CEA1-1A34-4F81-AD02-1ADA132D2132}" type="pres">
+      <dgm:prSet presAssocID="{01F9321B-7D32-49EF-B567-2114954A7AB1}" presName="txTwo" presStyleLbl="node2" presStyleIdx="0" presStyleCnt="1">
+        <dgm:presLayoutVars>
+          <dgm:chPref val="3"/>
+        </dgm:presLayoutVars>
+      </dgm:prSet>
+      <dgm:spPr/>
+    </dgm:pt>
+    <dgm:pt modelId="{27650347-27D0-4C06-AD47-B770F3B345D6}" type="pres">
+      <dgm:prSet presAssocID="{01F9321B-7D32-49EF-B567-2114954A7AB1}" presName="parTransTwo" presStyleCnt="0"/>
+      <dgm:spPr/>
+    </dgm:pt>
+    <dgm:pt modelId="{7AAE93C5-764B-46E1-96B0-8898427A7654}" type="pres">
+      <dgm:prSet presAssocID="{01F9321B-7D32-49EF-B567-2114954A7AB1}" presName="horzTwo" presStyleCnt="0"/>
+      <dgm:spPr/>
+    </dgm:pt>
+    <dgm:pt modelId="{A200FB96-0FB6-4281-803F-334C2A299C86}" type="pres">
+      <dgm:prSet presAssocID="{508F67C3-D501-45DC-983E-9FD7E0CF32FF}" presName="vertThree" presStyleCnt="0"/>
+      <dgm:spPr/>
+    </dgm:pt>
+    <dgm:pt modelId="{1C5E28C1-2749-4059-9990-AE1F14F675A4}" type="pres">
+      <dgm:prSet presAssocID="{508F67C3-D501-45DC-983E-9FD7E0CF32FF}" presName="txThree" presStyleLbl="node3" presStyleIdx="0" presStyleCnt="1">
+        <dgm:presLayoutVars>
+          <dgm:chPref val="3"/>
+        </dgm:presLayoutVars>
+      </dgm:prSet>
+      <dgm:spPr/>
+    </dgm:pt>
+    <dgm:pt modelId="{84D9FBAC-34AF-4F6F-97AC-22EDB5FD48F5}" type="pres">
+      <dgm:prSet presAssocID="{508F67C3-D501-45DC-983E-9FD7E0CF32FF}" presName="parTransThree" presStyleCnt="0"/>
+      <dgm:spPr/>
+    </dgm:pt>
+    <dgm:pt modelId="{1761342A-E280-4C52-81E4-90A93B54290F}" type="pres">
+      <dgm:prSet presAssocID="{508F67C3-D501-45DC-983E-9FD7E0CF32FF}" presName="horzThree" presStyleCnt="0"/>
+      <dgm:spPr/>
+    </dgm:pt>
+    <dgm:pt modelId="{592AAD7B-A574-4297-A539-A58A5985A360}" type="pres">
+      <dgm:prSet presAssocID="{567F1570-040B-4F40-ACA7-7A0064F0DD04}" presName="vertFour" presStyleCnt="0">
+        <dgm:presLayoutVars>
+          <dgm:chPref val="3"/>
+        </dgm:presLayoutVars>
+      </dgm:prSet>
+      <dgm:spPr/>
+    </dgm:pt>
+    <dgm:pt modelId="{2350346C-D084-4FD3-9831-AE6164A34041}" type="pres">
+      <dgm:prSet presAssocID="{567F1570-040B-4F40-ACA7-7A0064F0DD04}" presName="txFour" presStyleLbl="node4" presStyleIdx="0" presStyleCnt="2">
+        <dgm:presLayoutVars>
+          <dgm:chPref val="3"/>
+        </dgm:presLayoutVars>
+      </dgm:prSet>
+      <dgm:spPr/>
+      <dgm:t>
+        <a:bodyPr/>
+        <a:lstStyle/>
+        <a:p>
+          <a:endParaRPr lang="de-AT"/>
+        </a:p>
+      </dgm:t>
+    </dgm:pt>
+    <dgm:pt modelId="{6C26E5A3-F23E-4426-8619-D1E44AC7CF38}" type="pres">
+      <dgm:prSet presAssocID="{567F1570-040B-4F40-ACA7-7A0064F0DD04}" presName="parTransFour" presStyleCnt="0"/>
+      <dgm:spPr/>
+    </dgm:pt>
+    <dgm:pt modelId="{5A45F187-56DE-44AF-93A7-2D309860B315}" type="pres">
+      <dgm:prSet presAssocID="{567F1570-040B-4F40-ACA7-7A0064F0DD04}" presName="horzFour" presStyleCnt="0"/>
+      <dgm:spPr/>
+    </dgm:pt>
+    <dgm:pt modelId="{5A081AD5-3D6E-4874-9311-726B867A6D43}" type="pres">
+      <dgm:prSet presAssocID="{6E930AF4-1093-49CD-8DA3-7B7E8B19A502}" presName="vertFour" presStyleCnt="0">
+        <dgm:presLayoutVars>
+          <dgm:chPref val="3"/>
+        </dgm:presLayoutVars>
+      </dgm:prSet>
+      <dgm:spPr/>
+    </dgm:pt>
+    <dgm:pt modelId="{1CD611B8-58A5-45CA-BBA0-AD0CB72569D3}" type="pres">
+      <dgm:prSet presAssocID="{6E930AF4-1093-49CD-8DA3-7B7E8B19A502}" presName="txFour" presStyleLbl="node4" presStyleIdx="1" presStyleCnt="2">
+        <dgm:presLayoutVars>
+          <dgm:chPref val="3"/>
+        </dgm:presLayoutVars>
+      </dgm:prSet>
+      <dgm:spPr/>
+      <dgm:t>
+        <a:bodyPr/>
+        <a:lstStyle/>
+        <a:p>
+          <a:endParaRPr lang="de-AT"/>
+        </a:p>
+      </dgm:t>
+    </dgm:pt>
+    <dgm:pt modelId="{CA816DAD-6C51-4978-A516-499362D5F80E}" type="pres">
+      <dgm:prSet presAssocID="{6E930AF4-1093-49CD-8DA3-7B7E8B19A502}" presName="horzFour" presStyleCnt="0"/>
+      <dgm:spPr/>
+    </dgm:pt>
+  </dgm:ptLst>
+  <dgm:cxnLst>
+    <dgm:cxn modelId="{0C96B79E-1119-4011-A46F-194C832EAC42}" srcId="{A02FDD53-61E2-4919-8539-BDE854692DE6}" destId="{01F9321B-7D32-49EF-B567-2114954A7AB1}" srcOrd="0" destOrd="0" parTransId="{B8FC3329-24FA-4D2A-B92C-89E785E66C22}" sibTransId="{3A76BABA-DF42-46E3-B7E7-8994CD423005}"/>
+    <dgm:cxn modelId="{D268358D-E6FD-451F-9062-A52FBBAE44BD}" srcId="{567F1570-040B-4F40-ACA7-7A0064F0DD04}" destId="{6E930AF4-1093-49CD-8DA3-7B7E8B19A502}" srcOrd="0" destOrd="0" parTransId="{AD02AB8E-042A-4394-BB2C-CAE75A8D12DF}" sibTransId="{005C3811-1F29-4853-AD4A-6F88F5A2D1BC}"/>
+    <dgm:cxn modelId="{C52E8EC4-2C3F-47AA-BBCE-181F4F24B36D}" type="presOf" srcId="{508F67C3-D501-45DC-983E-9FD7E0CF32FF}" destId="{1C5E28C1-2749-4059-9990-AE1F14F675A4}" srcOrd="0" destOrd="0" presId="urn:microsoft.com/office/officeart/2005/8/layout/hierarchy4"/>
+    <dgm:cxn modelId="{EB30EEF9-1001-48D5-80F3-6C6B52423C89}" srcId="{508F67C3-D501-45DC-983E-9FD7E0CF32FF}" destId="{567F1570-040B-4F40-ACA7-7A0064F0DD04}" srcOrd="0" destOrd="0" parTransId="{7F06D23C-D223-43E3-BED3-75035B05E1CC}" sibTransId="{71DFAB5F-F79C-458F-9A6D-BAFED27D1F62}"/>
+    <dgm:cxn modelId="{7FE359E9-079F-4437-A58F-5BDFF44E02DF}" type="presOf" srcId="{A02FDD53-61E2-4919-8539-BDE854692DE6}" destId="{0BB0D374-1138-4270-8FBE-F9F593F638CB}" srcOrd="0" destOrd="0" presId="urn:microsoft.com/office/officeart/2005/8/layout/hierarchy4"/>
+    <dgm:cxn modelId="{24C1B805-C508-4D44-BA8D-BBD26F0C4235}" type="presOf" srcId="{567F1570-040B-4F40-ACA7-7A0064F0DD04}" destId="{2350346C-D084-4FD3-9831-AE6164A34041}" srcOrd="0" destOrd="0" presId="urn:microsoft.com/office/officeart/2005/8/layout/hierarchy4"/>
+    <dgm:cxn modelId="{508D737E-F5AD-4514-931A-870C84EEDAFB}" srcId="{01F9321B-7D32-49EF-B567-2114954A7AB1}" destId="{508F67C3-D501-45DC-983E-9FD7E0CF32FF}" srcOrd="0" destOrd="0" parTransId="{BA254FC8-B205-4DD3-AB56-E0553F03F96B}" sibTransId="{ED668B4C-DE8F-4C2A-BB36-575B70317B31}"/>
+    <dgm:cxn modelId="{3D2FEE89-077B-4931-A178-3DF08B13E6A1}" type="presOf" srcId="{6E930AF4-1093-49CD-8DA3-7B7E8B19A502}" destId="{1CD611B8-58A5-45CA-BBA0-AD0CB72569D3}" srcOrd="0" destOrd="0" presId="urn:microsoft.com/office/officeart/2005/8/layout/hierarchy4"/>
+    <dgm:cxn modelId="{5428B0DA-ACA5-4403-9A23-8F4D8D2FC486}" srcId="{4773A4CB-DE17-43DA-AE55-332A33065CFE}" destId="{A02FDD53-61E2-4919-8539-BDE854692DE6}" srcOrd="0" destOrd="0" parTransId="{1B89847F-A8DC-4A7A-8EEC-9B13168725CA}" sibTransId="{67191F1E-C01C-42C3-8324-C78FE3158AB7}"/>
+    <dgm:cxn modelId="{D7ED0B30-16B3-4BA3-BCFB-AE82471E6E89}" type="presOf" srcId="{01F9321B-7D32-49EF-B567-2114954A7AB1}" destId="{DD78CEA1-1A34-4F81-AD02-1ADA132D2132}" srcOrd="0" destOrd="0" presId="urn:microsoft.com/office/officeart/2005/8/layout/hierarchy4"/>
+    <dgm:cxn modelId="{C28319B6-65FC-4102-8C58-94CFB32F81A3}" type="presOf" srcId="{4773A4CB-DE17-43DA-AE55-332A33065CFE}" destId="{11F4B928-078B-4BA7-90F8-4F585371C77B}" srcOrd="0" destOrd="0" presId="urn:microsoft.com/office/officeart/2005/8/layout/hierarchy4"/>
+    <dgm:cxn modelId="{941DF0FB-A053-41C2-ABB6-1FA6D57BE817}" type="presParOf" srcId="{11F4B928-078B-4BA7-90F8-4F585371C77B}" destId="{512A2A93-774C-4D10-AADB-D044CAB9C57B}" srcOrd="0" destOrd="0" presId="urn:microsoft.com/office/officeart/2005/8/layout/hierarchy4"/>
+    <dgm:cxn modelId="{BA50F7CA-F648-46F2-8FC4-594E191A721A}" type="presParOf" srcId="{512A2A93-774C-4D10-AADB-D044CAB9C57B}" destId="{0BB0D374-1138-4270-8FBE-F9F593F638CB}" srcOrd="0" destOrd="0" presId="urn:microsoft.com/office/officeart/2005/8/layout/hierarchy4"/>
+    <dgm:cxn modelId="{BB8CDB6A-118F-4BAF-8BF9-396C8683B71D}" type="presParOf" srcId="{512A2A93-774C-4D10-AADB-D044CAB9C57B}" destId="{AA235959-66CA-4F3A-A5F9-CA15E068A9E6}" srcOrd="1" destOrd="0" presId="urn:microsoft.com/office/officeart/2005/8/layout/hierarchy4"/>
+    <dgm:cxn modelId="{9705B1B6-43EF-488A-917E-2FC6A8B5B484}" type="presParOf" srcId="{512A2A93-774C-4D10-AADB-D044CAB9C57B}" destId="{75B1B6FF-D78E-4861-BFA0-89287CFCB587}" srcOrd="2" destOrd="0" presId="urn:microsoft.com/office/officeart/2005/8/layout/hierarchy4"/>
+    <dgm:cxn modelId="{3F0AA29C-E14B-4FD4-8B3E-39E28C4B9DCA}" type="presParOf" srcId="{75B1B6FF-D78E-4861-BFA0-89287CFCB587}" destId="{37863B87-A249-4526-827E-25721AF48325}" srcOrd="0" destOrd="0" presId="urn:microsoft.com/office/officeart/2005/8/layout/hierarchy4"/>
+    <dgm:cxn modelId="{E97E9425-8969-443C-AA40-8332C303B0B6}" type="presParOf" srcId="{37863B87-A249-4526-827E-25721AF48325}" destId="{DD78CEA1-1A34-4F81-AD02-1ADA132D2132}" srcOrd="0" destOrd="0" presId="urn:microsoft.com/office/officeart/2005/8/layout/hierarchy4"/>
+    <dgm:cxn modelId="{4E9392AE-DA60-401E-ADF2-C06F4D0EC38D}" type="presParOf" srcId="{37863B87-A249-4526-827E-25721AF48325}" destId="{27650347-27D0-4C06-AD47-B770F3B345D6}" srcOrd="1" destOrd="0" presId="urn:microsoft.com/office/officeart/2005/8/layout/hierarchy4"/>
+    <dgm:cxn modelId="{C67EF8EF-E9EF-4E1C-B25C-C9802AC9D5F9}" type="presParOf" srcId="{37863B87-A249-4526-827E-25721AF48325}" destId="{7AAE93C5-764B-46E1-96B0-8898427A7654}" srcOrd="2" destOrd="0" presId="urn:microsoft.com/office/officeart/2005/8/layout/hierarchy4"/>
+    <dgm:cxn modelId="{522AF648-B0F0-40EC-951F-6418E57752EB}" type="presParOf" srcId="{7AAE93C5-764B-46E1-96B0-8898427A7654}" destId="{A200FB96-0FB6-4281-803F-334C2A299C86}" srcOrd="0" destOrd="0" presId="urn:microsoft.com/office/officeart/2005/8/layout/hierarchy4"/>
+    <dgm:cxn modelId="{CDE92486-75E7-4209-97A2-FE0C16057057}" type="presParOf" srcId="{A200FB96-0FB6-4281-803F-334C2A299C86}" destId="{1C5E28C1-2749-4059-9990-AE1F14F675A4}" srcOrd="0" destOrd="0" presId="urn:microsoft.com/office/officeart/2005/8/layout/hierarchy4"/>
+    <dgm:cxn modelId="{CD57931F-2127-43D0-BCF2-51EA9B9F4B05}" type="presParOf" srcId="{A200FB96-0FB6-4281-803F-334C2A299C86}" destId="{84D9FBAC-34AF-4F6F-97AC-22EDB5FD48F5}" srcOrd="1" destOrd="0" presId="urn:microsoft.com/office/officeart/2005/8/layout/hierarchy4"/>
+    <dgm:cxn modelId="{4C5859B9-51E7-42D8-9699-30AC58DD2A03}" type="presParOf" srcId="{A200FB96-0FB6-4281-803F-334C2A299C86}" destId="{1761342A-E280-4C52-81E4-90A93B54290F}" srcOrd="2" destOrd="0" presId="urn:microsoft.com/office/officeart/2005/8/layout/hierarchy4"/>
+    <dgm:cxn modelId="{FD1F2A0C-3FA7-47F1-9168-BFCABB3650CC}" type="presParOf" srcId="{1761342A-E280-4C52-81E4-90A93B54290F}" destId="{592AAD7B-A574-4297-A539-A58A5985A360}" srcOrd="0" destOrd="0" presId="urn:microsoft.com/office/officeart/2005/8/layout/hierarchy4"/>
+    <dgm:cxn modelId="{12886A84-D0A0-42A9-B9F8-7D6871B9D304}" type="presParOf" srcId="{592AAD7B-A574-4297-A539-A58A5985A360}" destId="{2350346C-D084-4FD3-9831-AE6164A34041}" srcOrd="0" destOrd="0" presId="urn:microsoft.com/office/officeart/2005/8/layout/hierarchy4"/>
+    <dgm:cxn modelId="{CD12BE1C-0D7F-43E6-9656-52A2406FD819}" type="presParOf" srcId="{592AAD7B-A574-4297-A539-A58A5985A360}" destId="{6C26E5A3-F23E-4426-8619-D1E44AC7CF38}" srcOrd="1" destOrd="0" presId="urn:microsoft.com/office/officeart/2005/8/layout/hierarchy4"/>
+    <dgm:cxn modelId="{A12179D3-1E6E-419A-BA1E-A640CFCF8C63}" type="presParOf" srcId="{592AAD7B-A574-4297-A539-A58A5985A360}" destId="{5A45F187-56DE-44AF-93A7-2D309860B315}" srcOrd="2" destOrd="0" presId="urn:microsoft.com/office/officeart/2005/8/layout/hierarchy4"/>
+    <dgm:cxn modelId="{A36F9C69-0AF1-4154-B8B2-342ACAC9B57F}" type="presParOf" srcId="{5A45F187-56DE-44AF-93A7-2D309860B315}" destId="{5A081AD5-3D6E-4874-9311-726B867A6D43}" srcOrd="0" destOrd="0" presId="urn:microsoft.com/office/officeart/2005/8/layout/hierarchy4"/>
+    <dgm:cxn modelId="{228BCF9B-3CE1-46CB-93F5-8AE5700AC351}" type="presParOf" srcId="{5A081AD5-3D6E-4874-9311-726B867A6D43}" destId="{1CD611B8-58A5-45CA-BBA0-AD0CB72569D3}" srcOrd="0" destOrd="0" presId="urn:microsoft.com/office/officeart/2005/8/layout/hierarchy4"/>
+    <dgm:cxn modelId="{181D09E2-A183-4206-9E14-DDB3FC56B77B}" type="presParOf" srcId="{5A081AD5-3D6E-4874-9311-726B867A6D43}" destId="{CA816DAD-6C51-4978-A516-499362D5F80E}" srcOrd="1" destOrd="0" presId="urn:microsoft.com/office/officeart/2005/8/layout/hierarchy4"/>
+  </dgm:cxnLst>
+  <dgm:bg/>
+  <dgm:whole/>
+  <dgm:extLst>
+    <a:ext uri="http://schemas.microsoft.com/office/drawing/2008/diagram">
+      <dsp:dataModelExt xmlns:dsp="http://schemas.microsoft.com/office/drawing/2008/diagram" relId="rId7" minVer="http://schemas.openxmlformats.org/drawingml/2006/diagram"/>
+    </a:ext>
+  </dgm:extLst>
+</dgm:dataModel>
+</file>
+
+<file path=ppt/diagrams/drawing1.xml><?xml version="1.0" encoding="utf-8"?>
+<dsp:drawing xmlns:dgm="http://schemas.openxmlformats.org/drawingml/2006/diagram" xmlns:dsp="http://schemas.microsoft.com/office/drawing/2008/diagram" xmlns:a="http://schemas.openxmlformats.org/drawingml/2006/main">
+  <dsp:spTree>
+    <dsp:nvGrpSpPr>
+      <dsp:cNvPr id="0" name=""/>
+      <dsp:cNvGrpSpPr/>
+    </dsp:nvGrpSpPr>
+    <dsp:grpSpPr/>
+    <dsp:sp modelId="{0BB0D374-1138-4270-8FBE-F9F593F638CB}">
+      <dsp:nvSpPr>
+        <dsp:cNvPr id="0" name=""/>
+        <dsp:cNvSpPr/>
+      </dsp:nvSpPr>
+      <dsp:spPr>
+        <a:xfrm>
+          <a:off x="1816" y="2197"/>
+          <a:ext cx="3716103" cy="708056"/>
+        </a:xfrm>
+        <a:prstGeom prst="roundRect">
+          <a:avLst>
+            <a:gd name="adj" fmla="val 10000"/>
+          </a:avLst>
+        </a:prstGeom>
+        <a:solidFill>
+          <a:schemeClr val="accent3">
+            <a:shade val="80000"/>
+            <a:hueOff val="0"/>
+            <a:satOff val="0"/>
+            <a:lumOff val="0"/>
+            <a:alphaOff val="0"/>
+          </a:schemeClr>
+        </a:solidFill>
+        <a:ln w="28575" cap="flat" cmpd="sng" algn="ctr">
+          <a:solidFill>
+            <a:schemeClr val="lt1">
+              <a:hueOff val="0"/>
+              <a:satOff val="0"/>
+              <a:lumOff val="0"/>
+              <a:alphaOff val="0"/>
+            </a:schemeClr>
+          </a:solidFill>
+          <a:prstDash val="solid"/>
+        </a:ln>
+        <a:effectLst/>
+      </dsp:spPr>
+      <dsp:style>
+        <a:lnRef idx="2">
+          <a:scrgbClr r="0" g="0" b="0"/>
+        </a:lnRef>
+        <a:fillRef idx="1">
+          <a:scrgbClr r="0" g="0" b="0"/>
+        </a:fillRef>
+        <a:effectRef idx="0">
+          <a:scrgbClr r="0" g="0" b="0"/>
+        </a:effectRef>
+        <a:fontRef idx="minor">
+          <a:schemeClr val="lt1"/>
+        </a:fontRef>
+      </dsp:style>
+      <dsp:txBody>
+        <a:bodyPr spcFirstLastPara="0" vert="horz" wrap="square" lIns="91440" tIns="91440" rIns="91440" bIns="91440" numCol="1" spcCol="1270" anchor="ctr" anchorCtr="0">
+          <a:noAutofit/>
+        </a:bodyPr>
+        <a:lstStyle/>
+        <a:p>
+          <a:pPr lvl="0" algn="ctr" defTabSz="1066800">
+            <a:lnSpc>
+              <a:spcPct val="90000"/>
+            </a:lnSpc>
+            <a:spcBef>
+              <a:spcPct val="0"/>
+            </a:spcBef>
+            <a:spcAft>
+              <a:spcPct val="35000"/>
+            </a:spcAft>
+          </a:pPr>
+          <a:r>
+            <a:rPr lang="de-AT" sz="2400" kern="1200" dirty="0" smtClean="0"/>
+            <a:t>Kommunikationsschicht</a:t>
+          </a:r>
+          <a:endParaRPr lang="de-AT" sz="2400" kern="1200" dirty="0"/>
+        </a:p>
+      </dsp:txBody>
+      <dsp:txXfrm>
+        <a:off x="22554" y="22935"/>
+        <a:ext cx="3674627" cy="666580"/>
+      </dsp:txXfrm>
+    </dsp:sp>
+    <dsp:sp modelId="{DD78CEA1-1A34-4F81-AD02-1ADA132D2132}">
+      <dsp:nvSpPr>
+        <dsp:cNvPr id="0" name=""/>
+        <dsp:cNvSpPr/>
+      </dsp:nvSpPr>
+      <dsp:spPr>
+        <a:xfrm>
+          <a:off x="1816" y="750074"/>
+          <a:ext cx="3716103" cy="708056"/>
+        </a:xfrm>
+        <a:prstGeom prst="roundRect">
+          <a:avLst>
+            <a:gd name="adj" fmla="val 10000"/>
+          </a:avLst>
+        </a:prstGeom>
+        <a:solidFill>
+          <a:schemeClr val="accent3">
+            <a:tint val="99000"/>
+            <a:hueOff val="0"/>
+            <a:satOff val="0"/>
+            <a:lumOff val="0"/>
+            <a:alphaOff val="0"/>
+          </a:schemeClr>
+        </a:solidFill>
+        <a:ln w="28575" cap="flat" cmpd="sng" algn="ctr">
+          <a:solidFill>
+            <a:schemeClr val="lt1">
+              <a:hueOff val="0"/>
+              <a:satOff val="0"/>
+              <a:lumOff val="0"/>
+              <a:alphaOff val="0"/>
+            </a:schemeClr>
+          </a:solidFill>
+          <a:prstDash val="solid"/>
+        </a:ln>
+        <a:effectLst/>
+      </dsp:spPr>
+      <dsp:style>
+        <a:lnRef idx="2">
+          <a:scrgbClr r="0" g="0" b="0"/>
+        </a:lnRef>
+        <a:fillRef idx="1">
+          <a:scrgbClr r="0" g="0" b="0"/>
+        </a:fillRef>
+        <a:effectRef idx="0">
+          <a:scrgbClr r="0" g="0" b="0"/>
+        </a:effectRef>
+        <a:fontRef idx="minor">
+          <a:schemeClr val="lt1"/>
+        </a:fontRef>
+      </dsp:style>
+      <dsp:txBody>
+        <a:bodyPr spcFirstLastPara="0" vert="horz" wrap="square" lIns="91440" tIns="91440" rIns="91440" bIns="91440" numCol="1" spcCol="1270" anchor="ctr" anchorCtr="0">
+          <a:noAutofit/>
+        </a:bodyPr>
+        <a:lstStyle/>
+        <a:p>
+          <a:pPr lvl="0" algn="ctr" defTabSz="1066800">
+            <a:lnSpc>
+              <a:spcPct val="90000"/>
+            </a:lnSpc>
+            <a:spcBef>
+              <a:spcPct val="0"/>
+            </a:spcBef>
+            <a:spcAft>
+              <a:spcPct val="35000"/>
+            </a:spcAft>
+          </a:pPr>
+          <a:r>
+            <a:rPr lang="de-AT" sz="2400" kern="1200" dirty="0" smtClean="0"/>
+            <a:t>Anwendungslogik</a:t>
+          </a:r>
+          <a:endParaRPr lang="de-AT" sz="2400" kern="1200" dirty="0"/>
+        </a:p>
+      </dsp:txBody>
+      <dsp:txXfrm>
+        <a:off x="22554" y="770812"/>
+        <a:ext cx="3674627" cy="666580"/>
+      </dsp:txXfrm>
+    </dsp:sp>
+    <dsp:sp modelId="{1C5E28C1-2749-4059-9990-AE1F14F675A4}">
+      <dsp:nvSpPr>
+        <dsp:cNvPr id="0" name=""/>
+        <dsp:cNvSpPr/>
+      </dsp:nvSpPr>
+      <dsp:spPr>
+        <a:xfrm>
+          <a:off x="1816" y="1497951"/>
+          <a:ext cx="3716103" cy="708056"/>
+        </a:xfrm>
+        <a:prstGeom prst="roundRect">
+          <a:avLst>
+            <a:gd name="adj" fmla="val 10000"/>
+          </a:avLst>
+        </a:prstGeom>
+        <a:solidFill>
+          <a:schemeClr val="accent3">
+            <a:tint val="80000"/>
+            <a:hueOff val="0"/>
+            <a:satOff val="0"/>
+            <a:lumOff val="0"/>
+            <a:alphaOff val="0"/>
+          </a:schemeClr>
+        </a:solidFill>
+        <a:ln w="28575" cap="flat" cmpd="sng" algn="ctr">
+          <a:solidFill>
+            <a:schemeClr val="lt1">
+              <a:hueOff val="0"/>
+              <a:satOff val="0"/>
+              <a:lumOff val="0"/>
+              <a:alphaOff val="0"/>
+            </a:schemeClr>
+          </a:solidFill>
+          <a:prstDash val="solid"/>
+        </a:ln>
+        <a:effectLst/>
+      </dsp:spPr>
+      <dsp:style>
+        <a:lnRef idx="2">
+          <a:scrgbClr r="0" g="0" b="0"/>
+        </a:lnRef>
+        <a:fillRef idx="1">
+          <a:scrgbClr r="0" g="0" b="0"/>
+        </a:fillRef>
+        <a:effectRef idx="0">
+          <a:scrgbClr r="0" g="0" b="0"/>
+        </a:effectRef>
+        <a:fontRef idx="minor">
+          <a:schemeClr val="lt1"/>
+        </a:fontRef>
+      </dsp:style>
+      <dsp:txBody>
+        <a:bodyPr spcFirstLastPara="0" vert="horz" wrap="square" lIns="91440" tIns="91440" rIns="91440" bIns="91440" numCol="1" spcCol="1270" anchor="ctr" anchorCtr="0">
+          <a:noAutofit/>
+        </a:bodyPr>
+        <a:lstStyle/>
+        <a:p>
+          <a:pPr lvl="0" algn="ctr" defTabSz="1066800">
+            <a:lnSpc>
+              <a:spcPct val="90000"/>
+            </a:lnSpc>
+            <a:spcBef>
+              <a:spcPct val="0"/>
+            </a:spcBef>
+            <a:spcAft>
+              <a:spcPct val="35000"/>
+            </a:spcAft>
+          </a:pPr>
+          <a:r>
+            <a:rPr lang="de-AT" sz="2400" kern="1200" dirty="0" smtClean="0"/>
+            <a:t>Businesslogik</a:t>
+          </a:r>
+          <a:endParaRPr lang="de-AT" sz="2400" kern="1200" dirty="0"/>
+        </a:p>
+      </dsp:txBody>
+      <dsp:txXfrm>
+        <a:off x="22554" y="1518689"/>
+        <a:ext cx="3674627" cy="666580"/>
+      </dsp:txXfrm>
+    </dsp:sp>
+    <dsp:sp modelId="{2350346C-D084-4FD3-9831-AE6164A34041}">
+      <dsp:nvSpPr>
+        <dsp:cNvPr id="0" name=""/>
+        <dsp:cNvSpPr/>
+      </dsp:nvSpPr>
+      <dsp:spPr>
+        <a:xfrm>
+          <a:off x="1816" y="2245828"/>
+          <a:ext cx="3716103" cy="708056"/>
+        </a:xfrm>
+        <a:prstGeom prst="roundRect">
+          <a:avLst>
+            <a:gd name="adj" fmla="val 10000"/>
+          </a:avLst>
+        </a:prstGeom>
+        <a:solidFill>
+          <a:schemeClr val="accent3">
+            <a:tint val="70000"/>
+            <a:hueOff val="0"/>
+            <a:satOff val="0"/>
+            <a:lumOff val="0"/>
+            <a:alphaOff val="0"/>
+          </a:schemeClr>
+        </a:solidFill>
+        <a:ln w="28575" cap="flat" cmpd="sng" algn="ctr">
+          <a:solidFill>
+            <a:schemeClr val="lt1">
+              <a:hueOff val="0"/>
+              <a:satOff val="0"/>
+              <a:lumOff val="0"/>
+              <a:alphaOff val="0"/>
+            </a:schemeClr>
+          </a:solidFill>
+          <a:prstDash val="solid"/>
+        </a:ln>
+        <a:effectLst/>
+      </dsp:spPr>
+      <dsp:style>
+        <a:lnRef idx="2">
+          <a:scrgbClr r="0" g="0" b="0"/>
+        </a:lnRef>
+        <a:fillRef idx="1">
+          <a:scrgbClr r="0" g="0" b="0"/>
+        </a:fillRef>
+        <a:effectRef idx="0">
+          <a:scrgbClr r="0" g="0" b="0"/>
+        </a:effectRef>
+        <a:fontRef idx="minor">
+          <a:schemeClr val="lt1"/>
+        </a:fontRef>
+      </dsp:style>
+      <dsp:txBody>
+        <a:bodyPr spcFirstLastPara="0" vert="horz" wrap="square" lIns="91440" tIns="91440" rIns="91440" bIns="91440" numCol="1" spcCol="1270" anchor="ctr" anchorCtr="0">
+          <a:noAutofit/>
+        </a:bodyPr>
+        <a:lstStyle/>
+        <a:p>
+          <a:pPr lvl="0" algn="ctr" defTabSz="1066800">
+            <a:lnSpc>
+              <a:spcPct val="90000"/>
+            </a:lnSpc>
+            <a:spcBef>
+              <a:spcPct val="0"/>
+            </a:spcBef>
+            <a:spcAft>
+              <a:spcPct val="35000"/>
+            </a:spcAft>
+          </a:pPr>
+          <a:r>
+            <a:rPr lang="de-AT" sz="2400" kern="1200" dirty="0" smtClean="0"/>
+            <a:t>Datenabstraktion</a:t>
+          </a:r>
+          <a:endParaRPr lang="de-AT" sz="2400" kern="1200" dirty="0"/>
+        </a:p>
+      </dsp:txBody>
+      <dsp:txXfrm>
+        <a:off x="22554" y="2266566"/>
+        <a:ext cx="3674627" cy="666580"/>
+      </dsp:txXfrm>
+    </dsp:sp>
+    <dsp:sp modelId="{1CD611B8-58A5-45CA-BBA0-AD0CB72569D3}">
+      <dsp:nvSpPr>
+        <dsp:cNvPr id="0" name=""/>
+        <dsp:cNvSpPr/>
+      </dsp:nvSpPr>
+      <dsp:spPr>
+        <a:xfrm>
+          <a:off x="1816" y="2993705"/>
+          <a:ext cx="3716103" cy="708056"/>
+        </a:xfrm>
+        <a:prstGeom prst="roundRect">
+          <a:avLst>
+            <a:gd name="adj" fmla="val 10000"/>
+          </a:avLst>
+        </a:prstGeom>
+        <a:solidFill>
+          <a:schemeClr val="accent3">
+            <a:tint val="70000"/>
+            <a:hueOff val="0"/>
+            <a:satOff val="0"/>
+            <a:lumOff val="0"/>
+            <a:alphaOff val="0"/>
+          </a:schemeClr>
+        </a:solidFill>
+        <a:ln w="28575" cap="flat" cmpd="sng" algn="ctr">
+          <a:solidFill>
+            <a:schemeClr val="lt1">
+              <a:hueOff val="0"/>
+              <a:satOff val="0"/>
+              <a:lumOff val="0"/>
+              <a:alphaOff val="0"/>
+            </a:schemeClr>
+          </a:solidFill>
+          <a:prstDash val="solid"/>
+        </a:ln>
+        <a:effectLst/>
+      </dsp:spPr>
+      <dsp:style>
+        <a:lnRef idx="2">
+          <a:scrgbClr r="0" g="0" b="0"/>
+        </a:lnRef>
+        <a:fillRef idx="1">
+          <a:scrgbClr r="0" g="0" b="0"/>
+        </a:fillRef>
+        <a:effectRef idx="0">
+          <a:scrgbClr r="0" g="0" b="0"/>
+        </a:effectRef>
+        <a:fontRef idx="minor">
+          <a:schemeClr val="lt1"/>
+        </a:fontRef>
+      </dsp:style>
+      <dsp:txBody>
+        <a:bodyPr spcFirstLastPara="0" vert="horz" wrap="square" lIns="91440" tIns="91440" rIns="91440" bIns="91440" numCol="1" spcCol="1270" anchor="ctr" anchorCtr="0">
+          <a:noAutofit/>
+        </a:bodyPr>
+        <a:lstStyle/>
+        <a:p>
+          <a:pPr lvl="0" algn="ctr" defTabSz="1066800">
+            <a:lnSpc>
+              <a:spcPct val="90000"/>
+            </a:lnSpc>
+            <a:spcBef>
+              <a:spcPct val="0"/>
+            </a:spcBef>
+            <a:spcAft>
+              <a:spcPct val="35000"/>
+            </a:spcAft>
+          </a:pPr>
+          <a:r>
+            <a:rPr lang="de-AT" sz="2400" kern="1200" dirty="0" smtClean="0"/>
+            <a:t>Daten</a:t>
+          </a:r>
+          <a:endParaRPr lang="de-AT" sz="2400" kern="1200" dirty="0"/>
+        </a:p>
+      </dsp:txBody>
+      <dsp:txXfrm>
+        <a:off x="22554" y="3014443"/>
+        <a:ext cx="3674627" cy="666580"/>
+      </dsp:txXfrm>
+    </dsp:sp>
+  </dsp:spTree>
+</dsp:drawing>
+</file>
+
+<file path=ppt/diagrams/layout1.xml><?xml version="1.0" encoding="utf-8"?>
+<dgm:layoutDef xmlns:dgm="http://schemas.openxmlformats.org/drawingml/2006/diagram" xmlns:a="http://schemas.openxmlformats.org/drawingml/2006/main" uniqueId="urn:microsoft.com/office/officeart/2005/8/layout/hierarchy4">
+  <dgm:title val=""/>
+  <dgm:desc val=""/>
+  <dgm:catLst>
+    <dgm:cat type="hierarchy" pri="4000"/>
+    <dgm:cat type="list" pri="24000"/>
+    <dgm:cat type="relationship" pri="10000"/>
+  </dgm:catLst>
+  <dgm:sampData>
+    <dgm:dataModel>
+      <dgm:ptLst>
+        <dgm:pt modelId="0" type="doc"/>
+        <dgm:pt modelId="1">
+          <dgm:prSet phldr="1"/>
+        </dgm:pt>
+        <dgm:pt modelId="2">
+          <dgm:prSet phldr="1"/>
+        </dgm:pt>
+        <dgm:pt modelId="21">
+          <dgm:prSet phldr="1"/>
+        </dgm:pt>
+        <dgm:pt modelId="22">
+          <dgm:prSet phldr="1"/>
+        </dgm:pt>
+        <dgm:pt modelId="3">
+          <dgm:prSet phldr="1"/>
+        </dgm:pt>
+        <dgm:pt modelId="31">
+          <dgm:prSet phldr="1"/>
+        </dgm:pt>
+      </dgm:ptLst>
+      <dgm:cxnLst>
+        <dgm:cxn modelId="4" srcId="0" destId="1" srcOrd="0" destOrd="0"/>
+        <dgm:cxn modelId="5" srcId="1" destId="2" srcOrd="0" destOrd="0"/>
+        <dgm:cxn modelId="6" srcId="1" destId="3" srcOrd="1" destOrd="0"/>
+        <dgm:cxn modelId="23" srcId="2" destId="21" srcOrd="0" destOrd="0"/>
+        <dgm:cxn modelId="24" srcId="2" destId="22" srcOrd="1" destOrd="0"/>
+        <dgm:cxn modelId="33" srcId="3" destId="31" srcOrd="0" destOrd="0"/>
+      </dgm:cxnLst>
+      <dgm:bg/>
+      <dgm:whole/>
+    </dgm:dataModel>
+  </dgm:sampData>
+  <dgm:styleData>
+    <dgm:dataModel>
+      <dgm:ptLst>
+        <dgm:pt modelId="0" type="doc"/>
+        <dgm:pt modelId="1"/>
+        <dgm:pt modelId="11"/>
+        <dgm:pt modelId="12"/>
+      </dgm:ptLst>
+      <dgm:cxnLst>
+        <dgm:cxn modelId="2" srcId="0" destId="1" srcOrd="0" destOrd="0"/>
+        <dgm:cxn modelId="13" srcId="1" destId="11" srcOrd="0" destOrd="0"/>
+        <dgm:cxn modelId="14" srcId="1" destId="12" srcOrd="1" destOrd="0"/>
+      </dgm:cxnLst>
+      <dgm:bg/>
+      <dgm:whole/>
+    </dgm:dataModel>
+  </dgm:styleData>
+  <dgm:clrData>
+    <dgm:dataModel>
+      <dgm:ptLst>
+        <dgm:pt modelId="0" type="doc"/>
+        <dgm:pt modelId="1"/>
+        <dgm:pt modelId="2"/>
+        <dgm:pt modelId="21"/>
+        <dgm:pt modelId="211"/>
+        <dgm:pt modelId="3"/>
+        <dgm:pt modelId="31"/>
+        <dgm:pt modelId="311"/>
+      </dgm:ptLst>
+      <dgm:cxnLst>
+        <dgm:cxn modelId="4" srcId="0" destId="1" srcOrd="0" destOrd="0"/>
+        <dgm:cxn modelId="5" srcId="1" destId="2" srcOrd="0" destOrd="0"/>
+        <dgm:cxn modelId="6" srcId="1" destId="3" srcOrd="1" destOrd="0"/>
+        <dgm:cxn modelId="23" srcId="2" destId="21" srcOrd="0" destOrd="0"/>
+        <dgm:cxn modelId="24" srcId="21" destId="211" srcOrd="0" destOrd="0"/>
+        <dgm:cxn modelId="33" srcId="3" destId="31" srcOrd="0" destOrd="0"/>
+        <dgm:cxn modelId="34" srcId="31" destId="311" srcOrd="0" destOrd="0"/>
+      </dgm:cxnLst>
+      <dgm:bg/>
+      <dgm:whole/>
+    </dgm:dataModel>
+  </dgm:clrData>
+  <dgm:layoutNode name="Name0">
+    <dgm:varLst>
+      <dgm:chPref val="1"/>
+      <dgm:dir/>
+      <dgm:animOne val="branch"/>
+      <dgm:animLvl val="lvl"/>
+      <dgm:resizeHandles/>
+    </dgm:varLst>
+    <dgm:choose name="Name1">
+      <dgm:if name="Name2" func="var" arg="dir" op="equ" val="norm">
+        <dgm:alg type="lin">
+          <dgm:param type="linDir" val="fromL"/>
+          <dgm:param type="nodeVertAlign" val="t"/>
+        </dgm:alg>
+      </dgm:if>
+      <dgm:else name="Name3">
+        <dgm:alg type="lin">
+          <dgm:param type="linDir" val="fromR"/>
+          <dgm:param type="nodeVertAlign" val="t"/>
+        </dgm:alg>
+      </dgm:else>
+    </dgm:choose>
+    <dgm:shape xmlns:r="http://schemas.openxmlformats.org/officeDocument/2006/relationships" r:blip="">
+      <dgm:adjLst/>
+    </dgm:shape>
+    <dgm:presOf/>
+    <dgm:constrLst>
+      <dgm:constr type="w" for="ch" forName="vertOne" refType="w"/>
+      <dgm:constr type="w" for="des" forName="horzOne" refType="w"/>
+      <dgm:constr type="w" for="des" forName="txOne" refType="w"/>
+      <dgm:constr type="w" for="des" forName="vertTwo" refType="w"/>
+      <dgm:constr type="w" for="des" forName="horzTwo" refType="w"/>
+      <dgm:constr type="w" for="des" forName="txTwo" refType="w"/>
+      <dgm:constr type="w" for="des" forName="vertThree" refType="w"/>
+      <dgm:constr type="w" for="des" forName="horzThree" refType="w"/>
+      <dgm:constr type="w" for="des" forName="txThree" refType="w"/>
+      <dgm:constr type="w" for="des" forName="vertFour" refType="w"/>
+      <dgm:constr type="w" for="des" forName="horzFour" refType="w"/>
+      <dgm:constr type="w" for="des" forName="txFour" refType="w"/>
+      <dgm:constr type="h" for="des" ptType="node" op="equ"/>
+      <dgm:constr type="h" for="des" forName="txOne" refType="h"/>
+      <dgm:constr type="userH" for="des" ptType="node" refType="h" refFor="des" refForName="txOne"/>
+      <dgm:constr type="primFontSz" for="des" forName="txOne" val="65"/>
+      <dgm:constr type="primFontSz" for="des" forName="txTwo" val="65"/>
+      <dgm:constr type="primFontSz" for="des" forName="txTwo" refType="primFontSz" refFor="des" refForName="txOne" op="lte"/>
+      <dgm:constr type="primFontSz" for="des" forName="txThree" val="65"/>
+      <dgm:constr type="primFontSz" for="des" forName="txThree" refType="primFontSz" refFor="des" refForName="txOne" op="lte"/>
+      <dgm:constr type="primFontSz" for="des" forName="txThree" refType="primFontSz" refFor="des" refForName="txTwo" op="lte"/>
+      <dgm:constr type="primFontSz" for="des" forName="txFour" val="65"/>
+      <dgm:constr type="primFontSz" for="des" forName="txFour" refType="primFontSz" refFor="des" refForName="txOne" op="lte"/>
+      <dgm:constr type="primFontSz" for="des" forName="txFour" refType="primFontSz" refFor="des" refForName="txTwo" op="lte"/>
+      <dgm:constr type="primFontSz" for="des" forName="txFour" refType="primFontSz" refFor="des" refForName="txThree" op="lte"/>
+      <dgm:constr type="w" for="des" forName="sibSpaceOne" refType="w" fact="0.168"/>
+      <dgm:constr type="w" for="des" forName="sibSpaceTwo" refType="w" refFor="des" refForName="sibSpaceOne" op="equ" fact="0.5"/>
+      <dgm:constr type="w" for="des" forName="sibSpaceThree" refType="w" refFor="des" refForName="sibSpaceTwo" op="equ" fact="0.5"/>
+      <dgm:constr type="w" for="des" forName="sibSpaceFour" refType="w" refFor="des" refForName="sibSpaceThree" op="equ" fact="0.5"/>
+      <dgm:constr type="h" for="des" forName="parTransOne" refType="w" fact="0.056"/>
+      <dgm:constr type="h" for="des" forName="parTransTwo" refType="h" refFor="des" refForName="parTransOne" op="equ"/>
+      <dgm:constr type="h" for="des" forName="parTransThree" refType="h" refFor="des" refForName="parTransTwo" op="equ"/>
+      <dgm:constr type="h" for="des" forName="parTransFour" refType="h" refFor="des" refForName="parTransThree" op="equ"/>
+    </dgm:constrLst>
+    <dgm:ruleLst/>
+    <dgm:forEach name="Name4" axis="ch" ptType="node">
+      <dgm:layoutNode name="vertOne">
+        <dgm:alg type="lin">
+          <dgm:param type="linDir" val="fromT"/>
+        </dgm:alg>
+        <dgm:shape xmlns:r="http://schemas.openxmlformats.org/officeDocument/2006/relationships" r:blip="">
+          <dgm:adjLst/>
+        </dgm:shape>
+        <dgm:presOf/>
+        <dgm:constrLst>
+          <dgm:constr type="w" for="ch" forName="txOne" refType="w" refFor="ch" refForName="horzOne" op="gte"/>
+        </dgm:constrLst>
+        <dgm:ruleLst/>
+        <dgm:layoutNode name="txOne" styleLbl="node0">
+          <dgm:varLst>
+            <dgm:chPref val="3"/>
+          </dgm:varLst>
+          <dgm:alg type="tx"/>
+          <dgm:shape xmlns:r="http://schemas.openxmlformats.org/officeDocument/2006/relationships" type="roundRect" r:blip="">
+            <dgm:adjLst>
+              <dgm:adj idx="1" val="0.1"/>
+            </dgm:adjLst>
+          </dgm:shape>
+          <dgm:presOf axis="self"/>
+          <dgm:constrLst>
+            <dgm:constr type="tMarg" refType="primFontSz" fact="0.3"/>
+            <dgm:constr type="bMarg" refType="primFontSz" fact="0.3"/>
+            <dgm:constr type="lMarg" refType="primFontSz" fact="0.3"/>
+            <dgm:constr type="rMarg" refType="primFontSz" fact="0.3"/>
+          </dgm:constrLst>
+          <dgm:ruleLst>
+            <dgm:rule type="primFontSz" val="5" fact="NaN" max="NaN"/>
+          </dgm:ruleLst>
+        </dgm:layoutNode>
+        <dgm:choose name="Name5">
+          <dgm:if name="Name6" axis="des" ptType="node" func="cnt" op="gt" val="0">
+            <dgm:layoutNode name="parTransOne">
+              <dgm:alg type="sp"/>
+              <dgm:shape xmlns:r="http://schemas.openxmlformats.org/officeDocument/2006/relationships" r:blip="">
+                <dgm:adjLst/>
+              </dgm:shape>
+              <dgm:presOf/>
+              <dgm:constrLst/>
+              <dgm:ruleLst/>
+            </dgm:layoutNode>
+          </dgm:if>
+          <dgm:else name="Name7"/>
+        </dgm:choose>
+        <dgm:layoutNode name="horzOne">
+          <dgm:choose name="Name8">
+            <dgm:if name="Name9" func="var" arg="dir" op="equ" val="norm">
+              <dgm:alg type="lin">
+                <dgm:param type="linDir" val="fromL"/>
+                <dgm:param type="nodeVertAlign" val="t"/>
+              </dgm:alg>
+            </dgm:if>
+            <dgm:else name="Name10">
+              <dgm:alg type="lin">
+                <dgm:param type="linDir" val="fromR"/>
+                <dgm:param type="nodeVertAlign" val="t"/>
+              </dgm:alg>
+            </dgm:else>
+          </dgm:choose>
+          <dgm:shape xmlns:r="http://schemas.openxmlformats.org/officeDocument/2006/relationships" r:blip="">
+            <dgm:adjLst/>
+          </dgm:shape>
+          <dgm:presOf/>
+          <dgm:constrLst/>
+          <dgm:ruleLst>
+            <dgm:rule type="w" val="INF" fact="NaN" max="NaN"/>
+          </dgm:ruleLst>
+          <dgm:forEach name="Name11" axis="ch" ptType="node">
+            <dgm:layoutNode name="vertTwo">
+              <dgm:alg type="lin">
+                <dgm:param type="linDir" val="fromT"/>
+              </dgm:alg>
+              <dgm:shape xmlns:r="http://schemas.openxmlformats.org/officeDocument/2006/relationships" r:blip="">
+                <dgm:adjLst/>
+              </dgm:shape>
+              <dgm:presOf/>
+              <dgm:constrLst>
+                <dgm:constr type="w" for="ch" forName="txTwo" refType="w" refFor="ch" refForName="horzTwo" op="gte"/>
+              </dgm:constrLst>
+              <dgm:ruleLst/>
+              <dgm:layoutNode name="txTwo">
+                <dgm:varLst>
+                  <dgm:chPref val="3"/>
+                </dgm:varLst>
+                <dgm:alg type="tx"/>
+                <dgm:shape xmlns:r="http://schemas.openxmlformats.org/officeDocument/2006/relationships" type="roundRect" r:blip="">
+                  <dgm:adjLst>
+                    <dgm:adj idx="1" val="0.1"/>
+                  </dgm:adjLst>
+                </dgm:shape>
+                <dgm:presOf axis="self"/>
+                <dgm:constrLst>
+                  <dgm:constr type="userH"/>
+                  <dgm:constr type="h" refType="userH"/>
+                  <dgm:constr type="tMarg" refType="primFontSz" fact="0.3"/>
+                  <dgm:constr type="bMarg" refType="primFontSz" fact="0.3"/>
+                  <dgm:constr type="lMarg" refType="primFontSz" fact="0.3"/>
+                  <dgm:constr type="rMarg" refType="primFontSz" fact="0.3"/>
+                </dgm:constrLst>
+                <dgm:ruleLst>
+                  <dgm:rule type="primFontSz" val="5" fact="NaN" max="NaN"/>
+                </dgm:ruleLst>
+              </dgm:layoutNode>
+              <dgm:choose name="Name12">
+                <dgm:if name="Name13" axis="des" ptType="node" func="cnt" op="gt" val="0">
+                  <dgm:layoutNode name="parTransTwo">
+                    <dgm:alg type="sp"/>
+                    <dgm:shape xmlns:r="http://schemas.openxmlformats.org/officeDocument/2006/relationships" r:blip="">
+                      <dgm:adjLst/>
+                    </dgm:shape>
+                    <dgm:presOf/>
+                    <dgm:constrLst/>
+                    <dgm:ruleLst/>
+                  </dgm:layoutNode>
+                </dgm:if>
+                <dgm:else name="Name14"/>
+              </dgm:choose>
+              <dgm:layoutNode name="horzTwo">
+                <dgm:choose name="Name15">
+                  <dgm:if name="Name16" func="var" arg="dir" op="equ" val="norm">
+                    <dgm:alg type="lin">
+                      <dgm:param type="linDir" val="fromL"/>
+                      <dgm:param type="nodeVertAlign" val="t"/>
+                    </dgm:alg>
+                  </dgm:if>
+                  <dgm:else name="Name17">
+                    <dgm:alg type="lin">
+                      <dgm:param type="linDir" val="fromR"/>
+                      <dgm:param type="nodeVertAlign" val="t"/>
+                    </dgm:alg>
+                  </dgm:else>
+                </dgm:choose>
+                <dgm:shape xmlns:r="http://schemas.openxmlformats.org/officeDocument/2006/relationships" r:blip="">
+                  <dgm:adjLst/>
+                </dgm:shape>
+                <dgm:presOf/>
+                <dgm:constrLst/>
+                <dgm:ruleLst>
+                  <dgm:rule type="w" val="INF" fact="NaN" max="NaN"/>
+                </dgm:ruleLst>
+                <dgm:forEach name="Name18" axis="ch" ptType="node">
+                  <dgm:layoutNode name="vertThree">
+                    <dgm:alg type="lin">
+                      <dgm:param type="linDir" val="fromT"/>
+                    </dgm:alg>
+                    <dgm:shape xmlns:r="http://schemas.openxmlformats.org/officeDocument/2006/relationships" r:blip="">
+                      <dgm:adjLst/>
+                    </dgm:shape>
+                    <dgm:presOf/>
+                    <dgm:constrLst>
+                      <dgm:constr type="w" for="ch" forName="txThree" refType="w" refFor="ch" refForName="horzThree" op="gte"/>
+                    </dgm:constrLst>
+                    <dgm:ruleLst/>
+                    <dgm:layoutNode name="txThree">
+                      <dgm:varLst>
+                        <dgm:chPref val="3"/>
+                      </dgm:varLst>
+                      <dgm:alg type="tx"/>
+                      <dgm:shape xmlns:r="http://schemas.openxmlformats.org/officeDocument/2006/relationships" type="roundRect" r:blip="">
+                        <dgm:adjLst>
+                          <dgm:adj idx="1" val="0.1"/>
+                        </dgm:adjLst>
+                      </dgm:shape>
+                      <dgm:presOf axis="self"/>
+                      <dgm:constrLst>
+                        <dgm:constr type="userH"/>
+                        <dgm:constr type="h" refType="userH"/>
+                        <dgm:constr type="tMarg" refType="primFontSz" fact="0.3"/>
+                        <dgm:constr type="bMarg" refType="primFontSz" fact="0.3"/>
+                        <dgm:constr type="lMarg" refType="primFontSz" fact="0.3"/>
+                        <dgm:constr type="rMarg" refType="primFontSz" fact="0.3"/>
+                      </dgm:constrLst>
+                      <dgm:ruleLst>
+                        <dgm:rule type="primFontSz" val="5" fact="NaN" max="NaN"/>
+                      </dgm:ruleLst>
+                    </dgm:layoutNode>
+                    <dgm:choose name="Name19">
+                      <dgm:if name="Name20" axis="des" ptType="node" func="cnt" op="gt" val="0">
+                        <dgm:layoutNode name="parTransThree">
+                          <dgm:alg type="sp"/>
+                          <dgm:shape xmlns:r="http://schemas.openxmlformats.org/officeDocument/2006/relationships" r:blip="">
+                            <dgm:adjLst/>
+                          </dgm:shape>
+                          <dgm:presOf/>
+                          <dgm:constrLst/>
+                          <dgm:ruleLst/>
+                        </dgm:layoutNode>
+                      </dgm:if>
+                      <dgm:else name="Name21"/>
+                    </dgm:choose>
+                    <dgm:layoutNode name="horzThree">
+                      <dgm:choose name="Name22">
+                        <dgm:if name="Name23" func="var" arg="dir" op="equ" val="norm">
+                          <dgm:alg type="lin">
+                            <dgm:param type="linDir" val="fromL"/>
+                            <dgm:param type="nodeVertAlign" val="t"/>
+                          </dgm:alg>
+                        </dgm:if>
+                        <dgm:else name="Name24">
+                          <dgm:alg type="lin">
+                            <dgm:param type="linDir" val="fromR"/>
+                            <dgm:param type="nodeVertAlign" val="t"/>
+                          </dgm:alg>
+                        </dgm:else>
+                      </dgm:choose>
+                      <dgm:shape xmlns:r="http://schemas.openxmlformats.org/officeDocument/2006/relationships" r:blip="">
+                        <dgm:adjLst/>
+                      </dgm:shape>
+                      <dgm:presOf/>
+                      <dgm:constrLst/>
+                      <dgm:ruleLst>
+                        <dgm:rule type="w" val="INF" fact="NaN" max="NaN"/>
+                      </dgm:ruleLst>
+                      <dgm:forEach name="repeat" axis="ch" ptType="node">
+                        <dgm:layoutNode name="vertFour">
+                          <dgm:varLst>
+                            <dgm:chPref val="3"/>
+                          </dgm:varLst>
+                          <dgm:alg type="lin">
+                            <dgm:param type="linDir" val="fromT"/>
+                          </dgm:alg>
+                          <dgm:shape xmlns:r="http://schemas.openxmlformats.org/officeDocument/2006/relationships" r:blip="">
+                            <dgm:adjLst/>
+                          </dgm:shape>
+                          <dgm:presOf/>
+                          <dgm:constrLst>
+                            <dgm:constr type="w" for="ch" forName="txFour" refType="w" refFor="ch" refForName="horzFour" op="gte"/>
+                          </dgm:constrLst>
+                          <dgm:ruleLst/>
+                          <dgm:layoutNode name="txFour">
+                            <dgm:varLst>
+                              <dgm:chPref val="3"/>
+                            </dgm:varLst>
+                            <dgm:alg type="tx"/>
+                            <dgm:shape xmlns:r="http://schemas.openxmlformats.org/officeDocument/2006/relationships" type="roundRect" r:blip="">
+                              <dgm:adjLst>
+                                <dgm:adj idx="1" val="0.1"/>
+                              </dgm:adjLst>
+                            </dgm:shape>
+                            <dgm:presOf axis="self"/>
+                            <dgm:constrLst>
+                              <dgm:constr type="userH"/>
+                              <dgm:constr type="h" refType="userH"/>
+                              <dgm:constr type="tMarg" refType="primFontSz" fact="0.3"/>
+                              <dgm:constr type="bMarg" refType="primFontSz" fact="0.3"/>
+                              <dgm:constr type="lMarg" refType="primFontSz" fact="0.3"/>
+                              <dgm:constr type="rMarg" refType="primFontSz" fact="0.3"/>
+                            </dgm:constrLst>
+                            <dgm:ruleLst>
+                              <dgm:rule type="primFontSz" val="5" fact="NaN" max="NaN"/>
+                            </dgm:ruleLst>
+                          </dgm:layoutNode>
+                          <dgm:choose name="Name25">
+                            <dgm:if name="Name26" axis="des" ptType="node" func="cnt" op="gt" val="0">
+                              <dgm:layoutNode name="parTransFour">
+                                <dgm:alg type="sp"/>
+                                <dgm:shape xmlns:r="http://schemas.openxmlformats.org/officeDocument/2006/relationships" r:blip="">
+                                  <dgm:adjLst/>
+                                </dgm:shape>
+                                <dgm:presOf/>
+                                <dgm:constrLst/>
+                                <dgm:ruleLst/>
+                              </dgm:layoutNode>
+                            </dgm:if>
+                            <dgm:else name="Name27"/>
+                          </dgm:choose>
+                          <dgm:layoutNode name="horzFour">
+                            <dgm:choose name="Name28">
+                              <dgm:if name="Name29" func="var" arg="dir" op="equ" val="norm">
+                                <dgm:alg type="lin">
+                                  <dgm:param type="linDir" val="fromL"/>
+                                  <dgm:param type="nodeVertAlign" val="t"/>
+                                </dgm:alg>
+                              </dgm:if>
+                              <dgm:else name="Name30">
+                                <dgm:alg type="lin">
+                                  <dgm:param type="linDir" val="fromR"/>
+                                  <dgm:param type="nodeVertAlign" val="t"/>
+                                </dgm:alg>
+                              </dgm:else>
+                            </dgm:choose>
+                            <dgm:shape xmlns:r="http://schemas.openxmlformats.org/officeDocument/2006/relationships" r:blip="">
+                              <dgm:adjLst/>
+                            </dgm:shape>
+                            <dgm:presOf/>
+                            <dgm:constrLst/>
+                            <dgm:ruleLst>
+                              <dgm:rule type="w" val="INF" fact="NaN" max="NaN"/>
+                            </dgm:ruleLst>
+                            <dgm:forEach name="Name31" ref="repeat"/>
+                          </dgm:layoutNode>
+                        </dgm:layoutNode>
+                        <dgm:choose name="Name32">
+                          <dgm:if name="Name33" axis="self" ptType="node" func="revPos" op="gte" val="2">
+                            <dgm:forEach name="Name34" axis="followSib" ptType="sibTrans" cnt="1">
+                              <dgm:layoutNode name="sibSpaceFour">
+                                <dgm:alg type="sp"/>
+                                <dgm:shape xmlns:r="http://schemas.openxmlformats.org/officeDocument/2006/relationships" r:blip="">
+                                  <dgm:adjLst/>
+                                </dgm:shape>
+                                <dgm:presOf/>
+                                <dgm:constrLst/>
+                                <dgm:ruleLst/>
+                              </dgm:layoutNode>
+                            </dgm:forEach>
+                          </dgm:if>
+                          <dgm:else name="Name35"/>
+                        </dgm:choose>
+                      </dgm:forEach>
+                    </dgm:layoutNode>
+                  </dgm:layoutNode>
+                  <dgm:choose name="Name36">
+                    <dgm:if name="Name37" axis="self" ptType="node" func="revPos" op="gte" val="2">
+                      <dgm:forEach name="Name38" axis="followSib" ptType="sibTrans" cnt="1">
+                        <dgm:layoutNode name="sibSpaceThree">
+                          <dgm:alg type="sp"/>
+                          <dgm:shape xmlns:r="http://schemas.openxmlformats.org/officeDocument/2006/relationships" r:blip="">
+                            <dgm:adjLst/>
+                          </dgm:shape>
+                          <dgm:presOf/>
+                          <dgm:constrLst/>
+                          <dgm:ruleLst/>
+                        </dgm:layoutNode>
+                      </dgm:forEach>
+                    </dgm:if>
+                    <dgm:else name="Name39"/>
+                  </dgm:choose>
+                </dgm:forEach>
+              </dgm:layoutNode>
+            </dgm:layoutNode>
+            <dgm:choose name="Name40">
+              <dgm:if name="Name41" axis="self" ptType="node" func="revPos" op="gte" val="2">
+                <dgm:forEach name="Name42" axis="followSib" ptType="sibTrans" cnt="1">
+                  <dgm:layoutNode name="sibSpaceTwo">
+                    <dgm:alg type="sp"/>
+                    <dgm:shape xmlns:r="http://schemas.openxmlformats.org/officeDocument/2006/relationships" r:blip="">
+                      <dgm:adjLst/>
+                    </dgm:shape>
+                    <dgm:presOf/>
+                    <dgm:constrLst/>
+                    <dgm:ruleLst/>
+                  </dgm:layoutNode>
+                </dgm:forEach>
+              </dgm:if>
+              <dgm:else name="Name43"/>
+            </dgm:choose>
+          </dgm:forEach>
+        </dgm:layoutNode>
+      </dgm:layoutNode>
+      <dgm:choose name="Name44">
+        <dgm:if name="Name45" axis="self" ptType="node" func="revPos" op="gte" val="2">
+          <dgm:forEach name="Name46" axis="followSib" ptType="sibTrans" cnt="1">
+            <dgm:layoutNode name="sibSpaceOne">
+              <dgm:alg type="sp"/>
+              <dgm:shape xmlns:r="http://schemas.openxmlformats.org/officeDocument/2006/relationships" r:blip="">
+                <dgm:adjLst/>
+              </dgm:shape>
+              <dgm:presOf/>
+              <dgm:constrLst/>
+              <dgm:ruleLst/>
+            </dgm:layoutNode>
+          </dgm:forEach>
+        </dgm:if>
+        <dgm:else name="Name47"/>
+      </dgm:choose>
+    </dgm:forEach>
+  </dgm:layoutNode>
+</dgm:layoutDef>
+</file>
+
+<file path=ppt/diagrams/quickStyle1.xml><?xml version="1.0" encoding="utf-8"?>
+<dgm:styleDef xmlns:dgm="http://schemas.openxmlformats.org/drawingml/2006/diagram" xmlns:a="http://schemas.openxmlformats.org/drawingml/2006/main" uniqueId="urn:microsoft.com/office/officeart/2005/8/quickstyle/simple1">
+  <dgm:title val=""/>
+  <dgm:desc val=""/>
+  <dgm:catLst>
+    <dgm:cat type="simple" pri="10100"/>
+  </dgm:catLst>
+  <dgm:scene3d>
+    <a:camera prst="orthographicFront"/>
+    <a:lightRig rig="threePt" dir="t"/>
+  </dgm:scene3d>
+  <dgm:styleLbl name="node0">
+    <dgm:scene3d>
+      <a:camera prst="orthographicFront"/>
+      <a:lightRig rig="threePt" dir="t"/>
+    </dgm:scene3d>
+    <dgm:sp3d/>
+    <dgm:txPr/>
+    <dgm:style>
+      <a:lnRef idx="2">
+        <a:scrgbClr r="0" g="0" b="0"/>
+      </a:lnRef>
+      <a:fillRef idx="1">
+        <a:scrgbClr r="0" g="0" b="0"/>
+      </a:fillRef>
+      <a:effectRef idx="0">
+        <a:scrgbClr r="0" g="0" b="0"/>
+      </a:effectRef>
+      <a:fontRef idx="minor">
+        <a:schemeClr val="lt1"/>
+      </a:fontRef>
+    </dgm:style>
+  </dgm:styleLbl>
+  <dgm:styleLbl name="lnNode1">
+    <dgm:scene3d>
+      <a:camera prst="orthographicFront"/>
+      <a:lightRig rig="threePt" dir="t"/>
+    </dgm:scene3d>
+    <dgm:sp3d/>
+    <dgm:txPr/>
+    <dgm:style>
+      <a:lnRef idx="2">
+        <a:scrgbClr r="0" g="0" b="0"/>
+      </a:lnRef>
+      <a:fillRef idx="1">
+        <a:scrgbClr r="0" g="0" b="0"/>
+      </a:fillRef>
+      <a:effectRef idx="0">
+        <a:scrgbClr r="0" g="0" b="0"/>
+      </a:effectRef>
+      <a:fontRef idx="minor">
+        <a:schemeClr val="lt1"/>
+      </a:fontRef>
+    </dgm:style>
+  </dgm:styleLbl>
+  <dgm:styleLbl name="vennNode1">
+    <dgm:scene3d>
+      <a:camera prst="orthographicFront"/>
+      <a:lightRig rig="threePt" dir="t"/>
+    </dgm:scene3d>
+    <dgm:sp3d/>
+    <dgm:txPr/>
+    <dgm:style>
+      <a:lnRef idx="2">
+        <a:scrgbClr r="0" g="0" b="0"/>
+      </a:lnRef>
+      <a:fillRef idx="1">
+        <a:scrgbClr r="0" g="0" b="0"/>
+      </a:fillRef>
+      <a:effectRef idx="0">
+        <a:scrgbClr r="0" g="0" b="0"/>
+      </a:effectRef>
+      <a:fontRef idx="minor">
+        <a:schemeClr val="tx1"/>
+      </a:fontRef>
+    </dgm:style>
+  </dgm:styleLbl>
+  <dgm:styleLbl name="alignNode1">
+    <dgm:scene3d>
+      <a:camera prst="orthographicFront"/>
+      <a:lightRig rig="threePt" dir="t"/>
+    </dgm:scene3d>
+    <dgm:sp3d/>
+    <dgm:txPr/>
+    <dgm:style>
+      <a:lnRef idx="2">
+        <a:scrgbClr r="0" g="0" b="0"/>
+      </a:lnRef>
+      <a:fillRef idx="1">
+        <a:scrgbClr r="0" g="0" b="0"/>
+      </a:fillRef>
+      <a:effectRef idx="0">
+        <a:scrgbClr r="0" g="0" b="0"/>
+      </a:effectRef>
+      <a:fontRef idx="minor">
+        <a:schemeClr val="lt1"/>
+      </a:fontRef>
+    </dgm:style>
+  </dgm:styleLbl>
+  <dgm:styleLbl name="node1">
+    <dgm:scene3d>
+      <a:camera prst="orthographicFront"/>
+      <a:lightRig rig="threePt" dir="t"/>
+    </dgm:scene3d>
+    <dgm:sp3d/>
+    <dgm:txPr/>
+    <dgm:style>
+      <a:lnRef idx="2">
+        <a:scrgbClr r="0" g="0" b="0"/>
+      </a:lnRef>
+      <a:fillRef idx="1">
+        <a:scrgbClr r="0" g="0" b="0"/>
+      </a:fillRef>
+      <a:effectRef idx="0">
+        <a:scrgbClr r="0" g="0" b="0"/>
+      </a:effectRef>
+      <a:fontRef idx="minor">
+        <a:schemeClr val="lt1"/>
+      </a:fontRef>
+    </dgm:style>
+  </dgm:styleLbl>
+  <dgm:styleLbl name="node2">
+    <dgm:scene3d>
+      <a:camera prst="orthographicFront"/>
+      <a:lightRig rig="threePt" dir="t"/>
+    </dgm:scene3d>
+    <dgm:sp3d/>
+    <dgm:txPr/>
+    <dgm:style>
+      <a:lnRef idx="2">
+        <a:scrgbClr r="0" g="0" b="0"/>
+      </a:lnRef>
+      <a:fillRef idx="1">
+        <a:scrgbClr r="0" g="0" b="0"/>
+      </a:fillRef>
+      <a:effectRef idx="0">
+        <a:scrgbClr r="0" g="0" b="0"/>
+      </a:effectRef>
+      <a:fontRef idx="minor">
+        <a:schemeClr val="lt1"/>
+      </a:fontRef>
+    </dgm:style>
+  </dgm:styleLbl>
+  <dgm:styleLbl name="node3">
+    <dgm:scene3d>
+      <a:camera prst="orthographicFront"/>
+      <a:lightRig rig="threePt" dir="t"/>
+    </dgm:scene3d>
+    <dgm:sp3d/>
+    <dgm:txPr/>
+    <dgm:style>
+      <a:lnRef idx="2">
+        <a:scrgbClr r="0" g="0" b="0"/>
+      </a:lnRef>
+      <a:fillRef idx="1">
+        <a:scrgbClr r="0" g="0" b="0"/>
+      </a:fillRef>
+      <a:effectRef idx="0">
+        <a:scrgbClr r="0" g="0" b="0"/>
+      </a:effectRef>
+      <a:fontRef idx="minor">
+        <a:schemeClr val="lt1"/>
+      </a:fontRef>
+    </dgm:style>
+  </dgm:styleLbl>
+  <dgm:styleLbl name="node4">
+    <dgm:scene3d>
+      <a:camera prst="orthographicFront"/>
+      <a:lightRig rig="threePt" dir="t"/>
+    </dgm:scene3d>
+    <dgm:sp3d/>
+    <dgm:txPr/>
+    <dgm:style>
+      <a:lnRef idx="2">
+        <a:scrgbClr r="0" g="0" b="0"/>
+      </a:lnRef>
+      <a:fillRef idx="1">
+        <a:scrgbClr r="0" g="0" b="0"/>
+      </a:fillRef>
+      <a:effectRef idx="0">
+        <a:scrgbClr r="0" g="0" b="0"/>
+      </a:effectRef>
+      <a:fontRef idx="minor">
+        <a:schemeClr val="lt1"/>
+      </a:fontRef>
+    </dgm:style>
+  </dgm:styleLbl>
+  <dgm:styleLbl name="fgImgPlace1">
+    <dgm:scene3d>
+      <a:camera prst="orthographicFront"/>
+      <a:lightRig rig="threePt" dir="t"/>
+    </dgm:scene3d>
+    <dgm:sp3d/>
+    <dgm:txPr/>
+    <dgm:style>
+      <a:lnRef idx="2">
+        <a:scrgbClr r="0" g="0" b="0"/>
+      </a:lnRef>
+      <a:fillRef idx="1">
+        <a:scrgbClr r="0" g="0" b="0"/>
+      </a:fillRef>
+      <a:effectRef idx="0">
+        <a:scrgbClr r="0" g="0" b="0"/>
+      </a:effectRef>
+      <a:fontRef idx="minor"/>
+    </dgm:style>
+  </dgm:styleLbl>
+  <dgm:styleLbl name="alignImgPlace1">
+    <dgm:scene3d>
+      <a:camera prst="orthographicFront"/>
+      <a:lightRig rig="threePt" dir="t"/>
+    </dgm:scene3d>
+    <dgm:sp3d/>
+    <dgm:txPr/>
+    <dgm:style>
+      <a:lnRef idx="2">
+        <a:scrgbClr r="0" g="0" b="0"/>
+      </a:lnRef>
+      <a:fillRef idx="1">
+        <a:scrgbClr r="0" g="0" b="0"/>
+      </a:fillRef>
+      <a:effectRef idx="0">
+        <a:scrgbClr r="0" g="0" b="0"/>
+      </a:effectRef>
+      <a:fontRef idx="minor"/>
+    </dgm:style>
+  </dgm:styleLbl>
+  <dgm:styleLbl name="bgImgPlace1">
+    <dgm:scene3d>
+      <a:camera prst="orthographicFront"/>
+      <a:lightRig rig="threePt" dir="t"/>
+    </dgm:scene3d>
+    <dgm:sp3d/>
+    <dgm:txPr/>
+    <dgm:style>
+      <a:lnRef idx="2">
+        <a:scrgbClr r="0" g="0" b="0"/>
+      </a:lnRef>
+      <a:fillRef idx="1">
+        <a:scrgbClr r="0" g="0" b="0"/>
+      </a:fillRef>
+      <a:effectRef idx="0">
+        <a:scrgbClr r="0" g="0" b="0"/>
+      </a:effectRef>
+      <a:fontRef idx="minor"/>
+    </dgm:style>
+  </dgm:styleLbl>
+  <dgm:styleLbl name="sibTrans2D1">
+    <dgm:scene3d>
+      <a:camera prst="orthographicFront"/>
+      <a:lightRig rig="threePt" dir="t"/>
+    </dgm:scene3d>
+    <dgm:sp3d/>
+    <dgm:txPr/>
+    <dgm:style>
+      <a:lnRef idx="0">
+        <a:scrgbClr r="0" g="0" b="0"/>
+      </a:lnRef>
+      <a:fillRef idx="1">
+        <a:scrgbClr r="0" g="0" b="0"/>
+      </a:fillRef>
+      <a:effectRef idx="0">
+        <a:scrgbClr r="0" g="0" b="0"/>
+      </a:effectRef>
+      <a:fontRef idx="minor">
+        <a:schemeClr val="lt1"/>
+      </a:fontRef>
+    </dgm:style>
+  </dgm:styleLbl>
+  <dgm:styleLbl name="fgSibTrans2D1">
+    <dgm:scene3d>
+      <a:camera prst="orthographicFront"/>
+      <a:lightRig rig="threePt" dir="t"/>
+    </dgm:scene3d>
+    <dgm:sp3d/>
+    <dgm:txPr/>
+    <dgm:style>
+      <a:lnRef idx="0">
+        <a:scrgbClr r="0" g="0" b="0"/>
+      </a:lnRef>
+      <a:fillRef idx="1">
+        <a:scrgbClr r="0" g="0" b="0"/>
+      </a:fillRef>
+      <a:effectRef idx="0">
+        <a:scrgbClr r="0" g="0" b="0"/>
+      </a:effectRef>
+      <a:fontRef idx="minor">
+        <a:schemeClr val="lt1"/>
+      </a:fontRef>
+    </dgm:style>
+  </dgm:styleLbl>
+  <dgm:styleLbl name="bgSibTrans2D1">
+    <dgm:scene3d>
+      <a:camera prst="orthographicFront"/>
+      <a:lightRig rig="threePt" dir="t"/>
+    </dgm:scene3d>
+    <dgm:sp3d/>
+    <dgm:txPr/>
+    <dgm:style>
+      <a:lnRef idx="0">
+        <a:scrgbClr r="0" g="0" b="0"/>
+      </a:lnRef>
+      <a:fillRef idx="1">
+        <a:scrgbClr r="0" g="0" b="0"/>
+      </a:fillRef>
+      <a:effectRef idx="0">
+        <a:scrgbClr r="0" g="0" b="0"/>
+      </a:effectRef>
+      <a:fontRef idx="minor">
+        <a:schemeClr val="lt1"/>
+      </a:fontRef>
+    </dgm:style>
+  </dgm:styleLbl>
+  <dgm:styleLbl name="sibTrans1D1">
+    <dgm:scene3d>
+      <a:camera prst="orthographicFront"/>
+      <a:lightRig rig="threePt" dir="t"/>
+    </dgm:scene3d>
+    <dgm:sp3d/>
+    <dgm:txPr/>
+    <dgm:style>
+      <a:lnRef idx="1">
+        <a:scrgbClr r="0" g="0" b="0"/>
+      </a:lnRef>
+      <a:fillRef idx="0">
+        <a:scrgbClr r="0" g="0" b="0"/>
+      </a:fillRef>
+      <a:effectRef idx="0">
+        <a:scrgbClr r="0" g="0" b="0"/>
+      </a:effectRef>
+      <a:fontRef idx="minor"/>
+    </dgm:style>
+  </dgm:styleLbl>
+  <dgm:styleLbl name="callout">
+    <dgm:scene3d>
+      <a:camera prst="orthographicFront"/>
+      <a:lightRig rig="threePt" dir="t"/>
+    </dgm:scene3d>
+    <dgm:sp3d/>
+    <dgm:txPr/>
+    <dgm:style>
+      <a:lnRef idx="2">
+        <a:scrgbClr r="0" g="0" b="0"/>
+      </a:lnRef>
+      <a:fillRef idx="1">
+        <a:scrgbClr r="0" g="0" b="0"/>
+      </a:fillRef>
+      <a:effectRef idx="0">
+        <a:scrgbClr r="0" g="0" b="0"/>
+      </a:effectRef>
+      <a:fontRef idx="minor"/>
+    </dgm:style>
+  </dgm:styleLbl>
+  <dgm:styleLbl name="asst0">
+    <dgm:scene3d>
+      <a:camera prst="orthographicFront"/>
+      <a:lightRig rig="threePt" dir="t"/>
+    </dgm:scene3d>
+    <dgm:sp3d/>
+    <dgm:txPr/>
+    <dgm:style>
+      <a:lnRef idx="2">
+        <a:scrgbClr r="0" g="0" b="0"/>
+      </a:lnRef>
+      <a:fillRef idx="1">
+        <a:scrgbClr r="0" g="0" b="0"/>
+      </a:fillRef>
+      <a:effectRef idx="0">
+        <a:scrgbClr r="0" g="0" b="0"/>
+      </a:effectRef>
+      <a:fontRef idx="minor">
+        <a:schemeClr val="lt1"/>
+      </a:fontRef>
+    </dgm:style>
+  </dgm:styleLbl>
+  <dgm:styleLbl name="asst1">
+    <dgm:scene3d>
+      <a:camera prst="orthographicFront"/>
+      <a:lightRig rig="threePt" dir="t"/>
+    </dgm:scene3d>
+    <dgm:sp3d/>
+    <dgm:txPr/>
+    <dgm:style>
+      <a:lnRef idx="2">
+        <a:scrgbClr r="0" g="0" b="0"/>
+      </a:lnRef>
+      <a:fillRef idx="1">
+        <a:scrgbClr r="0" g="0" b="0"/>
+      </a:fillRef>
+      <a:effectRef idx="0">
+        <a:scrgbClr r="0" g="0" b="0"/>
+      </a:effectRef>
+      <a:fontRef idx="minor">
+        <a:schemeClr val="lt1"/>
+      </a:fontRef>
+    </dgm:style>
+  </dgm:styleLbl>
+  <dgm:styleLbl name="asst2">
+    <dgm:scene3d>
+      <a:camera prst="orthographicFront"/>
+      <a:lightRig rig="threePt" dir="t"/>
+    </dgm:scene3d>
+    <dgm:sp3d/>
+    <dgm:txPr/>
+    <dgm:style>
+      <a:lnRef idx="2">
+        <a:scrgbClr r="0" g="0" b="0"/>
+      </a:lnRef>
+      <a:fillRef idx="1">
+        <a:scrgbClr r="0" g="0" b="0"/>
+      </a:fillRef>
+      <a:effectRef idx="0">
+        <a:scrgbClr r="0" g="0" b="0"/>
+      </a:effectRef>
+      <a:fontRef idx="minor">
+        <a:schemeClr val="lt1"/>
+      </a:fontRef>
+    </dgm:style>
+  </dgm:styleLbl>
+  <dgm:styleLbl name="asst3">
+    <dgm:scene3d>
+      <a:camera prst="orthographicFront"/>
+      <a:lightRig rig="threePt" dir="t"/>
+    </dgm:scene3d>
+    <dgm:sp3d/>
+    <dgm:txPr/>
+    <dgm:style>
+      <a:lnRef idx="2">
+        <a:scrgbClr r="0" g="0" b="0"/>
+      </a:lnRef>
+      <a:fillRef idx="1">
+        <a:scrgbClr r="0" g="0" b="0"/>
+      </a:fillRef>
+      <a:effectRef idx="0">
+        <a:scrgbClr r="0" g="0" b="0"/>
+      </a:effectRef>
+      <a:fontRef idx="minor">
+        <a:schemeClr val="lt1"/>
+      </a:fontRef>
+    </dgm:style>
+  </dgm:styleLbl>
+  <dgm:styleLbl name="asst4">
+    <dgm:scene3d>
+      <a:camera prst="orthographicFront"/>
+      <a:lightRig rig="threePt" dir="t"/>
+    </dgm:scene3d>
+    <dgm:sp3d/>
+    <dgm:txPr/>
+    <dgm:style>
+      <a:lnRef idx="2">
+        <a:scrgbClr r="0" g="0" b="0"/>
+      </a:lnRef>
+      <a:fillRef idx="1">
+        <a:scrgbClr r="0" g="0" b="0"/>
+      </a:fillRef>
+      <a:effectRef idx="0">
+        <a:scrgbClr r="0" g="0" b="0"/>
+      </a:effectRef>
+      <a:fontRef idx="minor">
+        <a:schemeClr val="lt1"/>
+      </a:fontRef>
+    </dgm:style>
+  </dgm:styleLbl>
+  <dgm:styleLbl name="parChTrans2D1">
+    <dgm:scene3d>
+      <a:camera prst="orthographicFront"/>
+      <a:lightRig rig="threePt" dir="t"/>
+    </dgm:scene3d>
+    <dgm:sp3d/>
+    <dgm:txPr/>
+    <dgm:style>
+      <a:lnRef idx="2">
+        <a:scrgbClr r="0" g="0" b="0"/>
+      </a:lnRef>
+      <a:fillRef idx="1">
+        <a:scrgbClr r="0" g="0" b="0"/>
+      </a:fillRef>
+      <a:effectRef idx="0">
+        <a:scrgbClr r="0" g="0" b="0"/>
+      </a:effectRef>
+      <a:fontRef idx="minor">
+        <a:schemeClr val="lt1"/>
+      </a:fontRef>
+    </dgm:style>
+  </dgm:styleLbl>
+  <dgm:styleLbl name="parChTrans2D2">
+    <dgm:scene3d>
+      <a:camera prst="orthographicFront"/>
+      <a:lightRig rig="threePt" dir="t"/>
+    </dgm:scene3d>
+    <dgm:sp3d/>
+    <dgm:txPr/>
+    <dgm:style>
+      <a:lnRef idx="2">
+        <a:scrgbClr r="0" g="0" b="0"/>
+      </a:lnRef>
+      <a:fillRef idx="1">
+        <a:scrgbClr r="0" g="0" b="0"/>
+      </a:fillRef>
+      <a:effectRef idx="0">
+        <a:scrgbClr r="0" g="0" b="0"/>
+      </a:effectRef>
+      <a:fontRef idx="minor">
+        <a:schemeClr val="lt1"/>
+      </a:fontRef>
+    </dgm:style>
+  </dgm:styleLbl>
+  <dgm:styleLbl name="parChTrans2D3">
+    <dgm:scene3d>
+      <a:camera prst="orthographicFront"/>
+      <a:lightRig rig="threePt" dir="t"/>
+    </dgm:scene3d>
+    <dgm:sp3d/>
+    <dgm:txPr/>
+    <dgm:style>
+      <a:lnRef idx="2">
+        <a:scrgbClr r="0" g="0" b="0"/>
+      </a:lnRef>
+      <a:fillRef idx="1">
+        <a:scrgbClr r="0" g="0" b="0"/>
+      </a:fillRef>
+      <a:effectRef idx="0">
+        <a:scrgbClr r="0" g="0" b="0"/>
+      </a:effectRef>
+      <a:fontRef idx="minor">
+        <a:schemeClr val="lt1"/>
+      </a:fontRef>
+    </dgm:style>
+  </dgm:styleLbl>
+  <dgm:styleLbl name="parChTrans2D4">
+    <dgm:scene3d>
+      <a:camera prst="orthographicFront"/>
+      <a:lightRig rig="threePt" dir="t"/>
+    </dgm:scene3d>
+    <dgm:sp3d/>
+    <dgm:txPr/>
+    <dgm:style>
+      <a:lnRef idx="2">
+        <a:scrgbClr r="0" g="0" b="0"/>
+      </a:lnRef>
+      <a:fillRef idx="1">
+        <a:scrgbClr r="0" g="0" b="0"/>
+      </a:fillRef>
+      <a:effectRef idx="0">
+        <a:scrgbClr r="0" g="0" b="0"/>
+      </a:effectRef>
+      <a:fontRef idx="minor">
+        <a:schemeClr val="lt1"/>
+      </a:fontRef>
+    </dgm:style>
+  </dgm:styleLbl>
+  <dgm:styleLbl name="parChTrans1D1">
+    <dgm:scene3d>
+      <a:camera prst="orthographicFront"/>
+      <a:lightRig rig="threePt" dir="t"/>
+    </dgm:scene3d>
+    <dgm:sp3d/>
+    <dgm:txPr/>
+    <dgm:style>
+      <a:lnRef idx="2">
+        <a:scrgbClr r="0" g="0" b="0"/>
+      </a:lnRef>
+      <a:fillRef idx="0">
+        <a:scrgbClr r="0" g="0" b="0"/>
+      </a:fillRef>
+      <a:effectRef idx="0">
+        <a:scrgbClr r="0" g="0" b="0"/>
+      </a:effectRef>
+      <a:fontRef idx="minor"/>
+    </dgm:style>
+  </dgm:styleLbl>
+  <dgm:styleLbl name="parChTrans1D2">
+    <dgm:scene3d>
+      <a:camera prst="orthographicFront"/>
+      <a:lightRig rig="threePt" dir="t"/>
+    </dgm:scene3d>
+    <dgm:sp3d/>
+    <dgm:txPr/>
+    <dgm:style>
+      <a:lnRef idx="2">
+        <a:scrgbClr r="0" g="0" b="0"/>
+      </a:lnRef>
+      <a:fillRef idx="0">
+        <a:scrgbClr r="0" g="0" b="0"/>
+      </a:fillRef>
+      <a:effectRef idx="0">
+        <a:scrgbClr r="0" g="0" b="0"/>
+      </a:effectRef>
+      <a:fontRef idx="minor"/>
+    </dgm:style>
+  </dgm:styleLbl>
+  <dgm:styleLbl name="parChTrans1D3">
+    <dgm:scene3d>
+      <a:camera prst="orthographicFront"/>
+      <a:lightRig rig="threePt" dir="t"/>
+    </dgm:scene3d>
+    <dgm:sp3d/>
+    <dgm:txPr/>
+    <dgm:style>
+      <a:lnRef idx="2">
+        <a:scrgbClr r="0" g="0" b="0"/>
+      </a:lnRef>
+      <a:fillRef idx="0">
+        <a:scrgbClr r="0" g="0" b="0"/>
+      </a:fillRef>
+      <a:effectRef idx="0">
+        <a:scrgbClr r="0" g="0" b="0"/>
+      </a:effectRef>
+      <a:fontRef idx="minor"/>
+    </dgm:style>
+  </dgm:styleLbl>
+  <dgm:styleLbl name="parChTrans1D4">
+    <dgm:scene3d>
+      <a:camera prst="orthographicFront"/>
+      <a:lightRig rig="threePt" dir="t"/>
+    </dgm:scene3d>
+    <dgm:sp3d/>
+    <dgm:txPr/>
+    <dgm:style>
+      <a:lnRef idx="2">
+        <a:scrgbClr r="0" g="0" b="0"/>
+      </a:lnRef>
+      <a:fillRef idx="0">
+        <a:scrgbClr r="0" g="0" b="0"/>
+      </a:fillRef>
+      <a:effectRef idx="0">
+        <a:scrgbClr r="0" g="0" b="0"/>
+      </a:effectRef>
+      <a:fontRef idx="minor"/>
+    </dgm:style>
+  </dgm:styleLbl>
+  <dgm:styleLbl name="fgAcc1">
+    <dgm:scene3d>
+      <a:camera prst="orthographicFront"/>
+      <a:lightRig rig="threePt" dir="t"/>
+    </dgm:scene3d>
+    <dgm:sp3d/>
+    <dgm:txPr/>
+    <dgm:style>
+      <a:lnRef idx="2">
+        <a:scrgbClr r="0" g="0" b="0"/>
+      </a:lnRef>
+      <a:fillRef idx="1">
+        <a:scrgbClr r="0" g="0" b="0"/>
+      </a:fillRef>
+      <a:effectRef idx="0">
+        <a:scrgbClr r="0" g="0" b="0"/>
+      </a:effectRef>
+      <a:fontRef idx="minor"/>
+    </dgm:style>
+  </dgm:styleLbl>
+  <dgm:styleLbl name="conFgAcc1">
+    <dgm:scene3d>
+      <a:camera prst="orthographicFront"/>
+      <a:lightRig rig="threePt" dir="t"/>
+    </dgm:scene3d>
+    <dgm:sp3d/>
+    <dgm:txPr/>
+    <dgm:style>
+      <a:lnRef idx="2">
+        <a:scrgbClr r="0" g="0" b="0"/>
+      </a:lnRef>
+      <a:fillRef idx="1">
+        <a:scrgbClr r="0" g="0" b="0"/>
+      </a:fillRef>
+      <a:effectRef idx="0">
+        <a:scrgbClr r="0" g="0" b="0"/>
+      </a:effectRef>
+      <a:fontRef idx="minor"/>
+    </dgm:style>
+  </dgm:styleLbl>
+  <dgm:styleLbl name="alignAcc1">
+    <dgm:scene3d>
+      <a:camera prst="orthographicFront"/>
+      <a:lightRig rig="threePt" dir="t"/>
+    </dgm:scene3d>
+    <dgm:sp3d/>
+    <dgm:txPr/>
+    <dgm:style>
+      <a:lnRef idx="2">
+        <a:scrgbClr r="0" g="0" b="0"/>
+      </a:lnRef>
+      <a:fillRef idx="1">
+        <a:scrgbClr r="0" g="0" b="0"/>
+      </a:fillRef>
+      <a:effectRef idx="0">
+        <a:scrgbClr r="0" g="0" b="0"/>
+      </a:effectRef>
+      <a:fontRef idx="minor"/>
+    </dgm:style>
+  </dgm:styleLbl>
+  <dgm:styleLbl name="trAlignAcc1">
+    <dgm:scene3d>
+      <a:camera prst="orthographicFront"/>
+      <a:lightRig rig="threePt" dir="t"/>
+    </dgm:scene3d>
+    <dgm:sp3d/>
+    <dgm:txPr/>
+    <dgm:style>
+      <a:lnRef idx="1">
+        <a:scrgbClr r="0" g="0" b="0"/>
+      </a:lnRef>
+      <a:fillRef idx="1">
+        <a:scrgbClr r="0" g="0" b="0"/>
+      </a:fillRef>
+      <a:effectRef idx="0">
+        <a:scrgbClr r="0" g="0" b="0"/>
+      </a:effectRef>
+      <a:fontRef idx="minor"/>
+    </dgm:style>
+  </dgm:styleLbl>
+  <dgm:styleLbl name="bgAcc1">
+    <dgm:scene3d>
+      <a:camera prst="orthographicFront"/>
+      <a:lightRig rig="threePt" dir="t"/>
+    </dgm:scene3d>
+    <dgm:sp3d/>
+    <dgm:txPr/>
+    <dgm:style>
+      <a:lnRef idx="2">
+        <a:scrgbClr r="0" g="0" b="0"/>
+      </a:lnRef>
+      <a:fillRef idx="1">
+        <a:scrgbClr r="0" g="0" b="0"/>
+      </a:fillRef>
+      <a:effectRef idx="0">
+        <a:scrgbClr r="0" g="0" b="0"/>
+      </a:effectRef>
+      <a:fontRef idx="minor"/>
+    </dgm:style>
+  </dgm:styleLbl>
+  <dgm:styleLbl name="solidFgAcc1">
+    <dgm:scene3d>
+      <a:camera prst="orthographicFront"/>
+      <a:lightRig rig="threePt" dir="t"/>
+    </dgm:scene3d>
+    <dgm:sp3d/>
+    <dgm:txPr/>
+    <dgm:style>
+      <a:lnRef idx="2">
+        <a:scrgbClr r="0" g="0" b="0"/>
+      </a:lnRef>
+      <a:fillRef idx="1">
+        <a:scrgbClr r="0" g="0" b="0"/>
+      </a:fillRef>
+      <a:effectRef idx="0">
+        <a:scrgbClr r="0" g="0" b="0"/>
+      </a:effectRef>
+      <a:fontRef idx="minor"/>
+    </dgm:style>
+  </dgm:styleLbl>
+  <dgm:styleLbl name="solidAlignAcc1">
+    <dgm:scene3d>
+      <a:camera prst="orthographicFront"/>
+      <a:lightRig rig="threePt" dir="t"/>
+    </dgm:scene3d>
+    <dgm:sp3d/>
+    <dgm:txPr/>
+    <dgm:style>
+      <a:lnRef idx="2">
+        <a:scrgbClr r="0" g="0" b="0"/>
+      </a:lnRef>
+      <a:fillRef idx="1">
+        <a:scrgbClr r="0" g="0" b="0"/>
+      </a:fillRef>
+      <a:effectRef idx="0">
+        <a:scrgbClr r="0" g="0" b="0"/>
+      </a:effectRef>
+      <a:fontRef idx="minor"/>
+    </dgm:style>
+  </dgm:styleLbl>
+  <dgm:styleLbl name="solidBgAcc1">
+    <dgm:scene3d>
+      <a:camera prst="orthographicFront"/>
+      <a:lightRig rig="threePt" dir="t"/>
+    </dgm:scene3d>
+    <dgm:sp3d/>
+    <dgm:txPr/>
+    <dgm:style>
+      <a:lnRef idx="2">
+        <a:scrgbClr r="0" g="0" b="0"/>
+      </a:lnRef>
+      <a:fillRef idx="1">
+        <a:scrgbClr r="0" g="0" b="0"/>
+      </a:fillRef>
+      <a:effectRef idx="0">
+        <a:scrgbClr r="0" g="0" b="0"/>
+      </a:effectRef>
+      <a:fontRef idx="minor"/>
+    </dgm:style>
+  </dgm:styleLbl>
+  <dgm:styleLbl name="fgAccFollowNode1">
+    <dgm:scene3d>
+      <a:camera prst="orthographicFront"/>
+      <a:lightRig rig="threePt" dir="t"/>
+    </dgm:scene3d>
+    <dgm:sp3d/>
+    <dgm:txPr/>
+    <dgm:style>
+      <a:lnRef idx="2">
+        <a:scrgbClr r="0" g="0" b="0"/>
+      </a:lnRef>
+      <a:fillRef idx="1">
+        <a:scrgbClr r="0" g="0" b="0"/>
+      </a:fillRef>
+      <a:effectRef idx="0">
+        <a:scrgbClr r="0" g="0" b="0"/>
+      </a:effectRef>
+      <a:fontRef idx="minor"/>
+    </dgm:style>
+  </dgm:styleLbl>
+  <dgm:styleLbl name="alignAccFollowNode1">
+    <dgm:scene3d>
+      <a:camera prst="orthographicFront"/>
+      <a:lightRig rig="threePt" dir="t"/>
+    </dgm:scene3d>
+    <dgm:sp3d/>
+    <dgm:txPr/>
+    <dgm:style>
+      <a:lnRef idx="2">
+        <a:scrgbClr r="0" g="0" b="0"/>
+      </a:lnRef>
+      <a:fillRef idx="1">
+        <a:scrgbClr r="0" g="0" b="0"/>
+      </a:fillRef>
+      <a:effectRef idx="0">
+        <a:scrgbClr r="0" g="0" b="0"/>
+      </a:effectRef>
+      <a:fontRef idx="minor"/>
+    </dgm:style>
+  </dgm:styleLbl>
+  <dgm:styleLbl name="bgAccFollowNode1">
+    <dgm:scene3d>
+      <a:camera prst="orthographicFront"/>
+      <a:lightRig rig="threePt" dir="t"/>
+    </dgm:scene3d>
+    <dgm:sp3d/>
+    <dgm:txPr/>
+    <dgm:style>
+      <a:lnRef idx="2">
+        <a:scrgbClr r="0" g="0" b="0"/>
+      </a:lnRef>
+      <a:fillRef idx="1">
+        <a:scrgbClr r="0" g="0" b="0"/>
+      </a:fillRef>
+      <a:effectRef idx="0">
+        <a:scrgbClr r="0" g="0" b="0"/>
+      </a:effectRef>
+      <a:fontRef idx="minor"/>
+    </dgm:style>
+  </dgm:styleLbl>
+  <dgm:styleLbl name="fgAcc0">
+    <dgm:scene3d>
+      <a:camera prst="orthographicFront"/>
+      <a:lightRig rig="threePt" dir="t"/>
+    </dgm:scene3d>
+    <dgm:sp3d/>
+    <dgm:txPr/>
+    <dgm:style>
+      <a:lnRef idx="2">
+        <a:scrgbClr r="0" g="0" b="0"/>
+      </a:lnRef>
+      <a:fillRef idx="1">
+        <a:scrgbClr r="0" g="0" b="0"/>
+      </a:fillRef>
+      <a:effectRef idx="0">
+        <a:scrgbClr r="0" g="0" b="0"/>
+      </a:effectRef>
+      <a:fontRef idx="minor"/>
+    </dgm:style>
+  </dgm:styleLbl>
+  <dgm:styleLbl name="fgAcc2">
+    <dgm:scene3d>
+      <a:camera prst="orthographicFront"/>
+      <a:lightRig rig="threePt" dir="t"/>
+    </dgm:scene3d>
+    <dgm:sp3d/>
+    <dgm:txPr/>
+    <dgm:style>
+      <a:lnRef idx="2">
+        <a:scrgbClr r="0" g="0" b="0"/>
+      </a:lnRef>
+      <a:fillRef idx="1">
+        <a:scrgbClr r="0" g="0" b="0"/>
+      </a:fillRef>
+      <a:effectRef idx="0">
+        <a:scrgbClr r="0" g="0" b="0"/>
+      </a:effectRef>
+      <a:fontRef idx="minor"/>
+    </dgm:style>
+  </dgm:styleLbl>
+  <dgm:styleLbl name="fgAcc3">
+    <dgm:scene3d>
+      <a:camera prst="orthographicFront"/>
+      <a:lightRig rig="threePt" dir="t"/>
+    </dgm:scene3d>
+    <dgm:sp3d/>
+    <dgm:txPr/>
+    <dgm:style>
+      <a:lnRef idx="2">
+        <a:scrgbClr r="0" g="0" b="0"/>
+      </a:lnRef>
+      <a:fillRef idx="1">
+        <a:scrgbClr r="0" g="0" b="0"/>
+      </a:fillRef>
+      <a:effectRef idx="0">
+        <a:scrgbClr r="0" g="0" b="0"/>
+      </a:effectRef>
+      <a:fontRef idx="minor"/>
+    </dgm:style>
+  </dgm:styleLbl>
+  <dgm:styleLbl name="fgAcc4">
+    <dgm:scene3d>
+      <a:camera prst="orthographicFront"/>
+      <a:lightRig rig="threePt" dir="t"/>
+    </dgm:scene3d>
+    <dgm:sp3d/>
+    <dgm:txPr/>
+    <dgm:style>
+      <a:lnRef idx="2">
+        <a:scrgbClr r="0" g="0" b="0"/>
+      </a:lnRef>
+      <a:fillRef idx="1">
+        <a:scrgbClr r="0" g="0" b="0"/>
+      </a:fillRef>
+      <a:effectRef idx="0">
+        <a:scrgbClr r="0" g="0" b="0"/>
+      </a:effectRef>
+      <a:fontRef idx="minor"/>
+    </dgm:style>
+  </dgm:styleLbl>
+  <dgm:styleLbl name="bgShp">
+    <dgm:scene3d>
+      <a:camera prst="orthographicFront"/>
+      <a:lightRig rig="threePt" dir="t"/>
+    </dgm:scene3d>
+    <dgm:sp3d/>
+    <dgm:txPr/>
+    <dgm:style>
+      <a:lnRef idx="0">
+        <a:scrgbClr r="0" g="0" b="0"/>
+      </a:lnRef>
+      <a:fillRef idx="1">
+        <a:scrgbClr r="0" g="0" b="0"/>
+      </a:fillRef>
+      <a:effectRef idx="0">
+        <a:scrgbClr r="0" g="0" b="0"/>
+      </a:effectRef>
+      <a:fontRef idx="minor"/>
+    </dgm:style>
+  </dgm:styleLbl>
+  <dgm:styleLbl name="dkBgShp">
+    <dgm:scene3d>
+      <a:camera prst="orthographicFront"/>
+      <a:lightRig rig="threePt" dir="t"/>
+    </dgm:scene3d>
+    <dgm:sp3d/>
+    <dgm:txPr/>
+    <dgm:style>
+      <a:lnRef idx="0">
+        <a:scrgbClr r="0" g="0" b="0"/>
+      </a:lnRef>
+      <a:fillRef idx="1">
+        <a:scrgbClr r="0" g="0" b="0"/>
+      </a:fillRef>
+      <a:effectRef idx="0">
+        <a:scrgbClr r="0" g="0" b="0"/>
+      </a:effectRef>
+      <a:fontRef idx="minor"/>
+    </dgm:style>
+  </dgm:styleLbl>
+  <dgm:styleLbl name="trBgShp">
+    <dgm:scene3d>
+      <a:camera prst="orthographicFront"/>
+      <a:lightRig rig="threePt" dir="t"/>
+    </dgm:scene3d>
+    <dgm:sp3d/>
+    <dgm:txPr/>
+    <dgm:style>
+      <a:lnRef idx="0">
+        <a:scrgbClr r="0" g="0" b="0"/>
+      </a:lnRef>
+      <a:fillRef idx="1">
+        <a:scrgbClr r="0" g="0" b="0"/>
+      </a:fillRef>
+      <a:effectRef idx="0">
+        <a:scrgbClr r="0" g="0" b="0"/>
+      </a:effectRef>
+      <a:fontRef idx="minor"/>
+    </dgm:style>
+  </dgm:styleLbl>
+  <dgm:styleLbl name="fgShp">
+    <dgm:scene3d>
+      <a:camera prst="orthographicFront"/>
+      <a:lightRig rig="threePt" dir="t"/>
+    </dgm:scene3d>
+    <dgm:sp3d/>
+    <dgm:txPr/>
+    <dgm:style>
+      <a:lnRef idx="2">
+        <a:scrgbClr r="0" g="0" b="0"/>
+      </a:lnRef>
+      <a:fillRef idx="1">
+        <a:scrgbClr r="0" g="0" b="0"/>
+      </a:fillRef>
+      <a:effectRef idx="0">
+        <a:scrgbClr r="0" g="0" b="0"/>
+      </a:effectRef>
+      <a:fontRef idx="minor"/>
+    </dgm:style>
+  </dgm:styleLbl>
+  <dgm:styleLbl name="revTx">
+    <dgm:scene3d>
+      <a:camera prst="orthographicFront"/>
+      <a:lightRig rig="threePt" dir="t"/>
+    </dgm:scene3d>
+    <dgm:sp3d/>
+    <dgm:txPr/>
+    <dgm:style>
+      <a:lnRef idx="0">
+        <a:scrgbClr r="0" g="0" b="0"/>
+      </a:lnRef>
+      <a:fillRef idx="0">
+        <a:scrgbClr r="0" g="0" b="0"/>
+      </a:fillRef>
+      <a:effectRef idx="0">
+        <a:scrgbClr r="0" g="0" b="0"/>
+      </a:effectRef>
+      <a:fontRef idx="minor"/>
+    </dgm:style>
+  </dgm:styleLbl>
+</dgm:styleDef>
 </file>
 
 <file path=ppt/notesMasters/notesMaster1.xml><?xml version="1.0" encoding="utf-8"?>
@@ -625,10 +3855,9 @@
               <a:defRPr/>
             </a:pPr>
             <a:r>
-              <a:rPr lang="de-AT" dirty="0" err="1" smtClean="0"/>
-              <a:t>Nisi</a:t>
-            </a:r>
-            <a:endParaRPr lang="de-AT" dirty="0" smtClean="0"/>
+              <a:rPr lang="de-AT" dirty="0" smtClean="0"/>
+              <a:t>Manuel</a:t>
+            </a:r>
           </a:p>
           <a:p>
             <a:endParaRPr lang="de-AT" dirty="0"/>
@@ -652,7 +3881,7 @@
           <a:p>
             <a:fld id="{805192B3-A934-4374-B34E-4EFA538D9458}" type="slidenum">
               <a:rPr lang="de-AT" smtClean="0"/>
-              <a:t>10</a:t>
+              <a:t>20</a:t>
             </a:fld>
             <a:endParaRPr lang="de-AT" dirty="0"/>
           </a:p>
@@ -661,7 +3890,7 @@
     </p:spTree>
     <p:extLst>
       <p:ext uri="{BB962C8B-B14F-4D97-AF65-F5344CB8AC3E}">
-        <p14:creationId xmlns:p14="http://schemas.microsoft.com/office/powerpoint/2010/main" val="3062316246"/>
+        <p14:creationId xmlns:p14="http://schemas.microsoft.com/office/powerpoint/2010/main" val="1747996398"/>
       </p:ext>
     </p:extLst>
   </p:cSld>
@@ -715,10 +3944,29 @@
           <a:bodyPr/>
           <a:lstStyle/>
           <a:p>
-            <a:r>
-              <a:rPr lang="de-AT" dirty="0" err="1" smtClean="0"/>
-              <a:t>Nisi</a:t>
-            </a:r>
+            <a:pPr marL="0" marR="0" indent="0" algn="l" defTabSz="914400" rtl="0" eaLnBrk="1" fontAlgn="auto" latinLnBrk="0" hangingPunct="1">
+              <a:lnSpc>
+                <a:spcPct val="100000"/>
+              </a:lnSpc>
+              <a:spcBef>
+                <a:spcPts val="0"/>
+              </a:spcBef>
+              <a:spcAft>
+                <a:spcPts val="0"/>
+              </a:spcAft>
+              <a:buClrTx/>
+              <a:buSzTx/>
+              <a:buFontTx/>
+              <a:buNone/>
+              <a:tabLst/>
+              <a:defRPr/>
+            </a:pPr>
+            <a:r>
+              <a:rPr lang="de-AT" dirty="0" smtClean="0"/>
+              <a:t>Manuel</a:t>
+            </a:r>
+          </a:p>
+          <a:p>
             <a:endParaRPr lang="de-AT" dirty="0"/>
           </a:p>
         </p:txBody>
@@ -740,7 +3988,7 @@
           <a:p>
             <a:fld id="{805192B3-A934-4374-B34E-4EFA538D9458}" type="slidenum">
               <a:rPr lang="de-AT" smtClean="0"/>
-              <a:t>11</a:t>
+              <a:t>21</a:t>
             </a:fld>
             <a:endParaRPr lang="de-AT" dirty="0"/>
           </a:p>
@@ -749,7 +3997,7 @@
     </p:spTree>
     <p:extLst>
       <p:ext uri="{BB962C8B-B14F-4D97-AF65-F5344CB8AC3E}">
-        <p14:creationId xmlns:p14="http://schemas.microsoft.com/office/powerpoint/2010/main" val="2091077063"/>
+        <p14:creationId xmlns:p14="http://schemas.microsoft.com/office/powerpoint/2010/main" val="2459030434"/>
       </p:ext>
     </p:extLst>
   </p:cSld>
@@ -847,7 +4095,7 @@
           <a:p>
             <a:fld id="{805192B3-A934-4374-B34E-4EFA538D9458}" type="slidenum">
               <a:rPr lang="de-AT" smtClean="0"/>
-              <a:t>12</a:t>
+              <a:t>22</a:t>
             </a:fld>
             <a:endParaRPr lang="de-AT" dirty="0"/>
           </a:p>
@@ -856,7 +4104,7 @@
     </p:spTree>
     <p:extLst>
       <p:ext uri="{BB962C8B-B14F-4D97-AF65-F5344CB8AC3E}">
-        <p14:creationId xmlns:p14="http://schemas.microsoft.com/office/powerpoint/2010/main" val="1747996398"/>
+        <p14:creationId xmlns:p14="http://schemas.microsoft.com/office/powerpoint/2010/main" val="1395326273"/>
       </p:ext>
     </p:extLst>
   </p:cSld>
@@ -910,29 +4158,10 @@
           <a:bodyPr/>
           <a:lstStyle/>
           <a:p>
-            <a:pPr marL="0" marR="0" indent="0" algn="l" defTabSz="914400" rtl="0" eaLnBrk="1" fontAlgn="auto" latinLnBrk="0" hangingPunct="1">
-              <a:lnSpc>
-                <a:spcPct val="100000"/>
-              </a:lnSpc>
-              <a:spcBef>
-                <a:spcPts val="0"/>
-              </a:spcBef>
-              <a:spcAft>
-                <a:spcPts val="0"/>
-              </a:spcAft>
-              <a:buClrTx/>
-              <a:buSzTx/>
-              <a:buFontTx/>
-              <a:buNone/>
-              <a:tabLst/>
-              <a:defRPr/>
-            </a:pPr>
             <a:r>
               <a:rPr lang="de-AT" dirty="0" smtClean="0"/>
               <a:t>Manuel</a:t>
             </a:r>
-          </a:p>
-          <a:p>
             <a:endParaRPr lang="de-AT" dirty="0"/>
           </a:p>
         </p:txBody>
@@ -954,7 +4183,7 @@
           <a:p>
             <a:fld id="{805192B3-A934-4374-B34E-4EFA538D9458}" type="slidenum">
               <a:rPr lang="de-AT" smtClean="0"/>
-              <a:t>13</a:t>
+              <a:t>23</a:t>
             </a:fld>
             <a:endParaRPr lang="de-AT" dirty="0"/>
           </a:p>
@@ -963,7 +4192,7 @@
     </p:spTree>
     <p:extLst>
       <p:ext uri="{BB962C8B-B14F-4D97-AF65-F5344CB8AC3E}">
-        <p14:creationId xmlns:p14="http://schemas.microsoft.com/office/powerpoint/2010/main" val="2459030434"/>
+        <p14:creationId xmlns:p14="http://schemas.microsoft.com/office/powerpoint/2010/main" val="2455108455"/>
       </p:ext>
     </p:extLst>
   </p:cSld>
@@ -1017,29 +4246,10 @@
           <a:bodyPr/>
           <a:lstStyle/>
           <a:p>
-            <a:pPr marL="0" marR="0" indent="0" algn="l" defTabSz="914400" rtl="0" eaLnBrk="1" fontAlgn="auto" latinLnBrk="0" hangingPunct="1">
-              <a:lnSpc>
-                <a:spcPct val="100000"/>
-              </a:lnSpc>
-              <a:spcBef>
-                <a:spcPts val="0"/>
-              </a:spcBef>
-              <a:spcAft>
-                <a:spcPts val="0"/>
-              </a:spcAft>
-              <a:buClrTx/>
-              <a:buSzTx/>
-              <a:buFontTx/>
-              <a:buNone/>
-              <a:tabLst/>
-              <a:defRPr/>
-            </a:pPr>
             <a:r>
               <a:rPr lang="de-AT" dirty="0" smtClean="0"/>
               <a:t>Manuel</a:t>
             </a:r>
-          </a:p>
-          <a:p>
             <a:endParaRPr lang="de-AT" dirty="0"/>
           </a:p>
         </p:txBody>
@@ -1061,7 +4271,7 @@
           <a:p>
             <a:fld id="{805192B3-A934-4374-B34E-4EFA538D9458}" type="slidenum">
               <a:rPr lang="de-AT" smtClean="0"/>
-              <a:t>14</a:t>
+              <a:t>24</a:t>
             </a:fld>
             <a:endParaRPr lang="de-AT" dirty="0"/>
           </a:p>
@@ -1070,7 +4280,7 @@
     </p:spTree>
     <p:extLst>
       <p:ext uri="{BB962C8B-B14F-4D97-AF65-F5344CB8AC3E}">
-        <p14:creationId xmlns:p14="http://schemas.microsoft.com/office/powerpoint/2010/main" val="1395326273"/>
+        <p14:creationId xmlns:p14="http://schemas.microsoft.com/office/powerpoint/2010/main" val="672318531"/>
       </p:ext>
     </p:extLst>
   </p:cSld>
@@ -1126,7 +4336,7 @@
           <a:p>
             <a:r>
               <a:rPr lang="de-AT" dirty="0" smtClean="0"/>
-              <a:t>Manuel</a:t>
+              <a:t>Stephan</a:t>
             </a:r>
             <a:endParaRPr lang="de-AT" dirty="0"/>
           </a:p>
@@ -1149,7 +4359,7 @@
           <a:p>
             <a:fld id="{805192B3-A934-4374-B34E-4EFA538D9458}" type="slidenum">
               <a:rPr lang="de-AT" smtClean="0"/>
-              <a:t>15</a:t>
+              <a:t>25</a:t>
             </a:fld>
             <a:endParaRPr lang="de-AT" dirty="0"/>
           </a:p>
@@ -1158,7 +4368,7 @@
     </p:spTree>
     <p:extLst>
       <p:ext uri="{BB962C8B-B14F-4D97-AF65-F5344CB8AC3E}">
-        <p14:creationId xmlns:p14="http://schemas.microsoft.com/office/powerpoint/2010/main" val="2455108455"/>
+        <p14:creationId xmlns:p14="http://schemas.microsoft.com/office/powerpoint/2010/main" val="1044241885"/>
       </p:ext>
     </p:extLst>
   </p:cSld>
@@ -1214,7 +4424,7 @@
           <a:p>
             <a:r>
               <a:rPr lang="de-AT" dirty="0" smtClean="0"/>
-              <a:t>Manuel</a:t>
+              <a:t>Stephan</a:t>
             </a:r>
             <a:endParaRPr lang="de-AT" dirty="0"/>
           </a:p>
@@ -1237,7 +4447,7 @@
           <a:p>
             <a:fld id="{805192B3-A934-4374-B34E-4EFA538D9458}" type="slidenum">
               <a:rPr lang="de-AT" smtClean="0"/>
-              <a:t>16</a:t>
+              <a:t>26</a:t>
             </a:fld>
             <a:endParaRPr lang="de-AT" dirty="0"/>
           </a:p>
@@ -1246,7 +4456,7 @@
     </p:spTree>
     <p:extLst>
       <p:ext uri="{BB962C8B-B14F-4D97-AF65-F5344CB8AC3E}">
-        <p14:creationId xmlns:p14="http://schemas.microsoft.com/office/powerpoint/2010/main" val="672318531"/>
+        <p14:creationId xmlns:p14="http://schemas.microsoft.com/office/powerpoint/2010/main" val="2309268876"/>
       </p:ext>
     </p:extLst>
   </p:cSld>
@@ -1325,183 +4535,7 @@
           <a:p>
             <a:fld id="{805192B3-A934-4374-B34E-4EFA538D9458}" type="slidenum">
               <a:rPr lang="de-AT" smtClean="0"/>
-              <a:t>17</a:t>
-            </a:fld>
-            <a:endParaRPr lang="de-AT" dirty="0"/>
-          </a:p>
-        </p:txBody>
-      </p:sp>
-    </p:spTree>
-    <p:extLst>
-      <p:ext uri="{BB962C8B-B14F-4D97-AF65-F5344CB8AC3E}">
-        <p14:creationId xmlns:p14="http://schemas.microsoft.com/office/powerpoint/2010/main" val="1044241885"/>
-      </p:ext>
-    </p:extLst>
-  </p:cSld>
-  <p:clrMapOvr>
-    <a:masterClrMapping/>
-  </p:clrMapOvr>
-</p:notes>
-</file>
-
-<file path=ppt/notesSlides/notesSlide18.xml><?xml version="1.0" encoding="utf-8"?>
-<p:notes xmlns:a="http://schemas.openxmlformats.org/drawingml/2006/main" xmlns:r="http://schemas.openxmlformats.org/officeDocument/2006/relationships" xmlns:p="http://schemas.openxmlformats.org/presentationml/2006/main">
-  <p:cSld>
-    <p:spTree>
-      <p:nvGrpSpPr>
-        <p:cNvPr id="1" name=""/>
-        <p:cNvGrpSpPr/>
-        <p:nvPr/>
-      </p:nvGrpSpPr>
-      <p:grpSpPr>
-        <a:xfrm>
-          <a:off x="0" y="0"/>
-          <a:ext cx="0" cy="0"/>
-          <a:chOff x="0" y="0"/>
-          <a:chExt cx="0" cy="0"/>
-        </a:xfrm>
-      </p:grpSpPr>
-      <p:sp>
-        <p:nvSpPr>
-          <p:cNvPr id="2" name="Folienbildplatzhalter 1"/>
-          <p:cNvSpPr>
-            <a:spLocks noGrp="1" noRot="1" noChangeAspect="1"/>
-          </p:cNvSpPr>
-          <p:nvPr>
-            <p:ph type="sldImg"/>
-          </p:nvPr>
-        </p:nvSpPr>
-        <p:spPr/>
-      </p:sp>
-      <p:sp>
-        <p:nvSpPr>
-          <p:cNvPr id="3" name="Notizenplatzhalter 2"/>
-          <p:cNvSpPr>
-            <a:spLocks noGrp="1"/>
-          </p:cNvSpPr>
-          <p:nvPr>
-            <p:ph type="body" idx="1"/>
-          </p:nvPr>
-        </p:nvSpPr>
-        <p:spPr/>
-        <p:txBody>
-          <a:bodyPr/>
-          <a:lstStyle/>
-          <a:p>
-            <a:r>
-              <a:rPr lang="de-AT" dirty="0" smtClean="0"/>
-              <a:t>Stephan</a:t>
-            </a:r>
-            <a:endParaRPr lang="de-AT" dirty="0"/>
-          </a:p>
-        </p:txBody>
-      </p:sp>
-      <p:sp>
-        <p:nvSpPr>
-          <p:cNvPr id="4" name="Foliennummernplatzhalter 3"/>
-          <p:cNvSpPr>
-            <a:spLocks noGrp="1"/>
-          </p:cNvSpPr>
-          <p:nvPr>
-            <p:ph type="sldNum" sz="quarter" idx="10"/>
-          </p:nvPr>
-        </p:nvSpPr>
-        <p:spPr/>
-        <p:txBody>
-          <a:bodyPr/>
-          <a:lstStyle/>
-          <a:p>
-            <a:fld id="{805192B3-A934-4374-B34E-4EFA538D9458}" type="slidenum">
-              <a:rPr lang="de-AT" smtClean="0"/>
-              <a:t>18</a:t>
-            </a:fld>
-            <a:endParaRPr lang="de-AT" dirty="0"/>
-          </a:p>
-        </p:txBody>
-      </p:sp>
-    </p:spTree>
-    <p:extLst>
-      <p:ext uri="{BB962C8B-B14F-4D97-AF65-F5344CB8AC3E}">
-        <p14:creationId xmlns:p14="http://schemas.microsoft.com/office/powerpoint/2010/main" val="2309268876"/>
-      </p:ext>
-    </p:extLst>
-  </p:cSld>
-  <p:clrMapOvr>
-    <a:masterClrMapping/>
-  </p:clrMapOvr>
-</p:notes>
-</file>
-
-<file path=ppt/notesSlides/notesSlide19.xml><?xml version="1.0" encoding="utf-8"?>
-<p:notes xmlns:a="http://schemas.openxmlformats.org/drawingml/2006/main" xmlns:r="http://schemas.openxmlformats.org/officeDocument/2006/relationships" xmlns:p="http://schemas.openxmlformats.org/presentationml/2006/main">
-  <p:cSld>
-    <p:spTree>
-      <p:nvGrpSpPr>
-        <p:cNvPr id="1" name=""/>
-        <p:cNvGrpSpPr/>
-        <p:nvPr/>
-      </p:nvGrpSpPr>
-      <p:grpSpPr>
-        <a:xfrm>
-          <a:off x="0" y="0"/>
-          <a:ext cx="0" cy="0"/>
-          <a:chOff x="0" y="0"/>
-          <a:chExt cx="0" cy="0"/>
-        </a:xfrm>
-      </p:grpSpPr>
-      <p:sp>
-        <p:nvSpPr>
-          <p:cNvPr id="2" name="Folienbildplatzhalter 1"/>
-          <p:cNvSpPr>
-            <a:spLocks noGrp="1" noRot="1" noChangeAspect="1"/>
-          </p:cNvSpPr>
-          <p:nvPr>
-            <p:ph type="sldImg"/>
-          </p:nvPr>
-        </p:nvSpPr>
-        <p:spPr/>
-      </p:sp>
-      <p:sp>
-        <p:nvSpPr>
-          <p:cNvPr id="3" name="Notizenplatzhalter 2"/>
-          <p:cNvSpPr>
-            <a:spLocks noGrp="1"/>
-          </p:cNvSpPr>
-          <p:nvPr>
-            <p:ph type="body" idx="1"/>
-          </p:nvPr>
-        </p:nvSpPr>
-        <p:spPr/>
-        <p:txBody>
-          <a:bodyPr/>
-          <a:lstStyle/>
-          <a:p>
-            <a:r>
-              <a:rPr lang="de-AT" dirty="0" smtClean="0"/>
-              <a:t>Stephan</a:t>
-            </a:r>
-            <a:endParaRPr lang="de-AT" dirty="0"/>
-          </a:p>
-        </p:txBody>
-      </p:sp>
-      <p:sp>
-        <p:nvSpPr>
-          <p:cNvPr id="4" name="Foliennummernplatzhalter 3"/>
-          <p:cNvSpPr>
-            <a:spLocks noGrp="1"/>
-          </p:cNvSpPr>
-          <p:nvPr>
-            <p:ph type="sldNum" sz="quarter" idx="10"/>
-          </p:nvPr>
-        </p:nvSpPr>
-        <p:spPr/>
-        <p:txBody>
-          <a:bodyPr/>
-          <a:lstStyle/>
-          <a:p>
-            <a:fld id="{805192B3-A934-4374-B34E-4EFA538D9458}" type="slidenum">
-              <a:rPr lang="de-AT" smtClean="0"/>
-              <a:t>19</a:t>
+              <a:t>27</a:t>
             </a:fld>
             <a:endParaRPr lang="de-AT" dirty="0"/>
           </a:p>
@@ -1717,7 +4751,7 @@
           <a:p>
             <a:fld id="{805192B3-A934-4374-B34E-4EFA538D9458}" type="slidenum">
               <a:rPr lang="de-AT" smtClean="0"/>
-              <a:t>3</a:t>
+              <a:t>5</a:t>
             </a:fld>
             <a:endParaRPr lang="de-AT" dirty="0"/>
           </a:p>
@@ -1825,7 +4859,7 @@
           <a:p>
             <a:fld id="{805192B3-A934-4374-B34E-4EFA538D9458}" type="slidenum">
               <a:rPr lang="de-AT" smtClean="0"/>
-              <a:t>4</a:t>
+              <a:t>14</a:t>
             </a:fld>
             <a:endParaRPr lang="de-AT" dirty="0"/>
           </a:p>
@@ -1834,7 +4868,7 @@
     </p:spTree>
     <p:extLst>
       <p:ext uri="{BB962C8B-B14F-4D97-AF65-F5344CB8AC3E}">
-        <p14:creationId xmlns:p14="http://schemas.microsoft.com/office/powerpoint/2010/main" val="3920901429"/>
+        <p14:creationId xmlns:p14="http://schemas.microsoft.com/office/powerpoint/2010/main" val="2278735092"/>
       </p:ext>
     </p:extLst>
   </p:cSld>
@@ -1888,30 +4922,10 @@
           <a:bodyPr/>
           <a:lstStyle/>
           <a:p>
-            <a:pPr marL="0" marR="0" indent="0" algn="l" defTabSz="914400" rtl="0" eaLnBrk="1" fontAlgn="auto" latinLnBrk="0" hangingPunct="1">
-              <a:lnSpc>
-                <a:spcPct val="100000"/>
-              </a:lnSpc>
-              <a:spcBef>
-                <a:spcPts val="0"/>
-              </a:spcBef>
-              <a:spcAft>
-                <a:spcPts val="0"/>
-              </a:spcAft>
-              <a:buClrTx/>
-              <a:buSzTx/>
-              <a:buFontTx/>
-              <a:buNone/>
-              <a:tabLst/>
-              <a:defRPr/>
-            </a:pPr>
             <a:r>
               <a:rPr lang="de-AT" dirty="0" err="1" smtClean="0"/>
               <a:t>Ku</a:t>
             </a:r>
-            <a:endParaRPr lang="de-AT" dirty="0" smtClean="0"/>
-          </a:p>
-          <a:p>
             <a:endParaRPr lang="de-AT" dirty="0"/>
           </a:p>
         </p:txBody>
@@ -1933,7 +4947,7 @@
           <a:p>
             <a:fld id="{805192B3-A934-4374-B34E-4EFA538D9458}" type="slidenum">
               <a:rPr lang="de-AT" smtClean="0"/>
-              <a:t>5</a:t>
+              <a:t>15</a:t>
             </a:fld>
             <a:endParaRPr lang="de-AT" dirty="0"/>
           </a:p>
@@ -1942,7 +4956,7 @@
     </p:spTree>
     <p:extLst>
       <p:ext uri="{BB962C8B-B14F-4D97-AF65-F5344CB8AC3E}">
-        <p14:creationId xmlns:p14="http://schemas.microsoft.com/office/powerpoint/2010/main" val="2278735092"/>
+        <p14:creationId xmlns:p14="http://schemas.microsoft.com/office/powerpoint/2010/main" val="420907011"/>
       </p:ext>
     </p:extLst>
   </p:cSld>
@@ -2015,7 +5029,7 @@
             </a:pPr>
             <a:r>
               <a:rPr lang="de-AT" dirty="0" err="1" smtClean="0"/>
-              <a:t>Ku</a:t>
+              <a:t>Nisi</a:t>
             </a:r>
             <a:endParaRPr lang="de-AT" dirty="0" smtClean="0"/>
           </a:p>
@@ -2041,7 +5055,7 @@
           <a:p>
             <a:fld id="{805192B3-A934-4374-B34E-4EFA538D9458}" type="slidenum">
               <a:rPr lang="de-AT" smtClean="0"/>
-              <a:t>6</a:t>
+              <a:t>16</a:t>
             </a:fld>
             <a:endParaRPr lang="de-AT" dirty="0"/>
           </a:p>
@@ -2050,7 +5064,7 @@
     </p:spTree>
     <p:extLst>
       <p:ext uri="{BB962C8B-B14F-4D97-AF65-F5344CB8AC3E}">
-        <p14:creationId xmlns:p14="http://schemas.microsoft.com/office/powerpoint/2010/main" val="2250298358"/>
+        <p14:creationId xmlns:p14="http://schemas.microsoft.com/office/powerpoint/2010/main" val="3232845891"/>
       </p:ext>
     </p:extLst>
   </p:cSld>
@@ -2104,10 +5118,30 @@
           <a:bodyPr/>
           <a:lstStyle/>
           <a:p>
+            <a:pPr marL="0" marR="0" indent="0" algn="l" defTabSz="914400" rtl="0" eaLnBrk="1" fontAlgn="auto" latinLnBrk="0" hangingPunct="1">
+              <a:lnSpc>
+                <a:spcPct val="100000"/>
+              </a:lnSpc>
+              <a:spcBef>
+                <a:spcPts val="0"/>
+              </a:spcBef>
+              <a:spcAft>
+                <a:spcPts val="0"/>
+              </a:spcAft>
+              <a:buClrTx/>
+              <a:buSzTx/>
+              <a:buFontTx/>
+              <a:buNone/>
+              <a:tabLst/>
+              <a:defRPr/>
+            </a:pPr>
             <a:r>
               <a:rPr lang="de-AT" dirty="0" err="1" smtClean="0"/>
-              <a:t>Ku</a:t>
-            </a:r>
+              <a:t>Nisi</a:t>
+            </a:r>
+            <a:endParaRPr lang="de-AT" dirty="0" smtClean="0"/>
+          </a:p>
+          <a:p>
             <a:endParaRPr lang="de-AT" dirty="0"/>
           </a:p>
         </p:txBody>
@@ -2129,7 +5163,7 @@
           <a:p>
             <a:fld id="{805192B3-A934-4374-B34E-4EFA538D9458}" type="slidenum">
               <a:rPr lang="de-AT" smtClean="0"/>
-              <a:t>7</a:t>
+              <a:t>17</a:t>
             </a:fld>
             <a:endParaRPr lang="de-AT" dirty="0"/>
           </a:p>
@@ -2138,7 +5172,7 @@
     </p:spTree>
     <p:extLst>
       <p:ext uri="{BB962C8B-B14F-4D97-AF65-F5344CB8AC3E}">
-        <p14:creationId xmlns:p14="http://schemas.microsoft.com/office/powerpoint/2010/main" val="420907011"/>
+        <p14:creationId xmlns:p14="http://schemas.microsoft.com/office/powerpoint/2010/main" val="3106387990"/>
       </p:ext>
     </p:extLst>
   </p:cSld>
@@ -2237,7 +5271,7 @@
           <a:p>
             <a:fld id="{805192B3-A934-4374-B34E-4EFA538D9458}" type="slidenum">
               <a:rPr lang="de-AT" smtClean="0"/>
-              <a:t>8</a:t>
+              <a:t>18</a:t>
             </a:fld>
             <a:endParaRPr lang="de-AT" dirty="0"/>
           </a:p>
@@ -2246,7 +5280,7 @@
     </p:spTree>
     <p:extLst>
       <p:ext uri="{BB962C8B-B14F-4D97-AF65-F5344CB8AC3E}">
-        <p14:creationId xmlns:p14="http://schemas.microsoft.com/office/powerpoint/2010/main" val="3232845891"/>
+        <p14:creationId xmlns:p14="http://schemas.microsoft.com/office/powerpoint/2010/main" val="3062316246"/>
       </p:ext>
     </p:extLst>
   </p:cSld>
@@ -2300,30 +5334,10 @@
           <a:bodyPr/>
           <a:lstStyle/>
           <a:p>
-            <a:pPr marL="0" marR="0" indent="0" algn="l" defTabSz="914400" rtl="0" eaLnBrk="1" fontAlgn="auto" latinLnBrk="0" hangingPunct="1">
-              <a:lnSpc>
-                <a:spcPct val="100000"/>
-              </a:lnSpc>
-              <a:spcBef>
-                <a:spcPts val="0"/>
-              </a:spcBef>
-              <a:spcAft>
-                <a:spcPts val="0"/>
-              </a:spcAft>
-              <a:buClrTx/>
-              <a:buSzTx/>
-              <a:buFontTx/>
-              <a:buNone/>
-              <a:tabLst/>
-              <a:defRPr/>
-            </a:pPr>
             <a:r>
               <a:rPr lang="de-AT" dirty="0" err="1" smtClean="0"/>
               <a:t>Nisi</a:t>
             </a:r>
-            <a:endParaRPr lang="de-AT" dirty="0" smtClean="0"/>
-          </a:p>
-          <a:p>
             <a:endParaRPr lang="de-AT" dirty="0"/>
           </a:p>
         </p:txBody>
@@ -2345,7 +5359,7 @@
           <a:p>
             <a:fld id="{805192B3-A934-4374-B34E-4EFA538D9458}" type="slidenum">
               <a:rPr lang="de-AT" smtClean="0"/>
-              <a:t>9</a:t>
+              <a:t>19</a:t>
             </a:fld>
             <a:endParaRPr lang="de-AT" dirty="0"/>
           </a:p>
@@ -2354,7 +5368,7 @@
     </p:spTree>
     <p:extLst>
       <p:ext uri="{BB962C8B-B14F-4D97-AF65-F5344CB8AC3E}">
-        <p14:creationId xmlns:p14="http://schemas.microsoft.com/office/powerpoint/2010/main" val="3106387990"/>
+        <p14:creationId xmlns:p14="http://schemas.microsoft.com/office/powerpoint/2010/main" val="2091077063"/>
       </p:ext>
     </p:extLst>
   </p:cSld>
@@ -2613,6 +5627,18 @@
   <p:clrMapOvr>
     <a:masterClrMapping/>
   </p:clrMapOvr>
+  <mc:AlternateContent xmlns:mc="http://schemas.openxmlformats.org/markup-compatibility/2006">
+    <mc:Choice xmlns:p14="http://schemas.microsoft.com/office/powerpoint/2010/main" Requires="p14">
+      <p:transition spd="med" p14:dur="700">
+        <p:fade/>
+      </p:transition>
+    </mc:Choice>
+    <mc:Fallback>
+      <p:transition spd="med">
+        <p:fade/>
+      </p:transition>
+    </mc:Fallback>
+  </mc:AlternateContent>
 </p:sldLayout>
 </file>
 
@@ -2782,6 +5808,18 @@
   <p:clrMapOvr>
     <a:masterClrMapping/>
   </p:clrMapOvr>
+  <mc:AlternateContent xmlns:mc="http://schemas.openxmlformats.org/markup-compatibility/2006">
+    <mc:Choice xmlns:p14="http://schemas.microsoft.com/office/powerpoint/2010/main" Requires="p14">
+      <p:transition spd="med" p14:dur="700">
+        <p:fade/>
+      </p:transition>
+    </mc:Choice>
+    <mc:Fallback>
+      <p:transition spd="med">
+        <p:fade/>
+      </p:transition>
+    </mc:Fallback>
+  </mc:AlternateContent>
 </p:sldLayout>
 </file>
 
@@ -2961,6 +5999,18 @@
   <p:clrMapOvr>
     <a:masterClrMapping/>
   </p:clrMapOvr>
+  <mc:AlternateContent xmlns:mc="http://schemas.openxmlformats.org/markup-compatibility/2006">
+    <mc:Choice xmlns:p14="http://schemas.microsoft.com/office/powerpoint/2010/main" Requires="p14">
+      <p:transition spd="med" p14:dur="700">
+        <p:fade/>
+      </p:transition>
+    </mc:Choice>
+    <mc:Fallback>
+      <p:transition spd="med">
+        <p:fade/>
+      </p:transition>
+    </mc:Fallback>
+  </mc:AlternateContent>
 </p:sldLayout>
 </file>
 
@@ -3148,6 +6198,18 @@
   <p:clrMapOvr>
     <a:masterClrMapping/>
   </p:clrMapOvr>
+  <mc:AlternateContent xmlns:mc="http://schemas.openxmlformats.org/markup-compatibility/2006">
+    <mc:Choice xmlns:p14="http://schemas.microsoft.com/office/powerpoint/2010/main" Requires="p14">
+      <p:transition spd="med" p14:dur="700">
+        <p:fade/>
+      </p:transition>
+    </mc:Choice>
+    <mc:Fallback>
+      <p:transition spd="med">
+        <p:fade/>
+      </p:transition>
+    </mc:Fallback>
+  </mc:AlternateContent>
 </p:sldLayout>
 </file>
 
@@ -3564,6 +6626,18 @@
   <p:clrMapOvr>
     <a:masterClrMapping/>
   </p:clrMapOvr>
+  <mc:AlternateContent xmlns:mc="http://schemas.openxmlformats.org/markup-compatibility/2006">
+    <mc:Choice xmlns:p14="http://schemas.microsoft.com/office/powerpoint/2010/main" Requires="p14">
+      <p:transition spd="med" p14:dur="700">
+        <p:fade/>
+      </p:transition>
+    </mc:Choice>
+    <mc:Fallback>
+      <p:transition spd="med">
+        <p:fade/>
+      </p:transition>
+    </mc:Fallback>
+  </mc:AlternateContent>
 </p:sldLayout>
 </file>
 
@@ -3823,6 +6897,18 @@
   <p:clrMapOvr>
     <a:masterClrMapping/>
   </p:clrMapOvr>
+  <mc:AlternateContent xmlns:mc="http://schemas.openxmlformats.org/markup-compatibility/2006">
+    <mc:Choice xmlns:p14="http://schemas.microsoft.com/office/powerpoint/2010/main" Requires="p14">
+      <p:transition spd="med" p14:dur="700">
+        <p:fade/>
+      </p:transition>
+    </mc:Choice>
+    <mc:Fallback>
+      <p:transition spd="med">
+        <p:fade/>
+      </p:transition>
+    </mc:Fallback>
+  </mc:AlternateContent>
 </p:sldLayout>
 </file>
 
@@ -4192,6 +7278,18 @@
   <p:clrMapOvr>
     <a:masterClrMapping/>
   </p:clrMapOvr>
+  <mc:AlternateContent xmlns:mc="http://schemas.openxmlformats.org/markup-compatibility/2006">
+    <mc:Choice xmlns:p14="http://schemas.microsoft.com/office/powerpoint/2010/main" Requires="p14">
+      <p:transition spd="med" p14:dur="700">
+        <p:fade/>
+      </p:transition>
+    </mc:Choice>
+    <mc:Fallback>
+      <p:transition spd="med">
+        <p:fade/>
+      </p:transition>
+    </mc:Fallback>
+  </mc:AlternateContent>
 </p:sldLayout>
 </file>
 
@@ -4309,6 +7407,18 @@
   <p:clrMapOvr>
     <a:masterClrMapping/>
   </p:clrMapOvr>
+  <mc:AlternateContent xmlns:mc="http://schemas.openxmlformats.org/markup-compatibility/2006">
+    <mc:Choice xmlns:p14="http://schemas.microsoft.com/office/powerpoint/2010/main" Requires="p14">
+      <p:transition spd="med" p14:dur="700">
+        <p:fade/>
+      </p:transition>
+    </mc:Choice>
+    <mc:Fallback>
+      <p:transition spd="med">
+        <p:fade/>
+      </p:transition>
+    </mc:Fallback>
+  </mc:AlternateContent>
 </p:sldLayout>
 </file>
 
@@ -4403,6 +7513,18 @@
   <p:clrMapOvr>
     <a:masterClrMapping/>
   </p:clrMapOvr>
+  <mc:AlternateContent xmlns:mc="http://schemas.openxmlformats.org/markup-compatibility/2006">
+    <mc:Choice xmlns:p14="http://schemas.microsoft.com/office/powerpoint/2010/main" Requires="p14">
+      <p:transition spd="med" p14:dur="700">
+        <p:fade/>
+      </p:transition>
+    </mc:Choice>
+    <mc:Fallback>
+      <p:transition spd="med">
+        <p:fade/>
+      </p:transition>
+    </mc:Fallback>
+  </mc:AlternateContent>
 </p:sldLayout>
 </file>
 
@@ -4695,6 +7817,18 @@
   <p:clrMapOvr>
     <a:masterClrMapping/>
   </p:clrMapOvr>
+  <mc:AlternateContent xmlns:mc="http://schemas.openxmlformats.org/markup-compatibility/2006">
+    <mc:Choice xmlns:p14="http://schemas.microsoft.com/office/powerpoint/2010/main" Requires="p14">
+      <p:transition spd="med" p14:dur="700">
+        <p:fade/>
+      </p:transition>
+    </mc:Choice>
+    <mc:Fallback>
+      <p:transition spd="med">
+        <p:fade/>
+      </p:transition>
+    </mc:Fallback>
+  </mc:AlternateContent>
 </p:sldLayout>
 </file>
 
@@ -4968,6 +8102,18 @@
   <p:clrMapOvr>
     <a:masterClrMapping/>
   </p:clrMapOvr>
+  <mc:AlternateContent xmlns:mc="http://schemas.openxmlformats.org/markup-compatibility/2006">
+    <mc:Choice xmlns:p14="http://schemas.microsoft.com/office/powerpoint/2010/main" Requires="p14">
+      <p:transition spd="med" p14:dur="700">
+        <p:fade/>
+      </p:transition>
+    </mc:Choice>
+    <mc:Fallback>
+      <p:transition spd="med">
+        <p:fade/>
+      </p:transition>
+    </mc:Fallback>
+  </mc:AlternateContent>
 </p:sldLayout>
 </file>
 
@@ -5340,6 +8486,18 @@
     <p:sldLayoutId id="2147483742" r:id="rId10"/>
     <p:sldLayoutId id="2147483743" r:id="rId11"/>
   </p:sldLayoutIdLst>
+  <mc:AlternateContent xmlns:mc="http://schemas.openxmlformats.org/markup-compatibility/2006">
+    <mc:Choice xmlns:p14="http://schemas.microsoft.com/office/powerpoint/2010/main" Requires="p14">
+      <p:transition spd="med" p14:dur="700">
+        <p:fade/>
+      </p:transition>
+    </mc:Choice>
+    <mc:Fallback>
+      <p:transition spd="med">
+        <p:fade/>
+      </p:transition>
+    </mc:Fallback>
+  </mc:AlternateContent>
   <p:hf hdr="0" dt="0"/>
   <p:txStyles>
     <p:titleStyle>
@@ -5755,6 +8913,18 @@
   <p:clrMapOvr>
     <a:masterClrMapping/>
   </p:clrMapOvr>
+  <mc:AlternateContent xmlns:mc="http://schemas.openxmlformats.org/markup-compatibility/2006">
+    <mc:Choice xmlns:p14="http://schemas.microsoft.com/office/powerpoint/2010/main" Requires="p14">
+      <p:transition spd="med" p14:dur="700">
+        <p:fade/>
+      </p:transition>
+    </mc:Choice>
+    <mc:Fallback>
+      <p:transition spd="med">
+        <p:fade/>
+      </p:transition>
+    </mc:Fallback>
+  </mc:AlternateContent>
   <p:timing>
     <p:tnLst>
       <p:par>
@@ -5797,32 +8967,17 @@
           <a:bodyPr/>
           <a:lstStyle/>
           <a:p>
-            <a:endParaRPr lang="de-AT"/>
-          </a:p>
-        </p:txBody>
-      </p:sp>
-      <p:sp>
-        <p:nvSpPr>
-          <p:cNvPr id="3" name="Inhaltsplatzhalter 2"/>
-          <p:cNvSpPr>
-            <a:spLocks noGrp="1"/>
-          </p:cNvSpPr>
-          <p:nvPr>
-            <p:ph idx="1"/>
-          </p:nvPr>
-        </p:nvSpPr>
-        <p:spPr/>
-        <p:txBody>
-          <a:bodyPr/>
-          <a:lstStyle/>
-          <a:p>
-            <a:endParaRPr lang="de-AT"/>
-          </a:p>
-        </p:txBody>
-      </p:sp>
-      <p:sp>
-        <p:nvSpPr>
-          <p:cNvPr id="4" name="Fußzeilenplatzhalter 3"/>
+            <a:r>
+              <a:rPr lang="de-AT" dirty="0" smtClean="0"/>
+              <a:t>Ausleih-System</a:t>
+            </a:r>
+            <a:endParaRPr lang="de-AT" dirty="0"/>
+          </a:p>
+        </p:txBody>
+      </p:sp>
+      <p:sp>
+        <p:nvSpPr>
+          <p:cNvPr id="3" name="Fußzeilenplatzhalter 2"/>
           <p:cNvSpPr>
             <a:spLocks noGrp="1"/>
           </p:cNvSpPr>
@@ -5845,7 +9000,7 @@
       </p:sp>
       <p:sp>
         <p:nvSpPr>
-          <p:cNvPr id="5" name="Foliennummernplatzhalter 4"/>
+          <p:cNvPr id="4" name="Foliennummernplatzhalter 3"/>
           <p:cNvSpPr>
             <a:spLocks noGrp="1"/>
           </p:cNvSpPr>
@@ -5861,6 +9016,1733 @@
             <a:fld id="{7B21C6CE-1AB1-48B1-8D94-EA78B89DFF8A}" type="slidenum">
               <a:rPr lang="de-AT" smtClean="0"/>
               <a:t>10</a:t>
+            </a:fld>
+            <a:endParaRPr lang="de-AT" dirty="0"/>
+          </a:p>
+        </p:txBody>
+      </p:sp>
+      <p:pic>
+        <p:nvPicPr>
+          <p:cNvPr id="5" name="Grafik 4" descr="C:\Users\Manuel\Documents\uni\semester 5\workspace\OwlSoft\model\Domainmodel.png"/>
+          <p:cNvPicPr/>
+          <p:nvPr/>
+        </p:nvPicPr>
+        <p:blipFill rotWithShape="1">
+          <a:blip r:embed="rId2" cstate="print">
+            <a:extLst>
+              <a:ext uri="{28A0092B-C50C-407E-A947-70E740481C1C}">
+                <a14:useLocalDpi xmlns:a14="http://schemas.microsoft.com/office/drawing/2010/main" val="0"/>
+              </a:ext>
+            </a:extLst>
+          </a:blip>
+          <a:srcRect l="38886" t="3627" r="34192" b="52574"/>
+          <a:stretch/>
+        </p:blipFill>
+        <p:spPr bwMode="auto">
+          <a:xfrm>
+            <a:off x="2267744" y="1628800"/>
+            <a:ext cx="4464496" cy="4528047"/>
+          </a:xfrm>
+          <a:prstGeom prst="rect">
+            <a:avLst/>
+          </a:prstGeom>
+          <a:noFill/>
+          <a:ln>
+            <a:noFill/>
+          </a:ln>
+        </p:spPr>
+      </p:pic>
+    </p:spTree>
+    <p:extLst>
+      <p:ext uri="{BB962C8B-B14F-4D97-AF65-F5344CB8AC3E}">
+        <p14:creationId xmlns:p14="http://schemas.microsoft.com/office/powerpoint/2010/main" val="569816649"/>
+      </p:ext>
+    </p:extLst>
+  </p:cSld>
+  <p:clrMapOvr>
+    <a:masterClrMapping/>
+  </p:clrMapOvr>
+  <mc:AlternateContent xmlns:mc="http://schemas.openxmlformats.org/markup-compatibility/2006">
+    <mc:Choice xmlns:p14="http://schemas.microsoft.com/office/powerpoint/2010/main" Requires="p14">
+      <p:transition spd="med" p14:dur="700">
+        <p:fade/>
+      </p:transition>
+    </mc:Choice>
+    <mc:Fallback>
+      <p:transition spd="med">
+        <p:fade/>
+      </p:transition>
+    </mc:Fallback>
+  </mc:AlternateContent>
+  <p:timing>
+    <p:tnLst>
+      <p:par>
+        <p:cTn id="1" dur="indefinite" restart="never" nodeType="tmRoot"/>
+      </p:par>
+    </p:tnLst>
+  </p:timing>
+</p:sld>
+</file>
+
+<file path=ppt/slides/slide11.xml><?xml version="1.0" encoding="utf-8"?>
+<p:sld xmlns:a="http://schemas.openxmlformats.org/drawingml/2006/main" xmlns:r="http://schemas.openxmlformats.org/officeDocument/2006/relationships" xmlns:p="http://schemas.openxmlformats.org/presentationml/2006/main">
+  <p:cSld>
+    <p:spTree>
+      <p:nvGrpSpPr>
+        <p:cNvPr id="1" name=""/>
+        <p:cNvGrpSpPr/>
+        <p:nvPr/>
+      </p:nvGrpSpPr>
+      <p:grpSpPr>
+        <a:xfrm>
+          <a:off x="0" y="0"/>
+          <a:ext cx="0" cy="0"/>
+          <a:chOff x="0" y="0"/>
+          <a:chExt cx="0" cy="0"/>
+        </a:xfrm>
+      </p:grpSpPr>
+      <p:sp>
+        <p:nvSpPr>
+          <p:cNvPr id="4" name="Fußzeilenplatzhalter 3"/>
+          <p:cNvSpPr>
+            <a:spLocks noGrp="1"/>
+          </p:cNvSpPr>
+          <p:nvPr>
+            <p:ph type="ftr" sz="quarter" idx="11"/>
+          </p:nvPr>
+        </p:nvSpPr>
+        <p:spPr/>
+        <p:txBody>
+          <a:bodyPr/>
+          <a:lstStyle/>
+          <a:p>
+            <a:r>
+              <a:rPr lang="de-AT" smtClean="0"/>
+              <a:t>Folie </a:t>
+            </a:r>
+            <a:endParaRPr lang="de-AT" dirty="0"/>
+          </a:p>
+        </p:txBody>
+      </p:sp>
+      <p:sp>
+        <p:nvSpPr>
+          <p:cNvPr id="5" name="Foliennummernplatzhalter 4"/>
+          <p:cNvSpPr>
+            <a:spLocks noGrp="1"/>
+          </p:cNvSpPr>
+          <p:nvPr>
+            <p:ph type="sldNum" sz="quarter" idx="12"/>
+          </p:nvPr>
+        </p:nvSpPr>
+        <p:spPr/>
+        <p:txBody>
+          <a:bodyPr/>
+          <a:lstStyle/>
+          <a:p>
+            <a:fld id="{7B21C6CE-1AB1-48B1-8D94-EA78B89DFF8A}" type="slidenum">
+              <a:rPr lang="de-AT" smtClean="0"/>
+              <a:t>11</a:t>
+            </a:fld>
+            <a:endParaRPr lang="de-AT" dirty="0"/>
+          </a:p>
+        </p:txBody>
+      </p:sp>
+      <p:pic>
+        <p:nvPicPr>
+          <p:cNvPr id="6" name="Grafik 5" descr="C:\Users\Manuel\Documents\uni\semester 5\workspace\OwlSoft\model\Domainmodel.png"/>
+          <p:cNvPicPr/>
+          <p:nvPr/>
+        </p:nvPicPr>
+        <p:blipFill>
+          <a:blip r:embed="rId2" cstate="print">
+            <a:extLst>
+              <a:ext uri="{28A0092B-C50C-407E-A947-70E740481C1C}">
+                <a14:useLocalDpi xmlns:a14="http://schemas.microsoft.com/office/drawing/2010/main" val="0"/>
+              </a:ext>
+            </a:extLst>
+          </a:blip>
+          <a:srcRect/>
+          <a:stretch>
+            <a:fillRect/>
+          </a:stretch>
+        </p:blipFill>
+        <p:spPr bwMode="auto">
+          <a:xfrm>
+            <a:off x="-1" y="404664"/>
+            <a:ext cx="9144001" cy="5832648"/>
+          </a:xfrm>
+          <a:prstGeom prst="rect">
+            <a:avLst/>
+          </a:prstGeom>
+          <a:noFill/>
+          <a:ln>
+            <a:noFill/>
+          </a:ln>
+        </p:spPr>
+      </p:pic>
+    </p:spTree>
+    <p:extLst>
+      <p:ext uri="{BB962C8B-B14F-4D97-AF65-F5344CB8AC3E}">
+        <p14:creationId xmlns:p14="http://schemas.microsoft.com/office/powerpoint/2010/main" val="3418588016"/>
+      </p:ext>
+    </p:extLst>
+  </p:cSld>
+  <p:clrMapOvr>
+    <a:masterClrMapping/>
+  </p:clrMapOvr>
+  <mc:AlternateContent xmlns:mc="http://schemas.openxmlformats.org/markup-compatibility/2006">
+    <mc:Choice xmlns:p14="http://schemas.microsoft.com/office/powerpoint/2010/main" Requires="p14">
+      <p:transition spd="med" p14:dur="700">
+        <p:fade/>
+      </p:transition>
+    </mc:Choice>
+    <mc:Fallback>
+      <p:transition spd="med">
+        <p:fade/>
+      </p:transition>
+    </mc:Fallback>
+  </mc:AlternateContent>
+  <p:timing>
+    <p:tnLst>
+      <p:par>
+        <p:cTn id="1" dur="indefinite" restart="never" nodeType="tmRoot"/>
+      </p:par>
+    </p:tnLst>
+  </p:timing>
+</p:sld>
+</file>
+
+<file path=ppt/slides/slide12.xml><?xml version="1.0" encoding="utf-8"?>
+<p:sld xmlns:a="http://schemas.openxmlformats.org/drawingml/2006/main" xmlns:r="http://schemas.openxmlformats.org/officeDocument/2006/relationships" xmlns:p="http://schemas.openxmlformats.org/presentationml/2006/main">
+  <p:cSld>
+    <p:spTree>
+      <p:nvGrpSpPr>
+        <p:cNvPr id="1" name=""/>
+        <p:cNvGrpSpPr/>
+        <p:nvPr/>
+      </p:nvGrpSpPr>
+      <p:grpSpPr>
+        <a:xfrm>
+          <a:off x="0" y="0"/>
+          <a:ext cx="0" cy="0"/>
+          <a:chOff x="0" y="0"/>
+          <a:chExt cx="0" cy="0"/>
+        </a:xfrm>
+      </p:grpSpPr>
+      <p:sp>
+        <p:nvSpPr>
+          <p:cNvPr id="2" name="Fußzeilenplatzhalter 1"/>
+          <p:cNvSpPr>
+            <a:spLocks noGrp="1"/>
+          </p:cNvSpPr>
+          <p:nvPr>
+            <p:ph type="ftr" sz="quarter" idx="11"/>
+          </p:nvPr>
+        </p:nvSpPr>
+        <p:spPr/>
+        <p:txBody>
+          <a:bodyPr/>
+          <a:lstStyle/>
+          <a:p>
+            <a:r>
+              <a:rPr lang="de-AT" smtClean="0"/>
+              <a:t>Folie </a:t>
+            </a:r>
+            <a:endParaRPr lang="de-AT" dirty="0"/>
+          </a:p>
+        </p:txBody>
+      </p:sp>
+      <p:sp>
+        <p:nvSpPr>
+          <p:cNvPr id="3" name="Foliennummernplatzhalter 2"/>
+          <p:cNvSpPr>
+            <a:spLocks noGrp="1"/>
+          </p:cNvSpPr>
+          <p:nvPr>
+            <p:ph type="sldNum" sz="quarter" idx="12"/>
+          </p:nvPr>
+        </p:nvSpPr>
+        <p:spPr/>
+        <p:txBody>
+          <a:bodyPr/>
+          <a:lstStyle/>
+          <a:p>
+            <a:fld id="{7B21C6CE-1AB1-48B1-8D94-EA78B89DFF8A}" type="slidenum">
+              <a:rPr lang="de-AT" smtClean="0"/>
+              <a:t>12</a:t>
+            </a:fld>
+            <a:endParaRPr lang="de-AT" dirty="0"/>
+          </a:p>
+        </p:txBody>
+      </p:sp>
+      <p:pic>
+        <p:nvPicPr>
+          <p:cNvPr id="4" name="Picture 3">
+            <a:hlinkClick r:id="rId2" action="ppaction://hlinkfile"/>
+          </p:cNvPr>
+          <p:cNvPicPr/>
+          <p:nvPr/>
+        </p:nvPicPr>
+        <p:blipFill>
+          <a:blip r:embed="rId3" cstate="print">
+            <a:extLst>
+              <a:ext uri="{28A0092B-C50C-407E-A947-70E740481C1C}">
+                <a14:useLocalDpi xmlns:a14="http://schemas.microsoft.com/office/drawing/2010/main" val="0"/>
+              </a:ext>
+            </a:extLst>
+          </a:blip>
+          <a:stretch>
+            <a:fillRect/>
+          </a:stretch>
+        </p:blipFill>
+        <p:spPr bwMode="auto">
+          <a:xfrm>
+            <a:off x="827584" y="188640"/>
+            <a:ext cx="7230745" cy="6176010"/>
+          </a:xfrm>
+          <a:prstGeom prst="rect">
+            <a:avLst/>
+          </a:prstGeom>
+          <a:noFill/>
+          <a:ln>
+            <a:noFill/>
+          </a:ln>
+          <a:extLst>
+            <a:ext uri="{53640926-AAD7-44D8-BBD7-CCE9431645EC}">
+              <a14:shadowObscured xmlns:a14="http://schemas.microsoft.com/office/drawing/2010/main"/>
+            </a:ext>
+          </a:extLst>
+        </p:spPr>
+      </p:pic>
+    </p:spTree>
+    <p:extLst>
+      <p:ext uri="{BB962C8B-B14F-4D97-AF65-F5344CB8AC3E}">
+        <p14:creationId xmlns:p14="http://schemas.microsoft.com/office/powerpoint/2010/main" val="1291195270"/>
+      </p:ext>
+    </p:extLst>
+  </p:cSld>
+  <p:clrMapOvr>
+    <a:masterClrMapping/>
+  </p:clrMapOvr>
+  <mc:AlternateContent xmlns:mc="http://schemas.openxmlformats.org/markup-compatibility/2006">
+    <mc:Choice xmlns:p14="http://schemas.microsoft.com/office/powerpoint/2010/main" Requires="p14">
+      <p:transition spd="med" p14:dur="700">
+        <p:fade/>
+      </p:transition>
+    </mc:Choice>
+    <mc:Fallback>
+      <p:transition spd="med">
+        <p:fade/>
+      </p:transition>
+    </mc:Fallback>
+  </mc:AlternateContent>
+  <p:timing>
+    <p:tnLst>
+      <p:par>
+        <p:cTn id="1" dur="indefinite" restart="never" nodeType="tmRoot"/>
+      </p:par>
+    </p:tnLst>
+  </p:timing>
+</p:sld>
+</file>
+
+<file path=ppt/slides/slide13.xml><?xml version="1.0" encoding="utf-8"?>
+<p:sld xmlns:a="http://schemas.openxmlformats.org/drawingml/2006/main" xmlns:r="http://schemas.openxmlformats.org/officeDocument/2006/relationships" xmlns:p="http://schemas.openxmlformats.org/presentationml/2006/main">
+  <p:cSld>
+    <p:spTree>
+      <p:nvGrpSpPr>
+        <p:cNvPr id="1" name=""/>
+        <p:cNvGrpSpPr/>
+        <p:nvPr/>
+      </p:nvGrpSpPr>
+      <p:grpSpPr>
+        <a:xfrm>
+          <a:off x="0" y="0"/>
+          <a:ext cx="0" cy="0"/>
+          <a:chOff x="0" y="0"/>
+          <a:chExt cx="0" cy="0"/>
+        </a:xfrm>
+      </p:grpSpPr>
+      <p:sp>
+        <p:nvSpPr>
+          <p:cNvPr id="4" name="Titel 3"/>
+          <p:cNvSpPr>
+            <a:spLocks noGrp="1"/>
+          </p:cNvSpPr>
+          <p:nvPr>
+            <p:ph type="title"/>
+          </p:nvPr>
+        </p:nvSpPr>
+        <p:spPr/>
+        <p:txBody>
+          <a:bodyPr/>
+          <a:lstStyle/>
+          <a:p>
+            <a:r>
+              <a:rPr lang="de-AT" dirty="0" smtClean="0"/>
+              <a:t>Änderungen</a:t>
+            </a:r>
+            <a:endParaRPr lang="de-AT" dirty="0"/>
+          </a:p>
+        </p:txBody>
+      </p:sp>
+      <p:sp>
+        <p:nvSpPr>
+          <p:cNvPr id="5" name="Inhaltsplatzhalter 4"/>
+          <p:cNvSpPr>
+            <a:spLocks noGrp="1"/>
+          </p:cNvSpPr>
+          <p:nvPr>
+            <p:ph idx="1"/>
+          </p:nvPr>
+        </p:nvSpPr>
+        <p:spPr/>
+        <p:txBody>
+          <a:bodyPr/>
+          <a:lstStyle/>
+          <a:p>
+            <a:r>
+              <a:rPr lang="de-AT" dirty="0" smtClean="0"/>
+              <a:t>Personen- und Usersystem</a:t>
+            </a:r>
+          </a:p>
+          <a:p>
+            <a:pPr lvl="1"/>
+            <a:r>
+              <a:rPr lang="de-AT" dirty="0" smtClean="0"/>
+              <a:t>Vereinfachte Personenstruktur</a:t>
+            </a:r>
+          </a:p>
+          <a:p>
+            <a:pPr lvl="1"/>
+            <a:r>
+              <a:rPr lang="de-AT" dirty="0" err="1" smtClean="0"/>
+              <a:t>Attributierte</a:t>
+            </a:r>
+            <a:r>
+              <a:rPr lang="de-AT" dirty="0" smtClean="0"/>
+              <a:t>  Relationen aufgelöst</a:t>
+            </a:r>
+          </a:p>
+          <a:p>
+            <a:r>
+              <a:rPr lang="de-AT" dirty="0" smtClean="0"/>
+              <a:t>Medien- und Exemplar-Management</a:t>
+            </a:r>
+          </a:p>
+          <a:p>
+            <a:pPr lvl="1"/>
+            <a:r>
+              <a:rPr lang="de-AT" dirty="0" smtClean="0"/>
+              <a:t>Zusammengeführt</a:t>
+            </a:r>
+          </a:p>
+          <a:p>
+            <a:pPr lvl="1"/>
+            <a:r>
+              <a:rPr lang="de-AT" dirty="0" smtClean="0"/>
+              <a:t>Metadaten entfernt</a:t>
+            </a:r>
+          </a:p>
+          <a:p>
+            <a:pPr lvl="1"/>
+            <a:r>
+              <a:rPr lang="de-AT" dirty="0" smtClean="0"/>
+              <a:t>Medientypen vereinfacht</a:t>
+            </a:r>
+          </a:p>
+          <a:p>
+            <a:r>
+              <a:rPr lang="de-AT" dirty="0" smtClean="0"/>
+              <a:t>Ausleih-System</a:t>
+            </a:r>
+          </a:p>
+          <a:p>
+            <a:pPr lvl="1"/>
+            <a:r>
+              <a:rPr lang="de-AT" dirty="0" smtClean="0"/>
+              <a:t>Vereinfacht</a:t>
+            </a:r>
+          </a:p>
+          <a:p>
+            <a:pPr lvl="1"/>
+            <a:r>
+              <a:rPr lang="de-AT" dirty="0" smtClean="0"/>
+              <a:t>Medien können Aktivitäten referenzieren</a:t>
+            </a:r>
+            <a:endParaRPr lang="de-AT" dirty="0"/>
+          </a:p>
+        </p:txBody>
+      </p:sp>
+      <p:sp>
+        <p:nvSpPr>
+          <p:cNvPr id="2" name="Fußzeilenplatzhalter 1"/>
+          <p:cNvSpPr>
+            <a:spLocks noGrp="1"/>
+          </p:cNvSpPr>
+          <p:nvPr>
+            <p:ph type="ftr" sz="quarter" idx="11"/>
+          </p:nvPr>
+        </p:nvSpPr>
+        <p:spPr/>
+        <p:txBody>
+          <a:bodyPr/>
+          <a:lstStyle/>
+          <a:p>
+            <a:r>
+              <a:rPr lang="de-AT" smtClean="0"/>
+              <a:t>Folie </a:t>
+            </a:r>
+            <a:endParaRPr lang="de-AT" dirty="0"/>
+          </a:p>
+        </p:txBody>
+      </p:sp>
+      <p:sp>
+        <p:nvSpPr>
+          <p:cNvPr id="3" name="Foliennummernplatzhalter 2"/>
+          <p:cNvSpPr>
+            <a:spLocks noGrp="1"/>
+          </p:cNvSpPr>
+          <p:nvPr>
+            <p:ph type="sldNum" sz="quarter" idx="12"/>
+          </p:nvPr>
+        </p:nvSpPr>
+        <p:spPr/>
+        <p:txBody>
+          <a:bodyPr/>
+          <a:lstStyle/>
+          <a:p>
+            <a:fld id="{7B21C6CE-1AB1-48B1-8D94-EA78B89DFF8A}" type="slidenum">
+              <a:rPr lang="de-AT" smtClean="0"/>
+              <a:t>13</a:t>
+            </a:fld>
+            <a:endParaRPr lang="de-AT" dirty="0"/>
+          </a:p>
+        </p:txBody>
+      </p:sp>
+    </p:spTree>
+    <p:extLst>
+      <p:ext uri="{BB962C8B-B14F-4D97-AF65-F5344CB8AC3E}">
+        <p14:creationId xmlns:p14="http://schemas.microsoft.com/office/powerpoint/2010/main" val="1924739510"/>
+      </p:ext>
+    </p:extLst>
+  </p:cSld>
+  <p:clrMapOvr>
+    <a:masterClrMapping/>
+  </p:clrMapOvr>
+  <mc:AlternateContent xmlns:mc="http://schemas.openxmlformats.org/markup-compatibility/2006">
+    <mc:Choice xmlns:p14="http://schemas.microsoft.com/office/powerpoint/2010/main" Requires="p14">
+      <p:transition spd="med" p14:dur="700">
+        <p:fade/>
+      </p:transition>
+    </mc:Choice>
+    <mc:Fallback>
+      <p:transition spd="med">
+        <p:fade/>
+      </p:transition>
+    </mc:Fallback>
+  </mc:AlternateContent>
+  <p:timing>
+    <p:tnLst>
+      <p:par>
+        <p:cTn id="1" dur="indefinite" restart="never" nodeType="tmRoot"/>
+      </p:par>
+    </p:tnLst>
+  </p:timing>
+</p:sld>
+</file>
+
+<file path=ppt/slides/slide14.xml><?xml version="1.0" encoding="utf-8"?>
+<p:sld xmlns:a="http://schemas.openxmlformats.org/drawingml/2006/main" xmlns:r="http://schemas.openxmlformats.org/officeDocument/2006/relationships" xmlns:p="http://schemas.openxmlformats.org/presentationml/2006/main">
+  <p:cSld>
+    <p:spTree>
+      <p:nvGrpSpPr>
+        <p:cNvPr id="1" name=""/>
+        <p:cNvGrpSpPr/>
+        <p:nvPr/>
+      </p:nvGrpSpPr>
+      <p:grpSpPr>
+        <a:xfrm>
+          <a:off x="0" y="0"/>
+          <a:ext cx="0" cy="0"/>
+          <a:chOff x="0" y="0"/>
+          <a:chExt cx="0" cy="0"/>
+        </a:xfrm>
+      </p:grpSpPr>
+      <p:sp>
+        <p:nvSpPr>
+          <p:cNvPr id="2" name="Titel 1"/>
+          <p:cNvSpPr>
+            <a:spLocks noGrp="1"/>
+          </p:cNvSpPr>
+          <p:nvPr>
+            <p:ph type="title"/>
+          </p:nvPr>
+        </p:nvSpPr>
+        <p:spPr/>
+        <p:txBody>
+          <a:bodyPr/>
+          <a:lstStyle/>
+          <a:p>
+            <a:r>
+              <a:rPr lang="de-AT" dirty="0" err="1" smtClean="0"/>
+              <a:t>Timebox</a:t>
+            </a:r>
+            <a:r>
+              <a:rPr lang="de-AT" dirty="0" smtClean="0"/>
+              <a:t> 1 Architektur</a:t>
+            </a:r>
+            <a:endParaRPr lang="de-AT" dirty="0"/>
+          </a:p>
+        </p:txBody>
+      </p:sp>
+      <p:sp>
+        <p:nvSpPr>
+          <p:cNvPr id="3" name="Inhaltsplatzhalter 2"/>
+          <p:cNvSpPr>
+            <a:spLocks noGrp="1"/>
+          </p:cNvSpPr>
+          <p:nvPr>
+            <p:ph idx="1"/>
+          </p:nvPr>
+        </p:nvSpPr>
+        <p:spPr/>
+        <p:txBody>
+          <a:bodyPr/>
+          <a:lstStyle/>
+          <a:p>
+            <a:r>
+              <a:rPr lang="de-AT" dirty="0" smtClean="0"/>
+              <a:t>Streng getrennte Schichtenarchitektur</a:t>
+            </a:r>
+          </a:p>
+          <a:p>
+            <a:r>
+              <a:rPr lang="de-AT" dirty="0" smtClean="0"/>
+              <a:t>5 Schichten</a:t>
+            </a:r>
+            <a:endParaRPr lang="de-AT" dirty="0" smtClean="0"/>
+          </a:p>
+          <a:p>
+            <a:endParaRPr lang="de-AT" dirty="0" smtClean="0"/>
+          </a:p>
+          <a:p>
+            <a:endParaRPr lang="de-AT" dirty="0"/>
+          </a:p>
+        </p:txBody>
+      </p:sp>
+      <p:sp>
+        <p:nvSpPr>
+          <p:cNvPr id="4" name="Fußzeilenplatzhalter 3"/>
+          <p:cNvSpPr>
+            <a:spLocks noGrp="1"/>
+          </p:cNvSpPr>
+          <p:nvPr>
+            <p:ph type="ftr" sz="quarter" idx="11"/>
+          </p:nvPr>
+        </p:nvSpPr>
+        <p:spPr/>
+        <p:txBody>
+          <a:bodyPr/>
+          <a:lstStyle/>
+          <a:p>
+            <a:r>
+              <a:rPr lang="de-AT" dirty="0" smtClean="0"/>
+              <a:t>Folie </a:t>
+            </a:r>
+            <a:endParaRPr lang="de-AT" dirty="0"/>
+          </a:p>
+        </p:txBody>
+      </p:sp>
+      <p:sp>
+        <p:nvSpPr>
+          <p:cNvPr id="5" name="Foliennummernplatzhalter 4"/>
+          <p:cNvSpPr>
+            <a:spLocks noGrp="1"/>
+          </p:cNvSpPr>
+          <p:nvPr>
+            <p:ph type="sldNum" sz="quarter" idx="12"/>
+          </p:nvPr>
+        </p:nvSpPr>
+        <p:spPr/>
+        <p:txBody>
+          <a:bodyPr/>
+          <a:lstStyle/>
+          <a:p>
+            <a:fld id="{7B21C6CE-1AB1-48B1-8D94-EA78B89DFF8A}" type="slidenum">
+              <a:rPr lang="de-AT" smtClean="0"/>
+              <a:t>14</a:t>
+            </a:fld>
+            <a:endParaRPr lang="de-AT"/>
+          </a:p>
+        </p:txBody>
+      </p:sp>
+      <p:graphicFrame>
+        <p:nvGraphicFramePr>
+          <p:cNvPr id="6" name="Diagramm 5"/>
+          <p:cNvGraphicFramePr/>
+          <p:nvPr>
+            <p:extLst>
+              <p:ext uri="{D42A27DB-BD31-4B8C-83A1-F6EECF244321}">
+                <p14:modId xmlns:p14="http://schemas.microsoft.com/office/powerpoint/2010/main" val="1756920213"/>
+              </p:ext>
+            </p:extLst>
+          </p:nvPr>
+        </p:nvGraphicFramePr>
+        <p:xfrm>
+          <a:off x="5076056" y="2564904"/>
+          <a:ext cx="3719736" cy="3703960"/>
+        </p:xfrm>
+        <a:graphic>
+          <a:graphicData uri="http://schemas.openxmlformats.org/drawingml/2006/diagram">
+            <dgm:relIds xmlns:dgm="http://schemas.openxmlformats.org/drawingml/2006/diagram" xmlns:r="http://schemas.openxmlformats.org/officeDocument/2006/relationships" r:dm="rId3" r:lo="rId4" r:qs="rId5" r:cs="rId6"/>
+          </a:graphicData>
+        </a:graphic>
+      </p:graphicFrame>
+    </p:spTree>
+    <p:extLst>
+      <p:ext uri="{BB962C8B-B14F-4D97-AF65-F5344CB8AC3E}">
+        <p14:creationId xmlns:p14="http://schemas.microsoft.com/office/powerpoint/2010/main" val="1151213785"/>
+      </p:ext>
+    </p:extLst>
+  </p:cSld>
+  <p:clrMapOvr>
+    <a:masterClrMapping/>
+  </p:clrMapOvr>
+  <mc:AlternateContent xmlns:mc="http://schemas.openxmlformats.org/markup-compatibility/2006">
+    <mc:Choice xmlns:p14="http://schemas.microsoft.com/office/powerpoint/2010/main" Requires="p14">
+      <p:transition spd="med" p14:dur="700">
+        <p:fade/>
+      </p:transition>
+    </mc:Choice>
+    <mc:Fallback>
+      <p:transition spd="med">
+        <p:fade/>
+      </p:transition>
+    </mc:Fallback>
+  </mc:AlternateContent>
+  <p:timing>
+    <p:tnLst>
+      <p:par>
+        <p:cTn id="1" dur="indefinite" restart="never" nodeType="tmRoot">
+          <p:childTnLst>
+            <p:seq concurrent="1" nextAc="seek">
+              <p:cTn id="2" dur="indefinite" nodeType="mainSeq">
+                <p:childTnLst>
+                  <p:par>
+                    <p:cTn id="3" fill="hold">
+                      <p:stCondLst>
+                        <p:cond delay="indefinite"/>
+                      </p:stCondLst>
+                      <p:childTnLst>
+                        <p:par>
+                          <p:cTn id="4" fill="hold">
+                            <p:stCondLst>
+                              <p:cond delay="0"/>
+                            </p:stCondLst>
+                            <p:childTnLst>
+                              <p:par>
+                                <p:cTn id="5" presetID="10" presetClass="entr" presetSubtype="0" fill="hold" grpId="0" nodeType="clickEffect">
+                                  <p:stCondLst>
+                                    <p:cond delay="0"/>
+                                  </p:stCondLst>
+                                  <p:childTnLst>
+                                    <p:set>
+                                      <p:cBhvr>
+                                        <p:cTn id="6" dur="1" fill="hold">
+                                          <p:stCondLst>
+                                            <p:cond delay="0"/>
+                                          </p:stCondLst>
+                                        </p:cTn>
+                                        <p:tgtEl>
+                                          <p:spTgt spid="6">
+                                            <p:graphicEl>
+                                              <a:dgm id="{0BB0D374-1138-4270-8FBE-F9F593F638CB}"/>
+                                            </p:graphicEl>
+                                          </p:spTgt>
+                                        </p:tgtEl>
+                                        <p:attrNameLst>
+                                          <p:attrName>style.visibility</p:attrName>
+                                        </p:attrNameLst>
+                                      </p:cBhvr>
+                                      <p:to>
+                                        <p:strVal val="visible"/>
+                                      </p:to>
+                                    </p:set>
+                                    <p:animEffect transition="in" filter="fade">
+                                      <p:cBhvr>
+                                        <p:cTn id="7" dur="500"/>
+                                        <p:tgtEl>
+                                          <p:spTgt spid="6">
+                                            <p:graphicEl>
+                                              <a:dgm id="{0BB0D374-1138-4270-8FBE-F9F593F638CB}"/>
+                                            </p:graphicEl>
+                                          </p:spTgt>
+                                        </p:tgtEl>
+                                      </p:cBhvr>
+                                    </p:animEffect>
+                                  </p:childTnLst>
+                                </p:cTn>
+                              </p:par>
+                            </p:childTnLst>
+                          </p:cTn>
+                        </p:par>
+                      </p:childTnLst>
+                    </p:cTn>
+                  </p:par>
+                  <p:par>
+                    <p:cTn id="8" fill="hold">
+                      <p:stCondLst>
+                        <p:cond delay="indefinite"/>
+                      </p:stCondLst>
+                      <p:childTnLst>
+                        <p:par>
+                          <p:cTn id="9" fill="hold">
+                            <p:stCondLst>
+                              <p:cond delay="0"/>
+                            </p:stCondLst>
+                            <p:childTnLst>
+                              <p:par>
+                                <p:cTn id="10" presetID="10" presetClass="entr" presetSubtype="0" fill="hold" grpId="0" nodeType="clickEffect">
+                                  <p:stCondLst>
+                                    <p:cond delay="0"/>
+                                  </p:stCondLst>
+                                  <p:childTnLst>
+                                    <p:set>
+                                      <p:cBhvr>
+                                        <p:cTn id="11" dur="1" fill="hold">
+                                          <p:stCondLst>
+                                            <p:cond delay="0"/>
+                                          </p:stCondLst>
+                                        </p:cTn>
+                                        <p:tgtEl>
+                                          <p:spTgt spid="6">
+                                            <p:graphicEl>
+                                              <a:dgm id="{DD78CEA1-1A34-4F81-AD02-1ADA132D2132}"/>
+                                            </p:graphicEl>
+                                          </p:spTgt>
+                                        </p:tgtEl>
+                                        <p:attrNameLst>
+                                          <p:attrName>style.visibility</p:attrName>
+                                        </p:attrNameLst>
+                                      </p:cBhvr>
+                                      <p:to>
+                                        <p:strVal val="visible"/>
+                                      </p:to>
+                                    </p:set>
+                                    <p:animEffect transition="in" filter="fade">
+                                      <p:cBhvr>
+                                        <p:cTn id="12" dur="500"/>
+                                        <p:tgtEl>
+                                          <p:spTgt spid="6">
+                                            <p:graphicEl>
+                                              <a:dgm id="{DD78CEA1-1A34-4F81-AD02-1ADA132D2132}"/>
+                                            </p:graphicEl>
+                                          </p:spTgt>
+                                        </p:tgtEl>
+                                      </p:cBhvr>
+                                    </p:animEffect>
+                                  </p:childTnLst>
+                                </p:cTn>
+                              </p:par>
+                            </p:childTnLst>
+                          </p:cTn>
+                        </p:par>
+                      </p:childTnLst>
+                    </p:cTn>
+                  </p:par>
+                  <p:par>
+                    <p:cTn id="13" fill="hold">
+                      <p:stCondLst>
+                        <p:cond delay="indefinite"/>
+                      </p:stCondLst>
+                      <p:childTnLst>
+                        <p:par>
+                          <p:cTn id="14" fill="hold">
+                            <p:stCondLst>
+                              <p:cond delay="0"/>
+                            </p:stCondLst>
+                            <p:childTnLst>
+                              <p:par>
+                                <p:cTn id="15" presetID="10" presetClass="entr" presetSubtype="0" fill="hold" grpId="0" nodeType="clickEffect">
+                                  <p:stCondLst>
+                                    <p:cond delay="0"/>
+                                  </p:stCondLst>
+                                  <p:childTnLst>
+                                    <p:set>
+                                      <p:cBhvr>
+                                        <p:cTn id="16" dur="1" fill="hold">
+                                          <p:stCondLst>
+                                            <p:cond delay="0"/>
+                                          </p:stCondLst>
+                                        </p:cTn>
+                                        <p:tgtEl>
+                                          <p:spTgt spid="6">
+                                            <p:graphicEl>
+                                              <a:dgm id="{1C5E28C1-2749-4059-9990-AE1F14F675A4}"/>
+                                            </p:graphicEl>
+                                          </p:spTgt>
+                                        </p:tgtEl>
+                                        <p:attrNameLst>
+                                          <p:attrName>style.visibility</p:attrName>
+                                        </p:attrNameLst>
+                                      </p:cBhvr>
+                                      <p:to>
+                                        <p:strVal val="visible"/>
+                                      </p:to>
+                                    </p:set>
+                                    <p:animEffect transition="in" filter="fade">
+                                      <p:cBhvr>
+                                        <p:cTn id="17" dur="500"/>
+                                        <p:tgtEl>
+                                          <p:spTgt spid="6">
+                                            <p:graphicEl>
+                                              <a:dgm id="{1C5E28C1-2749-4059-9990-AE1F14F675A4}"/>
+                                            </p:graphicEl>
+                                          </p:spTgt>
+                                        </p:tgtEl>
+                                      </p:cBhvr>
+                                    </p:animEffect>
+                                  </p:childTnLst>
+                                </p:cTn>
+                              </p:par>
+                            </p:childTnLst>
+                          </p:cTn>
+                        </p:par>
+                      </p:childTnLst>
+                    </p:cTn>
+                  </p:par>
+                  <p:par>
+                    <p:cTn id="18" fill="hold">
+                      <p:stCondLst>
+                        <p:cond delay="indefinite"/>
+                      </p:stCondLst>
+                      <p:childTnLst>
+                        <p:par>
+                          <p:cTn id="19" fill="hold">
+                            <p:stCondLst>
+                              <p:cond delay="0"/>
+                            </p:stCondLst>
+                            <p:childTnLst>
+                              <p:par>
+                                <p:cTn id="20" presetID="10" presetClass="entr" presetSubtype="0" fill="hold" grpId="0" nodeType="clickEffect">
+                                  <p:stCondLst>
+                                    <p:cond delay="0"/>
+                                  </p:stCondLst>
+                                  <p:childTnLst>
+                                    <p:set>
+                                      <p:cBhvr>
+                                        <p:cTn id="21" dur="1" fill="hold">
+                                          <p:stCondLst>
+                                            <p:cond delay="0"/>
+                                          </p:stCondLst>
+                                        </p:cTn>
+                                        <p:tgtEl>
+                                          <p:spTgt spid="6">
+                                            <p:graphicEl>
+                                              <a:dgm id="{2350346C-D084-4FD3-9831-AE6164A34041}"/>
+                                            </p:graphicEl>
+                                          </p:spTgt>
+                                        </p:tgtEl>
+                                        <p:attrNameLst>
+                                          <p:attrName>style.visibility</p:attrName>
+                                        </p:attrNameLst>
+                                      </p:cBhvr>
+                                      <p:to>
+                                        <p:strVal val="visible"/>
+                                      </p:to>
+                                    </p:set>
+                                    <p:animEffect transition="in" filter="fade">
+                                      <p:cBhvr>
+                                        <p:cTn id="22" dur="500"/>
+                                        <p:tgtEl>
+                                          <p:spTgt spid="6">
+                                            <p:graphicEl>
+                                              <a:dgm id="{2350346C-D084-4FD3-9831-AE6164A34041}"/>
+                                            </p:graphicEl>
+                                          </p:spTgt>
+                                        </p:tgtEl>
+                                      </p:cBhvr>
+                                    </p:animEffect>
+                                  </p:childTnLst>
+                                </p:cTn>
+                              </p:par>
+                            </p:childTnLst>
+                          </p:cTn>
+                        </p:par>
+                      </p:childTnLst>
+                    </p:cTn>
+                  </p:par>
+                  <p:par>
+                    <p:cTn id="23" fill="hold">
+                      <p:stCondLst>
+                        <p:cond delay="indefinite"/>
+                      </p:stCondLst>
+                      <p:childTnLst>
+                        <p:par>
+                          <p:cTn id="24" fill="hold">
+                            <p:stCondLst>
+                              <p:cond delay="0"/>
+                            </p:stCondLst>
+                            <p:childTnLst>
+                              <p:par>
+                                <p:cTn id="25" presetID="10" presetClass="entr" presetSubtype="0" fill="hold" grpId="0" nodeType="clickEffect">
+                                  <p:stCondLst>
+                                    <p:cond delay="0"/>
+                                  </p:stCondLst>
+                                  <p:childTnLst>
+                                    <p:set>
+                                      <p:cBhvr>
+                                        <p:cTn id="26" dur="1" fill="hold">
+                                          <p:stCondLst>
+                                            <p:cond delay="0"/>
+                                          </p:stCondLst>
+                                        </p:cTn>
+                                        <p:tgtEl>
+                                          <p:spTgt spid="6">
+                                            <p:graphicEl>
+                                              <a:dgm id="{1CD611B8-58A5-45CA-BBA0-AD0CB72569D3}"/>
+                                            </p:graphicEl>
+                                          </p:spTgt>
+                                        </p:tgtEl>
+                                        <p:attrNameLst>
+                                          <p:attrName>style.visibility</p:attrName>
+                                        </p:attrNameLst>
+                                      </p:cBhvr>
+                                      <p:to>
+                                        <p:strVal val="visible"/>
+                                      </p:to>
+                                    </p:set>
+                                    <p:animEffect transition="in" filter="fade">
+                                      <p:cBhvr>
+                                        <p:cTn id="27" dur="500"/>
+                                        <p:tgtEl>
+                                          <p:spTgt spid="6">
+                                            <p:graphicEl>
+                                              <a:dgm id="{1CD611B8-58A5-45CA-BBA0-AD0CB72569D3}"/>
+                                            </p:graphicEl>
+                                          </p:spTgt>
+                                        </p:tgtEl>
+                                      </p:cBhvr>
+                                    </p:animEffect>
+                                  </p:childTnLst>
+                                </p:cTn>
+                              </p:par>
+                            </p:childTnLst>
+                          </p:cTn>
+                        </p:par>
+                      </p:childTnLst>
+                    </p:cTn>
+                  </p:par>
+                </p:childTnLst>
+              </p:cTn>
+              <p:prevCondLst>
+                <p:cond evt="onPrev" delay="0">
+                  <p:tgtEl>
+                    <p:sldTgt/>
+                  </p:tgtEl>
+                </p:cond>
+              </p:prevCondLst>
+              <p:nextCondLst>
+                <p:cond evt="onNext" delay="0">
+                  <p:tgtEl>
+                    <p:sldTgt/>
+                  </p:tgtEl>
+                </p:cond>
+              </p:nextCondLst>
+            </p:seq>
+          </p:childTnLst>
+        </p:cTn>
+      </p:par>
+    </p:tnLst>
+    <p:bldLst>
+      <p:bldGraphic spid="6" grpId="0" uiExpand="1">
+        <p:bldSub>
+          <a:bldDgm bld="lvlOne"/>
+        </p:bldSub>
+      </p:bldGraphic>
+    </p:bldLst>
+  </p:timing>
+</p:sld>
+</file>
+
+<file path=ppt/slides/slide15.xml><?xml version="1.0" encoding="utf-8"?>
+<p:sld xmlns:a="http://schemas.openxmlformats.org/drawingml/2006/main" xmlns:r="http://schemas.openxmlformats.org/officeDocument/2006/relationships" xmlns:p="http://schemas.openxmlformats.org/presentationml/2006/main">
+  <p:cSld>
+    <p:spTree>
+      <p:nvGrpSpPr>
+        <p:cNvPr id="1" name=""/>
+        <p:cNvGrpSpPr/>
+        <p:nvPr/>
+      </p:nvGrpSpPr>
+      <p:grpSpPr>
+        <a:xfrm>
+          <a:off x="0" y="0"/>
+          <a:ext cx="0" cy="0"/>
+          <a:chOff x="0" y="0"/>
+          <a:chExt cx="0" cy="0"/>
+        </a:xfrm>
+      </p:grpSpPr>
+      <p:sp>
+        <p:nvSpPr>
+          <p:cNvPr id="2" name="Titel 1"/>
+          <p:cNvSpPr>
+            <a:spLocks noGrp="1"/>
+          </p:cNvSpPr>
+          <p:nvPr>
+            <p:ph type="title"/>
+          </p:nvPr>
+        </p:nvSpPr>
+        <p:spPr/>
+        <p:txBody>
+          <a:bodyPr/>
+          <a:lstStyle/>
+          <a:p>
+            <a:r>
+              <a:rPr lang="de-AT" dirty="0" smtClean="0"/>
+              <a:t>Objektorientiert Datenbank</a:t>
+            </a:r>
+            <a:endParaRPr lang="de-AT" dirty="0"/>
+          </a:p>
+        </p:txBody>
+      </p:sp>
+      <p:sp>
+        <p:nvSpPr>
+          <p:cNvPr id="3" name="Inhaltsplatzhalter 2"/>
+          <p:cNvSpPr>
+            <a:spLocks noGrp="1"/>
+          </p:cNvSpPr>
+          <p:nvPr>
+            <p:ph idx="1"/>
+          </p:nvPr>
+        </p:nvSpPr>
+        <p:spPr/>
+        <p:txBody>
+          <a:bodyPr/>
+          <a:lstStyle/>
+          <a:p>
+            <a:r>
+              <a:rPr lang="de-AT" dirty="0" smtClean="0"/>
+              <a:t>DB4O</a:t>
+            </a:r>
+            <a:r>
+              <a:rPr lang="de-AT" sz="1600" dirty="0" smtClean="0"/>
+              <a:t> (</a:t>
+            </a:r>
+            <a:r>
+              <a:rPr lang="de-AT" sz="1600" dirty="0" smtClean="0">
+                <a:hlinkClick r:id="rId3"/>
+              </a:rPr>
+              <a:t>http://www.db4o.com</a:t>
+            </a:r>
+            <a:r>
+              <a:rPr lang="de-AT" sz="1600" dirty="0" smtClean="0"/>
+              <a:t>)</a:t>
+            </a:r>
+          </a:p>
+          <a:p>
+            <a:endParaRPr lang="de-AT" sz="1600" dirty="0" smtClean="0"/>
+          </a:p>
+          <a:p>
+            <a:r>
+              <a:rPr lang="de-AT" dirty="0" smtClean="0"/>
+              <a:t>Contra</a:t>
+            </a:r>
+            <a:endParaRPr lang="de-AT" dirty="0" smtClean="0"/>
+          </a:p>
+          <a:p>
+            <a:pPr lvl="1"/>
+            <a:r>
+              <a:rPr lang="de-AT" dirty="0" smtClean="0"/>
+              <a:t>Keine IDs</a:t>
+            </a:r>
+          </a:p>
+          <a:p>
+            <a:pPr lvl="1"/>
+            <a:r>
+              <a:rPr lang="de-AT" dirty="0" smtClean="0"/>
+              <a:t>Speichert verschiedene Objektversionen</a:t>
+            </a:r>
+          </a:p>
+          <a:p>
+            <a:pPr lvl="1"/>
+            <a:r>
+              <a:rPr lang="de-AT" dirty="0" smtClean="0"/>
+              <a:t>Testdaten müssen im Code erstellt werden</a:t>
+            </a:r>
+          </a:p>
+          <a:p>
+            <a:pPr lvl="1"/>
+            <a:r>
+              <a:rPr lang="de-AT" dirty="0" smtClean="0"/>
+              <a:t>Kein SQL</a:t>
+            </a:r>
+          </a:p>
+          <a:p>
+            <a:pPr lvl="1"/>
+            <a:r>
+              <a:rPr lang="de-AT" dirty="0"/>
+              <a:t>Suche problematisch</a:t>
+            </a:r>
+          </a:p>
+          <a:p>
+            <a:pPr lvl="1"/>
+            <a:endParaRPr lang="de-AT" dirty="0"/>
+          </a:p>
+          <a:p>
+            <a:pPr lvl="1"/>
+            <a:endParaRPr lang="de-AT" dirty="0" smtClean="0"/>
+          </a:p>
+          <a:p>
+            <a:r>
+              <a:rPr lang="de-AT" dirty="0" smtClean="0"/>
+              <a:t>Pro</a:t>
+            </a:r>
+          </a:p>
+          <a:p>
+            <a:pPr lvl="1"/>
+            <a:r>
+              <a:rPr lang="de-AT" dirty="0" smtClean="0"/>
+              <a:t>Datenbank-Mapping </a:t>
+            </a:r>
+            <a:r>
+              <a:rPr lang="de-AT" dirty="0" smtClean="0"/>
+              <a:t>entfällt</a:t>
+            </a:r>
+          </a:p>
+          <a:p>
+            <a:pPr lvl="1"/>
+            <a:r>
+              <a:rPr lang="de-AT" dirty="0" smtClean="0"/>
+              <a:t>Portabel</a:t>
+            </a:r>
+          </a:p>
+          <a:p>
+            <a:pPr lvl="1"/>
+            <a:endParaRPr lang="de-AT" dirty="0" smtClean="0"/>
+          </a:p>
+          <a:p>
+            <a:pPr lvl="1"/>
+            <a:endParaRPr lang="de-AT" dirty="0" smtClean="0"/>
+          </a:p>
+          <a:p>
+            <a:pPr lvl="1"/>
+            <a:endParaRPr lang="de-AT" dirty="0" smtClean="0"/>
+          </a:p>
+          <a:p>
+            <a:pPr marL="0" indent="0">
+              <a:buNone/>
+            </a:pPr>
+            <a:endParaRPr lang="de-AT" dirty="0" smtClean="0"/>
+          </a:p>
+        </p:txBody>
+      </p:sp>
+      <p:sp>
+        <p:nvSpPr>
+          <p:cNvPr id="4" name="Fußzeilenplatzhalter 3"/>
+          <p:cNvSpPr>
+            <a:spLocks noGrp="1"/>
+          </p:cNvSpPr>
+          <p:nvPr>
+            <p:ph type="ftr" sz="quarter" idx="11"/>
+          </p:nvPr>
+        </p:nvSpPr>
+        <p:spPr/>
+        <p:txBody>
+          <a:bodyPr/>
+          <a:lstStyle/>
+          <a:p>
+            <a:r>
+              <a:rPr lang="de-AT" smtClean="0"/>
+              <a:t>Folie </a:t>
+            </a:r>
+            <a:endParaRPr lang="de-AT" dirty="0"/>
+          </a:p>
+        </p:txBody>
+      </p:sp>
+      <p:sp>
+        <p:nvSpPr>
+          <p:cNvPr id="5" name="Foliennummernplatzhalter 4"/>
+          <p:cNvSpPr>
+            <a:spLocks noGrp="1"/>
+          </p:cNvSpPr>
+          <p:nvPr>
+            <p:ph type="sldNum" sz="quarter" idx="12"/>
+          </p:nvPr>
+        </p:nvSpPr>
+        <p:spPr/>
+        <p:txBody>
+          <a:bodyPr/>
+          <a:lstStyle/>
+          <a:p>
+            <a:fld id="{7B21C6CE-1AB1-48B1-8D94-EA78B89DFF8A}" type="slidenum">
+              <a:rPr lang="de-AT" smtClean="0"/>
+              <a:t>15</a:t>
+            </a:fld>
+            <a:endParaRPr lang="de-AT" dirty="0"/>
+          </a:p>
+        </p:txBody>
+      </p:sp>
+    </p:spTree>
+    <p:extLst>
+      <p:ext uri="{BB962C8B-B14F-4D97-AF65-F5344CB8AC3E}">
+        <p14:creationId xmlns:p14="http://schemas.microsoft.com/office/powerpoint/2010/main" val="2409846530"/>
+      </p:ext>
+    </p:extLst>
+  </p:cSld>
+  <p:clrMapOvr>
+    <a:masterClrMapping/>
+  </p:clrMapOvr>
+  <mc:AlternateContent xmlns:mc="http://schemas.openxmlformats.org/markup-compatibility/2006">
+    <mc:Choice xmlns:p14="http://schemas.microsoft.com/office/powerpoint/2010/main" Requires="p14">
+      <p:transition spd="med" p14:dur="700">
+        <p:fade/>
+      </p:transition>
+    </mc:Choice>
+    <mc:Fallback>
+      <p:transition spd="med">
+        <p:fade/>
+      </p:transition>
+    </mc:Fallback>
+  </mc:AlternateContent>
+  <p:timing>
+    <p:tnLst>
+      <p:par>
+        <p:cTn id="1" dur="indefinite" restart="never" nodeType="tmRoot"/>
+      </p:par>
+    </p:tnLst>
+  </p:timing>
+</p:sld>
+</file>
+
+<file path=ppt/slides/slide16.xml><?xml version="1.0" encoding="utf-8"?>
+<p:sld xmlns:a="http://schemas.openxmlformats.org/drawingml/2006/main" xmlns:r="http://schemas.openxmlformats.org/officeDocument/2006/relationships" xmlns:p="http://schemas.openxmlformats.org/presentationml/2006/main">
+  <p:cSld>
+    <p:spTree>
+      <p:nvGrpSpPr>
+        <p:cNvPr id="1" name=""/>
+        <p:cNvGrpSpPr/>
+        <p:nvPr/>
+      </p:nvGrpSpPr>
+      <p:grpSpPr>
+        <a:xfrm>
+          <a:off x="0" y="0"/>
+          <a:ext cx="0" cy="0"/>
+          <a:chOff x="0" y="0"/>
+          <a:chExt cx="0" cy="0"/>
+        </a:xfrm>
+      </p:grpSpPr>
+      <p:sp>
+        <p:nvSpPr>
+          <p:cNvPr id="2" name="Titel 1"/>
+          <p:cNvSpPr>
+            <a:spLocks noGrp="1"/>
+          </p:cNvSpPr>
+          <p:nvPr>
+            <p:ph type="title"/>
+          </p:nvPr>
+        </p:nvSpPr>
+        <p:spPr/>
+        <p:txBody>
+          <a:bodyPr/>
+          <a:lstStyle/>
+          <a:p>
+            <a:r>
+              <a:rPr lang="de-AT" dirty="0" err="1" smtClean="0"/>
+              <a:t>Timebox</a:t>
+            </a:r>
+            <a:r>
+              <a:rPr lang="de-AT" dirty="0" smtClean="0"/>
+              <a:t> 2 Allgemein</a:t>
+            </a:r>
+            <a:endParaRPr lang="de-AT" dirty="0"/>
+          </a:p>
+        </p:txBody>
+      </p:sp>
+      <p:sp>
+        <p:nvSpPr>
+          <p:cNvPr id="3" name="Inhaltsplatzhalter 2"/>
+          <p:cNvSpPr>
+            <a:spLocks noGrp="1"/>
+          </p:cNvSpPr>
+          <p:nvPr>
+            <p:ph idx="1"/>
+          </p:nvPr>
+        </p:nvSpPr>
+        <p:spPr/>
+        <p:txBody>
+          <a:bodyPr/>
+          <a:lstStyle/>
+          <a:p>
+            <a:r>
+              <a:rPr lang="de-AT" dirty="0" smtClean="0"/>
+              <a:t>RMI</a:t>
+            </a:r>
+          </a:p>
+          <a:p>
+            <a:r>
+              <a:rPr lang="de-AT" dirty="0" smtClean="0"/>
+              <a:t>Sehr Aufwendig</a:t>
+            </a:r>
+          </a:p>
+          <a:p>
+            <a:r>
+              <a:rPr lang="de-AT" dirty="0" err="1" smtClean="0"/>
+              <a:t>Owlet</a:t>
+            </a:r>
+            <a:r>
+              <a:rPr lang="de-AT" dirty="0" smtClean="0"/>
+              <a:t>-GUI mit Pivot Framework</a:t>
+            </a:r>
+            <a:endParaRPr lang="de-AT" dirty="0"/>
+          </a:p>
+        </p:txBody>
+      </p:sp>
+      <p:sp>
+        <p:nvSpPr>
+          <p:cNvPr id="4" name="Fußzeilenplatzhalter 3"/>
+          <p:cNvSpPr>
+            <a:spLocks noGrp="1"/>
+          </p:cNvSpPr>
+          <p:nvPr>
+            <p:ph type="ftr" sz="quarter" idx="11"/>
+          </p:nvPr>
+        </p:nvSpPr>
+        <p:spPr/>
+        <p:txBody>
+          <a:bodyPr/>
+          <a:lstStyle/>
+          <a:p>
+            <a:r>
+              <a:rPr lang="de-AT" smtClean="0"/>
+              <a:t>Folie </a:t>
+            </a:r>
+            <a:endParaRPr lang="de-AT" dirty="0"/>
+          </a:p>
+        </p:txBody>
+      </p:sp>
+      <p:sp>
+        <p:nvSpPr>
+          <p:cNvPr id="5" name="Foliennummernplatzhalter 4"/>
+          <p:cNvSpPr>
+            <a:spLocks noGrp="1"/>
+          </p:cNvSpPr>
+          <p:nvPr>
+            <p:ph type="sldNum" sz="quarter" idx="12"/>
+          </p:nvPr>
+        </p:nvSpPr>
+        <p:spPr/>
+        <p:txBody>
+          <a:bodyPr/>
+          <a:lstStyle/>
+          <a:p>
+            <a:fld id="{7B21C6CE-1AB1-48B1-8D94-EA78B89DFF8A}" type="slidenum">
+              <a:rPr lang="de-AT" smtClean="0"/>
+              <a:t>16</a:t>
+            </a:fld>
+            <a:endParaRPr lang="de-AT" dirty="0"/>
+          </a:p>
+        </p:txBody>
+      </p:sp>
+    </p:spTree>
+    <p:extLst>
+      <p:ext uri="{BB962C8B-B14F-4D97-AF65-F5344CB8AC3E}">
+        <p14:creationId xmlns:p14="http://schemas.microsoft.com/office/powerpoint/2010/main" val="3260254528"/>
+      </p:ext>
+    </p:extLst>
+  </p:cSld>
+  <p:clrMapOvr>
+    <a:masterClrMapping/>
+  </p:clrMapOvr>
+  <mc:AlternateContent xmlns:mc="http://schemas.openxmlformats.org/markup-compatibility/2006">
+    <mc:Choice xmlns:p14="http://schemas.microsoft.com/office/powerpoint/2010/main" Requires="p14">
+      <p:transition spd="med" p14:dur="700">
+        <p:fade/>
+      </p:transition>
+    </mc:Choice>
+    <mc:Fallback>
+      <p:transition spd="med">
+        <p:fade/>
+      </p:transition>
+    </mc:Fallback>
+  </mc:AlternateContent>
+  <p:timing>
+    <p:tnLst>
+      <p:par>
+        <p:cTn id="1" dur="indefinite" restart="never" nodeType="tmRoot"/>
+      </p:par>
+    </p:tnLst>
+  </p:timing>
+</p:sld>
+</file>
+
+<file path=ppt/slides/slide17.xml><?xml version="1.0" encoding="utf-8"?>
+<p:sld xmlns:a="http://schemas.openxmlformats.org/drawingml/2006/main" xmlns:r="http://schemas.openxmlformats.org/officeDocument/2006/relationships" xmlns:p="http://schemas.openxmlformats.org/presentationml/2006/main">
+  <p:cSld>
+    <p:spTree>
+      <p:nvGrpSpPr>
+        <p:cNvPr id="1" name=""/>
+        <p:cNvGrpSpPr/>
+        <p:nvPr/>
+      </p:nvGrpSpPr>
+      <p:grpSpPr>
+        <a:xfrm>
+          <a:off x="0" y="0"/>
+          <a:ext cx="0" cy="0"/>
+          <a:chOff x="0" y="0"/>
+          <a:chExt cx="0" cy="0"/>
+        </a:xfrm>
+      </p:grpSpPr>
+      <p:sp>
+        <p:nvSpPr>
+          <p:cNvPr id="2" name="Titel 1"/>
+          <p:cNvSpPr>
+            <a:spLocks noGrp="1"/>
+          </p:cNvSpPr>
+          <p:nvPr>
+            <p:ph type="title"/>
+          </p:nvPr>
+        </p:nvSpPr>
+        <p:spPr/>
+        <p:txBody>
+          <a:bodyPr/>
+          <a:lstStyle/>
+          <a:p>
+            <a:r>
+              <a:rPr lang="de-AT" dirty="0" err="1" smtClean="0"/>
+              <a:t>Timebox</a:t>
+            </a:r>
+            <a:r>
+              <a:rPr lang="de-AT" dirty="0" smtClean="0"/>
+              <a:t> 2 </a:t>
+            </a:r>
+            <a:r>
+              <a:rPr lang="de-AT" dirty="0" err="1" smtClean="0"/>
+              <a:t>Usecases</a:t>
+            </a:r>
+            <a:endParaRPr lang="de-AT" dirty="0"/>
+          </a:p>
+        </p:txBody>
+      </p:sp>
+      <p:sp>
+        <p:nvSpPr>
+          <p:cNvPr id="3" name="Inhaltsplatzhalter 2"/>
+          <p:cNvSpPr>
+            <a:spLocks noGrp="1"/>
+          </p:cNvSpPr>
+          <p:nvPr>
+            <p:ph idx="1"/>
+          </p:nvPr>
+        </p:nvSpPr>
+        <p:spPr/>
+        <p:txBody>
+          <a:bodyPr/>
+          <a:lstStyle/>
+          <a:p>
+            <a:r>
+              <a:rPr lang="de-AT" dirty="0" smtClean="0"/>
+              <a:t>Suchen</a:t>
+            </a:r>
+          </a:p>
+          <a:p>
+            <a:r>
+              <a:rPr lang="de-AT" dirty="0" smtClean="0"/>
+              <a:t>Ausleihen</a:t>
+            </a:r>
+          </a:p>
+          <a:p>
+            <a:r>
+              <a:rPr lang="de-AT" dirty="0" smtClean="0"/>
+              <a:t>Rückgabe</a:t>
+            </a:r>
+          </a:p>
+          <a:p>
+            <a:r>
+              <a:rPr lang="de-AT" dirty="0" smtClean="0"/>
+              <a:t>Reservierung</a:t>
+            </a:r>
+          </a:p>
+          <a:p>
+            <a:r>
+              <a:rPr lang="de-AT" dirty="0" smtClean="0"/>
+              <a:t>Verlängern</a:t>
+            </a:r>
+          </a:p>
+          <a:p>
+            <a:pPr marL="0" indent="0">
+              <a:buNone/>
+            </a:pPr>
+            <a:endParaRPr lang="de-AT" dirty="0"/>
+          </a:p>
+        </p:txBody>
+      </p:sp>
+      <p:sp>
+        <p:nvSpPr>
+          <p:cNvPr id="4" name="Fußzeilenplatzhalter 3"/>
+          <p:cNvSpPr>
+            <a:spLocks noGrp="1"/>
+          </p:cNvSpPr>
+          <p:nvPr>
+            <p:ph type="ftr" sz="quarter" idx="11"/>
+          </p:nvPr>
+        </p:nvSpPr>
+        <p:spPr/>
+        <p:txBody>
+          <a:bodyPr/>
+          <a:lstStyle/>
+          <a:p>
+            <a:r>
+              <a:rPr lang="de-AT" smtClean="0"/>
+              <a:t>Folie </a:t>
+            </a:r>
+            <a:endParaRPr lang="de-AT" dirty="0"/>
+          </a:p>
+        </p:txBody>
+      </p:sp>
+      <p:sp>
+        <p:nvSpPr>
+          <p:cNvPr id="5" name="Foliennummernplatzhalter 4"/>
+          <p:cNvSpPr>
+            <a:spLocks noGrp="1"/>
+          </p:cNvSpPr>
+          <p:nvPr>
+            <p:ph type="sldNum" sz="quarter" idx="12"/>
+          </p:nvPr>
+        </p:nvSpPr>
+        <p:spPr/>
+        <p:txBody>
+          <a:bodyPr/>
+          <a:lstStyle/>
+          <a:p>
+            <a:fld id="{7B21C6CE-1AB1-48B1-8D94-EA78B89DFF8A}" type="slidenum">
+              <a:rPr lang="de-AT" smtClean="0"/>
+              <a:t>17</a:t>
+            </a:fld>
+            <a:endParaRPr lang="de-AT" dirty="0"/>
+          </a:p>
+        </p:txBody>
+      </p:sp>
+    </p:spTree>
+    <p:extLst>
+      <p:ext uri="{BB962C8B-B14F-4D97-AF65-F5344CB8AC3E}">
+        <p14:creationId xmlns:p14="http://schemas.microsoft.com/office/powerpoint/2010/main" val="1858648014"/>
+      </p:ext>
+    </p:extLst>
+  </p:cSld>
+  <p:clrMapOvr>
+    <a:masterClrMapping/>
+  </p:clrMapOvr>
+  <mc:AlternateContent xmlns:mc="http://schemas.openxmlformats.org/markup-compatibility/2006">
+    <mc:Choice xmlns:p14="http://schemas.microsoft.com/office/powerpoint/2010/main" Requires="p14">
+      <p:transition spd="med" p14:dur="700">
+        <p:fade/>
+      </p:transition>
+    </mc:Choice>
+    <mc:Fallback>
+      <p:transition spd="med">
+        <p:fade/>
+      </p:transition>
+    </mc:Fallback>
+  </mc:AlternateContent>
+</p:sld>
+</file>
+
+<file path=ppt/slides/slide18.xml><?xml version="1.0" encoding="utf-8"?>
+<p:sld xmlns:a="http://schemas.openxmlformats.org/drawingml/2006/main" xmlns:r="http://schemas.openxmlformats.org/officeDocument/2006/relationships" xmlns:p="http://schemas.openxmlformats.org/presentationml/2006/main">
+  <p:cSld>
+    <p:spTree>
+      <p:nvGrpSpPr>
+        <p:cNvPr id="1" name=""/>
+        <p:cNvGrpSpPr/>
+        <p:nvPr/>
+      </p:nvGrpSpPr>
+      <p:grpSpPr>
+        <a:xfrm>
+          <a:off x="0" y="0"/>
+          <a:ext cx="0" cy="0"/>
+          <a:chOff x="0" y="0"/>
+          <a:chExt cx="0" cy="0"/>
+        </a:xfrm>
+      </p:grpSpPr>
+      <p:sp>
+        <p:nvSpPr>
+          <p:cNvPr id="2" name="Titel 1"/>
+          <p:cNvSpPr>
+            <a:spLocks noGrp="1"/>
+          </p:cNvSpPr>
+          <p:nvPr>
+            <p:ph type="title"/>
+          </p:nvPr>
+        </p:nvSpPr>
+        <p:spPr/>
+        <p:txBody>
+          <a:bodyPr/>
+          <a:lstStyle/>
+          <a:p>
+            <a:endParaRPr lang="de-AT"/>
+          </a:p>
+        </p:txBody>
+      </p:sp>
+      <p:sp>
+        <p:nvSpPr>
+          <p:cNvPr id="3" name="Inhaltsplatzhalter 2"/>
+          <p:cNvSpPr>
+            <a:spLocks noGrp="1"/>
+          </p:cNvSpPr>
+          <p:nvPr>
+            <p:ph idx="1"/>
+          </p:nvPr>
+        </p:nvSpPr>
+        <p:spPr/>
+        <p:txBody>
+          <a:bodyPr/>
+          <a:lstStyle/>
+          <a:p>
+            <a:endParaRPr lang="de-AT"/>
+          </a:p>
+        </p:txBody>
+      </p:sp>
+      <p:sp>
+        <p:nvSpPr>
+          <p:cNvPr id="4" name="Fußzeilenplatzhalter 3"/>
+          <p:cNvSpPr>
+            <a:spLocks noGrp="1"/>
+          </p:cNvSpPr>
+          <p:nvPr>
+            <p:ph type="ftr" sz="quarter" idx="11"/>
+          </p:nvPr>
+        </p:nvSpPr>
+        <p:spPr/>
+        <p:txBody>
+          <a:bodyPr/>
+          <a:lstStyle/>
+          <a:p>
+            <a:r>
+              <a:rPr lang="de-AT" smtClean="0"/>
+              <a:t>Folie </a:t>
+            </a:r>
+            <a:endParaRPr lang="de-AT" dirty="0"/>
+          </a:p>
+        </p:txBody>
+      </p:sp>
+      <p:sp>
+        <p:nvSpPr>
+          <p:cNvPr id="5" name="Foliennummernplatzhalter 4"/>
+          <p:cNvSpPr>
+            <a:spLocks noGrp="1"/>
+          </p:cNvSpPr>
+          <p:nvPr>
+            <p:ph type="sldNum" sz="quarter" idx="12"/>
+          </p:nvPr>
+        </p:nvSpPr>
+        <p:spPr/>
+        <p:txBody>
+          <a:bodyPr/>
+          <a:lstStyle/>
+          <a:p>
+            <a:fld id="{7B21C6CE-1AB1-48B1-8D94-EA78B89DFF8A}" type="slidenum">
+              <a:rPr lang="de-AT" smtClean="0"/>
+              <a:t>18</a:t>
             </a:fld>
             <a:endParaRPr lang="de-AT" dirty="0"/>
           </a:p>
@@ -5919,10 +10801,22 @@
   <p:clrMapOvr>
     <a:masterClrMapping/>
   </p:clrMapOvr>
+  <mc:AlternateContent xmlns:mc="http://schemas.openxmlformats.org/markup-compatibility/2006">
+    <mc:Choice xmlns:p14="http://schemas.microsoft.com/office/powerpoint/2010/main" Requires="p14">
+      <p:transition spd="med" p14:dur="700">
+        <p:fade/>
+      </p:transition>
+    </mc:Choice>
+    <mc:Fallback>
+      <p:transition spd="med">
+        <p:fade/>
+      </p:transition>
+    </mc:Fallback>
+  </mc:AlternateContent>
 </p:sld>
 </file>
 
-<file path=ppt/slides/slide11.xml><?xml version="1.0" encoding="utf-8"?>
+<file path=ppt/slides/slide19.xml><?xml version="1.0" encoding="utf-8"?>
 <p:sld xmlns:a="http://schemas.openxmlformats.org/drawingml/2006/main" xmlns:r="http://schemas.openxmlformats.org/officeDocument/2006/relationships" xmlns:p="http://schemas.openxmlformats.org/presentationml/2006/main">
   <p:cSld>
     <p:spTree>
@@ -6017,7 +10911,7 @@
           <a:p>
             <a:fld id="{7B21C6CE-1AB1-48B1-8D94-EA78B89DFF8A}" type="slidenum">
               <a:rPr lang="de-AT" smtClean="0"/>
-              <a:t>11</a:t>
+              <a:t>19</a:t>
             </a:fld>
             <a:endParaRPr lang="de-AT" dirty="0"/>
           </a:p>
@@ -6076,10 +10970,22 @@
   <p:clrMapOvr>
     <a:masterClrMapping/>
   </p:clrMapOvr>
+  <mc:AlternateContent xmlns:mc="http://schemas.openxmlformats.org/markup-compatibility/2006">
+    <mc:Choice xmlns:p14="http://schemas.microsoft.com/office/powerpoint/2010/main" Requires="p14">
+      <p:transition spd="med" p14:dur="700">
+        <p:fade/>
+      </p:transition>
+    </mc:Choice>
+    <mc:Fallback>
+      <p:transition spd="med">
+        <p:fade/>
+      </p:transition>
+    </mc:Fallback>
+  </mc:AlternateContent>
 </p:sld>
 </file>
 
-<file path=ppt/slides/slide12.xml><?xml version="1.0" encoding="utf-8"?>
+<file path=ppt/slides/slide2.xml><?xml version="1.0" encoding="utf-8"?>
 <p:sld xmlns:a="http://schemas.openxmlformats.org/drawingml/2006/main" xmlns:r="http://schemas.openxmlformats.org/officeDocument/2006/relationships" xmlns:p="http://schemas.openxmlformats.org/presentationml/2006/main">
   <p:cSld>
     <p:spTree>
@@ -6112,12 +11018,20 @@
           <a:lstStyle/>
           <a:p>
             <a:r>
+              <a:rPr lang="de-AT" dirty="0" smtClean="0"/>
+              <a:t>Einführung </a:t>
+            </a:r>
+            <a:r>
               <a:rPr lang="de-AT" dirty="0" err="1" smtClean="0"/>
-              <a:t>Timebox</a:t>
+              <a:t>Owl</a:t>
             </a:r>
             <a:r>
               <a:rPr lang="de-AT" dirty="0" smtClean="0"/>
-              <a:t> 3 LDAP</a:t>
+              <a:t>/</a:t>
+            </a:r>
+            <a:r>
+              <a:rPr lang="de-AT" dirty="0" err="1" smtClean="0"/>
+              <a:t>Owlet</a:t>
             </a:r>
             <a:endParaRPr lang="de-AT" dirty="0"/>
           </a:p>
@@ -6140,81 +11054,61 @@
           <a:p>
             <a:r>
               <a:rPr lang="de-AT" dirty="0" smtClean="0"/>
-              <a:t>Ablauf</a:t>
-            </a:r>
-          </a:p>
-          <a:p>
-            <a:pPr marL="800100" lvl="1" indent="-342900">
-              <a:buFont typeface="+mj-lt"/>
-              <a:buAutoNum type="arabicPeriod"/>
-            </a:pPr>
+              <a:t>Server/Client Architektur</a:t>
+            </a:r>
+          </a:p>
+          <a:p>
             <a:r>
               <a:rPr lang="de-AT" dirty="0" smtClean="0"/>
-              <a:t>Login</a:t>
-            </a:r>
-          </a:p>
-          <a:p>
-            <a:pPr marL="800100" lvl="1" indent="-342900">
-              <a:buFont typeface="+mj-lt"/>
-              <a:buAutoNum type="arabicPeriod"/>
-            </a:pPr>
+              <a:t>Büchereisystem</a:t>
+            </a:r>
+          </a:p>
+          <a:p>
+            <a:pPr lvl="1"/>
             <a:r>
               <a:rPr lang="de-AT" dirty="0" smtClean="0"/>
-              <a:t>Überprüfung in eigener Datenbank</a:t>
-            </a:r>
-          </a:p>
-          <a:p>
-            <a:pPr marL="800100" lvl="1" indent="-342900">
-              <a:buFont typeface="+mj-lt"/>
-              <a:buAutoNum type="arabicPeriod"/>
-            </a:pPr>
+              <a:t>Bücher</a:t>
+            </a:r>
+          </a:p>
+          <a:p>
+            <a:pPr lvl="1"/>
             <a:r>
               <a:rPr lang="de-AT" dirty="0" smtClean="0"/>
-              <a:t>Überprüfung in LDAP Datenbank</a:t>
-            </a:r>
-          </a:p>
-          <a:p>
-            <a:pPr marL="800100" lvl="1" indent="-342900">
-              <a:buFont typeface="+mj-lt"/>
-              <a:buAutoNum type="arabicPeriod"/>
-            </a:pPr>
-            <a:endParaRPr lang="de-AT" dirty="0"/>
-          </a:p>
-          <a:p>
-            <a:pPr marL="400050"/>
+              <a:t>Magazine</a:t>
+            </a:r>
+          </a:p>
+          <a:p>
+            <a:pPr lvl="1"/>
+            <a:r>
+              <a:rPr lang="de-AT" dirty="0" err="1" smtClean="0"/>
+              <a:t>CD‘s</a:t>
+            </a:r>
+            <a:endParaRPr lang="de-AT" dirty="0" smtClean="0"/>
+          </a:p>
+          <a:p>
+            <a:pPr lvl="1"/>
+            <a:r>
+              <a:rPr lang="de-AT" dirty="0" err="1" smtClean="0"/>
+              <a:t>DVD‘s</a:t>
+            </a:r>
+            <a:endParaRPr lang="de-AT" dirty="0" smtClean="0"/>
+          </a:p>
+          <a:p>
+            <a:pPr lvl="1"/>
             <a:r>
               <a:rPr lang="de-AT" dirty="0" smtClean="0"/>
-              <a:t>Probleme</a:t>
-            </a:r>
-          </a:p>
-          <a:p>
-            <a:pPr marL="800100" lvl="1"/>
-            <a:r>
-              <a:rPr lang="de-AT" dirty="0" smtClean="0"/>
-              <a:t>Bei zu vielen Anfragen bekommt man keine Verbindung zu LDAP</a:t>
-            </a:r>
-          </a:p>
-          <a:p>
-            <a:pPr marL="800100" lvl="1"/>
-            <a:r>
-              <a:rPr lang="de-AT" dirty="0" smtClean="0"/>
-              <a:t>Keine Benutzerverwaltung</a:t>
-            </a:r>
-          </a:p>
-          <a:p>
-            <a:pPr marL="971550" lvl="2" indent="0">
-              <a:buNone/>
-            </a:pPr>
-            <a:r>
-              <a:rPr lang="de-AT" dirty="0" smtClean="0"/>
-              <a:t>Jeder Benutzer bekommt alle Rechte</a:t>
-            </a:r>
-          </a:p>
-        </p:txBody>
-      </p:sp>
-      <p:sp>
-        <p:nvSpPr>
-          <p:cNvPr id="4" name="Fußzeilenplatzhalter 3"/>
+              <a:t>…</a:t>
+            </a:r>
+          </a:p>
+          <a:p>
+            <a:pPr lvl="1"/>
+            <a:endParaRPr lang="de-AT" dirty="0" smtClean="0"/>
+          </a:p>
+        </p:txBody>
+      </p:sp>
+      <p:sp>
+        <p:nvSpPr>
+          <p:cNvPr id="7" name="Fußzeilenplatzhalter 6"/>
           <p:cNvSpPr>
             <a:spLocks noGrp="1"/>
           </p:cNvSpPr>
@@ -6231,13 +11125,13 @@
               <a:rPr lang="de-AT" smtClean="0"/>
               <a:t>Folie </a:t>
             </a:r>
-            <a:endParaRPr lang="de-AT" dirty="0"/>
-          </a:p>
-        </p:txBody>
-      </p:sp>
-      <p:sp>
-        <p:nvSpPr>
-          <p:cNvPr id="5" name="Foliennummernplatzhalter 4"/>
+            <a:endParaRPr lang="de-AT"/>
+          </a:p>
+        </p:txBody>
+      </p:sp>
+      <p:sp>
+        <p:nvSpPr>
+          <p:cNvPr id="6" name="Foliennummernplatzhalter 5"/>
           <p:cNvSpPr>
             <a:spLocks noGrp="1"/>
           </p:cNvSpPr>
@@ -6252,463 +11146,15 @@
           <a:p>
             <a:fld id="{7B21C6CE-1AB1-48B1-8D94-EA78B89DFF8A}" type="slidenum">
               <a:rPr lang="de-AT" smtClean="0"/>
-              <a:t>12</a:t>
+              <a:t>2</a:t>
             </a:fld>
-            <a:endParaRPr lang="de-AT" dirty="0"/>
-          </a:p>
-        </p:txBody>
-      </p:sp>
-    </p:spTree>
-    <p:extLst>
-      <p:ext uri="{BB962C8B-B14F-4D97-AF65-F5344CB8AC3E}">
-        <p14:creationId xmlns:p14="http://schemas.microsoft.com/office/powerpoint/2010/main" val="1132233473"/>
-      </p:ext>
-    </p:extLst>
-  </p:cSld>
-  <p:clrMapOvr>
-    <a:masterClrMapping/>
-  </p:clrMapOvr>
-</p:sld>
-</file>
-
-<file path=ppt/slides/slide13.xml><?xml version="1.0" encoding="utf-8"?>
-<p:sld xmlns:a="http://schemas.openxmlformats.org/drawingml/2006/main" xmlns:r="http://schemas.openxmlformats.org/officeDocument/2006/relationships" xmlns:p="http://schemas.openxmlformats.org/presentationml/2006/main">
-  <p:cSld>
-    <p:spTree>
-      <p:nvGrpSpPr>
-        <p:cNvPr id="1" name=""/>
-        <p:cNvGrpSpPr/>
-        <p:nvPr/>
-      </p:nvGrpSpPr>
-      <p:grpSpPr>
-        <a:xfrm>
-          <a:off x="0" y="0"/>
-          <a:ext cx="0" cy="0"/>
-          <a:chOff x="0" y="0"/>
-          <a:chExt cx="0" cy="0"/>
-        </a:xfrm>
-      </p:grpSpPr>
-      <p:sp>
-        <p:nvSpPr>
-          <p:cNvPr id="2" name="Titel 1"/>
-          <p:cNvSpPr>
-            <a:spLocks noGrp="1"/>
-          </p:cNvSpPr>
-          <p:nvPr>
-            <p:ph type="title"/>
-          </p:nvPr>
-        </p:nvSpPr>
-        <p:spPr/>
-        <p:txBody>
-          <a:bodyPr/>
-          <a:lstStyle/>
-          <a:p>
-            <a:r>
-              <a:rPr lang="de-AT" dirty="0" err="1" smtClean="0"/>
-              <a:t>Timebox</a:t>
-            </a:r>
-            <a:r>
-              <a:rPr lang="de-AT" dirty="0" smtClean="0"/>
-              <a:t> 4 </a:t>
-            </a:r>
-            <a:r>
-              <a:rPr lang="de-AT" dirty="0" err="1" smtClean="0"/>
-              <a:t>Corba</a:t>
-            </a:r>
-            <a:endParaRPr lang="de-AT" dirty="0"/>
-          </a:p>
-        </p:txBody>
-      </p:sp>
-      <p:sp>
-        <p:nvSpPr>
-          <p:cNvPr id="3" name="Inhaltsplatzhalter 2"/>
-          <p:cNvSpPr>
-            <a:spLocks noGrp="1"/>
-          </p:cNvSpPr>
-          <p:nvPr>
-            <p:ph idx="1"/>
-          </p:nvPr>
-        </p:nvSpPr>
-        <p:spPr/>
-        <p:txBody>
-          <a:bodyPr/>
-          <a:lstStyle/>
-          <a:p>
-            <a:r>
-              <a:rPr lang="de-AT" dirty="0" smtClean="0"/>
-              <a:t>Zu Komplexe Klassenstruktur</a:t>
-            </a:r>
-          </a:p>
-          <a:p>
-            <a:r>
-              <a:rPr lang="de-AT" dirty="0" smtClean="0"/>
-              <a:t>Umständliche Generierung von IDL Dateien</a:t>
-            </a:r>
-          </a:p>
-          <a:p>
-            <a:endParaRPr lang="de-AT" dirty="0"/>
-          </a:p>
-          <a:p>
-            <a:r>
-              <a:rPr lang="de-AT" dirty="0" smtClean="0"/>
-              <a:t>Client</a:t>
-            </a:r>
-          </a:p>
-          <a:p>
-            <a:pPr lvl="1"/>
-            <a:r>
-              <a:rPr lang="de-AT" dirty="0" smtClean="0"/>
-              <a:t>Unit Test</a:t>
-            </a:r>
-          </a:p>
-          <a:p>
-            <a:pPr lvl="1"/>
-            <a:r>
-              <a:rPr lang="de-AT" dirty="0" smtClean="0"/>
-              <a:t>Konsolen Ausgabe</a:t>
-            </a:r>
-            <a:endParaRPr lang="de-AT" dirty="0"/>
-          </a:p>
-        </p:txBody>
-      </p:sp>
-      <p:sp>
-        <p:nvSpPr>
-          <p:cNvPr id="4" name="Fußzeilenplatzhalter 3"/>
-          <p:cNvSpPr>
-            <a:spLocks noGrp="1"/>
-          </p:cNvSpPr>
-          <p:nvPr>
-            <p:ph type="ftr" sz="quarter" idx="11"/>
-          </p:nvPr>
-        </p:nvSpPr>
-        <p:spPr/>
-        <p:txBody>
-          <a:bodyPr/>
-          <a:lstStyle/>
-          <a:p>
-            <a:r>
-              <a:rPr lang="de-AT" smtClean="0"/>
-              <a:t>Folie </a:t>
-            </a:r>
-            <a:endParaRPr lang="de-AT" dirty="0"/>
-          </a:p>
-        </p:txBody>
-      </p:sp>
-      <p:sp>
-        <p:nvSpPr>
-          <p:cNvPr id="5" name="Foliennummernplatzhalter 4"/>
-          <p:cNvSpPr>
-            <a:spLocks noGrp="1"/>
-          </p:cNvSpPr>
-          <p:nvPr>
-            <p:ph type="sldNum" sz="quarter" idx="12"/>
-          </p:nvPr>
-        </p:nvSpPr>
-        <p:spPr/>
-        <p:txBody>
-          <a:bodyPr/>
-          <a:lstStyle/>
-          <a:p>
-            <a:fld id="{7B21C6CE-1AB1-48B1-8D94-EA78B89DFF8A}" type="slidenum">
-              <a:rPr lang="de-AT" smtClean="0"/>
-              <a:t>13</a:t>
-            </a:fld>
-            <a:endParaRPr lang="de-AT" dirty="0"/>
-          </a:p>
-        </p:txBody>
-      </p:sp>
-    </p:spTree>
-    <p:extLst>
-      <p:ext uri="{BB962C8B-B14F-4D97-AF65-F5344CB8AC3E}">
-        <p14:creationId xmlns:p14="http://schemas.microsoft.com/office/powerpoint/2010/main" val="2559676884"/>
-      </p:ext>
-    </p:extLst>
-  </p:cSld>
-  <p:clrMapOvr>
-    <a:masterClrMapping/>
-  </p:clrMapOvr>
-</p:sld>
-</file>
-
-<file path=ppt/slides/slide14.xml><?xml version="1.0" encoding="utf-8"?>
-<p:sld xmlns:a="http://schemas.openxmlformats.org/drawingml/2006/main" xmlns:r="http://schemas.openxmlformats.org/officeDocument/2006/relationships" xmlns:p="http://schemas.openxmlformats.org/presentationml/2006/main">
-  <p:cSld>
-    <p:spTree>
-      <p:nvGrpSpPr>
-        <p:cNvPr id="1" name=""/>
-        <p:cNvGrpSpPr/>
-        <p:nvPr/>
-      </p:nvGrpSpPr>
-      <p:grpSpPr>
-        <a:xfrm>
-          <a:off x="0" y="0"/>
-          <a:ext cx="0" cy="0"/>
-          <a:chOff x="0" y="0"/>
-          <a:chExt cx="0" cy="0"/>
-        </a:xfrm>
-      </p:grpSpPr>
-      <p:sp>
-        <p:nvSpPr>
-          <p:cNvPr id="2" name="Titel 1"/>
-          <p:cNvSpPr>
-            <a:spLocks noGrp="1"/>
-          </p:cNvSpPr>
-          <p:nvPr>
-            <p:ph type="title"/>
-          </p:nvPr>
-        </p:nvSpPr>
-        <p:spPr/>
-        <p:txBody>
-          <a:bodyPr/>
-          <a:lstStyle/>
-          <a:p>
-            <a:r>
-              <a:rPr lang="de-AT" dirty="0" err="1" smtClean="0"/>
-              <a:t>Timebox</a:t>
-            </a:r>
-            <a:r>
-              <a:rPr lang="de-AT" dirty="0" smtClean="0"/>
-              <a:t> 5 Messaging</a:t>
-            </a:r>
-            <a:endParaRPr lang="de-AT" dirty="0"/>
-          </a:p>
-        </p:txBody>
-      </p:sp>
-      <p:sp>
-        <p:nvSpPr>
-          <p:cNvPr id="3" name="Inhaltsplatzhalter 2"/>
-          <p:cNvSpPr>
-            <a:spLocks noGrp="1"/>
-          </p:cNvSpPr>
-          <p:nvPr>
-            <p:ph idx="1"/>
-          </p:nvPr>
-        </p:nvSpPr>
-        <p:spPr/>
-        <p:txBody>
-          <a:bodyPr/>
-          <a:lstStyle/>
-          <a:p>
-            <a:r>
-              <a:rPr lang="de-AT" dirty="0" smtClean="0"/>
-              <a:t>Baut auf bestehende API auf</a:t>
-            </a:r>
-          </a:p>
-          <a:p>
-            <a:r>
-              <a:rPr lang="de-AT" dirty="0" err="1" smtClean="0"/>
-              <a:t>Glassfish</a:t>
-            </a:r>
-            <a:endParaRPr lang="de-AT" dirty="0" smtClean="0"/>
-          </a:p>
-          <a:p>
-            <a:r>
-              <a:rPr lang="de-AT" dirty="0" smtClean="0"/>
-              <a:t>Nur User mit der Rolle Operator</a:t>
-            </a:r>
-          </a:p>
-          <a:p>
-            <a:pPr lvl="1"/>
-            <a:r>
-              <a:rPr lang="de-AT" dirty="0" smtClean="0"/>
-              <a:t>Wird anhand des Namen ermittelt</a:t>
-            </a:r>
-          </a:p>
-          <a:p>
-            <a:r>
-              <a:rPr lang="de-AT" dirty="0" smtClean="0"/>
-              <a:t>Statusnachrichten</a:t>
-            </a:r>
-          </a:p>
-          <a:p>
-            <a:r>
-              <a:rPr lang="de-AT" dirty="0" smtClean="0"/>
-              <a:t>Topic</a:t>
-            </a:r>
-          </a:p>
-          <a:p>
-            <a:pPr lvl="1"/>
-            <a:r>
-              <a:rPr lang="de-AT" dirty="0" smtClean="0"/>
-              <a:t>Mehrere Benutzer bekommen aufgaben</a:t>
-            </a:r>
-          </a:p>
-          <a:p>
-            <a:pPr lvl="1"/>
-            <a:r>
-              <a:rPr lang="de-AT" dirty="0" smtClean="0"/>
-              <a:t>Benutzer können Aufgaben reservieren</a:t>
-            </a:r>
-          </a:p>
-          <a:p>
-            <a:pPr lvl="1"/>
-            <a:endParaRPr lang="de-AT" dirty="0" smtClean="0"/>
-          </a:p>
-        </p:txBody>
-      </p:sp>
-      <p:sp>
-        <p:nvSpPr>
-          <p:cNvPr id="4" name="Fußzeilenplatzhalter 3"/>
-          <p:cNvSpPr>
-            <a:spLocks noGrp="1"/>
-          </p:cNvSpPr>
-          <p:nvPr>
-            <p:ph type="ftr" sz="quarter" idx="11"/>
-          </p:nvPr>
-        </p:nvSpPr>
-        <p:spPr/>
-        <p:txBody>
-          <a:bodyPr/>
-          <a:lstStyle/>
-          <a:p>
-            <a:r>
-              <a:rPr lang="de-AT" smtClean="0"/>
-              <a:t>Folie </a:t>
-            </a:r>
-            <a:endParaRPr lang="de-AT" dirty="0"/>
-          </a:p>
-        </p:txBody>
-      </p:sp>
-      <p:sp>
-        <p:nvSpPr>
-          <p:cNvPr id="5" name="Foliennummernplatzhalter 4"/>
-          <p:cNvSpPr>
-            <a:spLocks noGrp="1"/>
-          </p:cNvSpPr>
-          <p:nvPr>
-            <p:ph type="sldNum" sz="quarter" idx="12"/>
-          </p:nvPr>
-        </p:nvSpPr>
-        <p:spPr/>
-        <p:txBody>
-          <a:bodyPr/>
-          <a:lstStyle/>
-          <a:p>
-            <a:fld id="{7B21C6CE-1AB1-48B1-8D94-EA78B89DFF8A}" type="slidenum">
-              <a:rPr lang="de-AT" smtClean="0"/>
-              <a:t>14</a:t>
-            </a:fld>
-            <a:endParaRPr lang="de-AT" dirty="0"/>
-          </a:p>
-        </p:txBody>
-      </p:sp>
-    </p:spTree>
-    <p:extLst>
-      <p:ext uri="{BB962C8B-B14F-4D97-AF65-F5344CB8AC3E}">
-        <p14:creationId xmlns:p14="http://schemas.microsoft.com/office/powerpoint/2010/main" val="3934407267"/>
-      </p:ext>
-    </p:extLst>
-  </p:cSld>
-  <p:clrMapOvr>
-    <a:masterClrMapping/>
-  </p:clrMapOvr>
-</p:sld>
-</file>
-
-<file path=ppt/slides/slide15.xml><?xml version="1.0" encoding="utf-8"?>
-<p:sld xmlns:a="http://schemas.openxmlformats.org/drawingml/2006/main" xmlns:r="http://schemas.openxmlformats.org/officeDocument/2006/relationships" xmlns:p="http://schemas.openxmlformats.org/presentationml/2006/main">
-  <p:cSld>
-    <p:spTree>
-      <p:nvGrpSpPr>
-        <p:cNvPr id="1" name=""/>
-        <p:cNvGrpSpPr/>
-        <p:nvPr/>
-      </p:nvGrpSpPr>
-      <p:grpSpPr>
-        <a:xfrm>
-          <a:off x="0" y="0"/>
-          <a:ext cx="0" cy="0"/>
-          <a:chOff x="0" y="0"/>
-          <a:chExt cx="0" cy="0"/>
-        </a:xfrm>
-      </p:grpSpPr>
-      <p:sp>
-        <p:nvSpPr>
-          <p:cNvPr id="2" name="Titel 1"/>
-          <p:cNvSpPr>
-            <a:spLocks noGrp="1"/>
-          </p:cNvSpPr>
-          <p:nvPr>
-            <p:ph type="title"/>
-          </p:nvPr>
-        </p:nvSpPr>
-        <p:spPr/>
-        <p:txBody>
-          <a:bodyPr/>
-          <a:lstStyle/>
-          <a:p>
             <a:endParaRPr lang="de-AT"/>
-          </a:p>
-        </p:txBody>
-      </p:sp>
-      <p:sp>
-        <p:nvSpPr>
-          <p:cNvPr id="3" name="Inhaltsplatzhalter 2"/>
-          <p:cNvSpPr>
-            <a:spLocks noGrp="1"/>
-          </p:cNvSpPr>
-          <p:nvPr>
-            <p:ph idx="1"/>
-          </p:nvPr>
-        </p:nvSpPr>
-        <p:spPr/>
-        <p:txBody>
-          <a:bodyPr/>
-          <a:lstStyle/>
-          <a:p>
-            <a:endParaRPr lang="de-AT"/>
-          </a:p>
-        </p:txBody>
-      </p:sp>
-      <p:sp>
-        <p:nvSpPr>
-          <p:cNvPr id="4" name="Fußzeilenplatzhalter 3"/>
-          <p:cNvSpPr>
-            <a:spLocks noGrp="1"/>
-          </p:cNvSpPr>
-          <p:nvPr>
-            <p:ph type="ftr" sz="quarter" idx="11"/>
-          </p:nvPr>
-        </p:nvSpPr>
-        <p:spPr/>
-        <p:txBody>
-          <a:bodyPr/>
-          <a:lstStyle/>
-          <a:p>
-            <a:r>
-              <a:rPr lang="de-AT" smtClean="0"/>
-              <a:t>Folie </a:t>
-            </a:r>
-            <a:endParaRPr lang="de-AT" dirty="0"/>
-          </a:p>
-        </p:txBody>
-      </p:sp>
-      <p:sp>
-        <p:nvSpPr>
-          <p:cNvPr id="5" name="Foliennummernplatzhalter 4"/>
-          <p:cNvSpPr>
-            <a:spLocks noGrp="1"/>
-          </p:cNvSpPr>
-          <p:nvPr>
-            <p:ph type="sldNum" sz="quarter" idx="12"/>
-          </p:nvPr>
-        </p:nvSpPr>
-        <p:spPr/>
-        <p:txBody>
-          <a:bodyPr/>
-          <a:lstStyle/>
-          <a:p>
-            <a:fld id="{7B21C6CE-1AB1-48B1-8D94-EA78B89DFF8A}" type="slidenum">
-              <a:rPr lang="de-AT" smtClean="0"/>
-              <a:t>15</a:t>
-            </a:fld>
-            <a:endParaRPr lang="de-AT" dirty="0"/>
           </a:p>
         </p:txBody>
       </p:sp>
       <p:pic>
         <p:nvPicPr>
-          <p:cNvPr id="1026" name="Picture 2" descr="C:\Users\Manuel\Documents\uni\semester 5\workspace\OwlSoft\documentation\AblaufMessaging.jpg"/>
+          <p:cNvPr id="1030" name="Picture 6" descr="C:\Users\Manuel\Documents\uni\semester 5\workspace\OwlSoft\images\owl_150.png"/>
           <p:cNvPicPr>
             <a:picLocks noChangeAspect="1" noChangeArrowheads="1"/>
           </p:cNvPicPr>
@@ -6729,8 +11175,785 @@
         </p:blipFill>
         <p:spPr bwMode="auto">
           <a:xfrm>
-            <a:off x="-1" y="-17388"/>
-            <a:ext cx="9095653" cy="6875388"/>
+            <a:off x="1979712" y="4227806"/>
+            <a:ext cx="1203325" cy="1131887"/>
+          </a:xfrm>
+          <a:prstGeom prst="rect">
+            <a:avLst/>
+          </a:prstGeom>
+          <a:noFill/>
+          <a:extLst>
+            <a:ext uri="{909E8E84-426E-40DD-AFC4-6F175D3DCCD1}">
+              <a14:hiddenFill xmlns:a14="http://schemas.microsoft.com/office/drawing/2010/main">
+                <a:solidFill>
+                  <a:srgbClr val="FFFFFF"/>
+                </a:solidFill>
+              </a14:hiddenFill>
+            </a:ext>
+          </a:extLst>
+        </p:spPr>
+      </p:pic>
+      <p:pic>
+        <p:nvPicPr>
+          <p:cNvPr id="1031" name="Picture 7" descr="C:\Users\Manuel\Documents\uni\semester 5\workspace\OwlSoft\images\owlet_150.png"/>
+          <p:cNvPicPr>
+            <a:picLocks noChangeAspect="1" noChangeArrowheads="1"/>
+          </p:cNvPicPr>
+          <p:nvPr/>
+        </p:nvPicPr>
+        <p:blipFill>
+          <a:blip r:embed="rId4">
+            <a:extLst>
+              <a:ext uri="{28A0092B-C50C-407E-A947-70E740481C1C}">
+                <a14:useLocalDpi xmlns:a14="http://schemas.microsoft.com/office/drawing/2010/main" val="0"/>
+              </a:ext>
+            </a:extLst>
+          </a:blip>
+          <a:srcRect/>
+          <a:stretch>
+            <a:fillRect/>
+          </a:stretch>
+        </p:blipFill>
+        <p:spPr bwMode="auto">
+          <a:xfrm>
+            <a:off x="4830738" y="4187334"/>
+            <a:ext cx="1525588" cy="1525587"/>
+          </a:xfrm>
+          <a:prstGeom prst="rect">
+            <a:avLst/>
+          </a:prstGeom>
+          <a:noFill/>
+          <a:extLst>
+            <a:ext uri="{909E8E84-426E-40DD-AFC4-6F175D3DCCD1}">
+              <a14:hiddenFill xmlns:a14="http://schemas.microsoft.com/office/drawing/2010/main">
+                <a:solidFill>
+                  <a:srgbClr val="FFFFFF"/>
+                </a:solidFill>
+              </a14:hiddenFill>
+            </a:ext>
+          </a:extLst>
+        </p:spPr>
+      </p:pic>
+    </p:spTree>
+    <p:extLst>
+      <p:ext uri="{BB962C8B-B14F-4D97-AF65-F5344CB8AC3E}">
+        <p14:creationId xmlns:p14="http://schemas.microsoft.com/office/powerpoint/2010/main" val="1594087535"/>
+      </p:ext>
+    </p:extLst>
+  </p:cSld>
+  <p:clrMapOvr>
+    <a:masterClrMapping/>
+  </p:clrMapOvr>
+  <mc:AlternateContent xmlns:mc="http://schemas.openxmlformats.org/markup-compatibility/2006">
+    <mc:Choice xmlns:p14="http://schemas.microsoft.com/office/powerpoint/2010/main" Requires="p14">
+      <p:transition spd="med" p14:dur="700">
+        <p:fade/>
+      </p:transition>
+    </mc:Choice>
+    <mc:Fallback>
+      <p:transition spd="med">
+        <p:fade/>
+      </p:transition>
+    </mc:Fallback>
+  </mc:AlternateContent>
+  <p:timing>
+    <p:tnLst>
+      <p:par>
+        <p:cTn id="1" dur="indefinite" restart="never" nodeType="tmRoot"/>
+      </p:par>
+    </p:tnLst>
+  </p:timing>
+</p:sld>
+</file>
+
+<file path=ppt/slides/slide20.xml><?xml version="1.0" encoding="utf-8"?>
+<p:sld xmlns:a="http://schemas.openxmlformats.org/drawingml/2006/main" xmlns:r="http://schemas.openxmlformats.org/officeDocument/2006/relationships" xmlns:p="http://schemas.openxmlformats.org/presentationml/2006/main">
+  <p:cSld>
+    <p:spTree>
+      <p:nvGrpSpPr>
+        <p:cNvPr id="1" name=""/>
+        <p:cNvGrpSpPr/>
+        <p:nvPr/>
+      </p:nvGrpSpPr>
+      <p:grpSpPr>
+        <a:xfrm>
+          <a:off x="0" y="0"/>
+          <a:ext cx="0" cy="0"/>
+          <a:chOff x="0" y="0"/>
+          <a:chExt cx="0" cy="0"/>
+        </a:xfrm>
+      </p:grpSpPr>
+      <p:sp>
+        <p:nvSpPr>
+          <p:cNvPr id="2" name="Titel 1"/>
+          <p:cNvSpPr>
+            <a:spLocks noGrp="1"/>
+          </p:cNvSpPr>
+          <p:nvPr>
+            <p:ph type="title"/>
+          </p:nvPr>
+        </p:nvSpPr>
+        <p:spPr/>
+        <p:txBody>
+          <a:bodyPr/>
+          <a:lstStyle/>
+          <a:p>
+            <a:r>
+              <a:rPr lang="de-AT" dirty="0" err="1" smtClean="0"/>
+              <a:t>Timebox</a:t>
+            </a:r>
+            <a:r>
+              <a:rPr lang="de-AT" dirty="0" smtClean="0"/>
+              <a:t> 3 LDAP</a:t>
+            </a:r>
+            <a:endParaRPr lang="de-AT" dirty="0"/>
+          </a:p>
+        </p:txBody>
+      </p:sp>
+      <p:sp>
+        <p:nvSpPr>
+          <p:cNvPr id="3" name="Inhaltsplatzhalter 2"/>
+          <p:cNvSpPr>
+            <a:spLocks noGrp="1"/>
+          </p:cNvSpPr>
+          <p:nvPr>
+            <p:ph idx="1"/>
+          </p:nvPr>
+        </p:nvSpPr>
+        <p:spPr/>
+        <p:txBody>
+          <a:bodyPr/>
+          <a:lstStyle/>
+          <a:p>
+            <a:r>
+              <a:rPr lang="de-AT" dirty="0" smtClean="0"/>
+              <a:t>Ablauf</a:t>
+            </a:r>
+          </a:p>
+          <a:p>
+            <a:pPr marL="800100" lvl="1" indent="-342900">
+              <a:buFont typeface="+mj-lt"/>
+              <a:buAutoNum type="arabicPeriod"/>
+            </a:pPr>
+            <a:r>
+              <a:rPr lang="de-AT" dirty="0" smtClean="0"/>
+              <a:t>Login</a:t>
+            </a:r>
+          </a:p>
+          <a:p>
+            <a:pPr marL="800100" lvl="1" indent="-342900">
+              <a:buFont typeface="+mj-lt"/>
+              <a:buAutoNum type="arabicPeriod"/>
+            </a:pPr>
+            <a:r>
+              <a:rPr lang="de-AT" dirty="0" smtClean="0"/>
+              <a:t>Überprüfung in eigener Datenbank</a:t>
+            </a:r>
+          </a:p>
+          <a:p>
+            <a:pPr marL="800100" lvl="1" indent="-342900">
+              <a:buFont typeface="+mj-lt"/>
+              <a:buAutoNum type="arabicPeriod"/>
+            </a:pPr>
+            <a:r>
+              <a:rPr lang="de-AT" dirty="0" smtClean="0"/>
+              <a:t>Überprüfung in LDAP Datenbank</a:t>
+            </a:r>
+          </a:p>
+          <a:p>
+            <a:pPr marL="800100" lvl="1" indent="-342900">
+              <a:buFont typeface="+mj-lt"/>
+              <a:buAutoNum type="arabicPeriod"/>
+            </a:pPr>
+            <a:endParaRPr lang="de-AT" dirty="0"/>
+          </a:p>
+          <a:p>
+            <a:pPr marL="400050"/>
+            <a:r>
+              <a:rPr lang="de-AT" dirty="0" smtClean="0"/>
+              <a:t>Probleme</a:t>
+            </a:r>
+          </a:p>
+          <a:p>
+            <a:pPr marL="800100" lvl="1"/>
+            <a:r>
+              <a:rPr lang="de-AT" dirty="0" smtClean="0"/>
+              <a:t>Bei zu vielen Anfragen bekommt man keine Verbindung zu LDAP</a:t>
+            </a:r>
+          </a:p>
+          <a:p>
+            <a:pPr marL="800100" lvl="1"/>
+            <a:r>
+              <a:rPr lang="de-AT" dirty="0" smtClean="0"/>
+              <a:t>Keine Benutzerverwaltung</a:t>
+            </a:r>
+          </a:p>
+          <a:p>
+            <a:pPr marL="971550" lvl="2" indent="0">
+              <a:buNone/>
+            </a:pPr>
+            <a:r>
+              <a:rPr lang="de-AT" dirty="0" smtClean="0"/>
+              <a:t>Jeder Benutzer bekommt alle Rechte</a:t>
+            </a:r>
+          </a:p>
+        </p:txBody>
+      </p:sp>
+      <p:sp>
+        <p:nvSpPr>
+          <p:cNvPr id="4" name="Fußzeilenplatzhalter 3"/>
+          <p:cNvSpPr>
+            <a:spLocks noGrp="1"/>
+          </p:cNvSpPr>
+          <p:nvPr>
+            <p:ph type="ftr" sz="quarter" idx="11"/>
+          </p:nvPr>
+        </p:nvSpPr>
+        <p:spPr/>
+        <p:txBody>
+          <a:bodyPr/>
+          <a:lstStyle/>
+          <a:p>
+            <a:r>
+              <a:rPr lang="de-AT" smtClean="0"/>
+              <a:t>Folie </a:t>
+            </a:r>
+            <a:endParaRPr lang="de-AT" dirty="0"/>
+          </a:p>
+        </p:txBody>
+      </p:sp>
+      <p:sp>
+        <p:nvSpPr>
+          <p:cNvPr id="5" name="Foliennummernplatzhalter 4"/>
+          <p:cNvSpPr>
+            <a:spLocks noGrp="1"/>
+          </p:cNvSpPr>
+          <p:nvPr>
+            <p:ph type="sldNum" sz="quarter" idx="12"/>
+          </p:nvPr>
+        </p:nvSpPr>
+        <p:spPr/>
+        <p:txBody>
+          <a:bodyPr/>
+          <a:lstStyle/>
+          <a:p>
+            <a:fld id="{7B21C6CE-1AB1-48B1-8D94-EA78B89DFF8A}" type="slidenum">
+              <a:rPr lang="de-AT" smtClean="0"/>
+              <a:t>20</a:t>
+            </a:fld>
+            <a:endParaRPr lang="de-AT" dirty="0"/>
+          </a:p>
+        </p:txBody>
+      </p:sp>
+    </p:spTree>
+    <p:extLst>
+      <p:ext uri="{BB962C8B-B14F-4D97-AF65-F5344CB8AC3E}">
+        <p14:creationId xmlns:p14="http://schemas.microsoft.com/office/powerpoint/2010/main" val="1132233473"/>
+      </p:ext>
+    </p:extLst>
+  </p:cSld>
+  <p:clrMapOvr>
+    <a:masterClrMapping/>
+  </p:clrMapOvr>
+  <mc:AlternateContent xmlns:mc="http://schemas.openxmlformats.org/markup-compatibility/2006">
+    <mc:Choice xmlns:p14="http://schemas.microsoft.com/office/powerpoint/2010/main" Requires="p14">
+      <p:transition spd="med" p14:dur="700">
+        <p:fade/>
+      </p:transition>
+    </mc:Choice>
+    <mc:Fallback>
+      <p:transition spd="med">
+        <p:fade/>
+      </p:transition>
+    </mc:Fallback>
+  </mc:AlternateContent>
+</p:sld>
+</file>
+
+<file path=ppt/slides/slide21.xml><?xml version="1.0" encoding="utf-8"?>
+<p:sld xmlns:a="http://schemas.openxmlformats.org/drawingml/2006/main" xmlns:r="http://schemas.openxmlformats.org/officeDocument/2006/relationships" xmlns:p="http://schemas.openxmlformats.org/presentationml/2006/main">
+  <p:cSld>
+    <p:spTree>
+      <p:nvGrpSpPr>
+        <p:cNvPr id="1" name=""/>
+        <p:cNvGrpSpPr/>
+        <p:nvPr/>
+      </p:nvGrpSpPr>
+      <p:grpSpPr>
+        <a:xfrm>
+          <a:off x="0" y="0"/>
+          <a:ext cx="0" cy="0"/>
+          <a:chOff x="0" y="0"/>
+          <a:chExt cx="0" cy="0"/>
+        </a:xfrm>
+      </p:grpSpPr>
+      <p:sp>
+        <p:nvSpPr>
+          <p:cNvPr id="2" name="Titel 1"/>
+          <p:cNvSpPr>
+            <a:spLocks noGrp="1"/>
+          </p:cNvSpPr>
+          <p:nvPr>
+            <p:ph type="title"/>
+          </p:nvPr>
+        </p:nvSpPr>
+        <p:spPr/>
+        <p:txBody>
+          <a:bodyPr/>
+          <a:lstStyle/>
+          <a:p>
+            <a:r>
+              <a:rPr lang="de-AT" dirty="0" err="1" smtClean="0"/>
+              <a:t>Timebox</a:t>
+            </a:r>
+            <a:r>
+              <a:rPr lang="de-AT" dirty="0" smtClean="0"/>
+              <a:t> 4 </a:t>
+            </a:r>
+            <a:r>
+              <a:rPr lang="de-AT" dirty="0" err="1" smtClean="0"/>
+              <a:t>Corba</a:t>
+            </a:r>
+            <a:endParaRPr lang="de-AT" dirty="0"/>
+          </a:p>
+        </p:txBody>
+      </p:sp>
+      <p:sp>
+        <p:nvSpPr>
+          <p:cNvPr id="3" name="Inhaltsplatzhalter 2"/>
+          <p:cNvSpPr>
+            <a:spLocks noGrp="1"/>
+          </p:cNvSpPr>
+          <p:nvPr>
+            <p:ph idx="1"/>
+          </p:nvPr>
+        </p:nvSpPr>
+        <p:spPr/>
+        <p:txBody>
+          <a:bodyPr/>
+          <a:lstStyle/>
+          <a:p>
+            <a:r>
+              <a:rPr lang="de-AT" dirty="0" smtClean="0"/>
+              <a:t>Zu Komplexe Klassenstruktur</a:t>
+            </a:r>
+          </a:p>
+          <a:p>
+            <a:r>
+              <a:rPr lang="de-AT" dirty="0" smtClean="0"/>
+              <a:t>Umständliche Generierung von IDL Dateien</a:t>
+            </a:r>
+          </a:p>
+          <a:p>
+            <a:endParaRPr lang="de-AT" dirty="0"/>
+          </a:p>
+          <a:p>
+            <a:r>
+              <a:rPr lang="de-AT" dirty="0" smtClean="0"/>
+              <a:t>Client</a:t>
+            </a:r>
+          </a:p>
+          <a:p>
+            <a:pPr lvl="1"/>
+            <a:r>
+              <a:rPr lang="de-AT" dirty="0" smtClean="0"/>
+              <a:t>Unit Test</a:t>
+            </a:r>
+          </a:p>
+          <a:p>
+            <a:pPr lvl="1"/>
+            <a:r>
+              <a:rPr lang="de-AT" dirty="0" smtClean="0"/>
+              <a:t>Konsolen Ausgabe</a:t>
+            </a:r>
+            <a:endParaRPr lang="de-AT" dirty="0"/>
+          </a:p>
+        </p:txBody>
+      </p:sp>
+      <p:sp>
+        <p:nvSpPr>
+          <p:cNvPr id="4" name="Fußzeilenplatzhalter 3"/>
+          <p:cNvSpPr>
+            <a:spLocks noGrp="1"/>
+          </p:cNvSpPr>
+          <p:nvPr>
+            <p:ph type="ftr" sz="quarter" idx="11"/>
+          </p:nvPr>
+        </p:nvSpPr>
+        <p:spPr/>
+        <p:txBody>
+          <a:bodyPr/>
+          <a:lstStyle/>
+          <a:p>
+            <a:r>
+              <a:rPr lang="de-AT" smtClean="0"/>
+              <a:t>Folie </a:t>
+            </a:r>
+            <a:endParaRPr lang="de-AT" dirty="0"/>
+          </a:p>
+        </p:txBody>
+      </p:sp>
+      <p:sp>
+        <p:nvSpPr>
+          <p:cNvPr id="5" name="Foliennummernplatzhalter 4"/>
+          <p:cNvSpPr>
+            <a:spLocks noGrp="1"/>
+          </p:cNvSpPr>
+          <p:nvPr>
+            <p:ph type="sldNum" sz="quarter" idx="12"/>
+          </p:nvPr>
+        </p:nvSpPr>
+        <p:spPr/>
+        <p:txBody>
+          <a:bodyPr/>
+          <a:lstStyle/>
+          <a:p>
+            <a:fld id="{7B21C6CE-1AB1-48B1-8D94-EA78B89DFF8A}" type="slidenum">
+              <a:rPr lang="de-AT" smtClean="0"/>
+              <a:t>21</a:t>
+            </a:fld>
+            <a:endParaRPr lang="de-AT" dirty="0"/>
+          </a:p>
+        </p:txBody>
+      </p:sp>
+    </p:spTree>
+    <p:extLst>
+      <p:ext uri="{BB962C8B-B14F-4D97-AF65-F5344CB8AC3E}">
+        <p14:creationId xmlns:p14="http://schemas.microsoft.com/office/powerpoint/2010/main" val="2559676884"/>
+      </p:ext>
+    </p:extLst>
+  </p:cSld>
+  <p:clrMapOvr>
+    <a:masterClrMapping/>
+  </p:clrMapOvr>
+  <mc:AlternateContent xmlns:mc="http://schemas.openxmlformats.org/markup-compatibility/2006">
+    <mc:Choice xmlns:p14="http://schemas.microsoft.com/office/powerpoint/2010/main" Requires="p14">
+      <p:transition spd="med" p14:dur="700">
+        <p:fade/>
+      </p:transition>
+    </mc:Choice>
+    <mc:Fallback>
+      <p:transition spd="med">
+        <p:fade/>
+      </p:transition>
+    </mc:Fallback>
+  </mc:AlternateContent>
+</p:sld>
+</file>
+
+<file path=ppt/slides/slide22.xml><?xml version="1.0" encoding="utf-8"?>
+<p:sld xmlns:a="http://schemas.openxmlformats.org/drawingml/2006/main" xmlns:r="http://schemas.openxmlformats.org/officeDocument/2006/relationships" xmlns:p="http://schemas.openxmlformats.org/presentationml/2006/main">
+  <p:cSld>
+    <p:spTree>
+      <p:nvGrpSpPr>
+        <p:cNvPr id="1" name=""/>
+        <p:cNvGrpSpPr/>
+        <p:nvPr/>
+      </p:nvGrpSpPr>
+      <p:grpSpPr>
+        <a:xfrm>
+          <a:off x="0" y="0"/>
+          <a:ext cx="0" cy="0"/>
+          <a:chOff x="0" y="0"/>
+          <a:chExt cx="0" cy="0"/>
+        </a:xfrm>
+      </p:grpSpPr>
+      <p:sp>
+        <p:nvSpPr>
+          <p:cNvPr id="2" name="Titel 1"/>
+          <p:cNvSpPr>
+            <a:spLocks noGrp="1"/>
+          </p:cNvSpPr>
+          <p:nvPr>
+            <p:ph type="title"/>
+          </p:nvPr>
+        </p:nvSpPr>
+        <p:spPr/>
+        <p:txBody>
+          <a:bodyPr/>
+          <a:lstStyle/>
+          <a:p>
+            <a:r>
+              <a:rPr lang="de-AT" dirty="0" err="1" smtClean="0"/>
+              <a:t>Timebox</a:t>
+            </a:r>
+            <a:r>
+              <a:rPr lang="de-AT" dirty="0" smtClean="0"/>
+              <a:t> 5 Messaging</a:t>
+            </a:r>
+            <a:endParaRPr lang="de-AT" dirty="0"/>
+          </a:p>
+        </p:txBody>
+      </p:sp>
+      <p:sp>
+        <p:nvSpPr>
+          <p:cNvPr id="3" name="Inhaltsplatzhalter 2"/>
+          <p:cNvSpPr>
+            <a:spLocks noGrp="1"/>
+          </p:cNvSpPr>
+          <p:nvPr>
+            <p:ph idx="1"/>
+          </p:nvPr>
+        </p:nvSpPr>
+        <p:spPr/>
+        <p:txBody>
+          <a:bodyPr/>
+          <a:lstStyle/>
+          <a:p>
+            <a:r>
+              <a:rPr lang="de-AT" dirty="0" smtClean="0"/>
+              <a:t>Baut auf bestehende API auf</a:t>
+            </a:r>
+          </a:p>
+          <a:p>
+            <a:r>
+              <a:rPr lang="de-AT" dirty="0" err="1" smtClean="0"/>
+              <a:t>Glassfish</a:t>
+            </a:r>
+            <a:endParaRPr lang="de-AT" dirty="0" smtClean="0"/>
+          </a:p>
+          <a:p>
+            <a:r>
+              <a:rPr lang="de-AT" dirty="0" smtClean="0"/>
+              <a:t>Nur User mit der Rolle Operator</a:t>
+            </a:r>
+          </a:p>
+          <a:p>
+            <a:pPr lvl="1"/>
+            <a:r>
+              <a:rPr lang="de-AT" dirty="0" smtClean="0"/>
+              <a:t>Wird anhand des Namen ermittelt</a:t>
+            </a:r>
+          </a:p>
+          <a:p>
+            <a:r>
+              <a:rPr lang="de-AT" dirty="0" smtClean="0"/>
+              <a:t>Statusnachrichten</a:t>
+            </a:r>
+          </a:p>
+          <a:p>
+            <a:r>
+              <a:rPr lang="de-AT" dirty="0" smtClean="0"/>
+              <a:t>Topic</a:t>
+            </a:r>
+          </a:p>
+          <a:p>
+            <a:pPr lvl="1"/>
+            <a:r>
+              <a:rPr lang="de-AT" dirty="0" smtClean="0"/>
+              <a:t>Mehrere Benutzer bekommen aufgaben</a:t>
+            </a:r>
+          </a:p>
+          <a:p>
+            <a:pPr lvl="1"/>
+            <a:r>
+              <a:rPr lang="de-AT" dirty="0" smtClean="0"/>
+              <a:t>Benutzer können Aufgaben reservieren</a:t>
+            </a:r>
+          </a:p>
+          <a:p>
+            <a:pPr lvl="1"/>
+            <a:endParaRPr lang="de-AT" dirty="0" smtClean="0"/>
+          </a:p>
+        </p:txBody>
+      </p:sp>
+      <p:sp>
+        <p:nvSpPr>
+          <p:cNvPr id="4" name="Fußzeilenplatzhalter 3"/>
+          <p:cNvSpPr>
+            <a:spLocks noGrp="1"/>
+          </p:cNvSpPr>
+          <p:nvPr>
+            <p:ph type="ftr" sz="quarter" idx="11"/>
+          </p:nvPr>
+        </p:nvSpPr>
+        <p:spPr/>
+        <p:txBody>
+          <a:bodyPr/>
+          <a:lstStyle/>
+          <a:p>
+            <a:r>
+              <a:rPr lang="de-AT" smtClean="0"/>
+              <a:t>Folie </a:t>
+            </a:r>
+            <a:endParaRPr lang="de-AT" dirty="0"/>
+          </a:p>
+        </p:txBody>
+      </p:sp>
+      <p:sp>
+        <p:nvSpPr>
+          <p:cNvPr id="5" name="Foliennummernplatzhalter 4"/>
+          <p:cNvSpPr>
+            <a:spLocks noGrp="1"/>
+          </p:cNvSpPr>
+          <p:nvPr>
+            <p:ph type="sldNum" sz="quarter" idx="12"/>
+          </p:nvPr>
+        </p:nvSpPr>
+        <p:spPr/>
+        <p:txBody>
+          <a:bodyPr/>
+          <a:lstStyle/>
+          <a:p>
+            <a:fld id="{7B21C6CE-1AB1-48B1-8D94-EA78B89DFF8A}" type="slidenum">
+              <a:rPr lang="de-AT" smtClean="0"/>
+              <a:t>22</a:t>
+            </a:fld>
+            <a:endParaRPr lang="de-AT" dirty="0"/>
+          </a:p>
+        </p:txBody>
+      </p:sp>
+    </p:spTree>
+    <p:extLst>
+      <p:ext uri="{BB962C8B-B14F-4D97-AF65-F5344CB8AC3E}">
+        <p14:creationId xmlns:p14="http://schemas.microsoft.com/office/powerpoint/2010/main" val="3934407267"/>
+      </p:ext>
+    </p:extLst>
+  </p:cSld>
+  <p:clrMapOvr>
+    <a:masterClrMapping/>
+  </p:clrMapOvr>
+  <mc:AlternateContent xmlns:mc="http://schemas.openxmlformats.org/markup-compatibility/2006">
+    <mc:Choice xmlns:p14="http://schemas.microsoft.com/office/powerpoint/2010/main" Requires="p14">
+      <p:transition spd="med" p14:dur="700">
+        <p:fade/>
+      </p:transition>
+    </mc:Choice>
+    <mc:Fallback>
+      <p:transition spd="med">
+        <p:fade/>
+      </p:transition>
+    </mc:Fallback>
+  </mc:AlternateContent>
+</p:sld>
+</file>
+
+<file path=ppt/slides/slide23.xml><?xml version="1.0" encoding="utf-8"?>
+<p:sld xmlns:a="http://schemas.openxmlformats.org/drawingml/2006/main" xmlns:r="http://schemas.openxmlformats.org/officeDocument/2006/relationships" xmlns:p="http://schemas.openxmlformats.org/presentationml/2006/main">
+  <p:cSld>
+    <p:spTree>
+      <p:nvGrpSpPr>
+        <p:cNvPr id="1" name=""/>
+        <p:cNvGrpSpPr/>
+        <p:nvPr/>
+      </p:nvGrpSpPr>
+      <p:grpSpPr>
+        <a:xfrm>
+          <a:off x="0" y="0"/>
+          <a:ext cx="0" cy="0"/>
+          <a:chOff x="0" y="0"/>
+          <a:chExt cx="0" cy="0"/>
+        </a:xfrm>
+      </p:grpSpPr>
+      <p:sp>
+        <p:nvSpPr>
+          <p:cNvPr id="2" name="Titel 1"/>
+          <p:cNvSpPr>
+            <a:spLocks noGrp="1"/>
+          </p:cNvSpPr>
+          <p:nvPr>
+            <p:ph type="title"/>
+          </p:nvPr>
+        </p:nvSpPr>
+        <p:spPr/>
+        <p:txBody>
+          <a:bodyPr/>
+          <a:lstStyle/>
+          <a:p>
+            <a:endParaRPr lang="de-AT"/>
+          </a:p>
+        </p:txBody>
+      </p:sp>
+      <p:sp>
+        <p:nvSpPr>
+          <p:cNvPr id="3" name="Inhaltsplatzhalter 2"/>
+          <p:cNvSpPr>
+            <a:spLocks noGrp="1"/>
+          </p:cNvSpPr>
+          <p:nvPr>
+            <p:ph idx="1"/>
+          </p:nvPr>
+        </p:nvSpPr>
+        <p:spPr/>
+        <p:txBody>
+          <a:bodyPr/>
+          <a:lstStyle/>
+          <a:p>
+            <a:endParaRPr lang="de-AT"/>
+          </a:p>
+        </p:txBody>
+      </p:sp>
+      <p:sp>
+        <p:nvSpPr>
+          <p:cNvPr id="4" name="Fußzeilenplatzhalter 3"/>
+          <p:cNvSpPr>
+            <a:spLocks noGrp="1"/>
+          </p:cNvSpPr>
+          <p:nvPr>
+            <p:ph type="ftr" sz="quarter" idx="11"/>
+          </p:nvPr>
+        </p:nvSpPr>
+        <p:spPr/>
+        <p:txBody>
+          <a:bodyPr/>
+          <a:lstStyle/>
+          <a:p>
+            <a:r>
+              <a:rPr lang="de-AT" smtClean="0"/>
+              <a:t>Folie </a:t>
+            </a:r>
+            <a:endParaRPr lang="de-AT" dirty="0"/>
+          </a:p>
+        </p:txBody>
+      </p:sp>
+      <p:sp>
+        <p:nvSpPr>
+          <p:cNvPr id="5" name="Foliennummernplatzhalter 4"/>
+          <p:cNvSpPr>
+            <a:spLocks noGrp="1"/>
+          </p:cNvSpPr>
+          <p:nvPr>
+            <p:ph type="sldNum" sz="quarter" idx="12"/>
+          </p:nvPr>
+        </p:nvSpPr>
+        <p:spPr/>
+        <p:txBody>
+          <a:bodyPr/>
+          <a:lstStyle/>
+          <a:p>
+            <a:fld id="{7B21C6CE-1AB1-48B1-8D94-EA78B89DFF8A}" type="slidenum">
+              <a:rPr lang="de-AT" smtClean="0"/>
+              <a:t>23</a:t>
+            </a:fld>
+            <a:endParaRPr lang="de-AT" dirty="0"/>
+          </a:p>
+        </p:txBody>
+      </p:sp>
+      <p:pic>
+        <p:nvPicPr>
+          <p:cNvPr id="6146" name="Picture 2" descr="C:\Users\Manuel\Documents\uni\semester 5\workspace\OwlSoft\documentation\AblaufMessaging.jpg"/>
+          <p:cNvPicPr>
+            <a:picLocks noChangeAspect="1" noChangeArrowheads="1"/>
+          </p:cNvPicPr>
+          <p:nvPr/>
+        </p:nvPicPr>
+        <p:blipFill>
+          <a:blip r:embed="rId3">
+            <a:extLst>
+              <a:ext uri="{28A0092B-C50C-407E-A947-70E740481C1C}">
+                <a14:useLocalDpi xmlns:a14="http://schemas.microsoft.com/office/drawing/2010/main" val="0"/>
+              </a:ext>
+            </a:extLst>
+          </a:blip>
+          <a:srcRect/>
+          <a:stretch>
+            <a:fillRect/>
+          </a:stretch>
+        </p:blipFill>
+        <p:spPr bwMode="auto">
+          <a:xfrm>
+            <a:off x="0" y="0"/>
+            <a:ext cx="9144000" cy="6858000"/>
           </a:xfrm>
           <a:prstGeom prst="rect">
             <a:avLst/>
@@ -6757,10 +11980,22 @@
   <p:clrMapOvr>
     <a:masterClrMapping/>
   </p:clrMapOvr>
+  <mc:AlternateContent xmlns:mc="http://schemas.openxmlformats.org/markup-compatibility/2006">
+    <mc:Choice xmlns:p14="http://schemas.microsoft.com/office/powerpoint/2010/main" Requires="p14">
+      <p:transition spd="med" p14:dur="700">
+        <p:fade/>
+      </p:transition>
+    </mc:Choice>
+    <mc:Fallback>
+      <p:transition spd="med">
+        <p:fade/>
+      </p:transition>
+    </mc:Fallback>
+  </mc:AlternateContent>
 </p:sld>
 </file>
 
-<file path=ppt/slides/slide16.xml><?xml version="1.0" encoding="utf-8"?>
+<file path=ppt/slides/slide24.xml><?xml version="1.0" encoding="utf-8"?>
 <p:sld xmlns:a="http://schemas.openxmlformats.org/drawingml/2006/main" xmlns:r="http://schemas.openxmlformats.org/officeDocument/2006/relationships" xmlns:p="http://schemas.openxmlformats.org/presentationml/2006/main">
   <p:cSld>
     <p:spTree>
@@ -6905,7 +12140,7 @@
           <a:p>
             <a:fld id="{7B21C6CE-1AB1-48B1-8D94-EA78B89DFF8A}" type="slidenum">
               <a:rPr lang="de-AT" smtClean="0"/>
-              <a:t>16</a:t>
+              <a:t>24</a:t>
             </a:fld>
             <a:endParaRPr lang="de-AT" dirty="0"/>
           </a:p>
@@ -6921,10 +12156,22 @@
   <p:clrMapOvr>
     <a:masterClrMapping/>
   </p:clrMapOvr>
+  <mc:AlternateContent xmlns:mc="http://schemas.openxmlformats.org/markup-compatibility/2006">
+    <mc:Choice xmlns:p14="http://schemas.microsoft.com/office/powerpoint/2010/main" Requires="p14">
+      <p:transition spd="med" p14:dur="700">
+        <p:fade/>
+      </p:transition>
+    </mc:Choice>
+    <mc:Fallback>
+      <p:transition spd="med">
+        <p:fade/>
+      </p:transition>
+    </mc:Fallback>
+  </mc:AlternateContent>
 </p:sld>
 </file>
 
-<file path=ppt/slides/slide17.xml><?xml version="1.0" encoding="utf-8"?>
+<file path=ppt/slides/slide25.xml><?xml version="1.0" encoding="utf-8"?>
 <p:sld xmlns:a="http://schemas.openxmlformats.org/drawingml/2006/main" xmlns:r="http://schemas.openxmlformats.org/officeDocument/2006/relationships" xmlns:p="http://schemas.openxmlformats.org/presentationml/2006/main">
   <p:cSld>
     <p:spTree>
@@ -7066,7 +12313,7 @@
           <a:p>
             <a:fld id="{7B21C6CE-1AB1-48B1-8D94-EA78B89DFF8A}" type="slidenum">
               <a:rPr lang="de-AT" smtClean="0"/>
-              <a:t>17</a:t>
+              <a:t>25</a:t>
             </a:fld>
             <a:endParaRPr lang="de-AT" dirty="0"/>
           </a:p>
@@ -7082,10 +12329,22 @@
   <p:clrMapOvr>
     <a:masterClrMapping/>
   </p:clrMapOvr>
+  <mc:AlternateContent xmlns:mc="http://schemas.openxmlformats.org/markup-compatibility/2006">
+    <mc:Choice xmlns:p14="http://schemas.microsoft.com/office/powerpoint/2010/main" Requires="p14">
+      <p:transition spd="med" p14:dur="700">
+        <p:fade/>
+      </p:transition>
+    </mc:Choice>
+    <mc:Fallback>
+      <p:transition spd="med">
+        <p:fade/>
+      </p:transition>
+    </mc:Fallback>
+  </mc:AlternateContent>
 </p:sld>
 </file>
 
-<file path=ppt/slides/slide18.xml><?xml version="1.0" encoding="utf-8"?>
+<file path=ppt/slides/slide26.xml><?xml version="1.0" encoding="utf-8"?>
 <p:sld xmlns:a="http://schemas.openxmlformats.org/drawingml/2006/main" xmlns:r="http://schemas.openxmlformats.org/officeDocument/2006/relationships" xmlns:p="http://schemas.openxmlformats.org/presentationml/2006/main">
   <p:cSld>
     <p:spTree>
@@ -7300,7 +12559,7 @@
           <a:p>
             <a:fld id="{7B21C6CE-1AB1-48B1-8D94-EA78B89DFF8A}" type="slidenum">
               <a:rPr lang="de-AT" smtClean="0"/>
-              <a:t>18</a:t>
+              <a:t>26</a:t>
             </a:fld>
             <a:endParaRPr lang="de-AT" dirty="0"/>
           </a:p>
@@ -7316,10 +12575,22 @@
   <p:clrMapOvr>
     <a:masterClrMapping/>
   </p:clrMapOvr>
+  <mc:AlternateContent xmlns:mc="http://schemas.openxmlformats.org/markup-compatibility/2006">
+    <mc:Choice xmlns:p14="http://schemas.microsoft.com/office/powerpoint/2010/main" Requires="p14">
+      <p:transition spd="med" p14:dur="700">
+        <p:fade/>
+      </p:transition>
+    </mc:Choice>
+    <mc:Fallback>
+      <p:transition spd="med">
+        <p:fade/>
+      </p:transition>
+    </mc:Fallback>
+  </mc:AlternateContent>
 </p:sld>
 </file>
 
-<file path=ppt/slides/slide19.xml><?xml version="1.0" encoding="utf-8"?>
+<file path=ppt/slides/slide27.xml><?xml version="1.0" encoding="utf-8"?>
 <p:sld xmlns:a="http://schemas.openxmlformats.org/drawingml/2006/main" xmlns:r="http://schemas.openxmlformats.org/officeDocument/2006/relationships" xmlns:p="http://schemas.openxmlformats.org/presentationml/2006/main">
   <p:cSld>
     <p:spTree>
@@ -7418,7 +12689,7 @@
           <a:p>
             <a:fld id="{7B21C6CE-1AB1-48B1-8D94-EA78B89DFF8A}" type="slidenum">
               <a:rPr lang="de-AT" smtClean="0"/>
-              <a:t>19</a:t>
+              <a:t>27</a:t>
             </a:fld>
             <a:endParaRPr lang="de-AT" dirty="0"/>
           </a:p>
@@ -7477,10 +12748,22 @@
   <p:clrMapOvr>
     <a:masterClrMapping/>
   </p:clrMapOvr>
+  <mc:AlternateContent xmlns:mc="http://schemas.openxmlformats.org/markup-compatibility/2006">
+    <mc:Choice xmlns:p14="http://schemas.microsoft.com/office/powerpoint/2010/main" Requires="p14">
+      <p:transition spd="med" p14:dur="700">
+        <p:fade/>
+      </p:transition>
+    </mc:Choice>
+    <mc:Fallback>
+      <p:transition spd="med">
+        <p:fade/>
+      </p:transition>
+    </mc:Fallback>
+  </mc:AlternateContent>
 </p:sld>
 </file>
 
-<file path=ppt/slides/slide2.xml><?xml version="1.0" encoding="utf-8"?>
+<file path=ppt/slides/slide28.xml><?xml version="1.0" encoding="utf-8"?>
 <p:sld xmlns:a="http://schemas.openxmlformats.org/drawingml/2006/main" xmlns:r="http://schemas.openxmlformats.org/officeDocument/2006/relationships" xmlns:p="http://schemas.openxmlformats.org/presentationml/2006/main">
   <p:cSld>
     <p:spTree>
@@ -7514,275 +12797,6 @@
           <a:p>
             <a:r>
               <a:rPr lang="de-AT" dirty="0" smtClean="0"/>
-              <a:t>Einführung </a:t>
-            </a:r>
-            <a:r>
-              <a:rPr lang="de-AT" dirty="0" err="1" smtClean="0"/>
-              <a:t>Owl</a:t>
-            </a:r>
-            <a:r>
-              <a:rPr lang="de-AT" dirty="0" smtClean="0"/>
-              <a:t>/</a:t>
-            </a:r>
-            <a:r>
-              <a:rPr lang="de-AT" dirty="0" err="1" smtClean="0"/>
-              <a:t>Owlet</a:t>
-            </a:r>
-            <a:endParaRPr lang="de-AT" dirty="0"/>
-          </a:p>
-        </p:txBody>
-      </p:sp>
-      <p:sp>
-        <p:nvSpPr>
-          <p:cNvPr id="3" name="Inhaltsplatzhalter 2"/>
-          <p:cNvSpPr>
-            <a:spLocks noGrp="1"/>
-          </p:cNvSpPr>
-          <p:nvPr>
-            <p:ph idx="1"/>
-          </p:nvPr>
-        </p:nvSpPr>
-        <p:spPr/>
-        <p:txBody>
-          <a:bodyPr/>
-          <a:lstStyle/>
-          <a:p>
-            <a:r>
-              <a:rPr lang="de-AT" dirty="0" smtClean="0"/>
-              <a:t>Server/Client Architektur</a:t>
-            </a:r>
-          </a:p>
-          <a:p>
-            <a:r>
-              <a:rPr lang="de-AT" dirty="0" smtClean="0"/>
-              <a:t>Büchereisystem</a:t>
-            </a:r>
-          </a:p>
-          <a:p>
-            <a:pPr lvl="1"/>
-            <a:r>
-              <a:rPr lang="de-AT" dirty="0" smtClean="0"/>
-              <a:t>Bücher</a:t>
-            </a:r>
-          </a:p>
-          <a:p>
-            <a:pPr lvl="1"/>
-            <a:r>
-              <a:rPr lang="de-AT" dirty="0" smtClean="0"/>
-              <a:t>Magazine</a:t>
-            </a:r>
-          </a:p>
-          <a:p>
-            <a:pPr lvl="1"/>
-            <a:r>
-              <a:rPr lang="de-AT" dirty="0" err="1" smtClean="0"/>
-              <a:t>CD‘s</a:t>
-            </a:r>
-            <a:endParaRPr lang="de-AT" dirty="0" smtClean="0"/>
-          </a:p>
-          <a:p>
-            <a:pPr lvl="1"/>
-            <a:r>
-              <a:rPr lang="de-AT" dirty="0" err="1" smtClean="0"/>
-              <a:t>DVD‘s</a:t>
-            </a:r>
-            <a:endParaRPr lang="de-AT" dirty="0" smtClean="0"/>
-          </a:p>
-          <a:p>
-            <a:pPr lvl="1"/>
-            <a:r>
-              <a:rPr lang="de-AT" dirty="0" smtClean="0"/>
-              <a:t>…</a:t>
-            </a:r>
-          </a:p>
-          <a:p>
-            <a:pPr lvl="1"/>
-            <a:endParaRPr lang="de-AT" dirty="0" smtClean="0"/>
-          </a:p>
-        </p:txBody>
-      </p:sp>
-      <p:sp>
-        <p:nvSpPr>
-          <p:cNvPr id="7" name="Fußzeilenplatzhalter 6"/>
-          <p:cNvSpPr>
-            <a:spLocks noGrp="1"/>
-          </p:cNvSpPr>
-          <p:nvPr>
-            <p:ph type="ftr" sz="quarter" idx="11"/>
-          </p:nvPr>
-        </p:nvSpPr>
-        <p:spPr/>
-        <p:txBody>
-          <a:bodyPr/>
-          <a:lstStyle/>
-          <a:p>
-            <a:r>
-              <a:rPr lang="de-AT" smtClean="0"/>
-              <a:t>Folie </a:t>
-            </a:r>
-            <a:endParaRPr lang="de-AT"/>
-          </a:p>
-        </p:txBody>
-      </p:sp>
-      <p:sp>
-        <p:nvSpPr>
-          <p:cNvPr id="6" name="Foliennummernplatzhalter 5"/>
-          <p:cNvSpPr>
-            <a:spLocks noGrp="1"/>
-          </p:cNvSpPr>
-          <p:nvPr>
-            <p:ph type="sldNum" sz="quarter" idx="12"/>
-          </p:nvPr>
-        </p:nvSpPr>
-        <p:spPr/>
-        <p:txBody>
-          <a:bodyPr/>
-          <a:lstStyle/>
-          <a:p>
-            <a:fld id="{7B21C6CE-1AB1-48B1-8D94-EA78B89DFF8A}" type="slidenum">
-              <a:rPr lang="de-AT" smtClean="0"/>
-              <a:t>2</a:t>
-            </a:fld>
-            <a:endParaRPr lang="de-AT"/>
-          </a:p>
-        </p:txBody>
-      </p:sp>
-      <p:pic>
-        <p:nvPicPr>
-          <p:cNvPr id="1030" name="Picture 6" descr="C:\Users\Manuel\Documents\uni\semester 5\workspace\OwlSoft\images\owl_150.png"/>
-          <p:cNvPicPr>
-            <a:picLocks noChangeAspect="1" noChangeArrowheads="1"/>
-          </p:cNvPicPr>
-          <p:nvPr/>
-        </p:nvPicPr>
-        <p:blipFill>
-          <a:blip r:embed="rId3">
-            <a:extLst>
-              <a:ext uri="{28A0092B-C50C-407E-A947-70E740481C1C}">
-                <a14:useLocalDpi xmlns:a14="http://schemas.microsoft.com/office/drawing/2010/main" val="0"/>
-              </a:ext>
-            </a:extLst>
-          </a:blip>
-          <a:srcRect/>
-          <a:stretch>
-            <a:fillRect/>
-          </a:stretch>
-        </p:blipFill>
-        <p:spPr bwMode="auto">
-          <a:xfrm>
-            <a:off x="670511" y="4215913"/>
-            <a:ext cx="1203325" cy="1131887"/>
-          </a:xfrm>
-          <a:prstGeom prst="rect">
-            <a:avLst/>
-          </a:prstGeom>
-          <a:noFill/>
-          <a:extLst>
-            <a:ext uri="{909E8E84-426E-40DD-AFC4-6F175D3DCCD1}">
-              <a14:hiddenFill xmlns:a14="http://schemas.microsoft.com/office/drawing/2010/main">
-                <a:solidFill>
-                  <a:srgbClr val="FFFFFF"/>
-                </a:solidFill>
-              </a14:hiddenFill>
-            </a:ext>
-          </a:extLst>
-        </p:spPr>
-      </p:pic>
-      <p:pic>
-        <p:nvPicPr>
-          <p:cNvPr id="1031" name="Picture 7" descr="C:\Users\Manuel\Documents\uni\semester 5\workspace\OwlSoft\images\owlet_150.png"/>
-          <p:cNvPicPr>
-            <a:picLocks noChangeAspect="1" noChangeArrowheads="1"/>
-          </p:cNvPicPr>
-          <p:nvPr/>
-        </p:nvPicPr>
-        <p:blipFill>
-          <a:blip r:embed="rId4">
-            <a:extLst>
-              <a:ext uri="{28A0092B-C50C-407E-A947-70E740481C1C}">
-                <a14:useLocalDpi xmlns:a14="http://schemas.microsoft.com/office/drawing/2010/main" val="0"/>
-              </a:ext>
-            </a:extLst>
-          </a:blip>
-          <a:srcRect/>
-          <a:stretch>
-            <a:fillRect/>
-          </a:stretch>
-        </p:blipFill>
-        <p:spPr bwMode="auto">
-          <a:xfrm>
-            <a:off x="1736284" y="4019062"/>
-            <a:ext cx="1525588" cy="1525587"/>
-          </a:xfrm>
-          <a:prstGeom prst="rect">
-            <a:avLst/>
-          </a:prstGeom>
-          <a:noFill/>
-          <a:extLst>
-            <a:ext uri="{909E8E84-426E-40DD-AFC4-6F175D3DCCD1}">
-              <a14:hiddenFill xmlns:a14="http://schemas.microsoft.com/office/drawing/2010/main">
-                <a:solidFill>
-                  <a:srgbClr val="FFFFFF"/>
-                </a:solidFill>
-              </a14:hiddenFill>
-            </a:ext>
-          </a:extLst>
-        </p:spPr>
-      </p:pic>
-    </p:spTree>
-    <p:extLst>
-      <p:ext uri="{BB962C8B-B14F-4D97-AF65-F5344CB8AC3E}">
-        <p14:creationId xmlns:p14="http://schemas.microsoft.com/office/powerpoint/2010/main" val="1594087535"/>
-      </p:ext>
-    </p:extLst>
-  </p:cSld>
-  <p:clrMapOvr>
-    <a:masterClrMapping/>
-  </p:clrMapOvr>
-  <p:timing>
-    <p:tnLst>
-      <p:par>
-        <p:cTn id="1" dur="indefinite" restart="never" nodeType="tmRoot"/>
-      </p:par>
-    </p:tnLst>
-  </p:timing>
-</p:sld>
-</file>
-
-<file path=ppt/slides/slide20.xml><?xml version="1.0" encoding="utf-8"?>
-<p:sld xmlns:a="http://schemas.openxmlformats.org/drawingml/2006/main" xmlns:r="http://schemas.openxmlformats.org/officeDocument/2006/relationships" xmlns:p="http://schemas.openxmlformats.org/presentationml/2006/main">
-  <p:cSld>
-    <p:spTree>
-      <p:nvGrpSpPr>
-        <p:cNvPr id="1" name=""/>
-        <p:cNvGrpSpPr/>
-        <p:nvPr/>
-      </p:nvGrpSpPr>
-      <p:grpSpPr>
-        <a:xfrm>
-          <a:off x="0" y="0"/>
-          <a:ext cx="0" cy="0"/>
-          <a:chOff x="0" y="0"/>
-          <a:chExt cx="0" cy="0"/>
-        </a:xfrm>
-      </p:grpSpPr>
-      <p:sp>
-        <p:nvSpPr>
-          <p:cNvPr id="2" name="Titel 1"/>
-          <p:cNvSpPr>
-            <a:spLocks noGrp="1"/>
-          </p:cNvSpPr>
-          <p:nvPr>
-            <p:ph type="title"/>
-          </p:nvPr>
-        </p:nvSpPr>
-        <p:spPr/>
-        <p:txBody>
-          <a:bodyPr/>
-          <a:lstStyle/>
-          <a:p>
-            <a:r>
-              <a:rPr lang="de-AT" dirty="0" smtClean="0"/>
               <a:t>Testszenarien</a:t>
             </a:r>
             <a:endParaRPr lang="de-AT" dirty="0"/>
@@ -7857,7 +12871,7 @@
           <a:p>
             <a:fld id="{7B21C6CE-1AB1-48B1-8D94-EA78B89DFF8A}" type="slidenum">
               <a:rPr lang="de-AT" smtClean="0"/>
-              <a:t>20</a:t>
+              <a:t>28</a:t>
             </a:fld>
             <a:endParaRPr lang="de-AT" dirty="0"/>
           </a:p>
@@ -7873,6 +12887,18 @@
   <p:clrMapOvr>
     <a:masterClrMapping/>
   </p:clrMapOvr>
+  <mc:AlternateContent xmlns:mc="http://schemas.openxmlformats.org/markup-compatibility/2006">
+    <mc:Choice xmlns:p14="http://schemas.microsoft.com/office/powerpoint/2010/main" Requires="p14">
+      <p:transition spd="med" p14:dur="700">
+        <p:fade/>
+      </p:transition>
+    </mc:Choice>
+    <mc:Fallback>
+      <p:transition spd="med">
+        <p:fade/>
+      </p:transition>
+    </mc:Fallback>
+  </mc:AlternateContent>
 </p:sld>
 </file>
 
@@ -7909,12 +12935,8 @@
           <a:lstStyle/>
           <a:p>
             <a:r>
-              <a:rPr lang="de-AT" dirty="0" err="1" smtClean="0"/>
-              <a:t>Timebox</a:t>
-            </a:r>
-            <a:r>
               <a:rPr lang="de-AT" dirty="0" smtClean="0"/>
-              <a:t> 1 Model</a:t>
+              <a:t>Funktionsumfang</a:t>
             </a:r>
             <a:endParaRPr lang="de-AT" dirty="0"/>
           </a:p>
@@ -7935,25 +12957,67 @@
           <a:bodyPr/>
           <a:lstStyle/>
           <a:p>
-            <a:r>
-              <a:rPr lang="de-AT" dirty="0" smtClean="0"/>
-              <a:t>Komplex</a:t>
-            </a:r>
-          </a:p>
-          <a:p>
-            <a:r>
-              <a:rPr lang="de-AT" dirty="0" smtClean="0"/>
-              <a:t>Sehr dynamisch</a:t>
-            </a:r>
-          </a:p>
-          <a:p>
-            <a:r>
-              <a:rPr lang="de-AT" dirty="0" smtClean="0"/>
-              <a:t>Objektorientiert</a:t>
-            </a:r>
-          </a:p>
-          <a:p>
-            <a:endParaRPr lang="de-AT" dirty="0" smtClean="0"/>
+            <a:pPr lvl="0"/>
+            <a:r>
+              <a:rPr lang="de-AT" dirty="0"/>
+              <a:t>Benutzer- und Rollensystem</a:t>
+            </a:r>
+          </a:p>
+          <a:p>
+            <a:pPr lvl="1"/>
+            <a:r>
+              <a:rPr lang="de-AT" dirty="0"/>
+              <a:t>Anbindung an ein LDAP</a:t>
+            </a:r>
+          </a:p>
+          <a:p>
+            <a:pPr lvl="0"/>
+            <a:r>
+              <a:rPr lang="de-AT" dirty="0"/>
+              <a:t>Suchen von Medien über komplex kombinierbare Suchkriterien</a:t>
+            </a:r>
+          </a:p>
+          <a:p>
+            <a:pPr lvl="0"/>
+            <a:r>
+              <a:rPr lang="de-AT" dirty="0"/>
+              <a:t>Ausleihen von Medien</a:t>
+            </a:r>
+          </a:p>
+          <a:p>
+            <a:pPr lvl="0"/>
+            <a:r>
+              <a:rPr lang="de-AT" dirty="0"/>
+              <a:t>Reservieren von Medien</a:t>
+            </a:r>
+          </a:p>
+          <a:p>
+            <a:pPr lvl="0"/>
+            <a:r>
+              <a:rPr lang="de-AT" dirty="0"/>
+              <a:t>Zurückgeben von Medien</a:t>
+            </a:r>
+          </a:p>
+          <a:p>
+            <a:pPr lvl="0"/>
+            <a:r>
+              <a:rPr lang="de-AT" dirty="0"/>
+              <a:t>Verlängern von Medien</a:t>
+            </a:r>
+          </a:p>
+          <a:p>
+            <a:pPr lvl="0"/>
+            <a:r>
+              <a:rPr lang="de-AT" dirty="0"/>
+              <a:t>Verwalten der Konfiguration</a:t>
+            </a:r>
+          </a:p>
+          <a:p>
+            <a:pPr lvl="0"/>
+            <a:r>
+              <a:rPr lang="de-AT" dirty="0"/>
+              <a:t>Direkte Benachrichtigung über Events </a:t>
+            </a:r>
           </a:p>
           <a:p>
             <a:endParaRPr lang="de-AT" dirty="0"/>
@@ -7979,7 +13043,7 @@
               <a:rPr lang="de-AT" smtClean="0"/>
               <a:t>Folie </a:t>
             </a:r>
-            <a:endParaRPr lang="de-AT"/>
+            <a:endParaRPr lang="de-AT" dirty="0"/>
           </a:p>
         </p:txBody>
       </p:sp>
@@ -8002,20 +13066,32 @@
               <a:rPr lang="de-AT" smtClean="0"/>
               <a:t>3</a:t>
             </a:fld>
-            <a:endParaRPr lang="de-AT"/>
+            <a:endParaRPr lang="de-AT" dirty="0"/>
           </a:p>
         </p:txBody>
       </p:sp>
     </p:spTree>
     <p:extLst>
       <p:ext uri="{BB962C8B-B14F-4D97-AF65-F5344CB8AC3E}">
-        <p14:creationId xmlns:p14="http://schemas.microsoft.com/office/powerpoint/2010/main" val="2954769302"/>
+        <p14:creationId xmlns:p14="http://schemas.microsoft.com/office/powerpoint/2010/main" val="234241820"/>
       </p:ext>
     </p:extLst>
   </p:cSld>
   <p:clrMapOvr>
     <a:masterClrMapping/>
   </p:clrMapOvr>
+  <mc:AlternateContent xmlns:mc="http://schemas.openxmlformats.org/markup-compatibility/2006">
+    <mc:Choice xmlns:p14="http://schemas.microsoft.com/office/powerpoint/2010/main" Requires="p14">
+      <p:transition spd="med" p14:dur="700">
+        <p:fade/>
+      </p:transition>
+    </mc:Choice>
+    <mc:Fallback>
+      <p:transition spd="med">
+        <p:fade/>
+      </p:transition>
+    </mc:Fallback>
+  </mc:AlternateContent>
   <p:timing>
     <p:tnLst>
       <p:par>
@@ -8058,32 +13134,63 @@
           <a:bodyPr/>
           <a:lstStyle/>
           <a:p>
-            <a:endParaRPr lang="de-AT"/>
-          </a:p>
-        </p:txBody>
-      </p:sp>
-      <p:sp>
-        <p:nvSpPr>
-          <p:cNvPr id="3" name="Inhaltsplatzhalter 2"/>
-          <p:cNvSpPr>
-            <a:spLocks noGrp="1"/>
-          </p:cNvSpPr>
-          <p:nvPr>
-            <p:ph idx="1"/>
-          </p:nvPr>
-        </p:nvSpPr>
-        <p:spPr/>
-        <p:txBody>
-          <a:bodyPr/>
-          <a:lstStyle/>
-          <a:p>
-            <a:endParaRPr lang="de-AT"/>
-          </a:p>
-        </p:txBody>
-      </p:sp>
-      <p:sp>
-        <p:nvSpPr>
-          <p:cNvPr id="4" name="Fußzeilenplatzhalter 3"/>
+            <a:r>
+              <a:rPr lang="de-AT" dirty="0" smtClean="0"/>
+              <a:t>Server / Client</a:t>
+            </a:r>
+            <a:endParaRPr lang="de-AT" dirty="0"/>
+          </a:p>
+        </p:txBody>
+      </p:sp>
+      <p:sp>
+        <p:nvSpPr>
+          <p:cNvPr id="3" name="Textplatzhalter 2"/>
+          <p:cNvSpPr>
+            <a:spLocks noGrp="1"/>
+          </p:cNvSpPr>
+          <p:nvPr>
+            <p:ph type="body" idx="1"/>
+          </p:nvPr>
+        </p:nvSpPr>
+        <p:spPr/>
+        <p:txBody>
+          <a:bodyPr/>
+          <a:lstStyle/>
+          <a:p>
+            <a:r>
+              <a:rPr lang="de-AT" dirty="0" err="1" smtClean="0"/>
+              <a:t>Owl</a:t>
+            </a:r>
+            <a:endParaRPr lang="de-AT" dirty="0"/>
+          </a:p>
+        </p:txBody>
+      </p:sp>
+      <p:sp>
+        <p:nvSpPr>
+          <p:cNvPr id="4" name="Textplatzhalter 3"/>
+          <p:cNvSpPr>
+            <a:spLocks noGrp="1"/>
+          </p:cNvSpPr>
+          <p:nvPr>
+            <p:ph type="body" sz="quarter" idx="3"/>
+          </p:nvPr>
+        </p:nvSpPr>
+        <p:spPr/>
+        <p:txBody>
+          <a:bodyPr/>
+          <a:lstStyle/>
+          <a:p>
+            <a:r>
+              <a:rPr lang="de-AT" dirty="0" err="1" smtClean="0"/>
+              <a:t>Owlet</a:t>
+            </a:r>
+            <a:endParaRPr lang="de-AT" dirty="0"/>
+          </a:p>
+        </p:txBody>
+      </p:sp>
+      <p:sp>
+        <p:nvSpPr>
+          <p:cNvPr id="5" name="Fußzeilenplatzhalter 4"/>
           <p:cNvSpPr>
             <a:spLocks noGrp="1"/>
           </p:cNvSpPr>
@@ -8100,13 +13207,13 @@
               <a:rPr lang="de-AT" smtClean="0"/>
               <a:t>Folie </a:t>
             </a:r>
-            <a:endParaRPr lang="de-AT"/>
-          </a:p>
-        </p:txBody>
-      </p:sp>
-      <p:sp>
-        <p:nvSpPr>
-          <p:cNvPr id="5" name="Foliennummernplatzhalter 4"/>
+            <a:endParaRPr lang="de-AT" dirty="0"/>
+          </a:p>
+        </p:txBody>
+      </p:sp>
+      <p:sp>
+        <p:nvSpPr>
+          <p:cNvPr id="6" name="Foliennummernplatzhalter 5"/>
           <p:cNvSpPr>
             <a:spLocks noGrp="1"/>
           </p:cNvSpPr>
@@ -8123,61 +13230,119 @@
               <a:rPr lang="de-AT" smtClean="0"/>
               <a:t>4</a:t>
             </a:fld>
-            <a:endParaRPr lang="de-AT"/>
-          </a:p>
-        </p:txBody>
-      </p:sp>
-      <p:pic>
-        <p:nvPicPr>
-          <p:cNvPr id="6" name="Picture 3" descr="C:\Users\Manuel\Documents\uni\semester 5\workspace\OwlSoft\model\Classmodel.png">
-            <a:hlinkClick r:id="rId3" action="ppaction://hlinkfile"/>
-          </p:cNvPr>
-          <p:cNvPicPr>
-            <a:picLocks noChangeAspect="1" noChangeArrowheads="1"/>
-          </p:cNvPicPr>
-          <p:nvPr/>
-        </p:nvPicPr>
-        <p:blipFill rotWithShape="1">
-          <a:blip r:embed="rId4" cstate="print">
-            <a:extLst>
-              <a:ext uri="{28A0092B-C50C-407E-A947-70E740481C1C}">
-                <a14:useLocalDpi xmlns:a14="http://schemas.microsoft.com/office/drawing/2010/main" val="0"/>
-              </a:ext>
-            </a:extLst>
-          </a:blip>
-          <a:srcRect t="28871" b="9282"/>
-          <a:stretch/>
-        </p:blipFill>
-        <p:spPr bwMode="auto">
-          <a:xfrm>
-            <a:off x="-26060" y="0"/>
-            <a:ext cx="9208160" cy="6919044"/>
-          </a:xfrm>
-          <a:prstGeom prst="rect">
-            <a:avLst/>
-          </a:prstGeom>
-          <a:noFill/>
-          <a:extLst>
-            <a:ext uri="{909E8E84-426E-40DD-AFC4-6F175D3DCCD1}">
-              <a14:hiddenFill xmlns:a14="http://schemas.microsoft.com/office/drawing/2010/main">
-                <a:solidFill>
-                  <a:srgbClr val="FFFFFF"/>
-                </a:solidFill>
-              </a14:hiddenFill>
-            </a:ext>
-          </a:extLst>
-        </p:spPr>
-      </p:pic>
+            <a:endParaRPr lang="de-AT" dirty="0"/>
+          </a:p>
+        </p:txBody>
+      </p:sp>
+      <p:sp>
+        <p:nvSpPr>
+          <p:cNvPr id="7" name="Inhaltsplatzhalter 6"/>
+          <p:cNvSpPr>
+            <a:spLocks noGrp="1"/>
+          </p:cNvSpPr>
+          <p:nvPr>
+            <p:ph sz="quarter" idx="13"/>
+          </p:nvPr>
+        </p:nvSpPr>
+        <p:spPr/>
+        <p:txBody>
+          <a:bodyPr/>
+          <a:lstStyle/>
+          <a:p>
+            <a:r>
+              <a:rPr lang="de-AT" dirty="0" smtClean="0"/>
+              <a:t>Serversystem</a:t>
+            </a:r>
+          </a:p>
+          <a:p>
+            <a:r>
+              <a:rPr lang="de-AT" dirty="0" smtClean="0"/>
+              <a:t>Schnittstellen API</a:t>
+            </a:r>
+          </a:p>
+          <a:p>
+            <a:pPr lvl="1"/>
+            <a:r>
+              <a:rPr lang="de-AT" dirty="0" smtClean="0"/>
+              <a:t>RMI</a:t>
+            </a:r>
+          </a:p>
+          <a:p>
+            <a:pPr lvl="1"/>
+            <a:r>
+              <a:rPr lang="de-AT" dirty="0" err="1" smtClean="0"/>
+              <a:t>Corba</a:t>
+            </a:r>
+            <a:endParaRPr lang="de-AT" dirty="0" smtClean="0"/>
+          </a:p>
+          <a:p>
+            <a:pPr lvl="1"/>
+            <a:r>
+              <a:rPr lang="de-AT" dirty="0" smtClean="0"/>
+              <a:t>EJB</a:t>
+            </a:r>
+          </a:p>
+          <a:p>
+            <a:pPr lvl="1"/>
+            <a:r>
+              <a:rPr lang="de-AT" dirty="0" smtClean="0"/>
+              <a:t>SOAP</a:t>
+            </a:r>
+            <a:endParaRPr lang="de-AT" dirty="0"/>
+          </a:p>
+        </p:txBody>
+      </p:sp>
+      <p:sp>
+        <p:nvSpPr>
+          <p:cNvPr id="8" name="Inhaltsplatzhalter 7"/>
+          <p:cNvSpPr>
+            <a:spLocks noGrp="1"/>
+          </p:cNvSpPr>
+          <p:nvPr>
+            <p:ph sz="quarter" idx="14"/>
+          </p:nvPr>
+        </p:nvSpPr>
+        <p:spPr/>
+        <p:txBody>
+          <a:bodyPr/>
+          <a:lstStyle/>
+          <a:p>
+            <a:r>
+              <a:rPr lang="de-AT" dirty="0" smtClean="0"/>
+              <a:t>Grafischer Client</a:t>
+            </a:r>
+          </a:p>
+          <a:p>
+            <a:r>
+              <a:rPr lang="de-AT" dirty="0" smtClean="0"/>
+              <a:t>Anbindung an Schnittstellen API</a:t>
+            </a:r>
+            <a:endParaRPr lang="de-AT" dirty="0"/>
+          </a:p>
+        </p:txBody>
+      </p:sp>
     </p:spTree>
     <p:extLst>
       <p:ext uri="{BB962C8B-B14F-4D97-AF65-F5344CB8AC3E}">
-        <p14:creationId xmlns:p14="http://schemas.microsoft.com/office/powerpoint/2010/main" val="211582106"/>
+        <p14:creationId xmlns:p14="http://schemas.microsoft.com/office/powerpoint/2010/main" val="280314399"/>
       </p:ext>
     </p:extLst>
   </p:cSld>
   <p:clrMapOvr>
     <a:masterClrMapping/>
   </p:clrMapOvr>
+  <mc:AlternateContent xmlns:mc="http://schemas.openxmlformats.org/markup-compatibility/2006">
+    <mc:Choice xmlns:p14="http://schemas.microsoft.com/office/powerpoint/2010/main" Requires="p14">
+      <p:transition spd="med" p14:dur="700">
+        <p:fade/>
+      </p:transition>
+    </mc:Choice>
+    <mc:Fallback>
+      <p:transition spd="med">
+        <p:fade/>
+      </p:transition>
+    </mc:Fallback>
+  </mc:AlternateContent>
   <p:timing>
     <p:tnLst>
       <p:par>
@@ -8226,7 +13391,15 @@
             </a:r>
             <a:r>
               <a:rPr lang="de-AT" dirty="0" smtClean="0"/>
-              <a:t> 1 Architektur</a:t>
+              <a:t> 1 </a:t>
+            </a:r>
+            <a:r>
+              <a:rPr lang="de-AT" dirty="0" smtClean="0"/>
+              <a:t>- </a:t>
+            </a:r>
+            <a:r>
+              <a:rPr lang="de-AT" dirty="0" smtClean="0"/>
+              <a:t>Datenmodel</a:t>
             </a:r>
             <a:endParaRPr lang="de-AT" dirty="0"/>
           </a:p>
@@ -8249,20 +13422,56 @@
           <a:p>
             <a:r>
               <a:rPr lang="de-AT" dirty="0" smtClean="0"/>
-              <a:t>Streng getrennte Schichtenarchitektur</a:t>
+              <a:t>Komplexe Struktur</a:t>
             </a:r>
           </a:p>
           <a:p>
             <a:r>
               <a:rPr lang="de-AT" dirty="0" smtClean="0"/>
-              <a:t>Kommunikationsschicht austauschbar</a:t>
-            </a:r>
+              <a:t>Ziel: umfangreich und erweiterbar</a:t>
+            </a:r>
+            <a:endParaRPr lang="de-AT" dirty="0" smtClean="0"/>
           </a:p>
           <a:p>
             <a:r>
               <a:rPr lang="de-AT" dirty="0" smtClean="0"/>
-              <a:t>Datenbankschicht austauschbar</a:t>
-            </a:r>
+              <a:t>Sehr </a:t>
+            </a:r>
+            <a:r>
+              <a:rPr lang="de-AT" dirty="0" smtClean="0"/>
+              <a:t>Dynamisch</a:t>
+            </a:r>
+            <a:endParaRPr lang="de-AT" dirty="0" smtClean="0"/>
+          </a:p>
+          <a:p>
+            <a:r>
+              <a:rPr lang="de-AT" dirty="0" smtClean="0"/>
+              <a:t>Objektorientiert</a:t>
+            </a:r>
+          </a:p>
+          <a:p>
+            <a:r>
+              <a:rPr lang="de-AT" dirty="0" smtClean="0"/>
+              <a:t>Zwei Varianten</a:t>
+            </a:r>
+          </a:p>
+          <a:p>
+            <a:pPr lvl="1"/>
+            <a:r>
+              <a:rPr lang="de-AT" dirty="0" smtClean="0"/>
+              <a:t>Komplexe Musterlösung (nicht realisiert)</a:t>
+            </a:r>
+          </a:p>
+          <a:p>
+            <a:pPr lvl="1"/>
+            <a:r>
+              <a:rPr lang="de-AT" dirty="0" smtClean="0"/>
+              <a:t>Vereinfachte Lösung (realisiert)</a:t>
+            </a:r>
+          </a:p>
+          <a:p>
+            <a:pPr lvl="1"/>
+            <a:endParaRPr lang="de-AT" dirty="0" smtClean="0"/>
           </a:p>
           <a:p>
             <a:endParaRPr lang="de-AT" dirty="0" smtClean="0"/>
@@ -8321,13 +13530,25 @@
     </p:spTree>
     <p:extLst>
       <p:ext uri="{BB962C8B-B14F-4D97-AF65-F5344CB8AC3E}">
-        <p14:creationId xmlns:p14="http://schemas.microsoft.com/office/powerpoint/2010/main" val="1151213785"/>
+        <p14:creationId xmlns:p14="http://schemas.microsoft.com/office/powerpoint/2010/main" val="2954769302"/>
       </p:ext>
     </p:extLst>
   </p:cSld>
   <p:clrMapOvr>
     <a:masterClrMapping/>
   </p:clrMapOvr>
+  <mc:AlternateContent xmlns:mc="http://schemas.openxmlformats.org/markup-compatibility/2006">
+    <mc:Choice xmlns:p14="http://schemas.microsoft.com/office/powerpoint/2010/main" Requires="p14">
+      <p:transition spd="med" p14:dur="700">
+        <p:fade/>
+      </p:transition>
+    </mc:Choice>
+    <mc:Fallback>
+      <p:transition spd="med">
+        <p:fade/>
+      </p:transition>
+    </mc:Fallback>
+  </mc:AlternateContent>
   <p:timing>
     <p:tnLst>
       <p:par>
@@ -8357,44 +13578,6 @@
       </p:grpSpPr>
       <p:sp>
         <p:nvSpPr>
-          <p:cNvPr id="2" name="Titel 1"/>
-          <p:cNvSpPr>
-            <a:spLocks noGrp="1"/>
-          </p:cNvSpPr>
-          <p:nvPr>
-            <p:ph type="title"/>
-          </p:nvPr>
-        </p:nvSpPr>
-        <p:spPr/>
-        <p:txBody>
-          <a:bodyPr/>
-          <a:lstStyle/>
-          <a:p>
-            <a:endParaRPr lang="de-AT" dirty="0"/>
-          </a:p>
-        </p:txBody>
-      </p:sp>
-      <p:sp>
-        <p:nvSpPr>
-          <p:cNvPr id="3" name="Inhaltsplatzhalter 2"/>
-          <p:cNvSpPr>
-            <a:spLocks noGrp="1"/>
-          </p:cNvSpPr>
-          <p:nvPr>
-            <p:ph idx="1"/>
-          </p:nvPr>
-        </p:nvSpPr>
-        <p:spPr/>
-        <p:txBody>
-          <a:bodyPr/>
-          <a:lstStyle/>
-          <a:p>
-            <a:endParaRPr lang="de-AT" dirty="0"/>
-          </a:p>
-        </p:txBody>
-      </p:sp>
-      <p:sp>
-        <p:nvSpPr>
           <p:cNvPr id="4" name="Fußzeilenplatzhalter 3"/>
           <p:cNvSpPr>
             <a:spLocks noGrp="1"/>
@@ -8409,7 +13592,7 @@
           <a:lstStyle/>
           <a:p>
             <a:r>
-              <a:rPr lang="de-AT" dirty="0" smtClean="0"/>
+              <a:rPr lang="de-AT" smtClean="0"/>
               <a:t>Folie </a:t>
             </a:r>
             <a:endParaRPr lang="de-AT" dirty="0"/>
@@ -8441,55 +13624,59 @@
       </p:sp>
       <p:pic>
         <p:nvPicPr>
-          <p:cNvPr id="3074" name="Picture 2" descr="C:\Users\Manuel\Documents\uni\semester 5\workspace\OwlSoft\model\Architektur.png">
-            <a:hlinkClick r:id="rId3" action="ppaction://hlinkfile"/>
-          </p:cNvPr>
-          <p:cNvPicPr>
-            <a:picLocks noChangeAspect="1" noChangeArrowheads="1"/>
-          </p:cNvPicPr>
+          <p:cNvPr id="6" name="Grafik 5" descr="C:\Users\Manuel\Documents\uni\semester 5\workspace\OwlSoft\model\Domainmodel.png"/>
+          <p:cNvPicPr/>
           <p:nvPr/>
         </p:nvPicPr>
-        <p:blipFill rotWithShape="1">
-          <a:blip r:embed="rId4">
+        <p:blipFill>
+          <a:blip r:embed="rId2" cstate="print">
             <a:extLst>
               <a:ext uri="{28A0092B-C50C-407E-A947-70E740481C1C}">
                 <a14:useLocalDpi xmlns:a14="http://schemas.microsoft.com/office/drawing/2010/main" val="0"/>
               </a:ext>
             </a:extLst>
           </a:blip>
-          <a:srcRect l="20907" r="39786" b="13709"/>
-          <a:stretch/>
+          <a:srcRect/>
+          <a:stretch>
+            <a:fillRect/>
+          </a:stretch>
         </p:blipFill>
         <p:spPr bwMode="auto">
           <a:xfrm>
-            <a:off x="2483768" y="0"/>
-            <a:ext cx="3594100" cy="6858000"/>
+            <a:off x="-1" y="404664"/>
+            <a:ext cx="9144001" cy="5832648"/>
           </a:xfrm>
           <a:prstGeom prst="rect">
             <a:avLst/>
           </a:prstGeom>
           <a:noFill/>
-          <a:extLst>
-            <a:ext uri="{909E8E84-426E-40DD-AFC4-6F175D3DCCD1}">
-              <a14:hiddenFill xmlns:a14="http://schemas.microsoft.com/office/drawing/2010/main">
-                <a:solidFill>
-                  <a:srgbClr val="FFFFFF"/>
-                </a:solidFill>
-              </a14:hiddenFill>
-            </a:ext>
-          </a:extLst>
+          <a:ln>
+            <a:noFill/>
+          </a:ln>
         </p:spPr>
       </p:pic>
     </p:spTree>
     <p:extLst>
       <p:ext uri="{BB962C8B-B14F-4D97-AF65-F5344CB8AC3E}">
-        <p14:creationId xmlns:p14="http://schemas.microsoft.com/office/powerpoint/2010/main" val="3802477571"/>
+        <p14:creationId xmlns:p14="http://schemas.microsoft.com/office/powerpoint/2010/main" val="1968400582"/>
       </p:ext>
     </p:extLst>
   </p:cSld>
   <p:clrMapOvr>
     <a:masterClrMapping/>
   </p:clrMapOvr>
+  <mc:AlternateContent xmlns:mc="http://schemas.openxmlformats.org/markup-compatibility/2006">
+    <mc:Choice xmlns:p14="http://schemas.microsoft.com/office/powerpoint/2010/main" Requires="p14">
+      <p:transition spd="med" p14:dur="700">
+        <p:fade/>
+      </p:transition>
+    </mc:Choice>
+    <mc:Fallback>
+      <p:transition spd="med">
+        <p:fade/>
+      </p:transition>
+    </mc:Fallback>
+  </mc:AlternateContent>
   <p:timing>
     <p:tnLst>
       <p:par>
@@ -8519,7 +13706,7 @@
       </p:grpSpPr>
       <p:sp>
         <p:nvSpPr>
-          <p:cNvPr id="2" name="Titel 1"/>
+          <p:cNvPr id="4" name="Titel 3"/>
           <p:cNvSpPr>
             <a:spLocks noGrp="1"/>
           </p:cNvSpPr>
@@ -8534,122 +13721,15 @@
           <a:p>
             <a:r>
               <a:rPr lang="de-AT" dirty="0" smtClean="0"/>
-              <a:t>Objektorientiert Datenbank</a:t>
-            </a:r>
-            <a:endParaRPr lang="de-AT" dirty="0"/>
-          </a:p>
-        </p:txBody>
-      </p:sp>
-      <p:sp>
-        <p:nvSpPr>
-          <p:cNvPr id="3" name="Inhaltsplatzhalter 2"/>
-          <p:cNvSpPr>
-            <a:spLocks noGrp="1"/>
-          </p:cNvSpPr>
-          <p:nvPr>
-            <p:ph idx="1"/>
-          </p:nvPr>
-        </p:nvSpPr>
-        <p:spPr/>
-        <p:txBody>
-          <a:bodyPr/>
-          <a:lstStyle/>
-          <a:p>
-            <a:r>
-              <a:rPr lang="de-AT" dirty="0" smtClean="0"/>
-              <a:t>Contra</a:t>
-            </a:r>
-          </a:p>
-          <a:p>
-            <a:pPr lvl="1"/>
-            <a:r>
-              <a:rPr lang="de-AT" dirty="0" smtClean="0"/>
-              <a:t>Keine IDs</a:t>
-            </a:r>
-          </a:p>
-          <a:p>
-            <a:pPr lvl="1"/>
-            <a:r>
-              <a:rPr lang="de-AT" dirty="0" smtClean="0"/>
-              <a:t>Speichert verschiedene Objektversionen</a:t>
-            </a:r>
-          </a:p>
-          <a:p>
-            <a:pPr lvl="1"/>
-            <a:r>
-              <a:rPr lang="de-AT" dirty="0" smtClean="0"/>
-              <a:t>Testdaten müssen im Code erstellt werden</a:t>
-            </a:r>
-          </a:p>
-          <a:p>
-            <a:pPr lvl="1"/>
-            <a:r>
-              <a:rPr lang="de-AT" dirty="0" smtClean="0"/>
-              <a:t>Kein SQL</a:t>
-            </a:r>
-          </a:p>
-          <a:p>
-            <a:pPr lvl="1"/>
-            <a:r>
-              <a:rPr lang="de-AT" dirty="0"/>
-              <a:t>Suche problematisch</a:t>
-            </a:r>
-          </a:p>
-          <a:p>
-            <a:pPr lvl="1"/>
-            <a:endParaRPr lang="de-AT" dirty="0"/>
-          </a:p>
-          <a:p>
-            <a:pPr lvl="1"/>
-            <a:endParaRPr lang="de-AT" dirty="0" smtClean="0"/>
-          </a:p>
-          <a:p>
-            <a:r>
-              <a:rPr lang="de-AT" dirty="0" smtClean="0"/>
-              <a:t>Pro</a:t>
-            </a:r>
-          </a:p>
-          <a:p>
-            <a:pPr lvl="1"/>
-            <a:r>
-              <a:rPr lang="de-AT" dirty="0" err="1" smtClean="0"/>
-              <a:t>Datenbankmapping</a:t>
-            </a:r>
-            <a:r>
-              <a:rPr lang="de-AT" dirty="0" smtClean="0"/>
-              <a:t> entfällt</a:t>
-            </a:r>
-          </a:p>
-          <a:p>
-            <a:pPr lvl="1"/>
-            <a:r>
-              <a:rPr lang="de-AT" dirty="0" smtClean="0"/>
-              <a:t>Portabel</a:t>
-            </a:r>
-          </a:p>
-          <a:p>
-            <a:pPr lvl="1"/>
-            <a:endParaRPr lang="de-AT" dirty="0" smtClean="0"/>
-          </a:p>
-          <a:p>
-            <a:pPr lvl="1"/>
-            <a:endParaRPr lang="de-AT" dirty="0" smtClean="0"/>
-          </a:p>
-          <a:p>
-            <a:pPr lvl="1"/>
-            <a:endParaRPr lang="de-AT" dirty="0" smtClean="0"/>
-          </a:p>
-          <a:p>
-            <a:pPr marL="0" indent="0">
-              <a:buNone/>
-            </a:pPr>
-            <a:endParaRPr lang="de-AT" dirty="0" smtClean="0"/>
-          </a:p>
-        </p:txBody>
-      </p:sp>
-      <p:sp>
-        <p:nvSpPr>
-          <p:cNvPr id="4" name="Fußzeilenplatzhalter 3"/>
+              <a:t>Personen und Usersystem</a:t>
+            </a:r>
+            <a:endParaRPr lang="de-AT" dirty="0"/>
+          </a:p>
+        </p:txBody>
+      </p:sp>
+      <p:sp>
+        <p:nvSpPr>
+          <p:cNvPr id="2" name="Fußzeilenplatzhalter 1"/>
           <p:cNvSpPr>
             <a:spLocks noGrp="1"/>
           </p:cNvSpPr>
@@ -8672,7 +13752,7 @@
       </p:sp>
       <p:sp>
         <p:nvSpPr>
-          <p:cNvPr id="5" name="Foliennummernplatzhalter 4"/>
+          <p:cNvPr id="3" name="Foliennummernplatzhalter 2"/>
           <p:cNvSpPr>
             <a:spLocks noGrp="1"/>
           </p:cNvSpPr>
@@ -8693,16 +13773,66 @@
           </a:p>
         </p:txBody>
       </p:sp>
+      <p:pic>
+        <p:nvPicPr>
+          <p:cNvPr id="5" name="Grafik 4" descr="C:\Users\Manuel\Documents\uni\semester 5\workspace\OwlSoft\model\Domainmodel.png"/>
+          <p:cNvPicPr/>
+          <p:nvPr/>
+        </p:nvPicPr>
+        <p:blipFill rotWithShape="1">
+          <a:blip r:embed="rId2" cstate="print">
+            <a:extLst>
+              <a:ext uri="{28A0092B-C50C-407E-A947-70E740481C1C}">
+                <a14:useLocalDpi xmlns:a14="http://schemas.microsoft.com/office/drawing/2010/main" val="0"/>
+              </a:ext>
+            </a:extLst>
+          </a:blip>
+          <a:srcRect l="62647" t="46658" r="1521" b="9237"/>
+          <a:stretch/>
+        </p:blipFill>
+        <p:spPr bwMode="auto">
+          <a:xfrm>
+            <a:off x="1475656" y="1772815"/>
+            <a:ext cx="6120680" cy="4696887"/>
+          </a:xfrm>
+          <a:prstGeom prst="rect">
+            <a:avLst/>
+          </a:prstGeom>
+          <a:noFill/>
+          <a:ln>
+            <a:noFill/>
+          </a:ln>
+        </p:spPr>
+      </p:pic>
     </p:spTree>
     <p:extLst>
       <p:ext uri="{BB962C8B-B14F-4D97-AF65-F5344CB8AC3E}">
-        <p14:creationId xmlns:p14="http://schemas.microsoft.com/office/powerpoint/2010/main" val="2409846530"/>
+        <p14:creationId xmlns:p14="http://schemas.microsoft.com/office/powerpoint/2010/main" val="504643755"/>
       </p:ext>
     </p:extLst>
   </p:cSld>
   <p:clrMapOvr>
     <a:masterClrMapping/>
   </p:clrMapOvr>
+  <mc:AlternateContent xmlns:mc="http://schemas.openxmlformats.org/markup-compatibility/2006">
+    <mc:Choice xmlns:p14="http://schemas.microsoft.com/office/powerpoint/2010/main" Requires="p14">
+      <p:transition spd="med" p14:dur="700">
+        <p:fade/>
+      </p:transition>
+    </mc:Choice>
+    <mc:Fallback>
+      <p:transition spd="med">
+        <p:fade/>
+      </p:transition>
+    </mc:Fallback>
+  </mc:AlternateContent>
+  <p:timing>
+    <p:tnLst>
+      <p:par>
+        <p:cTn id="1" dur="indefinite" restart="never" nodeType="tmRoot"/>
+      </p:par>
+    </p:tnLst>
+  </p:timing>
 </p:sld>
 </file>
 
@@ -8739,59 +13869,16 @@
           <a:lstStyle/>
           <a:p>
             <a:r>
-              <a:rPr lang="de-AT" dirty="0" err="1" smtClean="0"/>
-              <a:t>Timebox</a:t>
-            </a:r>
-            <a:r>
               <a:rPr lang="de-AT" dirty="0" smtClean="0"/>
-              <a:t> 2 Allgemein</a:t>
-            </a:r>
-            <a:endParaRPr lang="de-AT" dirty="0"/>
-          </a:p>
-        </p:txBody>
-      </p:sp>
-      <p:sp>
-        <p:nvSpPr>
-          <p:cNvPr id="3" name="Inhaltsplatzhalter 2"/>
-          <p:cNvSpPr>
-            <a:spLocks noGrp="1"/>
-          </p:cNvSpPr>
-          <p:nvPr>
-            <p:ph idx="1"/>
-          </p:nvPr>
-        </p:nvSpPr>
-        <p:spPr/>
-        <p:txBody>
-          <a:bodyPr/>
-          <a:lstStyle/>
-          <a:p>
-            <a:r>
-              <a:rPr lang="de-AT" dirty="0" smtClean="0"/>
-              <a:t>RMI</a:t>
-            </a:r>
-          </a:p>
-          <a:p>
-            <a:r>
-              <a:rPr lang="de-AT" dirty="0" smtClean="0"/>
-              <a:t>Sehr Aufwendig</a:t>
-            </a:r>
-          </a:p>
-          <a:p>
-            <a:r>
-              <a:rPr lang="de-AT" dirty="0" err="1" smtClean="0"/>
-              <a:t>Owlet</a:t>
-            </a:r>
-            <a:r>
-              <a:rPr lang="de-AT" dirty="0" smtClean="0"/>
-              <a:t>-GUI mit Pivot Framework</a:t>
-            </a:r>
-            <a:endParaRPr lang="de-AT" dirty="0"/>
-          </a:p>
-        </p:txBody>
-      </p:sp>
-      <p:sp>
-        <p:nvSpPr>
-          <p:cNvPr id="4" name="Fußzeilenplatzhalter 3"/>
+              <a:t>Medien-Management</a:t>
+            </a:r>
+            <a:endParaRPr lang="de-AT" dirty="0"/>
+          </a:p>
+        </p:txBody>
+      </p:sp>
+      <p:sp>
+        <p:nvSpPr>
+          <p:cNvPr id="3" name="Fußzeilenplatzhalter 2"/>
           <p:cNvSpPr>
             <a:spLocks noGrp="1"/>
           </p:cNvSpPr>
@@ -8814,7 +13901,7 @@
       </p:sp>
       <p:sp>
         <p:nvSpPr>
-          <p:cNvPr id="5" name="Foliennummernplatzhalter 4"/>
+          <p:cNvPr id="4" name="Foliennummernplatzhalter 3"/>
           <p:cNvSpPr>
             <a:spLocks noGrp="1"/>
           </p:cNvSpPr>
@@ -8835,16 +13922,66 @@
           </a:p>
         </p:txBody>
       </p:sp>
+      <p:pic>
+        <p:nvPicPr>
+          <p:cNvPr id="5" name="Grafik 4" descr="C:\Users\Manuel\Documents\uni\semester 5\workspace\OwlSoft\model\Domainmodel.png"/>
+          <p:cNvPicPr/>
+          <p:nvPr/>
+        </p:nvPicPr>
+        <p:blipFill rotWithShape="1">
+          <a:blip r:embed="rId2" cstate="print">
+            <a:extLst>
+              <a:ext uri="{28A0092B-C50C-407E-A947-70E740481C1C}">
+                <a14:useLocalDpi xmlns:a14="http://schemas.microsoft.com/office/drawing/2010/main" val="0"/>
+              </a:ext>
+            </a:extLst>
+          </a:blip>
+          <a:srcRect l="7366" t="48194" r="51149" b="3397"/>
+          <a:stretch/>
+        </p:blipFill>
+        <p:spPr bwMode="auto">
+          <a:xfrm>
+            <a:off x="1619672" y="1833213"/>
+            <a:ext cx="5904656" cy="4295535"/>
+          </a:xfrm>
+          <a:prstGeom prst="rect">
+            <a:avLst/>
+          </a:prstGeom>
+          <a:noFill/>
+          <a:ln>
+            <a:noFill/>
+          </a:ln>
+        </p:spPr>
+      </p:pic>
     </p:spTree>
     <p:extLst>
       <p:ext uri="{BB962C8B-B14F-4D97-AF65-F5344CB8AC3E}">
-        <p14:creationId xmlns:p14="http://schemas.microsoft.com/office/powerpoint/2010/main" val="3260254528"/>
+        <p14:creationId xmlns:p14="http://schemas.microsoft.com/office/powerpoint/2010/main" val="3926935007"/>
       </p:ext>
     </p:extLst>
   </p:cSld>
   <p:clrMapOvr>
     <a:masterClrMapping/>
   </p:clrMapOvr>
+  <mc:AlternateContent xmlns:mc="http://schemas.openxmlformats.org/markup-compatibility/2006">
+    <mc:Choice xmlns:p14="http://schemas.microsoft.com/office/powerpoint/2010/main" Requires="p14">
+      <p:transition spd="med" p14:dur="700">
+        <p:fade/>
+      </p:transition>
+    </mc:Choice>
+    <mc:Fallback>
+      <p:transition spd="med">
+        <p:fade/>
+      </p:transition>
+    </mc:Fallback>
+  </mc:AlternateContent>
+  <p:timing>
+    <p:tnLst>
+      <p:par>
+        <p:cTn id="1" dur="indefinite" restart="never" nodeType="tmRoot"/>
+      </p:par>
+    </p:tnLst>
+  </p:timing>
 </p:sld>
 </file>
 
@@ -8881,76 +14018,16 @@
           <a:lstStyle/>
           <a:p>
             <a:r>
-              <a:rPr lang="de-AT" dirty="0" err="1" smtClean="0"/>
-              <a:t>Timebox</a:t>
-            </a:r>
-            <a:r>
               <a:rPr lang="de-AT" dirty="0" smtClean="0"/>
-              <a:t> 2 </a:t>
-            </a:r>
-            <a:r>
-              <a:rPr lang="de-AT" dirty="0" err="1" smtClean="0"/>
-              <a:t>Usecases</a:t>
-            </a:r>
-            <a:endParaRPr lang="de-AT" dirty="0"/>
-          </a:p>
-        </p:txBody>
-      </p:sp>
-      <p:sp>
-        <p:nvSpPr>
-          <p:cNvPr id="3" name="Inhaltsplatzhalter 2"/>
-          <p:cNvSpPr>
-            <a:spLocks noGrp="1"/>
-          </p:cNvSpPr>
-          <p:nvPr>
-            <p:ph idx="1"/>
-          </p:nvPr>
-        </p:nvSpPr>
-        <p:spPr/>
-        <p:txBody>
-          <a:bodyPr/>
-          <a:lstStyle/>
-          <a:p>
-            <a:r>
-              <a:rPr lang="de-AT" dirty="0" smtClean="0"/>
-              <a:t>Suchen</a:t>
-            </a:r>
-          </a:p>
-          <a:p>
-            <a:r>
-              <a:rPr lang="de-AT" dirty="0" smtClean="0"/>
-              <a:t>Ausleihen</a:t>
-            </a:r>
-          </a:p>
-          <a:p>
-            <a:r>
-              <a:rPr lang="de-AT" dirty="0" smtClean="0"/>
-              <a:t>Rückgabe</a:t>
-            </a:r>
-          </a:p>
-          <a:p>
-            <a:r>
-              <a:rPr lang="de-AT" dirty="0" smtClean="0"/>
-              <a:t>Reservierung</a:t>
-            </a:r>
-          </a:p>
-          <a:p>
-            <a:r>
-              <a:rPr lang="de-AT" dirty="0" smtClean="0"/>
-              <a:t>Verlängern</a:t>
-            </a:r>
-          </a:p>
-          <a:p>
-            <a:pPr marL="0" indent="0">
-              <a:buNone/>
-            </a:pPr>
-            <a:endParaRPr lang="de-AT" dirty="0"/>
-          </a:p>
-        </p:txBody>
-      </p:sp>
-      <p:sp>
-        <p:nvSpPr>
-          <p:cNvPr id="4" name="Fußzeilenplatzhalter 3"/>
+              <a:t>Exemplar Management</a:t>
+            </a:r>
+            <a:endParaRPr lang="de-AT" dirty="0"/>
+          </a:p>
+        </p:txBody>
+      </p:sp>
+      <p:sp>
+        <p:nvSpPr>
+          <p:cNvPr id="3" name="Fußzeilenplatzhalter 2"/>
           <p:cNvSpPr>
             <a:spLocks noGrp="1"/>
           </p:cNvSpPr>
@@ -8973,7 +14050,7 @@
       </p:sp>
       <p:sp>
         <p:nvSpPr>
-          <p:cNvPr id="5" name="Foliennummernplatzhalter 4"/>
+          <p:cNvPr id="4" name="Foliennummernplatzhalter 3"/>
           <p:cNvSpPr>
             <a:spLocks noGrp="1"/>
           </p:cNvSpPr>
@@ -8994,16 +14071,66 @@
           </a:p>
         </p:txBody>
       </p:sp>
+      <p:pic>
+        <p:nvPicPr>
+          <p:cNvPr id="5" name="Grafik 4" descr="C:\Users\Manuel\Documents\uni\semester 5\workspace\OwlSoft\model\Domainmodel.png"/>
+          <p:cNvPicPr/>
+          <p:nvPr/>
+        </p:nvPicPr>
+        <p:blipFill rotWithShape="1">
+          <a:blip r:embed="rId2" cstate="print">
+            <a:extLst>
+              <a:ext uri="{28A0092B-C50C-407E-A947-70E740481C1C}">
+                <a14:useLocalDpi xmlns:a14="http://schemas.microsoft.com/office/drawing/2010/main" val="0"/>
+              </a:ext>
+            </a:extLst>
+          </a:blip>
+          <a:srcRect l="8036" t="17151" r="65425" b="58875"/>
+          <a:stretch/>
+        </p:blipFill>
+        <p:spPr bwMode="auto">
+          <a:xfrm>
+            <a:off x="1763688" y="2276872"/>
+            <a:ext cx="5472608" cy="3082045"/>
+          </a:xfrm>
+          <a:prstGeom prst="rect">
+            <a:avLst/>
+          </a:prstGeom>
+          <a:noFill/>
+          <a:ln>
+            <a:noFill/>
+          </a:ln>
+        </p:spPr>
+      </p:pic>
     </p:spTree>
     <p:extLst>
       <p:ext uri="{BB962C8B-B14F-4D97-AF65-F5344CB8AC3E}">
-        <p14:creationId xmlns:p14="http://schemas.microsoft.com/office/powerpoint/2010/main" val="1858648014"/>
+        <p14:creationId xmlns:p14="http://schemas.microsoft.com/office/powerpoint/2010/main" val="2992123211"/>
       </p:ext>
     </p:extLst>
   </p:cSld>
   <p:clrMapOvr>
     <a:masterClrMapping/>
   </p:clrMapOvr>
+  <mc:AlternateContent xmlns:mc="http://schemas.openxmlformats.org/markup-compatibility/2006">
+    <mc:Choice xmlns:p14="http://schemas.microsoft.com/office/powerpoint/2010/main" Requires="p14">
+      <p:transition spd="med" p14:dur="700">
+        <p:fade/>
+      </p:transition>
+    </mc:Choice>
+    <mc:Fallback>
+      <p:transition spd="med">
+        <p:fade/>
+      </p:transition>
+    </mc:Fallback>
+  </mc:AlternateContent>
+  <p:timing>
+    <p:tnLst>
+      <p:par>
+        <p:cTn id="1" dur="indefinite" restart="never" nodeType="tmRoot"/>
+      </p:par>
+    </p:tnLst>
+  </p:timing>
 </p:sld>
 </file>
 

--- a/documentation/AbschlussPr�sentation.pptx
+++ b/documentation/AbschlussPr�sentation.pptx
@@ -138,6 +138,881 @@
 </file>
 
 <file path=ppt/diagrams/colors1.xml><?xml version="1.0" encoding="utf-8"?>
+<dgm:colorsDef xmlns:dgm="http://schemas.openxmlformats.org/drawingml/2006/diagram" xmlns:a="http://schemas.openxmlformats.org/drawingml/2006/main" uniqueId="urn:microsoft.com/office/officeart/2005/8/colors/accent3_3">
+  <dgm:title val=""/>
+  <dgm:desc val=""/>
+  <dgm:catLst>
+    <dgm:cat type="accent3" pri="11300"/>
+  </dgm:catLst>
+  <dgm:styleLbl name="node0">
+    <dgm:fillClrLst meth="repeat">
+      <a:schemeClr val="accent3">
+        <a:shade val="80000"/>
+      </a:schemeClr>
+    </dgm:fillClrLst>
+    <dgm:linClrLst meth="repeat">
+      <a:schemeClr val="lt1"/>
+    </dgm:linClrLst>
+    <dgm:effectClrLst/>
+    <dgm:txLinClrLst/>
+    <dgm:txFillClrLst/>
+    <dgm:txEffectClrLst/>
+  </dgm:styleLbl>
+  <dgm:styleLbl name="node1">
+    <dgm:fillClrLst>
+      <a:schemeClr val="accent3">
+        <a:shade val="80000"/>
+      </a:schemeClr>
+      <a:schemeClr val="accent3">
+        <a:tint val="70000"/>
+      </a:schemeClr>
+    </dgm:fillClrLst>
+    <dgm:linClrLst meth="repeat">
+      <a:schemeClr val="lt1"/>
+    </dgm:linClrLst>
+    <dgm:effectClrLst/>
+    <dgm:txLinClrLst/>
+    <dgm:txFillClrLst/>
+    <dgm:txEffectClrLst/>
+  </dgm:styleLbl>
+  <dgm:styleLbl name="alignNode1">
+    <dgm:fillClrLst>
+      <a:schemeClr val="accent3">
+        <a:shade val="80000"/>
+      </a:schemeClr>
+      <a:schemeClr val="accent3">
+        <a:tint val="70000"/>
+      </a:schemeClr>
+    </dgm:fillClrLst>
+    <dgm:linClrLst>
+      <a:schemeClr val="accent3">
+        <a:shade val="80000"/>
+      </a:schemeClr>
+      <a:schemeClr val="accent3">
+        <a:tint val="70000"/>
+      </a:schemeClr>
+    </dgm:linClrLst>
+    <dgm:effectClrLst/>
+    <dgm:txLinClrLst/>
+    <dgm:txFillClrLst/>
+    <dgm:txEffectClrLst/>
+  </dgm:styleLbl>
+  <dgm:styleLbl name="lnNode1">
+    <dgm:fillClrLst>
+      <a:schemeClr val="accent3">
+        <a:shade val="80000"/>
+      </a:schemeClr>
+      <a:schemeClr val="accent3">
+        <a:tint val="70000"/>
+      </a:schemeClr>
+    </dgm:fillClrLst>
+    <dgm:linClrLst meth="repeat">
+      <a:schemeClr val="lt1"/>
+    </dgm:linClrLst>
+    <dgm:effectClrLst/>
+    <dgm:txLinClrLst/>
+    <dgm:txFillClrLst/>
+    <dgm:txEffectClrLst/>
+  </dgm:styleLbl>
+  <dgm:styleLbl name="vennNode1">
+    <dgm:fillClrLst>
+      <a:schemeClr val="accent3">
+        <a:shade val="80000"/>
+        <a:alpha val="50000"/>
+      </a:schemeClr>
+      <a:schemeClr val="accent3">
+        <a:tint val="70000"/>
+        <a:alpha val="50000"/>
+      </a:schemeClr>
+    </dgm:fillClrLst>
+    <dgm:linClrLst meth="repeat">
+      <a:schemeClr val="lt1"/>
+    </dgm:linClrLst>
+    <dgm:effectClrLst/>
+    <dgm:txLinClrLst/>
+    <dgm:txFillClrLst/>
+    <dgm:txEffectClrLst/>
+  </dgm:styleLbl>
+  <dgm:styleLbl name="node2">
+    <dgm:fillClrLst>
+      <a:schemeClr val="accent3">
+        <a:tint val="99000"/>
+      </a:schemeClr>
+    </dgm:fillClrLst>
+    <dgm:linClrLst meth="repeat">
+      <a:schemeClr val="lt1"/>
+    </dgm:linClrLst>
+    <dgm:effectClrLst/>
+    <dgm:txLinClrLst/>
+    <dgm:txFillClrLst/>
+    <dgm:txEffectClrLst/>
+  </dgm:styleLbl>
+  <dgm:styleLbl name="node3">
+    <dgm:fillClrLst>
+      <a:schemeClr val="accent3">
+        <a:tint val="80000"/>
+      </a:schemeClr>
+    </dgm:fillClrLst>
+    <dgm:linClrLst meth="repeat">
+      <a:schemeClr val="lt1"/>
+    </dgm:linClrLst>
+    <dgm:effectClrLst/>
+    <dgm:txLinClrLst/>
+    <dgm:txFillClrLst/>
+    <dgm:txEffectClrLst/>
+  </dgm:styleLbl>
+  <dgm:styleLbl name="node4">
+    <dgm:fillClrLst>
+      <a:schemeClr val="accent3">
+        <a:tint val="70000"/>
+      </a:schemeClr>
+    </dgm:fillClrLst>
+    <dgm:linClrLst meth="repeat">
+      <a:schemeClr val="lt1"/>
+    </dgm:linClrLst>
+    <dgm:effectClrLst/>
+    <dgm:txLinClrLst/>
+    <dgm:txFillClrLst/>
+    <dgm:txEffectClrLst/>
+  </dgm:styleLbl>
+  <dgm:styleLbl name="fgImgPlace1">
+    <dgm:fillClrLst>
+      <a:schemeClr val="accent3">
+        <a:tint val="50000"/>
+      </a:schemeClr>
+      <a:schemeClr val="accent3">
+        <a:tint val="20000"/>
+      </a:schemeClr>
+    </dgm:fillClrLst>
+    <dgm:linClrLst meth="repeat">
+      <a:schemeClr val="lt1"/>
+    </dgm:linClrLst>
+    <dgm:effectClrLst/>
+    <dgm:txLinClrLst/>
+    <dgm:txFillClrLst meth="repeat">
+      <a:schemeClr val="lt1"/>
+    </dgm:txFillClrLst>
+    <dgm:txEffectClrLst/>
+  </dgm:styleLbl>
+  <dgm:styleLbl name="alignImgPlace1">
+    <dgm:fillClrLst>
+      <a:schemeClr val="accent3">
+        <a:tint val="50000"/>
+      </a:schemeClr>
+      <a:schemeClr val="accent3">
+        <a:tint val="20000"/>
+      </a:schemeClr>
+    </dgm:fillClrLst>
+    <dgm:linClrLst meth="repeat">
+      <a:schemeClr val="lt1"/>
+    </dgm:linClrLst>
+    <dgm:effectClrLst/>
+    <dgm:txLinClrLst/>
+    <dgm:txFillClrLst meth="repeat">
+      <a:schemeClr val="lt1"/>
+    </dgm:txFillClrLst>
+    <dgm:txEffectClrLst/>
+  </dgm:styleLbl>
+  <dgm:styleLbl name="bgImgPlace1">
+    <dgm:fillClrLst>
+      <a:schemeClr val="accent3">
+        <a:tint val="50000"/>
+      </a:schemeClr>
+      <a:schemeClr val="accent3">
+        <a:tint val="20000"/>
+      </a:schemeClr>
+    </dgm:fillClrLst>
+    <dgm:linClrLst meth="repeat">
+      <a:schemeClr val="lt1"/>
+    </dgm:linClrLst>
+    <dgm:effectClrLst/>
+    <dgm:txLinClrLst/>
+    <dgm:txFillClrLst meth="repeat">
+      <a:schemeClr val="lt1"/>
+    </dgm:txFillClrLst>
+    <dgm:txEffectClrLst/>
+  </dgm:styleLbl>
+  <dgm:styleLbl name="sibTrans2D1">
+    <dgm:fillClrLst>
+      <a:schemeClr val="accent3">
+        <a:shade val="90000"/>
+      </a:schemeClr>
+      <a:schemeClr val="accent3">
+        <a:tint val="70000"/>
+      </a:schemeClr>
+    </dgm:fillClrLst>
+    <dgm:linClrLst>
+      <a:schemeClr val="accent3">
+        <a:shade val="90000"/>
+      </a:schemeClr>
+      <a:schemeClr val="accent3">
+        <a:tint val="70000"/>
+      </a:schemeClr>
+    </dgm:linClrLst>
+    <dgm:effectClrLst/>
+    <dgm:txLinClrLst/>
+    <dgm:txFillClrLst/>
+    <dgm:txEffectClrLst/>
+  </dgm:styleLbl>
+  <dgm:styleLbl name="fgSibTrans2D1">
+    <dgm:fillClrLst>
+      <a:schemeClr val="accent3">
+        <a:shade val="90000"/>
+      </a:schemeClr>
+      <a:schemeClr val="accent3">
+        <a:tint val="70000"/>
+      </a:schemeClr>
+    </dgm:fillClrLst>
+    <dgm:linClrLst>
+      <a:schemeClr val="accent3">
+        <a:shade val="90000"/>
+      </a:schemeClr>
+      <a:schemeClr val="accent3">
+        <a:tint val="70000"/>
+      </a:schemeClr>
+    </dgm:linClrLst>
+    <dgm:effectClrLst/>
+    <dgm:txLinClrLst/>
+    <dgm:txFillClrLst meth="repeat">
+      <a:schemeClr val="lt1"/>
+    </dgm:txFillClrLst>
+    <dgm:txEffectClrLst/>
+  </dgm:styleLbl>
+  <dgm:styleLbl name="bgSibTrans2D1">
+    <dgm:fillClrLst>
+      <a:schemeClr val="accent3">
+        <a:shade val="90000"/>
+      </a:schemeClr>
+      <a:schemeClr val="accent3">
+        <a:tint val="70000"/>
+      </a:schemeClr>
+    </dgm:fillClrLst>
+    <dgm:linClrLst>
+      <a:schemeClr val="accent3">
+        <a:shade val="90000"/>
+      </a:schemeClr>
+      <a:schemeClr val="accent3">
+        <a:tint val="70000"/>
+      </a:schemeClr>
+    </dgm:linClrLst>
+    <dgm:effectClrLst/>
+    <dgm:txLinClrLst/>
+    <dgm:txFillClrLst meth="repeat">
+      <a:schemeClr val="lt1"/>
+    </dgm:txFillClrLst>
+    <dgm:txEffectClrLst/>
+  </dgm:styleLbl>
+  <dgm:styleLbl name="sibTrans1D1">
+    <dgm:fillClrLst>
+      <a:schemeClr val="accent3">
+        <a:shade val="90000"/>
+      </a:schemeClr>
+      <a:schemeClr val="accent3">
+        <a:tint val="70000"/>
+      </a:schemeClr>
+    </dgm:fillClrLst>
+    <dgm:linClrLst>
+      <a:schemeClr val="accent3">
+        <a:shade val="90000"/>
+      </a:schemeClr>
+      <a:schemeClr val="accent3">
+        <a:tint val="70000"/>
+      </a:schemeClr>
+    </dgm:linClrLst>
+    <dgm:effectClrLst/>
+    <dgm:txLinClrLst/>
+    <dgm:txFillClrLst meth="repeat">
+      <a:schemeClr val="tx1"/>
+    </dgm:txFillClrLst>
+    <dgm:txEffectClrLst/>
+  </dgm:styleLbl>
+  <dgm:styleLbl name="callout">
+    <dgm:fillClrLst meth="repeat">
+      <a:schemeClr val="accent3"/>
+    </dgm:fillClrLst>
+    <dgm:linClrLst meth="repeat">
+      <a:schemeClr val="accent3"/>
+    </dgm:linClrLst>
+    <dgm:effectClrLst/>
+    <dgm:txLinClrLst/>
+    <dgm:txFillClrLst meth="repeat">
+      <a:schemeClr val="tx1"/>
+    </dgm:txFillClrLst>
+    <dgm:txEffectClrLst/>
+  </dgm:styleLbl>
+  <dgm:styleLbl name="asst0">
+    <dgm:fillClrLst meth="repeat">
+      <a:schemeClr val="accent3">
+        <a:shade val="80000"/>
+      </a:schemeClr>
+    </dgm:fillClrLst>
+    <dgm:linClrLst meth="repeat">
+      <a:schemeClr val="lt1"/>
+    </dgm:linClrLst>
+    <dgm:effectClrLst/>
+    <dgm:txLinClrLst/>
+    <dgm:txFillClrLst/>
+    <dgm:txEffectClrLst/>
+  </dgm:styleLbl>
+  <dgm:styleLbl name="asst1">
+    <dgm:fillClrLst meth="repeat">
+      <a:schemeClr val="accent3">
+        <a:shade val="80000"/>
+      </a:schemeClr>
+    </dgm:fillClrLst>
+    <dgm:linClrLst meth="repeat">
+      <a:schemeClr val="lt1"/>
+    </dgm:linClrLst>
+    <dgm:effectClrLst/>
+    <dgm:txLinClrLst/>
+    <dgm:txFillClrLst/>
+    <dgm:txEffectClrLst/>
+  </dgm:styleLbl>
+  <dgm:styleLbl name="asst2">
+    <dgm:fillClrLst>
+      <a:schemeClr val="accent3">
+        <a:tint val="99000"/>
+      </a:schemeClr>
+    </dgm:fillClrLst>
+    <dgm:linClrLst meth="repeat">
+      <a:schemeClr val="lt1"/>
+    </dgm:linClrLst>
+    <dgm:effectClrLst/>
+    <dgm:txLinClrLst/>
+    <dgm:txFillClrLst/>
+    <dgm:txEffectClrLst/>
+  </dgm:styleLbl>
+  <dgm:styleLbl name="asst3">
+    <dgm:fillClrLst>
+      <a:schemeClr val="accent3">
+        <a:tint val="80000"/>
+      </a:schemeClr>
+    </dgm:fillClrLst>
+    <dgm:linClrLst meth="repeat">
+      <a:schemeClr val="lt1"/>
+    </dgm:linClrLst>
+    <dgm:effectClrLst/>
+    <dgm:txLinClrLst/>
+    <dgm:txFillClrLst/>
+    <dgm:txEffectClrLst/>
+  </dgm:styleLbl>
+  <dgm:styleLbl name="asst4">
+    <dgm:fillClrLst>
+      <a:schemeClr val="accent3">
+        <a:tint val="70000"/>
+      </a:schemeClr>
+    </dgm:fillClrLst>
+    <dgm:linClrLst meth="repeat">
+      <a:schemeClr val="lt1"/>
+    </dgm:linClrLst>
+    <dgm:effectClrLst/>
+    <dgm:txLinClrLst/>
+    <dgm:txFillClrLst/>
+    <dgm:txEffectClrLst/>
+  </dgm:styleLbl>
+  <dgm:styleLbl name="parChTrans2D1">
+    <dgm:fillClrLst meth="repeat">
+      <a:schemeClr val="accent3">
+        <a:tint val="60000"/>
+      </a:schemeClr>
+    </dgm:fillClrLst>
+    <dgm:linClrLst meth="repeat">
+      <a:schemeClr val="accent3">
+        <a:tint val="60000"/>
+      </a:schemeClr>
+    </dgm:linClrLst>
+    <dgm:effectClrLst/>
+    <dgm:txLinClrLst/>
+    <dgm:txFillClrLst meth="repeat">
+      <a:schemeClr val="lt1"/>
+    </dgm:txFillClrLst>
+    <dgm:txEffectClrLst/>
+  </dgm:styleLbl>
+  <dgm:styleLbl name="parChTrans2D2">
+    <dgm:fillClrLst meth="repeat">
+      <a:schemeClr val="accent3">
+        <a:tint val="90000"/>
+      </a:schemeClr>
+    </dgm:fillClrLst>
+    <dgm:linClrLst meth="repeat">
+      <a:schemeClr val="accent3">
+        <a:tint val="90000"/>
+      </a:schemeClr>
+    </dgm:linClrLst>
+    <dgm:effectClrLst/>
+    <dgm:txLinClrLst/>
+    <dgm:txFillClrLst/>
+    <dgm:txEffectClrLst/>
+  </dgm:styleLbl>
+  <dgm:styleLbl name="parChTrans2D3">
+    <dgm:fillClrLst meth="repeat">
+      <a:schemeClr val="accent3">
+        <a:tint val="70000"/>
+      </a:schemeClr>
+    </dgm:fillClrLst>
+    <dgm:linClrLst meth="repeat">
+      <a:schemeClr val="accent3">
+        <a:tint val="70000"/>
+      </a:schemeClr>
+    </dgm:linClrLst>
+    <dgm:effectClrLst/>
+    <dgm:txLinClrLst/>
+    <dgm:txFillClrLst/>
+    <dgm:txEffectClrLst/>
+  </dgm:styleLbl>
+  <dgm:styleLbl name="parChTrans2D4">
+    <dgm:fillClrLst meth="repeat">
+      <a:schemeClr val="accent3">
+        <a:tint val="50000"/>
+      </a:schemeClr>
+    </dgm:fillClrLst>
+    <dgm:linClrLst meth="repeat">
+      <a:schemeClr val="accent3">
+        <a:tint val="50000"/>
+      </a:schemeClr>
+    </dgm:linClrLst>
+    <dgm:effectClrLst/>
+    <dgm:txLinClrLst/>
+    <dgm:txFillClrLst meth="repeat">
+      <a:schemeClr val="lt1"/>
+    </dgm:txFillClrLst>
+    <dgm:txEffectClrLst/>
+  </dgm:styleLbl>
+  <dgm:styleLbl name="parChTrans1D1">
+    <dgm:fillClrLst meth="repeat">
+      <a:schemeClr val="accent3">
+        <a:shade val="80000"/>
+      </a:schemeClr>
+    </dgm:fillClrLst>
+    <dgm:linClrLst meth="repeat">
+      <a:schemeClr val="accent3">
+        <a:shade val="80000"/>
+      </a:schemeClr>
+    </dgm:linClrLst>
+    <dgm:effectClrLst/>
+    <dgm:txLinClrLst/>
+    <dgm:txFillClrLst meth="repeat">
+      <a:schemeClr val="tx1"/>
+    </dgm:txFillClrLst>
+    <dgm:txEffectClrLst/>
+  </dgm:styleLbl>
+  <dgm:styleLbl name="parChTrans1D2">
+    <dgm:fillClrLst meth="repeat">
+      <a:schemeClr val="accent3">
+        <a:tint val="99000"/>
+      </a:schemeClr>
+    </dgm:fillClrLst>
+    <dgm:linClrLst meth="repeat">
+      <a:schemeClr val="accent3">
+        <a:tint val="99000"/>
+      </a:schemeClr>
+    </dgm:linClrLst>
+    <dgm:effectClrLst/>
+    <dgm:txLinClrLst/>
+    <dgm:txFillClrLst meth="repeat">
+      <a:schemeClr val="tx1"/>
+    </dgm:txFillClrLst>
+    <dgm:txEffectClrLst/>
+  </dgm:styleLbl>
+  <dgm:styleLbl name="parChTrans1D3">
+    <dgm:fillClrLst meth="repeat">
+      <a:schemeClr val="accent3">
+        <a:tint val="80000"/>
+      </a:schemeClr>
+    </dgm:fillClrLst>
+    <dgm:linClrLst meth="repeat">
+      <a:schemeClr val="accent3">
+        <a:tint val="80000"/>
+      </a:schemeClr>
+    </dgm:linClrLst>
+    <dgm:effectClrLst/>
+    <dgm:txLinClrLst/>
+    <dgm:txFillClrLst meth="repeat">
+      <a:schemeClr val="tx1"/>
+    </dgm:txFillClrLst>
+    <dgm:txEffectClrLst/>
+  </dgm:styleLbl>
+  <dgm:styleLbl name="parChTrans1D4">
+    <dgm:fillClrLst meth="repeat">
+      <a:schemeClr val="accent3">
+        <a:tint val="70000"/>
+      </a:schemeClr>
+    </dgm:fillClrLst>
+    <dgm:linClrLst meth="repeat">
+      <a:schemeClr val="accent3">
+        <a:tint val="70000"/>
+      </a:schemeClr>
+    </dgm:linClrLst>
+    <dgm:effectClrLst/>
+    <dgm:txLinClrLst/>
+    <dgm:txFillClrLst meth="repeat">
+      <a:schemeClr val="tx1"/>
+    </dgm:txFillClrLst>
+    <dgm:txEffectClrLst/>
+  </dgm:styleLbl>
+  <dgm:styleLbl name="fgAcc1">
+    <dgm:fillClrLst meth="repeat">
+      <a:schemeClr val="lt1">
+        <a:alpha val="90000"/>
+      </a:schemeClr>
+    </dgm:fillClrLst>
+    <dgm:linClrLst>
+      <a:schemeClr val="accent3">
+        <a:shade val="80000"/>
+      </a:schemeClr>
+      <a:schemeClr val="accent3">
+        <a:tint val="70000"/>
+      </a:schemeClr>
+    </dgm:linClrLst>
+    <dgm:effectClrLst/>
+    <dgm:txLinClrLst/>
+    <dgm:txFillClrLst meth="repeat">
+      <a:schemeClr val="dk1"/>
+    </dgm:txFillClrLst>
+    <dgm:txEffectClrLst/>
+  </dgm:styleLbl>
+  <dgm:styleLbl name="conFgAcc1">
+    <dgm:fillClrLst meth="repeat">
+      <a:schemeClr val="lt1">
+        <a:alpha val="90000"/>
+      </a:schemeClr>
+    </dgm:fillClrLst>
+    <dgm:linClrLst>
+      <a:schemeClr val="accent3">
+        <a:shade val="80000"/>
+      </a:schemeClr>
+      <a:schemeClr val="accent3">
+        <a:tint val="70000"/>
+      </a:schemeClr>
+    </dgm:linClrLst>
+    <dgm:effectClrLst/>
+    <dgm:txLinClrLst/>
+    <dgm:txFillClrLst meth="repeat">
+      <a:schemeClr val="dk1"/>
+    </dgm:txFillClrLst>
+    <dgm:txEffectClrLst/>
+  </dgm:styleLbl>
+  <dgm:styleLbl name="alignAcc1">
+    <dgm:fillClrLst meth="repeat">
+      <a:schemeClr val="lt1">
+        <a:alpha val="90000"/>
+      </a:schemeClr>
+    </dgm:fillClrLst>
+    <dgm:linClrLst>
+      <a:schemeClr val="accent3">
+        <a:shade val="80000"/>
+      </a:schemeClr>
+      <a:schemeClr val="accent3">
+        <a:tint val="70000"/>
+      </a:schemeClr>
+    </dgm:linClrLst>
+    <dgm:effectClrLst/>
+    <dgm:txLinClrLst/>
+    <dgm:txFillClrLst meth="repeat">
+      <a:schemeClr val="dk1"/>
+    </dgm:txFillClrLst>
+    <dgm:txEffectClrLst/>
+  </dgm:styleLbl>
+  <dgm:styleLbl name="trAlignAcc1">
+    <dgm:fillClrLst meth="repeat">
+      <a:schemeClr val="lt1">
+        <a:alpha val="40000"/>
+      </a:schemeClr>
+    </dgm:fillClrLst>
+    <dgm:linClrLst meth="repeat">
+      <a:schemeClr val="accent3"/>
+    </dgm:linClrLst>
+    <dgm:effectClrLst/>
+    <dgm:txLinClrLst/>
+    <dgm:txFillClrLst meth="repeat">
+      <a:schemeClr val="dk1"/>
+    </dgm:txFillClrLst>
+    <dgm:txEffectClrLst/>
+  </dgm:styleLbl>
+  <dgm:styleLbl name="bgAcc1">
+    <dgm:fillClrLst meth="repeat">
+      <a:schemeClr val="lt1">
+        <a:alpha val="90000"/>
+      </a:schemeClr>
+    </dgm:fillClrLst>
+    <dgm:linClrLst>
+      <a:schemeClr val="accent3">
+        <a:shade val="80000"/>
+      </a:schemeClr>
+      <a:schemeClr val="accent3">
+        <a:tint val="70000"/>
+      </a:schemeClr>
+    </dgm:linClrLst>
+    <dgm:effectClrLst/>
+    <dgm:txLinClrLst/>
+    <dgm:txFillClrLst meth="repeat">
+      <a:schemeClr val="dk1"/>
+    </dgm:txFillClrLst>
+    <dgm:txEffectClrLst/>
+  </dgm:styleLbl>
+  <dgm:styleLbl name="solidFgAcc1">
+    <dgm:fillClrLst meth="repeat">
+      <a:schemeClr val="lt1"/>
+    </dgm:fillClrLst>
+    <dgm:linClrLst>
+      <a:schemeClr val="accent3">
+        <a:shade val="80000"/>
+      </a:schemeClr>
+      <a:schemeClr val="accent3">
+        <a:tint val="70000"/>
+      </a:schemeClr>
+    </dgm:linClrLst>
+    <dgm:effectClrLst/>
+    <dgm:txLinClrLst/>
+    <dgm:txFillClrLst meth="repeat">
+      <a:schemeClr val="dk1"/>
+    </dgm:txFillClrLst>
+    <dgm:txEffectClrLst/>
+  </dgm:styleLbl>
+  <dgm:styleLbl name="solidAlignAcc1">
+    <dgm:fillClrLst meth="repeat">
+      <a:schemeClr val="lt1"/>
+    </dgm:fillClrLst>
+    <dgm:linClrLst meth="repeat">
+      <a:schemeClr val="accent3"/>
+    </dgm:linClrLst>
+    <dgm:effectClrLst/>
+    <dgm:txLinClrLst/>
+    <dgm:txFillClrLst meth="repeat">
+      <a:schemeClr val="dk1"/>
+    </dgm:txFillClrLst>
+    <dgm:txEffectClrLst/>
+  </dgm:styleLbl>
+  <dgm:styleLbl name="solidBgAcc1">
+    <dgm:fillClrLst meth="repeat">
+      <a:schemeClr val="lt1"/>
+    </dgm:fillClrLst>
+    <dgm:linClrLst meth="repeat">
+      <a:schemeClr val="accent3"/>
+    </dgm:linClrLst>
+    <dgm:effectClrLst/>
+    <dgm:txLinClrLst/>
+    <dgm:txFillClrLst meth="repeat">
+      <a:schemeClr val="dk1"/>
+    </dgm:txFillClrLst>
+    <dgm:txEffectClrLst/>
+  </dgm:styleLbl>
+  <dgm:styleLbl name="fgAccFollowNode1">
+    <dgm:fillClrLst meth="repeat">
+      <a:schemeClr val="accent3">
+        <a:alpha val="90000"/>
+        <a:tint val="40000"/>
+      </a:schemeClr>
+    </dgm:fillClrLst>
+    <dgm:linClrLst meth="repeat">
+      <a:schemeClr val="accent3">
+        <a:alpha val="90000"/>
+        <a:tint val="40000"/>
+      </a:schemeClr>
+    </dgm:linClrLst>
+    <dgm:effectClrLst/>
+    <dgm:txLinClrLst/>
+    <dgm:txFillClrLst meth="repeat">
+      <a:schemeClr val="dk1"/>
+    </dgm:txFillClrLst>
+    <dgm:txEffectClrLst/>
+  </dgm:styleLbl>
+  <dgm:styleLbl name="alignAccFollowNode1">
+    <dgm:fillClrLst meth="repeat">
+      <a:schemeClr val="accent3">
+        <a:alpha val="90000"/>
+        <a:tint val="40000"/>
+      </a:schemeClr>
+    </dgm:fillClrLst>
+    <dgm:linClrLst meth="repeat">
+      <a:schemeClr val="accent3">
+        <a:alpha val="90000"/>
+        <a:tint val="40000"/>
+      </a:schemeClr>
+    </dgm:linClrLst>
+    <dgm:effectClrLst/>
+    <dgm:txLinClrLst/>
+    <dgm:txFillClrLst meth="repeat">
+      <a:schemeClr val="dk1"/>
+    </dgm:txFillClrLst>
+    <dgm:txEffectClrLst/>
+  </dgm:styleLbl>
+  <dgm:styleLbl name="bgAccFollowNode1">
+    <dgm:fillClrLst meth="repeat">
+      <a:schemeClr val="accent3">
+        <a:alpha val="90000"/>
+        <a:tint val="40000"/>
+      </a:schemeClr>
+    </dgm:fillClrLst>
+    <dgm:linClrLst meth="repeat">
+      <a:schemeClr val="lt1"/>
+    </dgm:linClrLst>
+    <dgm:effectClrLst/>
+    <dgm:txLinClrLst/>
+    <dgm:txFillClrLst meth="repeat">
+      <a:schemeClr val="dk1"/>
+    </dgm:txFillClrLst>
+    <dgm:txEffectClrLst/>
+  </dgm:styleLbl>
+  <dgm:styleLbl name="fgAcc0">
+    <dgm:fillClrLst meth="repeat">
+      <a:schemeClr val="lt1">
+        <a:alpha val="90000"/>
+      </a:schemeClr>
+    </dgm:fillClrLst>
+    <dgm:linClrLst meth="repeat">
+      <a:schemeClr val="accent3">
+        <a:shade val="80000"/>
+      </a:schemeClr>
+    </dgm:linClrLst>
+    <dgm:effectClrLst/>
+    <dgm:txLinClrLst/>
+    <dgm:txFillClrLst meth="repeat">
+      <a:schemeClr val="dk1"/>
+    </dgm:txFillClrLst>
+    <dgm:txEffectClrLst/>
+  </dgm:styleLbl>
+  <dgm:styleLbl name="fgAcc2">
+    <dgm:fillClrLst meth="repeat">
+      <a:schemeClr val="lt1">
+        <a:alpha val="90000"/>
+      </a:schemeClr>
+    </dgm:fillClrLst>
+    <dgm:linClrLst meth="repeat">
+      <a:schemeClr val="accent3">
+        <a:tint val="99000"/>
+      </a:schemeClr>
+    </dgm:linClrLst>
+    <dgm:effectClrLst/>
+    <dgm:txLinClrLst/>
+    <dgm:txFillClrLst meth="repeat">
+      <a:schemeClr val="dk1"/>
+    </dgm:txFillClrLst>
+    <dgm:txEffectClrLst/>
+  </dgm:styleLbl>
+  <dgm:styleLbl name="fgAcc3">
+    <dgm:fillClrLst meth="repeat">
+      <a:schemeClr val="lt1">
+        <a:alpha val="90000"/>
+      </a:schemeClr>
+    </dgm:fillClrLst>
+    <dgm:linClrLst meth="repeat">
+      <a:schemeClr val="accent3">
+        <a:tint val="80000"/>
+      </a:schemeClr>
+    </dgm:linClrLst>
+    <dgm:effectClrLst/>
+    <dgm:txLinClrLst/>
+    <dgm:txFillClrLst meth="repeat">
+      <a:schemeClr val="dk1"/>
+    </dgm:txFillClrLst>
+    <dgm:txEffectClrLst/>
+  </dgm:styleLbl>
+  <dgm:styleLbl name="fgAcc4">
+    <dgm:fillClrLst meth="repeat">
+      <a:schemeClr val="lt1">
+        <a:alpha val="90000"/>
+      </a:schemeClr>
+    </dgm:fillClrLst>
+    <dgm:linClrLst meth="repeat">
+      <a:schemeClr val="accent3">
+        <a:tint val="70000"/>
+      </a:schemeClr>
+    </dgm:linClrLst>
+    <dgm:effectClrLst/>
+    <dgm:txLinClrLst/>
+    <dgm:txFillClrLst meth="repeat">
+      <a:schemeClr val="dk1"/>
+    </dgm:txFillClrLst>
+    <dgm:txEffectClrLst/>
+  </dgm:styleLbl>
+  <dgm:styleLbl name="bgShp">
+    <dgm:fillClrLst meth="repeat">
+      <a:schemeClr val="accent3">
+        <a:tint val="40000"/>
+      </a:schemeClr>
+    </dgm:fillClrLst>
+    <dgm:linClrLst meth="repeat">
+      <a:schemeClr val="dk1"/>
+    </dgm:linClrLst>
+    <dgm:effectClrLst/>
+    <dgm:txLinClrLst/>
+    <dgm:txFillClrLst meth="repeat">
+      <a:schemeClr val="dk1"/>
+    </dgm:txFillClrLst>
+    <dgm:txEffectClrLst/>
+  </dgm:styleLbl>
+  <dgm:styleLbl name="dkBgShp">
+    <dgm:fillClrLst meth="repeat">
+      <a:schemeClr val="accent3">
+        <a:shade val="90000"/>
+      </a:schemeClr>
+    </dgm:fillClrLst>
+    <dgm:linClrLst meth="repeat">
+      <a:schemeClr val="dk1"/>
+    </dgm:linClrLst>
+    <dgm:effectClrLst/>
+    <dgm:txLinClrLst/>
+    <dgm:txFillClrLst meth="repeat">
+      <a:schemeClr val="lt1"/>
+    </dgm:txFillClrLst>
+    <dgm:txEffectClrLst/>
+  </dgm:styleLbl>
+  <dgm:styleLbl name="trBgShp">
+    <dgm:fillClrLst meth="repeat">
+      <a:schemeClr val="accent3">
+        <a:tint val="50000"/>
+        <a:alpha val="40000"/>
+      </a:schemeClr>
+    </dgm:fillClrLst>
+    <dgm:linClrLst meth="repeat">
+      <a:schemeClr val="accent3"/>
+    </dgm:linClrLst>
+    <dgm:effectClrLst/>
+    <dgm:txLinClrLst/>
+    <dgm:txFillClrLst meth="repeat">
+      <a:schemeClr val="lt1"/>
+    </dgm:txFillClrLst>
+    <dgm:txEffectClrLst/>
+  </dgm:styleLbl>
+  <dgm:styleLbl name="fgShp">
+    <dgm:fillClrLst meth="repeat">
+      <a:schemeClr val="accent3">
+        <a:tint val="40000"/>
+      </a:schemeClr>
+    </dgm:fillClrLst>
+    <dgm:linClrLst meth="repeat">
+      <a:schemeClr val="lt1"/>
+    </dgm:linClrLst>
+    <dgm:effectClrLst/>
+    <dgm:txLinClrLst/>
+    <dgm:txFillClrLst meth="repeat">
+      <a:schemeClr val="dk1"/>
+    </dgm:txFillClrLst>
+    <dgm:txEffectClrLst/>
+  </dgm:styleLbl>
+  <dgm:styleLbl name="revTx">
+    <dgm:fillClrLst meth="repeat">
+      <a:schemeClr val="lt1">
+        <a:alpha val="0"/>
+      </a:schemeClr>
+    </dgm:fillClrLst>
+    <dgm:linClrLst meth="repeat">
+      <a:schemeClr val="dk1">
+        <a:alpha val="0"/>
+      </a:schemeClr>
+    </dgm:linClrLst>
+    <dgm:effectClrLst/>
+    <dgm:txLinClrLst/>
+    <dgm:txFillClrLst meth="repeat">
+      <a:schemeClr val="tx1"/>
+    </dgm:txFillClrLst>
+    <dgm:txEffectClrLst/>
+  </dgm:styleLbl>
+</dgm:colorsDef>
+</file>
+
+<file path=ppt/diagrams/colors2.xml><?xml version="1.0" encoding="utf-8"?>
 <dgm:colorsDef xmlns:dgm="http://schemas.openxmlformats.org/drawingml/2006/diagram" xmlns:a="http://schemas.openxmlformats.org/drawingml/2006/main" uniqueId="urn:microsoft.com/office/officeart/2005/8/colors/accent3_3">
   <dgm:title val=""/>
   <dgm:desc val=""/>
@@ -1222,6 +2097,13 @@
         </dgm:presLayoutVars>
       </dgm:prSet>
       <dgm:spPr/>
+      <dgm:t>
+        <a:bodyPr/>
+        <a:lstStyle/>
+        <a:p>
+          <a:endParaRPr lang="de-AT"/>
+        </a:p>
+      </dgm:t>
     </dgm:pt>
     <dgm:pt modelId="{512A2A93-774C-4D10-AADB-D044CAB9C57B}" type="pres">
       <dgm:prSet presAssocID="{A02FDD53-61E2-4919-8539-BDE854692DE6}" presName="vertOne" presStyleCnt="0"/>
@@ -1261,6 +2143,13 @@
         </dgm:presLayoutVars>
       </dgm:prSet>
       <dgm:spPr/>
+      <dgm:t>
+        <a:bodyPr/>
+        <a:lstStyle/>
+        <a:p>
+          <a:endParaRPr lang="de-AT"/>
+        </a:p>
+      </dgm:t>
     </dgm:pt>
     <dgm:pt modelId="{27650347-27D0-4C06-AD47-B770F3B345D6}" type="pres">
       <dgm:prSet presAssocID="{01F9321B-7D32-49EF-B567-2114954A7AB1}" presName="parTransTwo" presStyleCnt="0"/>
@@ -1281,6 +2170,13 @@
         </dgm:presLayoutVars>
       </dgm:prSet>
       <dgm:spPr/>
+      <dgm:t>
+        <a:bodyPr/>
+        <a:lstStyle/>
+        <a:p>
+          <a:endParaRPr lang="de-AT"/>
+        </a:p>
+      </dgm:t>
     </dgm:pt>
     <dgm:pt modelId="{84D9FBAC-34AF-4F6F-97AC-22EDB5FD48F5}" type="pres">
       <dgm:prSet presAssocID="{508F67C3-D501-45DC-983E-9FD7E0CF32FF}" presName="parTransThree" presStyleCnt="0"/>
@@ -1350,17 +2246,17 @@
     </dgm:pt>
   </dgm:ptLst>
   <dgm:cxnLst>
+    <dgm:cxn modelId="{3D2FEE89-077B-4931-A178-3DF08B13E6A1}" type="presOf" srcId="{6E930AF4-1093-49CD-8DA3-7B7E8B19A502}" destId="{1CD611B8-58A5-45CA-BBA0-AD0CB72569D3}" srcOrd="0" destOrd="0" presId="urn:microsoft.com/office/officeart/2005/8/layout/hierarchy4"/>
+    <dgm:cxn modelId="{C28319B6-65FC-4102-8C58-94CFB32F81A3}" type="presOf" srcId="{4773A4CB-DE17-43DA-AE55-332A33065CFE}" destId="{11F4B928-078B-4BA7-90F8-4F585371C77B}" srcOrd="0" destOrd="0" presId="urn:microsoft.com/office/officeart/2005/8/layout/hierarchy4"/>
+    <dgm:cxn modelId="{D268358D-E6FD-451F-9062-A52FBBAE44BD}" srcId="{567F1570-040B-4F40-ACA7-7A0064F0DD04}" destId="{6E930AF4-1093-49CD-8DA3-7B7E8B19A502}" srcOrd="0" destOrd="0" parTransId="{AD02AB8E-042A-4394-BB2C-CAE75A8D12DF}" sibTransId="{005C3811-1F29-4853-AD4A-6F88F5A2D1BC}"/>
+    <dgm:cxn modelId="{EB30EEF9-1001-48D5-80F3-6C6B52423C89}" srcId="{508F67C3-D501-45DC-983E-9FD7E0CF32FF}" destId="{567F1570-040B-4F40-ACA7-7A0064F0DD04}" srcOrd="0" destOrd="0" parTransId="{7F06D23C-D223-43E3-BED3-75035B05E1CC}" sibTransId="{71DFAB5F-F79C-458F-9A6D-BAFED27D1F62}"/>
+    <dgm:cxn modelId="{C52E8EC4-2C3F-47AA-BBCE-181F4F24B36D}" type="presOf" srcId="{508F67C3-D501-45DC-983E-9FD7E0CF32FF}" destId="{1C5E28C1-2749-4059-9990-AE1F14F675A4}" srcOrd="0" destOrd="0" presId="urn:microsoft.com/office/officeart/2005/8/layout/hierarchy4"/>
+    <dgm:cxn modelId="{D7ED0B30-16B3-4BA3-BCFB-AE82471E6E89}" type="presOf" srcId="{01F9321B-7D32-49EF-B567-2114954A7AB1}" destId="{DD78CEA1-1A34-4F81-AD02-1ADA132D2132}" srcOrd="0" destOrd="0" presId="urn:microsoft.com/office/officeart/2005/8/layout/hierarchy4"/>
+    <dgm:cxn modelId="{7FE359E9-079F-4437-A58F-5BDFF44E02DF}" type="presOf" srcId="{A02FDD53-61E2-4919-8539-BDE854692DE6}" destId="{0BB0D374-1138-4270-8FBE-F9F593F638CB}" srcOrd="0" destOrd="0" presId="urn:microsoft.com/office/officeart/2005/8/layout/hierarchy4"/>
+    <dgm:cxn modelId="{508D737E-F5AD-4514-931A-870C84EEDAFB}" srcId="{01F9321B-7D32-49EF-B567-2114954A7AB1}" destId="{508F67C3-D501-45DC-983E-9FD7E0CF32FF}" srcOrd="0" destOrd="0" parTransId="{BA254FC8-B205-4DD3-AB56-E0553F03F96B}" sibTransId="{ED668B4C-DE8F-4C2A-BB36-575B70317B31}"/>
+    <dgm:cxn modelId="{24C1B805-C508-4D44-BA8D-BBD26F0C4235}" type="presOf" srcId="{567F1570-040B-4F40-ACA7-7A0064F0DD04}" destId="{2350346C-D084-4FD3-9831-AE6164A34041}" srcOrd="0" destOrd="0" presId="urn:microsoft.com/office/officeart/2005/8/layout/hierarchy4"/>
     <dgm:cxn modelId="{0C96B79E-1119-4011-A46F-194C832EAC42}" srcId="{A02FDD53-61E2-4919-8539-BDE854692DE6}" destId="{01F9321B-7D32-49EF-B567-2114954A7AB1}" srcOrd="0" destOrd="0" parTransId="{B8FC3329-24FA-4D2A-B92C-89E785E66C22}" sibTransId="{3A76BABA-DF42-46E3-B7E7-8994CD423005}"/>
-    <dgm:cxn modelId="{D268358D-E6FD-451F-9062-A52FBBAE44BD}" srcId="{567F1570-040B-4F40-ACA7-7A0064F0DD04}" destId="{6E930AF4-1093-49CD-8DA3-7B7E8B19A502}" srcOrd="0" destOrd="0" parTransId="{AD02AB8E-042A-4394-BB2C-CAE75A8D12DF}" sibTransId="{005C3811-1F29-4853-AD4A-6F88F5A2D1BC}"/>
-    <dgm:cxn modelId="{C52E8EC4-2C3F-47AA-BBCE-181F4F24B36D}" type="presOf" srcId="{508F67C3-D501-45DC-983E-9FD7E0CF32FF}" destId="{1C5E28C1-2749-4059-9990-AE1F14F675A4}" srcOrd="0" destOrd="0" presId="urn:microsoft.com/office/officeart/2005/8/layout/hierarchy4"/>
-    <dgm:cxn modelId="{EB30EEF9-1001-48D5-80F3-6C6B52423C89}" srcId="{508F67C3-D501-45DC-983E-9FD7E0CF32FF}" destId="{567F1570-040B-4F40-ACA7-7A0064F0DD04}" srcOrd="0" destOrd="0" parTransId="{7F06D23C-D223-43E3-BED3-75035B05E1CC}" sibTransId="{71DFAB5F-F79C-458F-9A6D-BAFED27D1F62}"/>
-    <dgm:cxn modelId="{7FE359E9-079F-4437-A58F-5BDFF44E02DF}" type="presOf" srcId="{A02FDD53-61E2-4919-8539-BDE854692DE6}" destId="{0BB0D374-1138-4270-8FBE-F9F593F638CB}" srcOrd="0" destOrd="0" presId="urn:microsoft.com/office/officeart/2005/8/layout/hierarchy4"/>
-    <dgm:cxn modelId="{24C1B805-C508-4D44-BA8D-BBD26F0C4235}" type="presOf" srcId="{567F1570-040B-4F40-ACA7-7A0064F0DD04}" destId="{2350346C-D084-4FD3-9831-AE6164A34041}" srcOrd="0" destOrd="0" presId="urn:microsoft.com/office/officeart/2005/8/layout/hierarchy4"/>
-    <dgm:cxn modelId="{508D737E-F5AD-4514-931A-870C84EEDAFB}" srcId="{01F9321B-7D32-49EF-B567-2114954A7AB1}" destId="{508F67C3-D501-45DC-983E-9FD7E0CF32FF}" srcOrd="0" destOrd="0" parTransId="{BA254FC8-B205-4DD3-AB56-E0553F03F96B}" sibTransId="{ED668B4C-DE8F-4C2A-BB36-575B70317B31}"/>
-    <dgm:cxn modelId="{3D2FEE89-077B-4931-A178-3DF08B13E6A1}" type="presOf" srcId="{6E930AF4-1093-49CD-8DA3-7B7E8B19A502}" destId="{1CD611B8-58A5-45CA-BBA0-AD0CB72569D3}" srcOrd="0" destOrd="0" presId="urn:microsoft.com/office/officeart/2005/8/layout/hierarchy4"/>
     <dgm:cxn modelId="{5428B0DA-ACA5-4403-9A23-8F4D8D2FC486}" srcId="{4773A4CB-DE17-43DA-AE55-332A33065CFE}" destId="{A02FDD53-61E2-4919-8539-BDE854692DE6}" srcOrd="0" destOrd="0" parTransId="{1B89847F-A8DC-4A7A-8EEC-9B13168725CA}" sibTransId="{67191F1E-C01C-42C3-8324-C78FE3158AB7}"/>
-    <dgm:cxn modelId="{D7ED0B30-16B3-4BA3-BCFB-AE82471E6E89}" type="presOf" srcId="{01F9321B-7D32-49EF-B567-2114954A7AB1}" destId="{DD78CEA1-1A34-4F81-AD02-1ADA132D2132}" srcOrd="0" destOrd="0" presId="urn:microsoft.com/office/officeart/2005/8/layout/hierarchy4"/>
-    <dgm:cxn modelId="{C28319B6-65FC-4102-8C58-94CFB32F81A3}" type="presOf" srcId="{4773A4CB-DE17-43DA-AE55-332A33065CFE}" destId="{11F4B928-078B-4BA7-90F8-4F585371C77B}" srcOrd="0" destOrd="0" presId="urn:microsoft.com/office/officeart/2005/8/layout/hierarchy4"/>
     <dgm:cxn modelId="{941DF0FB-A053-41C2-ABB6-1FA6D57BE817}" type="presParOf" srcId="{11F4B928-078B-4BA7-90F8-4F585371C77B}" destId="{512A2A93-774C-4D10-AADB-D044CAB9C57B}" srcOrd="0" destOrd="0" presId="urn:microsoft.com/office/officeart/2005/8/layout/hierarchy4"/>
     <dgm:cxn modelId="{BA50F7CA-F648-46F2-8FC4-594E191A721A}" type="presParOf" srcId="{512A2A93-774C-4D10-AADB-D044CAB9C57B}" destId="{0BB0D374-1138-4270-8FBE-F9F593F638CB}" srcOrd="0" destOrd="0" presId="urn:microsoft.com/office/officeart/2005/8/layout/hierarchy4"/>
     <dgm:cxn modelId="{BB8CDB6A-118F-4BAF-8BF9-396C8683B71D}" type="presParOf" srcId="{512A2A93-774C-4D10-AADB-D044CAB9C57B}" destId="{AA235959-66CA-4F3A-A5F9-CA15E068A9E6}" srcOrd="1" destOrd="0" presId="urn:microsoft.com/office/officeart/2005/8/layout/hierarchy4"/>
@@ -1391,7 +2287,819 @@
 </dgm:dataModel>
 </file>
 
+<file path=ppt/diagrams/data2.xml><?xml version="1.0" encoding="utf-8"?>
+<dgm:dataModel xmlns:dgm="http://schemas.openxmlformats.org/drawingml/2006/diagram" xmlns:a="http://schemas.openxmlformats.org/drawingml/2006/main">
+  <dgm:ptLst>
+    <dgm:pt modelId="{4773A4CB-DE17-43DA-AE55-332A33065CFE}" type="doc">
+      <dgm:prSet loTypeId="urn:microsoft.com/office/officeart/2005/8/layout/hierarchy4" loCatId="hierarchy" qsTypeId="urn:microsoft.com/office/officeart/2005/8/quickstyle/simple1" qsCatId="simple" csTypeId="urn:microsoft.com/office/officeart/2005/8/colors/accent3_3" csCatId="accent3" phldr="1"/>
+      <dgm:spPr/>
+      <dgm:t>
+        <a:bodyPr/>
+        <a:lstStyle/>
+        <a:p>
+          <a:endParaRPr lang="de-AT"/>
+        </a:p>
+      </dgm:t>
+    </dgm:pt>
+    <dgm:pt modelId="{A02FDD53-61E2-4919-8539-BDE854692DE6}">
+      <dgm:prSet phldrT="[Text]"/>
+      <dgm:spPr/>
+      <dgm:t>
+        <a:bodyPr/>
+        <a:lstStyle/>
+        <a:p>
+          <a:r>
+            <a:rPr lang="de-AT" dirty="0" smtClean="0"/>
+            <a:t>Kommunikationsschicht</a:t>
+          </a:r>
+          <a:endParaRPr lang="de-AT" dirty="0"/>
+        </a:p>
+      </dgm:t>
+    </dgm:pt>
+    <dgm:pt modelId="{1B89847F-A8DC-4A7A-8EEC-9B13168725CA}" type="parTrans" cxnId="{5428B0DA-ACA5-4403-9A23-8F4D8D2FC486}">
+      <dgm:prSet/>
+      <dgm:spPr/>
+      <dgm:t>
+        <a:bodyPr/>
+        <a:lstStyle/>
+        <a:p>
+          <a:endParaRPr lang="de-AT"/>
+        </a:p>
+      </dgm:t>
+    </dgm:pt>
+    <dgm:pt modelId="{67191F1E-C01C-42C3-8324-C78FE3158AB7}" type="sibTrans" cxnId="{5428B0DA-ACA5-4403-9A23-8F4D8D2FC486}">
+      <dgm:prSet/>
+      <dgm:spPr/>
+      <dgm:t>
+        <a:bodyPr/>
+        <a:lstStyle/>
+        <a:p>
+          <a:endParaRPr lang="de-AT"/>
+        </a:p>
+      </dgm:t>
+    </dgm:pt>
+    <dgm:pt modelId="{01F9321B-7D32-49EF-B567-2114954A7AB1}">
+      <dgm:prSet phldrT="[Text]"/>
+      <dgm:spPr/>
+      <dgm:t>
+        <a:bodyPr/>
+        <a:lstStyle/>
+        <a:p>
+          <a:r>
+            <a:rPr lang="de-AT" dirty="0" smtClean="0"/>
+            <a:t>Anwendungslogik</a:t>
+          </a:r>
+          <a:endParaRPr lang="de-AT" dirty="0"/>
+        </a:p>
+      </dgm:t>
+    </dgm:pt>
+    <dgm:pt modelId="{B8FC3329-24FA-4D2A-B92C-89E785E66C22}" type="parTrans" cxnId="{0C96B79E-1119-4011-A46F-194C832EAC42}">
+      <dgm:prSet/>
+      <dgm:spPr/>
+      <dgm:t>
+        <a:bodyPr/>
+        <a:lstStyle/>
+        <a:p>
+          <a:endParaRPr lang="de-AT"/>
+        </a:p>
+      </dgm:t>
+    </dgm:pt>
+    <dgm:pt modelId="{3A76BABA-DF42-46E3-B7E7-8994CD423005}" type="sibTrans" cxnId="{0C96B79E-1119-4011-A46F-194C832EAC42}">
+      <dgm:prSet/>
+      <dgm:spPr/>
+      <dgm:t>
+        <a:bodyPr/>
+        <a:lstStyle/>
+        <a:p>
+          <a:endParaRPr lang="de-AT"/>
+        </a:p>
+      </dgm:t>
+    </dgm:pt>
+    <dgm:pt modelId="{508F67C3-D501-45DC-983E-9FD7E0CF32FF}">
+      <dgm:prSet phldrT="[Text]"/>
+      <dgm:spPr/>
+      <dgm:t>
+        <a:bodyPr/>
+        <a:lstStyle/>
+        <a:p>
+          <a:r>
+            <a:rPr lang="de-AT" dirty="0" smtClean="0"/>
+            <a:t>Businesslogik</a:t>
+          </a:r>
+          <a:endParaRPr lang="de-AT" dirty="0"/>
+        </a:p>
+      </dgm:t>
+    </dgm:pt>
+    <dgm:pt modelId="{BA254FC8-B205-4DD3-AB56-E0553F03F96B}" type="parTrans" cxnId="{508D737E-F5AD-4514-931A-870C84EEDAFB}">
+      <dgm:prSet/>
+      <dgm:spPr/>
+      <dgm:t>
+        <a:bodyPr/>
+        <a:lstStyle/>
+        <a:p>
+          <a:endParaRPr lang="de-AT"/>
+        </a:p>
+      </dgm:t>
+    </dgm:pt>
+    <dgm:pt modelId="{ED668B4C-DE8F-4C2A-BB36-575B70317B31}" type="sibTrans" cxnId="{508D737E-F5AD-4514-931A-870C84EEDAFB}">
+      <dgm:prSet/>
+      <dgm:spPr/>
+      <dgm:t>
+        <a:bodyPr/>
+        <a:lstStyle/>
+        <a:p>
+          <a:endParaRPr lang="de-AT"/>
+        </a:p>
+      </dgm:t>
+    </dgm:pt>
+    <dgm:pt modelId="{567F1570-040B-4F40-ACA7-7A0064F0DD04}">
+      <dgm:prSet phldrT="[Text]"/>
+      <dgm:spPr/>
+      <dgm:t>
+        <a:bodyPr/>
+        <a:lstStyle/>
+        <a:p>
+          <a:r>
+            <a:rPr lang="de-AT" dirty="0" smtClean="0"/>
+            <a:t>Datenabstraktion</a:t>
+          </a:r>
+          <a:endParaRPr lang="de-AT" dirty="0"/>
+        </a:p>
+      </dgm:t>
+    </dgm:pt>
+    <dgm:pt modelId="{7F06D23C-D223-43E3-BED3-75035B05E1CC}" type="parTrans" cxnId="{EB30EEF9-1001-48D5-80F3-6C6B52423C89}">
+      <dgm:prSet/>
+      <dgm:spPr/>
+      <dgm:t>
+        <a:bodyPr/>
+        <a:lstStyle/>
+        <a:p>
+          <a:endParaRPr lang="de-AT"/>
+        </a:p>
+      </dgm:t>
+    </dgm:pt>
+    <dgm:pt modelId="{71DFAB5F-F79C-458F-9A6D-BAFED27D1F62}" type="sibTrans" cxnId="{EB30EEF9-1001-48D5-80F3-6C6B52423C89}">
+      <dgm:prSet/>
+      <dgm:spPr/>
+      <dgm:t>
+        <a:bodyPr/>
+        <a:lstStyle/>
+        <a:p>
+          <a:endParaRPr lang="de-AT"/>
+        </a:p>
+      </dgm:t>
+    </dgm:pt>
+    <dgm:pt modelId="{6E930AF4-1093-49CD-8DA3-7B7E8B19A502}">
+      <dgm:prSet phldrT="[Text]"/>
+      <dgm:spPr/>
+      <dgm:t>
+        <a:bodyPr/>
+        <a:lstStyle/>
+        <a:p>
+          <a:r>
+            <a:rPr lang="de-AT" dirty="0" smtClean="0"/>
+            <a:t>Daten</a:t>
+          </a:r>
+          <a:endParaRPr lang="de-AT" dirty="0"/>
+        </a:p>
+      </dgm:t>
+    </dgm:pt>
+    <dgm:pt modelId="{AD02AB8E-042A-4394-BB2C-CAE75A8D12DF}" type="parTrans" cxnId="{D268358D-E6FD-451F-9062-A52FBBAE44BD}">
+      <dgm:prSet/>
+      <dgm:spPr/>
+      <dgm:t>
+        <a:bodyPr/>
+        <a:lstStyle/>
+        <a:p>
+          <a:endParaRPr lang="de-AT"/>
+        </a:p>
+      </dgm:t>
+    </dgm:pt>
+    <dgm:pt modelId="{005C3811-1F29-4853-AD4A-6F88F5A2D1BC}" type="sibTrans" cxnId="{D268358D-E6FD-451F-9062-A52FBBAE44BD}">
+      <dgm:prSet/>
+      <dgm:spPr/>
+      <dgm:t>
+        <a:bodyPr/>
+        <a:lstStyle/>
+        <a:p>
+          <a:endParaRPr lang="de-AT"/>
+        </a:p>
+      </dgm:t>
+    </dgm:pt>
+    <dgm:pt modelId="{11F4B928-078B-4BA7-90F8-4F585371C77B}" type="pres">
+      <dgm:prSet presAssocID="{4773A4CB-DE17-43DA-AE55-332A33065CFE}" presName="Name0" presStyleCnt="0">
+        <dgm:presLayoutVars>
+          <dgm:chPref val="1"/>
+          <dgm:dir/>
+          <dgm:animOne val="branch"/>
+          <dgm:animLvl val="lvl"/>
+          <dgm:resizeHandles/>
+        </dgm:presLayoutVars>
+      </dgm:prSet>
+      <dgm:spPr/>
+      <dgm:t>
+        <a:bodyPr/>
+        <a:lstStyle/>
+        <a:p>
+          <a:endParaRPr lang="de-AT"/>
+        </a:p>
+      </dgm:t>
+    </dgm:pt>
+    <dgm:pt modelId="{512A2A93-774C-4D10-AADB-D044CAB9C57B}" type="pres">
+      <dgm:prSet presAssocID="{A02FDD53-61E2-4919-8539-BDE854692DE6}" presName="vertOne" presStyleCnt="0"/>
+      <dgm:spPr/>
+    </dgm:pt>
+    <dgm:pt modelId="{0BB0D374-1138-4270-8FBE-F9F593F638CB}" type="pres">
+      <dgm:prSet presAssocID="{A02FDD53-61E2-4919-8539-BDE854692DE6}" presName="txOne" presStyleLbl="node0" presStyleIdx="0" presStyleCnt="1">
+        <dgm:presLayoutVars>
+          <dgm:chPref val="3"/>
+        </dgm:presLayoutVars>
+      </dgm:prSet>
+      <dgm:spPr/>
+      <dgm:t>
+        <a:bodyPr/>
+        <a:lstStyle/>
+        <a:p>
+          <a:endParaRPr lang="de-AT"/>
+        </a:p>
+      </dgm:t>
+    </dgm:pt>
+    <dgm:pt modelId="{AA235959-66CA-4F3A-A5F9-CA15E068A9E6}" type="pres">
+      <dgm:prSet presAssocID="{A02FDD53-61E2-4919-8539-BDE854692DE6}" presName="parTransOne" presStyleCnt="0"/>
+      <dgm:spPr/>
+    </dgm:pt>
+    <dgm:pt modelId="{75B1B6FF-D78E-4861-BFA0-89287CFCB587}" type="pres">
+      <dgm:prSet presAssocID="{A02FDD53-61E2-4919-8539-BDE854692DE6}" presName="horzOne" presStyleCnt="0"/>
+      <dgm:spPr/>
+    </dgm:pt>
+    <dgm:pt modelId="{37863B87-A249-4526-827E-25721AF48325}" type="pres">
+      <dgm:prSet presAssocID="{01F9321B-7D32-49EF-B567-2114954A7AB1}" presName="vertTwo" presStyleCnt="0"/>
+      <dgm:spPr/>
+    </dgm:pt>
+    <dgm:pt modelId="{DD78CEA1-1A34-4F81-AD02-1ADA132D2132}" type="pres">
+      <dgm:prSet presAssocID="{01F9321B-7D32-49EF-B567-2114954A7AB1}" presName="txTwo" presStyleLbl="node2" presStyleIdx="0" presStyleCnt="1">
+        <dgm:presLayoutVars>
+          <dgm:chPref val="3"/>
+        </dgm:presLayoutVars>
+      </dgm:prSet>
+      <dgm:spPr/>
+      <dgm:t>
+        <a:bodyPr/>
+        <a:lstStyle/>
+        <a:p>
+          <a:endParaRPr lang="de-AT"/>
+        </a:p>
+      </dgm:t>
+    </dgm:pt>
+    <dgm:pt modelId="{27650347-27D0-4C06-AD47-B770F3B345D6}" type="pres">
+      <dgm:prSet presAssocID="{01F9321B-7D32-49EF-B567-2114954A7AB1}" presName="parTransTwo" presStyleCnt="0"/>
+      <dgm:spPr/>
+    </dgm:pt>
+    <dgm:pt modelId="{7AAE93C5-764B-46E1-96B0-8898427A7654}" type="pres">
+      <dgm:prSet presAssocID="{01F9321B-7D32-49EF-B567-2114954A7AB1}" presName="horzTwo" presStyleCnt="0"/>
+      <dgm:spPr/>
+    </dgm:pt>
+    <dgm:pt modelId="{A200FB96-0FB6-4281-803F-334C2A299C86}" type="pres">
+      <dgm:prSet presAssocID="{508F67C3-D501-45DC-983E-9FD7E0CF32FF}" presName="vertThree" presStyleCnt="0"/>
+      <dgm:spPr/>
+    </dgm:pt>
+    <dgm:pt modelId="{1C5E28C1-2749-4059-9990-AE1F14F675A4}" type="pres">
+      <dgm:prSet presAssocID="{508F67C3-D501-45DC-983E-9FD7E0CF32FF}" presName="txThree" presStyleLbl="node3" presStyleIdx="0" presStyleCnt="1">
+        <dgm:presLayoutVars>
+          <dgm:chPref val="3"/>
+        </dgm:presLayoutVars>
+      </dgm:prSet>
+      <dgm:spPr/>
+      <dgm:t>
+        <a:bodyPr/>
+        <a:lstStyle/>
+        <a:p>
+          <a:endParaRPr lang="de-AT"/>
+        </a:p>
+      </dgm:t>
+    </dgm:pt>
+    <dgm:pt modelId="{84D9FBAC-34AF-4F6F-97AC-22EDB5FD48F5}" type="pres">
+      <dgm:prSet presAssocID="{508F67C3-D501-45DC-983E-9FD7E0CF32FF}" presName="parTransThree" presStyleCnt="0"/>
+      <dgm:spPr/>
+    </dgm:pt>
+    <dgm:pt modelId="{1761342A-E280-4C52-81E4-90A93B54290F}" type="pres">
+      <dgm:prSet presAssocID="{508F67C3-D501-45DC-983E-9FD7E0CF32FF}" presName="horzThree" presStyleCnt="0"/>
+      <dgm:spPr/>
+    </dgm:pt>
+    <dgm:pt modelId="{592AAD7B-A574-4297-A539-A58A5985A360}" type="pres">
+      <dgm:prSet presAssocID="{567F1570-040B-4F40-ACA7-7A0064F0DD04}" presName="vertFour" presStyleCnt="0">
+        <dgm:presLayoutVars>
+          <dgm:chPref val="3"/>
+        </dgm:presLayoutVars>
+      </dgm:prSet>
+      <dgm:spPr/>
+    </dgm:pt>
+    <dgm:pt modelId="{2350346C-D084-4FD3-9831-AE6164A34041}" type="pres">
+      <dgm:prSet presAssocID="{567F1570-040B-4F40-ACA7-7A0064F0DD04}" presName="txFour" presStyleLbl="node4" presStyleIdx="0" presStyleCnt="2">
+        <dgm:presLayoutVars>
+          <dgm:chPref val="3"/>
+        </dgm:presLayoutVars>
+      </dgm:prSet>
+      <dgm:spPr/>
+      <dgm:t>
+        <a:bodyPr/>
+        <a:lstStyle/>
+        <a:p>
+          <a:endParaRPr lang="de-AT"/>
+        </a:p>
+      </dgm:t>
+    </dgm:pt>
+    <dgm:pt modelId="{6C26E5A3-F23E-4426-8619-D1E44AC7CF38}" type="pres">
+      <dgm:prSet presAssocID="{567F1570-040B-4F40-ACA7-7A0064F0DD04}" presName="parTransFour" presStyleCnt="0"/>
+      <dgm:spPr/>
+    </dgm:pt>
+    <dgm:pt modelId="{5A45F187-56DE-44AF-93A7-2D309860B315}" type="pres">
+      <dgm:prSet presAssocID="{567F1570-040B-4F40-ACA7-7A0064F0DD04}" presName="horzFour" presStyleCnt="0"/>
+      <dgm:spPr/>
+    </dgm:pt>
+    <dgm:pt modelId="{5A081AD5-3D6E-4874-9311-726B867A6D43}" type="pres">
+      <dgm:prSet presAssocID="{6E930AF4-1093-49CD-8DA3-7B7E8B19A502}" presName="vertFour" presStyleCnt="0">
+        <dgm:presLayoutVars>
+          <dgm:chPref val="3"/>
+        </dgm:presLayoutVars>
+      </dgm:prSet>
+      <dgm:spPr/>
+    </dgm:pt>
+    <dgm:pt modelId="{1CD611B8-58A5-45CA-BBA0-AD0CB72569D3}" type="pres">
+      <dgm:prSet presAssocID="{6E930AF4-1093-49CD-8DA3-7B7E8B19A502}" presName="txFour" presStyleLbl="node4" presStyleIdx="1" presStyleCnt="2">
+        <dgm:presLayoutVars>
+          <dgm:chPref val="3"/>
+        </dgm:presLayoutVars>
+      </dgm:prSet>
+      <dgm:spPr/>
+      <dgm:t>
+        <a:bodyPr/>
+        <a:lstStyle/>
+        <a:p>
+          <a:endParaRPr lang="de-AT"/>
+        </a:p>
+      </dgm:t>
+    </dgm:pt>
+    <dgm:pt modelId="{CA816DAD-6C51-4978-A516-499362D5F80E}" type="pres">
+      <dgm:prSet presAssocID="{6E930AF4-1093-49CD-8DA3-7B7E8B19A502}" presName="horzFour" presStyleCnt="0"/>
+      <dgm:spPr/>
+    </dgm:pt>
+  </dgm:ptLst>
+  <dgm:cxnLst>
+    <dgm:cxn modelId="{8BF1C700-2159-403F-B06B-58E618B2DA87}" type="presOf" srcId="{508F67C3-D501-45DC-983E-9FD7E0CF32FF}" destId="{1C5E28C1-2749-4059-9990-AE1F14F675A4}" srcOrd="0" destOrd="0" presId="urn:microsoft.com/office/officeart/2005/8/layout/hierarchy4"/>
+    <dgm:cxn modelId="{5390902D-30CD-4DF0-B7CE-1E406146A824}" type="presOf" srcId="{567F1570-040B-4F40-ACA7-7A0064F0DD04}" destId="{2350346C-D084-4FD3-9831-AE6164A34041}" srcOrd="0" destOrd="0" presId="urn:microsoft.com/office/officeart/2005/8/layout/hierarchy4"/>
+    <dgm:cxn modelId="{96D3872A-590B-4549-8098-8CAD403D0843}" type="presOf" srcId="{6E930AF4-1093-49CD-8DA3-7B7E8B19A502}" destId="{1CD611B8-58A5-45CA-BBA0-AD0CB72569D3}" srcOrd="0" destOrd="0" presId="urn:microsoft.com/office/officeart/2005/8/layout/hierarchy4"/>
+    <dgm:cxn modelId="{D268358D-E6FD-451F-9062-A52FBBAE44BD}" srcId="{567F1570-040B-4F40-ACA7-7A0064F0DD04}" destId="{6E930AF4-1093-49CD-8DA3-7B7E8B19A502}" srcOrd="0" destOrd="0" parTransId="{AD02AB8E-042A-4394-BB2C-CAE75A8D12DF}" sibTransId="{005C3811-1F29-4853-AD4A-6F88F5A2D1BC}"/>
+    <dgm:cxn modelId="{EB30EEF9-1001-48D5-80F3-6C6B52423C89}" srcId="{508F67C3-D501-45DC-983E-9FD7E0CF32FF}" destId="{567F1570-040B-4F40-ACA7-7A0064F0DD04}" srcOrd="0" destOrd="0" parTransId="{7F06D23C-D223-43E3-BED3-75035B05E1CC}" sibTransId="{71DFAB5F-F79C-458F-9A6D-BAFED27D1F62}"/>
+    <dgm:cxn modelId="{DF339CC2-26C8-4055-926A-67850476B521}" type="presOf" srcId="{4773A4CB-DE17-43DA-AE55-332A33065CFE}" destId="{11F4B928-078B-4BA7-90F8-4F585371C77B}" srcOrd="0" destOrd="0" presId="urn:microsoft.com/office/officeart/2005/8/layout/hierarchy4"/>
+    <dgm:cxn modelId="{BE906565-13C5-4420-B585-D9FF3BA263C9}" type="presOf" srcId="{01F9321B-7D32-49EF-B567-2114954A7AB1}" destId="{DD78CEA1-1A34-4F81-AD02-1ADA132D2132}" srcOrd="0" destOrd="0" presId="urn:microsoft.com/office/officeart/2005/8/layout/hierarchy4"/>
+    <dgm:cxn modelId="{508D737E-F5AD-4514-931A-870C84EEDAFB}" srcId="{01F9321B-7D32-49EF-B567-2114954A7AB1}" destId="{508F67C3-D501-45DC-983E-9FD7E0CF32FF}" srcOrd="0" destOrd="0" parTransId="{BA254FC8-B205-4DD3-AB56-E0553F03F96B}" sibTransId="{ED668B4C-DE8F-4C2A-BB36-575B70317B31}"/>
+    <dgm:cxn modelId="{7613E41D-38B2-4205-B3E7-77F80D3DE89C}" type="presOf" srcId="{A02FDD53-61E2-4919-8539-BDE854692DE6}" destId="{0BB0D374-1138-4270-8FBE-F9F593F638CB}" srcOrd="0" destOrd="0" presId="urn:microsoft.com/office/officeart/2005/8/layout/hierarchy4"/>
+    <dgm:cxn modelId="{0C96B79E-1119-4011-A46F-194C832EAC42}" srcId="{A02FDD53-61E2-4919-8539-BDE854692DE6}" destId="{01F9321B-7D32-49EF-B567-2114954A7AB1}" srcOrd="0" destOrd="0" parTransId="{B8FC3329-24FA-4D2A-B92C-89E785E66C22}" sibTransId="{3A76BABA-DF42-46E3-B7E7-8994CD423005}"/>
+    <dgm:cxn modelId="{5428B0DA-ACA5-4403-9A23-8F4D8D2FC486}" srcId="{4773A4CB-DE17-43DA-AE55-332A33065CFE}" destId="{A02FDD53-61E2-4919-8539-BDE854692DE6}" srcOrd="0" destOrd="0" parTransId="{1B89847F-A8DC-4A7A-8EEC-9B13168725CA}" sibTransId="{67191F1E-C01C-42C3-8324-C78FE3158AB7}"/>
+    <dgm:cxn modelId="{E03302B6-9BBA-431F-92D3-268542BE2263}" type="presParOf" srcId="{11F4B928-078B-4BA7-90F8-4F585371C77B}" destId="{512A2A93-774C-4D10-AADB-D044CAB9C57B}" srcOrd="0" destOrd="0" presId="urn:microsoft.com/office/officeart/2005/8/layout/hierarchy4"/>
+    <dgm:cxn modelId="{93D9F062-749E-450B-BC96-ECDDF1470CF4}" type="presParOf" srcId="{512A2A93-774C-4D10-AADB-D044CAB9C57B}" destId="{0BB0D374-1138-4270-8FBE-F9F593F638CB}" srcOrd="0" destOrd="0" presId="urn:microsoft.com/office/officeart/2005/8/layout/hierarchy4"/>
+    <dgm:cxn modelId="{3C7AD4DD-46EC-4432-9D7B-51753F97F174}" type="presParOf" srcId="{512A2A93-774C-4D10-AADB-D044CAB9C57B}" destId="{AA235959-66CA-4F3A-A5F9-CA15E068A9E6}" srcOrd="1" destOrd="0" presId="urn:microsoft.com/office/officeart/2005/8/layout/hierarchy4"/>
+    <dgm:cxn modelId="{23EC1D77-1F48-405F-84AF-3DBD28897700}" type="presParOf" srcId="{512A2A93-774C-4D10-AADB-D044CAB9C57B}" destId="{75B1B6FF-D78E-4861-BFA0-89287CFCB587}" srcOrd="2" destOrd="0" presId="urn:microsoft.com/office/officeart/2005/8/layout/hierarchy4"/>
+    <dgm:cxn modelId="{E0BB716D-C982-414C-820D-B3D53E85745A}" type="presParOf" srcId="{75B1B6FF-D78E-4861-BFA0-89287CFCB587}" destId="{37863B87-A249-4526-827E-25721AF48325}" srcOrd="0" destOrd="0" presId="urn:microsoft.com/office/officeart/2005/8/layout/hierarchy4"/>
+    <dgm:cxn modelId="{7CF485CE-4FB2-4F52-AFB0-06B20A253B4D}" type="presParOf" srcId="{37863B87-A249-4526-827E-25721AF48325}" destId="{DD78CEA1-1A34-4F81-AD02-1ADA132D2132}" srcOrd="0" destOrd="0" presId="urn:microsoft.com/office/officeart/2005/8/layout/hierarchy4"/>
+    <dgm:cxn modelId="{FCC6BF30-312F-4E3D-9DC2-1D6A5B4C2523}" type="presParOf" srcId="{37863B87-A249-4526-827E-25721AF48325}" destId="{27650347-27D0-4C06-AD47-B770F3B345D6}" srcOrd="1" destOrd="0" presId="urn:microsoft.com/office/officeart/2005/8/layout/hierarchy4"/>
+    <dgm:cxn modelId="{64E7A1E8-EFA4-44BB-8F00-E51BD5D15DC6}" type="presParOf" srcId="{37863B87-A249-4526-827E-25721AF48325}" destId="{7AAE93C5-764B-46E1-96B0-8898427A7654}" srcOrd="2" destOrd="0" presId="urn:microsoft.com/office/officeart/2005/8/layout/hierarchy4"/>
+    <dgm:cxn modelId="{41D5516A-E83F-4115-B9E3-F940C0BF2B2B}" type="presParOf" srcId="{7AAE93C5-764B-46E1-96B0-8898427A7654}" destId="{A200FB96-0FB6-4281-803F-334C2A299C86}" srcOrd="0" destOrd="0" presId="urn:microsoft.com/office/officeart/2005/8/layout/hierarchy4"/>
+    <dgm:cxn modelId="{6589B082-80EA-4A2F-B395-B42D2F1DA392}" type="presParOf" srcId="{A200FB96-0FB6-4281-803F-334C2A299C86}" destId="{1C5E28C1-2749-4059-9990-AE1F14F675A4}" srcOrd="0" destOrd="0" presId="urn:microsoft.com/office/officeart/2005/8/layout/hierarchy4"/>
+    <dgm:cxn modelId="{D549B44F-6650-4A76-ABB8-D78BBB7C2FD3}" type="presParOf" srcId="{A200FB96-0FB6-4281-803F-334C2A299C86}" destId="{84D9FBAC-34AF-4F6F-97AC-22EDB5FD48F5}" srcOrd="1" destOrd="0" presId="urn:microsoft.com/office/officeart/2005/8/layout/hierarchy4"/>
+    <dgm:cxn modelId="{086D0919-E806-4211-827E-E09F4A6301DD}" type="presParOf" srcId="{A200FB96-0FB6-4281-803F-334C2A299C86}" destId="{1761342A-E280-4C52-81E4-90A93B54290F}" srcOrd="2" destOrd="0" presId="urn:microsoft.com/office/officeart/2005/8/layout/hierarchy4"/>
+    <dgm:cxn modelId="{F488BA4B-312D-4A92-BA1D-48615D62274F}" type="presParOf" srcId="{1761342A-E280-4C52-81E4-90A93B54290F}" destId="{592AAD7B-A574-4297-A539-A58A5985A360}" srcOrd="0" destOrd="0" presId="urn:microsoft.com/office/officeart/2005/8/layout/hierarchy4"/>
+    <dgm:cxn modelId="{277D7760-30CC-4E04-BD9C-A422D23E7952}" type="presParOf" srcId="{592AAD7B-A574-4297-A539-A58A5985A360}" destId="{2350346C-D084-4FD3-9831-AE6164A34041}" srcOrd="0" destOrd="0" presId="urn:microsoft.com/office/officeart/2005/8/layout/hierarchy4"/>
+    <dgm:cxn modelId="{2E6228B3-2D2F-4B1F-BBC0-9AABF6773DCE}" type="presParOf" srcId="{592AAD7B-A574-4297-A539-A58A5985A360}" destId="{6C26E5A3-F23E-4426-8619-D1E44AC7CF38}" srcOrd="1" destOrd="0" presId="urn:microsoft.com/office/officeart/2005/8/layout/hierarchy4"/>
+    <dgm:cxn modelId="{B3E5E300-714E-4A94-9397-45043C89A759}" type="presParOf" srcId="{592AAD7B-A574-4297-A539-A58A5985A360}" destId="{5A45F187-56DE-44AF-93A7-2D309860B315}" srcOrd="2" destOrd="0" presId="urn:microsoft.com/office/officeart/2005/8/layout/hierarchy4"/>
+    <dgm:cxn modelId="{8C080B8C-F039-4FF5-8121-A0A17F1CEEB6}" type="presParOf" srcId="{5A45F187-56DE-44AF-93A7-2D309860B315}" destId="{5A081AD5-3D6E-4874-9311-726B867A6D43}" srcOrd="0" destOrd="0" presId="urn:microsoft.com/office/officeart/2005/8/layout/hierarchy4"/>
+    <dgm:cxn modelId="{6ED6C9A3-C361-4DCA-BB55-482871A80EEA}" type="presParOf" srcId="{5A081AD5-3D6E-4874-9311-726B867A6D43}" destId="{1CD611B8-58A5-45CA-BBA0-AD0CB72569D3}" srcOrd="0" destOrd="0" presId="urn:microsoft.com/office/officeart/2005/8/layout/hierarchy4"/>
+    <dgm:cxn modelId="{B3931DFA-4EC8-417E-BEF4-2B1D1480B0BC}" type="presParOf" srcId="{5A081AD5-3D6E-4874-9311-726B867A6D43}" destId="{CA816DAD-6C51-4978-A516-499362D5F80E}" srcOrd="1" destOrd="0" presId="urn:microsoft.com/office/officeart/2005/8/layout/hierarchy4"/>
+  </dgm:cxnLst>
+  <dgm:bg/>
+  <dgm:whole/>
+  <dgm:extLst>
+    <a:ext uri="http://schemas.microsoft.com/office/drawing/2008/diagram">
+      <dsp:dataModelExt xmlns:dsp="http://schemas.microsoft.com/office/drawing/2008/diagram" relId="rId7" minVer="http://schemas.openxmlformats.org/drawingml/2006/diagram"/>
+    </a:ext>
+  </dgm:extLst>
+</dgm:dataModel>
+</file>
+
 <file path=ppt/diagrams/drawing1.xml><?xml version="1.0" encoding="utf-8"?>
+<dsp:drawing xmlns:dgm="http://schemas.openxmlformats.org/drawingml/2006/diagram" xmlns:dsp="http://schemas.microsoft.com/office/drawing/2008/diagram" xmlns:a="http://schemas.openxmlformats.org/drawingml/2006/main">
+  <dsp:spTree>
+    <dsp:nvGrpSpPr>
+      <dsp:cNvPr id="0" name=""/>
+      <dsp:cNvGrpSpPr/>
+    </dsp:nvGrpSpPr>
+    <dsp:grpSpPr/>
+    <dsp:sp modelId="{0BB0D374-1138-4270-8FBE-F9F593F638CB}">
+      <dsp:nvSpPr>
+        <dsp:cNvPr id="0" name=""/>
+        <dsp:cNvSpPr/>
+      </dsp:nvSpPr>
+      <dsp:spPr>
+        <a:xfrm>
+          <a:off x="1816" y="2197"/>
+          <a:ext cx="3716103" cy="708056"/>
+        </a:xfrm>
+        <a:prstGeom prst="roundRect">
+          <a:avLst>
+            <a:gd name="adj" fmla="val 10000"/>
+          </a:avLst>
+        </a:prstGeom>
+        <a:solidFill>
+          <a:schemeClr val="accent3">
+            <a:shade val="80000"/>
+            <a:hueOff val="0"/>
+            <a:satOff val="0"/>
+            <a:lumOff val="0"/>
+            <a:alphaOff val="0"/>
+          </a:schemeClr>
+        </a:solidFill>
+        <a:ln w="28575" cap="flat" cmpd="sng" algn="ctr">
+          <a:solidFill>
+            <a:schemeClr val="lt1">
+              <a:hueOff val="0"/>
+              <a:satOff val="0"/>
+              <a:lumOff val="0"/>
+              <a:alphaOff val="0"/>
+            </a:schemeClr>
+          </a:solidFill>
+          <a:prstDash val="solid"/>
+        </a:ln>
+        <a:effectLst/>
+      </dsp:spPr>
+      <dsp:style>
+        <a:lnRef idx="2">
+          <a:scrgbClr r="0" g="0" b="0"/>
+        </a:lnRef>
+        <a:fillRef idx="1">
+          <a:scrgbClr r="0" g="0" b="0"/>
+        </a:fillRef>
+        <a:effectRef idx="0">
+          <a:scrgbClr r="0" g="0" b="0"/>
+        </a:effectRef>
+        <a:fontRef idx="minor">
+          <a:schemeClr val="lt1"/>
+        </a:fontRef>
+      </dsp:style>
+      <dsp:txBody>
+        <a:bodyPr spcFirstLastPara="0" vert="horz" wrap="square" lIns="91440" tIns="91440" rIns="91440" bIns="91440" numCol="1" spcCol="1270" anchor="ctr" anchorCtr="0">
+          <a:noAutofit/>
+        </a:bodyPr>
+        <a:lstStyle/>
+        <a:p>
+          <a:pPr lvl="0" algn="ctr" defTabSz="1066800">
+            <a:lnSpc>
+              <a:spcPct val="90000"/>
+            </a:lnSpc>
+            <a:spcBef>
+              <a:spcPct val="0"/>
+            </a:spcBef>
+            <a:spcAft>
+              <a:spcPct val="35000"/>
+            </a:spcAft>
+          </a:pPr>
+          <a:r>
+            <a:rPr lang="de-AT" sz="2400" kern="1200" dirty="0" smtClean="0"/>
+            <a:t>Kommunikationsschicht</a:t>
+          </a:r>
+          <a:endParaRPr lang="de-AT" sz="2400" kern="1200" dirty="0"/>
+        </a:p>
+      </dsp:txBody>
+      <dsp:txXfrm>
+        <a:off x="22554" y="22935"/>
+        <a:ext cx="3674627" cy="666580"/>
+      </dsp:txXfrm>
+    </dsp:sp>
+    <dsp:sp modelId="{DD78CEA1-1A34-4F81-AD02-1ADA132D2132}">
+      <dsp:nvSpPr>
+        <dsp:cNvPr id="0" name=""/>
+        <dsp:cNvSpPr/>
+      </dsp:nvSpPr>
+      <dsp:spPr>
+        <a:xfrm>
+          <a:off x="1816" y="750074"/>
+          <a:ext cx="3716103" cy="708056"/>
+        </a:xfrm>
+        <a:prstGeom prst="roundRect">
+          <a:avLst>
+            <a:gd name="adj" fmla="val 10000"/>
+          </a:avLst>
+        </a:prstGeom>
+        <a:solidFill>
+          <a:schemeClr val="accent3">
+            <a:tint val="99000"/>
+            <a:hueOff val="0"/>
+            <a:satOff val="0"/>
+            <a:lumOff val="0"/>
+            <a:alphaOff val="0"/>
+          </a:schemeClr>
+        </a:solidFill>
+        <a:ln w="28575" cap="flat" cmpd="sng" algn="ctr">
+          <a:solidFill>
+            <a:schemeClr val="lt1">
+              <a:hueOff val="0"/>
+              <a:satOff val="0"/>
+              <a:lumOff val="0"/>
+              <a:alphaOff val="0"/>
+            </a:schemeClr>
+          </a:solidFill>
+          <a:prstDash val="solid"/>
+        </a:ln>
+        <a:effectLst/>
+      </dsp:spPr>
+      <dsp:style>
+        <a:lnRef idx="2">
+          <a:scrgbClr r="0" g="0" b="0"/>
+        </a:lnRef>
+        <a:fillRef idx="1">
+          <a:scrgbClr r="0" g="0" b="0"/>
+        </a:fillRef>
+        <a:effectRef idx="0">
+          <a:scrgbClr r="0" g="0" b="0"/>
+        </a:effectRef>
+        <a:fontRef idx="minor">
+          <a:schemeClr val="lt1"/>
+        </a:fontRef>
+      </dsp:style>
+      <dsp:txBody>
+        <a:bodyPr spcFirstLastPara="0" vert="horz" wrap="square" lIns="91440" tIns="91440" rIns="91440" bIns="91440" numCol="1" spcCol="1270" anchor="ctr" anchorCtr="0">
+          <a:noAutofit/>
+        </a:bodyPr>
+        <a:lstStyle/>
+        <a:p>
+          <a:pPr lvl="0" algn="ctr" defTabSz="1066800">
+            <a:lnSpc>
+              <a:spcPct val="90000"/>
+            </a:lnSpc>
+            <a:spcBef>
+              <a:spcPct val="0"/>
+            </a:spcBef>
+            <a:spcAft>
+              <a:spcPct val="35000"/>
+            </a:spcAft>
+          </a:pPr>
+          <a:r>
+            <a:rPr lang="de-AT" sz="2400" kern="1200" dirty="0" smtClean="0"/>
+            <a:t>Anwendungslogik</a:t>
+          </a:r>
+          <a:endParaRPr lang="de-AT" sz="2400" kern="1200" dirty="0"/>
+        </a:p>
+      </dsp:txBody>
+      <dsp:txXfrm>
+        <a:off x="22554" y="770812"/>
+        <a:ext cx="3674627" cy="666580"/>
+      </dsp:txXfrm>
+    </dsp:sp>
+    <dsp:sp modelId="{1C5E28C1-2749-4059-9990-AE1F14F675A4}">
+      <dsp:nvSpPr>
+        <dsp:cNvPr id="0" name=""/>
+        <dsp:cNvSpPr/>
+      </dsp:nvSpPr>
+      <dsp:spPr>
+        <a:xfrm>
+          <a:off x="1816" y="1497951"/>
+          <a:ext cx="3716103" cy="708056"/>
+        </a:xfrm>
+        <a:prstGeom prst="roundRect">
+          <a:avLst>
+            <a:gd name="adj" fmla="val 10000"/>
+          </a:avLst>
+        </a:prstGeom>
+        <a:solidFill>
+          <a:schemeClr val="accent3">
+            <a:tint val="80000"/>
+            <a:hueOff val="0"/>
+            <a:satOff val="0"/>
+            <a:lumOff val="0"/>
+            <a:alphaOff val="0"/>
+          </a:schemeClr>
+        </a:solidFill>
+        <a:ln w="28575" cap="flat" cmpd="sng" algn="ctr">
+          <a:solidFill>
+            <a:schemeClr val="lt1">
+              <a:hueOff val="0"/>
+              <a:satOff val="0"/>
+              <a:lumOff val="0"/>
+              <a:alphaOff val="0"/>
+            </a:schemeClr>
+          </a:solidFill>
+          <a:prstDash val="solid"/>
+        </a:ln>
+        <a:effectLst/>
+      </dsp:spPr>
+      <dsp:style>
+        <a:lnRef idx="2">
+          <a:scrgbClr r="0" g="0" b="0"/>
+        </a:lnRef>
+        <a:fillRef idx="1">
+          <a:scrgbClr r="0" g="0" b="0"/>
+        </a:fillRef>
+        <a:effectRef idx="0">
+          <a:scrgbClr r="0" g="0" b="0"/>
+        </a:effectRef>
+        <a:fontRef idx="minor">
+          <a:schemeClr val="lt1"/>
+        </a:fontRef>
+      </dsp:style>
+      <dsp:txBody>
+        <a:bodyPr spcFirstLastPara="0" vert="horz" wrap="square" lIns="91440" tIns="91440" rIns="91440" bIns="91440" numCol="1" spcCol="1270" anchor="ctr" anchorCtr="0">
+          <a:noAutofit/>
+        </a:bodyPr>
+        <a:lstStyle/>
+        <a:p>
+          <a:pPr lvl="0" algn="ctr" defTabSz="1066800">
+            <a:lnSpc>
+              <a:spcPct val="90000"/>
+            </a:lnSpc>
+            <a:spcBef>
+              <a:spcPct val="0"/>
+            </a:spcBef>
+            <a:spcAft>
+              <a:spcPct val="35000"/>
+            </a:spcAft>
+          </a:pPr>
+          <a:r>
+            <a:rPr lang="de-AT" sz="2400" kern="1200" dirty="0" smtClean="0"/>
+            <a:t>Businesslogik</a:t>
+          </a:r>
+          <a:endParaRPr lang="de-AT" sz="2400" kern="1200" dirty="0"/>
+        </a:p>
+      </dsp:txBody>
+      <dsp:txXfrm>
+        <a:off x="22554" y="1518689"/>
+        <a:ext cx="3674627" cy="666580"/>
+      </dsp:txXfrm>
+    </dsp:sp>
+    <dsp:sp modelId="{2350346C-D084-4FD3-9831-AE6164A34041}">
+      <dsp:nvSpPr>
+        <dsp:cNvPr id="0" name=""/>
+        <dsp:cNvSpPr/>
+      </dsp:nvSpPr>
+      <dsp:spPr>
+        <a:xfrm>
+          <a:off x="1816" y="2245828"/>
+          <a:ext cx="3716103" cy="708056"/>
+        </a:xfrm>
+        <a:prstGeom prst="roundRect">
+          <a:avLst>
+            <a:gd name="adj" fmla="val 10000"/>
+          </a:avLst>
+        </a:prstGeom>
+        <a:solidFill>
+          <a:schemeClr val="accent3">
+            <a:tint val="70000"/>
+            <a:hueOff val="0"/>
+            <a:satOff val="0"/>
+            <a:lumOff val="0"/>
+            <a:alphaOff val="0"/>
+          </a:schemeClr>
+        </a:solidFill>
+        <a:ln w="28575" cap="flat" cmpd="sng" algn="ctr">
+          <a:solidFill>
+            <a:schemeClr val="lt1">
+              <a:hueOff val="0"/>
+              <a:satOff val="0"/>
+              <a:lumOff val="0"/>
+              <a:alphaOff val="0"/>
+            </a:schemeClr>
+          </a:solidFill>
+          <a:prstDash val="solid"/>
+        </a:ln>
+        <a:effectLst/>
+      </dsp:spPr>
+      <dsp:style>
+        <a:lnRef idx="2">
+          <a:scrgbClr r="0" g="0" b="0"/>
+        </a:lnRef>
+        <a:fillRef idx="1">
+          <a:scrgbClr r="0" g="0" b="0"/>
+        </a:fillRef>
+        <a:effectRef idx="0">
+          <a:scrgbClr r="0" g="0" b="0"/>
+        </a:effectRef>
+        <a:fontRef idx="minor">
+          <a:schemeClr val="lt1"/>
+        </a:fontRef>
+      </dsp:style>
+      <dsp:txBody>
+        <a:bodyPr spcFirstLastPara="0" vert="horz" wrap="square" lIns="91440" tIns="91440" rIns="91440" bIns="91440" numCol="1" spcCol="1270" anchor="ctr" anchorCtr="0">
+          <a:noAutofit/>
+        </a:bodyPr>
+        <a:lstStyle/>
+        <a:p>
+          <a:pPr lvl="0" algn="ctr" defTabSz="1066800">
+            <a:lnSpc>
+              <a:spcPct val="90000"/>
+            </a:lnSpc>
+            <a:spcBef>
+              <a:spcPct val="0"/>
+            </a:spcBef>
+            <a:spcAft>
+              <a:spcPct val="35000"/>
+            </a:spcAft>
+          </a:pPr>
+          <a:r>
+            <a:rPr lang="de-AT" sz="2400" kern="1200" dirty="0" smtClean="0"/>
+            <a:t>Datenabstraktion</a:t>
+          </a:r>
+          <a:endParaRPr lang="de-AT" sz="2400" kern="1200" dirty="0"/>
+        </a:p>
+      </dsp:txBody>
+      <dsp:txXfrm>
+        <a:off x="22554" y="2266566"/>
+        <a:ext cx="3674627" cy="666580"/>
+      </dsp:txXfrm>
+    </dsp:sp>
+    <dsp:sp modelId="{1CD611B8-58A5-45CA-BBA0-AD0CB72569D3}">
+      <dsp:nvSpPr>
+        <dsp:cNvPr id="0" name=""/>
+        <dsp:cNvSpPr/>
+      </dsp:nvSpPr>
+      <dsp:spPr>
+        <a:xfrm>
+          <a:off x="1816" y="2993705"/>
+          <a:ext cx="3716103" cy="708056"/>
+        </a:xfrm>
+        <a:prstGeom prst="roundRect">
+          <a:avLst>
+            <a:gd name="adj" fmla="val 10000"/>
+          </a:avLst>
+        </a:prstGeom>
+        <a:solidFill>
+          <a:schemeClr val="accent3">
+            <a:tint val="70000"/>
+            <a:hueOff val="0"/>
+            <a:satOff val="0"/>
+            <a:lumOff val="0"/>
+            <a:alphaOff val="0"/>
+          </a:schemeClr>
+        </a:solidFill>
+        <a:ln w="28575" cap="flat" cmpd="sng" algn="ctr">
+          <a:solidFill>
+            <a:schemeClr val="lt1">
+              <a:hueOff val="0"/>
+              <a:satOff val="0"/>
+              <a:lumOff val="0"/>
+              <a:alphaOff val="0"/>
+            </a:schemeClr>
+          </a:solidFill>
+          <a:prstDash val="solid"/>
+        </a:ln>
+        <a:effectLst/>
+      </dsp:spPr>
+      <dsp:style>
+        <a:lnRef idx="2">
+          <a:scrgbClr r="0" g="0" b="0"/>
+        </a:lnRef>
+        <a:fillRef idx="1">
+          <a:scrgbClr r="0" g="0" b="0"/>
+        </a:fillRef>
+        <a:effectRef idx="0">
+          <a:scrgbClr r="0" g="0" b="0"/>
+        </a:effectRef>
+        <a:fontRef idx="minor">
+          <a:schemeClr val="lt1"/>
+        </a:fontRef>
+      </dsp:style>
+      <dsp:txBody>
+        <a:bodyPr spcFirstLastPara="0" vert="horz" wrap="square" lIns="91440" tIns="91440" rIns="91440" bIns="91440" numCol="1" spcCol="1270" anchor="ctr" anchorCtr="0">
+          <a:noAutofit/>
+        </a:bodyPr>
+        <a:lstStyle/>
+        <a:p>
+          <a:pPr lvl="0" algn="ctr" defTabSz="1066800">
+            <a:lnSpc>
+              <a:spcPct val="90000"/>
+            </a:lnSpc>
+            <a:spcBef>
+              <a:spcPct val="0"/>
+            </a:spcBef>
+            <a:spcAft>
+              <a:spcPct val="35000"/>
+            </a:spcAft>
+          </a:pPr>
+          <a:r>
+            <a:rPr lang="de-AT" sz="2400" kern="1200" dirty="0" smtClean="0"/>
+            <a:t>Daten</a:t>
+          </a:r>
+          <a:endParaRPr lang="de-AT" sz="2400" kern="1200" dirty="0"/>
+        </a:p>
+      </dsp:txBody>
+      <dsp:txXfrm>
+        <a:off x="22554" y="3014443"/>
+        <a:ext cx="3674627" cy="666580"/>
+      </dsp:txXfrm>
+    </dsp:sp>
+  </dsp:spTree>
+</dsp:drawing>
+</file>
+
+<file path=ppt/diagrams/drawing2.xml><?xml version="1.0" encoding="utf-8"?>
 <dsp:drawing xmlns:dgm="http://schemas.openxmlformats.org/drawingml/2006/diagram" xmlns:dsp="http://schemas.microsoft.com/office/drawing/2008/diagram" xmlns:a="http://schemas.openxmlformats.org/drawingml/2006/main">
   <dsp:spTree>
     <dsp:nvGrpSpPr>
@@ -2325,7 +4033,1563 @@
 </dgm:layoutDef>
 </file>
 
+<file path=ppt/diagrams/layout2.xml><?xml version="1.0" encoding="utf-8"?>
+<dgm:layoutDef xmlns:dgm="http://schemas.openxmlformats.org/drawingml/2006/diagram" xmlns:a="http://schemas.openxmlformats.org/drawingml/2006/main" uniqueId="urn:microsoft.com/office/officeart/2005/8/layout/hierarchy4">
+  <dgm:title val=""/>
+  <dgm:desc val=""/>
+  <dgm:catLst>
+    <dgm:cat type="hierarchy" pri="4000"/>
+    <dgm:cat type="list" pri="24000"/>
+    <dgm:cat type="relationship" pri="10000"/>
+  </dgm:catLst>
+  <dgm:sampData>
+    <dgm:dataModel>
+      <dgm:ptLst>
+        <dgm:pt modelId="0" type="doc"/>
+        <dgm:pt modelId="1">
+          <dgm:prSet phldr="1"/>
+        </dgm:pt>
+        <dgm:pt modelId="2">
+          <dgm:prSet phldr="1"/>
+        </dgm:pt>
+        <dgm:pt modelId="21">
+          <dgm:prSet phldr="1"/>
+        </dgm:pt>
+        <dgm:pt modelId="22">
+          <dgm:prSet phldr="1"/>
+        </dgm:pt>
+        <dgm:pt modelId="3">
+          <dgm:prSet phldr="1"/>
+        </dgm:pt>
+        <dgm:pt modelId="31">
+          <dgm:prSet phldr="1"/>
+        </dgm:pt>
+      </dgm:ptLst>
+      <dgm:cxnLst>
+        <dgm:cxn modelId="4" srcId="0" destId="1" srcOrd="0" destOrd="0"/>
+        <dgm:cxn modelId="5" srcId="1" destId="2" srcOrd="0" destOrd="0"/>
+        <dgm:cxn modelId="6" srcId="1" destId="3" srcOrd="1" destOrd="0"/>
+        <dgm:cxn modelId="23" srcId="2" destId="21" srcOrd="0" destOrd="0"/>
+        <dgm:cxn modelId="24" srcId="2" destId="22" srcOrd="1" destOrd="0"/>
+        <dgm:cxn modelId="33" srcId="3" destId="31" srcOrd="0" destOrd="0"/>
+      </dgm:cxnLst>
+      <dgm:bg/>
+      <dgm:whole/>
+    </dgm:dataModel>
+  </dgm:sampData>
+  <dgm:styleData>
+    <dgm:dataModel>
+      <dgm:ptLst>
+        <dgm:pt modelId="0" type="doc"/>
+        <dgm:pt modelId="1"/>
+        <dgm:pt modelId="11"/>
+        <dgm:pt modelId="12"/>
+      </dgm:ptLst>
+      <dgm:cxnLst>
+        <dgm:cxn modelId="2" srcId="0" destId="1" srcOrd="0" destOrd="0"/>
+        <dgm:cxn modelId="13" srcId="1" destId="11" srcOrd="0" destOrd="0"/>
+        <dgm:cxn modelId="14" srcId="1" destId="12" srcOrd="1" destOrd="0"/>
+      </dgm:cxnLst>
+      <dgm:bg/>
+      <dgm:whole/>
+    </dgm:dataModel>
+  </dgm:styleData>
+  <dgm:clrData>
+    <dgm:dataModel>
+      <dgm:ptLst>
+        <dgm:pt modelId="0" type="doc"/>
+        <dgm:pt modelId="1"/>
+        <dgm:pt modelId="2"/>
+        <dgm:pt modelId="21"/>
+        <dgm:pt modelId="211"/>
+        <dgm:pt modelId="3"/>
+        <dgm:pt modelId="31"/>
+        <dgm:pt modelId="311"/>
+      </dgm:ptLst>
+      <dgm:cxnLst>
+        <dgm:cxn modelId="4" srcId="0" destId="1" srcOrd="0" destOrd="0"/>
+        <dgm:cxn modelId="5" srcId="1" destId="2" srcOrd="0" destOrd="0"/>
+        <dgm:cxn modelId="6" srcId="1" destId="3" srcOrd="1" destOrd="0"/>
+        <dgm:cxn modelId="23" srcId="2" destId="21" srcOrd="0" destOrd="0"/>
+        <dgm:cxn modelId="24" srcId="21" destId="211" srcOrd="0" destOrd="0"/>
+        <dgm:cxn modelId="33" srcId="3" destId="31" srcOrd="0" destOrd="0"/>
+        <dgm:cxn modelId="34" srcId="31" destId="311" srcOrd="0" destOrd="0"/>
+      </dgm:cxnLst>
+      <dgm:bg/>
+      <dgm:whole/>
+    </dgm:dataModel>
+  </dgm:clrData>
+  <dgm:layoutNode name="Name0">
+    <dgm:varLst>
+      <dgm:chPref val="1"/>
+      <dgm:dir/>
+      <dgm:animOne val="branch"/>
+      <dgm:animLvl val="lvl"/>
+      <dgm:resizeHandles/>
+    </dgm:varLst>
+    <dgm:choose name="Name1">
+      <dgm:if name="Name2" func="var" arg="dir" op="equ" val="norm">
+        <dgm:alg type="lin">
+          <dgm:param type="linDir" val="fromL"/>
+          <dgm:param type="nodeVertAlign" val="t"/>
+        </dgm:alg>
+      </dgm:if>
+      <dgm:else name="Name3">
+        <dgm:alg type="lin">
+          <dgm:param type="linDir" val="fromR"/>
+          <dgm:param type="nodeVertAlign" val="t"/>
+        </dgm:alg>
+      </dgm:else>
+    </dgm:choose>
+    <dgm:shape xmlns:r="http://schemas.openxmlformats.org/officeDocument/2006/relationships" r:blip="">
+      <dgm:adjLst/>
+    </dgm:shape>
+    <dgm:presOf/>
+    <dgm:constrLst>
+      <dgm:constr type="w" for="ch" forName="vertOne" refType="w"/>
+      <dgm:constr type="w" for="des" forName="horzOne" refType="w"/>
+      <dgm:constr type="w" for="des" forName="txOne" refType="w"/>
+      <dgm:constr type="w" for="des" forName="vertTwo" refType="w"/>
+      <dgm:constr type="w" for="des" forName="horzTwo" refType="w"/>
+      <dgm:constr type="w" for="des" forName="txTwo" refType="w"/>
+      <dgm:constr type="w" for="des" forName="vertThree" refType="w"/>
+      <dgm:constr type="w" for="des" forName="horzThree" refType="w"/>
+      <dgm:constr type="w" for="des" forName="txThree" refType="w"/>
+      <dgm:constr type="w" for="des" forName="vertFour" refType="w"/>
+      <dgm:constr type="w" for="des" forName="horzFour" refType="w"/>
+      <dgm:constr type="w" for="des" forName="txFour" refType="w"/>
+      <dgm:constr type="h" for="des" ptType="node" op="equ"/>
+      <dgm:constr type="h" for="des" forName="txOne" refType="h"/>
+      <dgm:constr type="userH" for="des" ptType="node" refType="h" refFor="des" refForName="txOne"/>
+      <dgm:constr type="primFontSz" for="des" forName="txOne" val="65"/>
+      <dgm:constr type="primFontSz" for="des" forName="txTwo" val="65"/>
+      <dgm:constr type="primFontSz" for="des" forName="txTwo" refType="primFontSz" refFor="des" refForName="txOne" op="lte"/>
+      <dgm:constr type="primFontSz" for="des" forName="txThree" val="65"/>
+      <dgm:constr type="primFontSz" for="des" forName="txThree" refType="primFontSz" refFor="des" refForName="txOne" op="lte"/>
+      <dgm:constr type="primFontSz" for="des" forName="txThree" refType="primFontSz" refFor="des" refForName="txTwo" op="lte"/>
+      <dgm:constr type="primFontSz" for="des" forName="txFour" val="65"/>
+      <dgm:constr type="primFontSz" for="des" forName="txFour" refType="primFontSz" refFor="des" refForName="txOne" op="lte"/>
+      <dgm:constr type="primFontSz" for="des" forName="txFour" refType="primFontSz" refFor="des" refForName="txTwo" op="lte"/>
+      <dgm:constr type="primFontSz" for="des" forName="txFour" refType="primFontSz" refFor="des" refForName="txThree" op="lte"/>
+      <dgm:constr type="w" for="des" forName="sibSpaceOne" refType="w" fact="0.168"/>
+      <dgm:constr type="w" for="des" forName="sibSpaceTwo" refType="w" refFor="des" refForName="sibSpaceOne" op="equ" fact="0.5"/>
+      <dgm:constr type="w" for="des" forName="sibSpaceThree" refType="w" refFor="des" refForName="sibSpaceTwo" op="equ" fact="0.5"/>
+      <dgm:constr type="w" for="des" forName="sibSpaceFour" refType="w" refFor="des" refForName="sibSpaceThree" op="equ" fact="0.5"/>
+      <dgm:constr type="h" for="des" forName="parTransOne" refType="w" fact="0.056"/>
+      <dgm:constr type="h" for="des" forName="parTransTwo" refType="h" refFor="des" refForName="parTransOne" op="equ"/>
+      <dgm:constr type="h" for="des" forName="parTransThree" refType="h" refFor="des" refForName="parTransTwo" op="equ"/>
+      <dgm:constr type="h" for="des" forName="parTransFour" refType="h" refFor="des" refForName="parTransThree" op="equ"/>
+    </dgm:constrLst>
+    <dgm:ruleLst/>
+    <dgm:forEach name="Name4" axis="ch" ptType="node">
+      <dgm:layoutNode name="vertOne">
+        <dgm:alg type="lin">
+          <dgm:param type="linDir" val="fromT"/>
+        </dgm:alg>
+        <dgm:shape xmlns:r="http://schemas.openxmlformats.org/officeDocument/2006/relationships" r:blip="">
+          <dgm:adjLst/>
+        </dgm:shape>
+        <dgm:presOf/>
+        <dgm:constrLst>
+          <dgm:constr type="w" for="ch" forName="txOne" refType="w" refFor="ch" refForName="horzOne" op="gte"/>
+        </dgm:constrLst>
+        <dgm:ruleLst/>
+        <dgm:layoutNode name="txOne" styleLbl="node0">
+          <dgm:varLst>
+            <dgm:chPref val="3"/>
+          </dgm:varLst>
+          <dgm:alg type="tx"/>
+          <dgm:shape xmlns:r="http://schemas.openxmlformats.org/officeDocument/2006/relationships" type="roundRect" r:blip="">
+            <dgm:adjLst>
+              <dgm:adj idx="1" val="0.1"/>
+            </dgm:adjLst>
+          </dgm:shape>
+          <dgm:presOf axis="self"/>
+          <dgm:constrLst>
+            <dgm:constr type="tMarg" refType="primFontSz" fact="0.3"/>
+            <dgm:constr type="bMarg" refType="primFontSz" fact="0.3"/>
+            <dgm:constr type="lMarg" refType="primFontSz" fact="0.3"/>
+            <dgm:constr type="rMarg" refType="primFontSz" fact="0.3"/>
+          </dgm:constrLst>
+          <dgm:ruleLst>
+            <dgm:rule type="primFontSz" val="5" fact="NaN" max="NaN"/>
+          </dgm:ruleLst>
+        </dgm:layoutNode>
+        <dgm:choose name="Name5">
+          <dgm:if name="Name6" axis="des" ptType="node" func="cnt" op="gt" val="0">
+            <dgm:layoutNode name="parTransOne">
+              <dgm:alg type="sp"/>
+              <dgm:shape xmlns:r="http://schemas.openxmlformats.org/officeDocument/2006/relationships" r:blip="">
+                <dgm:adjLst/>
+              </dgm:shape>
+              <dgm:presOf/>
+              <dgm:constrLst/>
+              <dgm:ruleLst/>
+            </dgm:layoutNode>
+          </dgm:if>
+          <dgm:else name="Name7"/>
+        </dgm:choose>
+        <dgm:layoutNode name="horzOne">
+          <dgm:choose name="Name8">
+            <dgm:if name="Name9" func="var" arg="dir" op="equ" val="norm">
+              <dgm:alg type="lin">
+                <dgm:param type="linDir" val="fromL"/>
+                <dgm:param type="nodeVertAlign" val="t"/>
+              </dgm:alg>
+            </dgm:if>
+            <dgm:else name="Name10">
+              <dgm:alg type="lin">
+                <dgm:param type="linDir" val="fromR"/>
+                <dgm:param type="nodeVertAlign" val="t"/>
+              </dgm:alg>
+            </dgm:else>
+          </dgm:choose>
+          <dgm:shape xmlns:r="http://schemas.openxmlformats.org/officeDocument/2006/relationships" r:blip="">
+            <dgm:adjLst/>
+          </dgm:shape>
+          <dgm:presOf/>
+          <dgm:constrLst/>
+          <dgm:ruleLst>
+            <dgm:rule type="w" val="INF" fact="NaN" max="NaN"/>
+          </dgm:ruleLst>
+          <dgm:forEach name="Name11" axis="ch" ptType="node">
+            <dgm:layoutNode name="vertTwo">
+              <dgm:alg type="lin">
+                <dgm:param type="linDir" val="fromT"/>
+              </dgm:alg>
+              <dgm:shape xmlns:r="http://schemas.openxmlformats.org/officeDocument/2006/relationships" r:blip="">
+                <dgm:adjLst/>
+              </dgm:shape>
+              <dgm:presOf/>
+              <dgm:constrLst>
+                <dgm:constr type="w" for="ch" forName="txTwo" refType="w" refFor="ch" refForName="horzTwo" op="gte"/>
+              </dgm:constrLst>
+              <dgm:ruleLst/>
+              <dgm:layoutNode name="txTwo">
+                <dgm:varLst>
+                  <dgm:chPref val="3"/>
+                </dgm:varLst>
+                <dgm:alg type="tx"/>
+                <dgm:shape xmlns:r="http://schemas.openxmlformats.org/officeDocument/2006/relationships" type="roundRect" r:blip="">
+                  <dgm:adjLst>
+                    <dgm:adj idx="1" val="0.1"/>
+                  </dgm:adjLst>
+                </dgm:shape>
+                <dgm:presOf axis="self"/>
+                <dgm:constrLst>
+                  <dgm:constr type="userH"/>
+                  <dgm:constr type="h" refType="userH"/>
+                  <dgm:constr type="tMarg" refType="primFontSz" fact="0.3"/>
+                  <dgm:constr type="bMarg" refType="primFontSz" fact="0.3"/>
+                  <dgm:constr type="lMarg" refType="primFontSz" fact="0.3"/>
+                  <dgm:constr type="rMarg" refType="primFontSz" fact="0.3"/>
+                </dgm:constrLst>
+                <dgm:ruleLst>
+                  <dgm:rule type="primFontSz" val="5" fact="NaN" max="NaN"/>
+                </dgm:ruleLst>
+              </dgm:layoutNode>
+              <dgm:choose name="Name12">
+                <dgm:if name="Name13" axis="des" ptType="node" func="cnt" op="gt" val="0">
+                  <dgm:layoutNode name="parTransTwo">
+                    <dgm:alg type="sp"/>
+                    <dgm:shape xmlns:r="http://schemas.openxmlformats.org/officeDocument/2006/relationships" r:blip="">
+                      <dgm:adjLst/>
+                    </dgm:shape>
+                    <dgm:presOf/>
+                    <dgm:constrLst/>
+                    <dgm:ruleLst/>
+                  </dgm:layoutNode>
+                </dgm:if>
+                <dgm:else name="Name14"/>
+              </dgm:choose>
+              <dgm:layoutNode name="horzTwo">
+                <dgm:choose name="Name15">
+                  <dgm:if name="Name16" func="var" arg="dir" op="equ" val="norm">
+                    <dgm:alg type="lin">
+                      <dgm:param type="linDir" val="fromL"/>
+                      <dgm:param type="nodeVertAlign" val="t"/>
+                    </dgm:alg>
+                  </dgm:if>
+                  <dgm:else name="Name17">
+                    <dgm:alg type="lin">
+                      <dgm:param type="linDir" val="fromR"/>
+                      <dgm:param type="nodeVertAlign" val="t"/>
+                    </dgm:alg>
+                  </dgm:else>
+                </dgm:choose>
+                <dgm:shape xmlns:r="http://schemas.openxmlformats.org/officeDocument/2006/relationships" r:blip="">
+                  <dgm:adjLst/>
+                </dgm:shape>
+                <dgm:presOf/>
+                <dgm:constrLst/>
+                <dgm:ruleLst>
+                  <dgm:rule type="w" val="INF" fact="NaN" max="NaN"/>
+                </dgm:ruleLst>
+                <dgm:forEach name="Name18" axis="ch" ptType="node">
+                  <dgm:layoutNode name="vertThree">
+                    <dgm:alg type="lin">
+                      <dgm:param type="linDir" val="fromT"/>
+                    </dgm:alg>
+                    <dgm:shape xmlns:r="http://schemas.openxmlformats.org/officeDocument/2006/relationships" r:blip="">
+                      <dgm:adjLst/>
+                    </dgm:shape>
+                    <dgm:presOf/>
+                    <dgm:constrLst>
+                      <dgm:constr type="w" for="ch" forName="txThree" refType="w" refFor="ch" refForName="horzThree" op="gte"/>
+                    </dgm:constrLst>
+                    <dgm:ruleLst/>
+                    <dgm:layoutNode name="txThree">
+                      <dgm:varLst>
+                        <dgm:chPref val="3"/>
+                      </dgm:varLst>
+                      <dgm:alg type="tx"/>
+                      <dgm:shape xmlns:r="http://schemas.openxmlformats.org/officeDocument/2006/relationships" type="roundRect" r:blip="">
+                        <dgm:adjLst>
+                          <dgm:adj idx="1" val="0.1"/>
+                        </dgm:adjLst>
+                      </dgm:shape>
+                      <dgm:presOf axis="self"/>
+                      <dgm:constrLst>
+                        <dgm:constr type="userH"/>
+                        <dgm:constr type="h" refType="userH"/>
+                        <dgm:constr type="tMarg" refType="primFontSz" fact="0.3"/>
+                        <dgm:constr type="bMarg" refType="primFontSz" fact="0.3"/>
+                        <dgm:constr type="lMarg" refType="primFontSz" fact="0.3"/>
+                        <dgm:constr type="rMarg" refType="primFontSz" fact="0.3"/>
+                      </dgm:constrLst>
+                      <dgm:ruleLst>
+                        <dgm:rule type="primFontSz" val="5" fact="NaN" max="NaN"/>
+                      </dgm:ruleLst>
+                    </dgm:layoutNode>
+                    <dgm:choose name="Name19">
+                      <dgm:if name="Name20" axis="des" ptType="node" func="cnt" op="gt" val="0">
+                        <dgm:layoutNode name="parTransThree">
+                          <dgm:alg type="sp"/>
+                          <dgm:shape xmlns:r="http://schemas.openxmlformats.org/officeDocument/2006/relationships" r:blip="">
+                            <dgm:adjLst/>
+                          </dgm:shape>
+                          <dgm:presOf/>
+                          <dgm:constrLst/>
+                          <dgm:ruleLst/>
+                        </dgm:layoutNode>
+                      </dgm:if>
+                      <dgm:else name="Name21"/>
+                    </dgm:choose>
+                    <dgm:layoutNode name="horzThree">
+                      <dgm:choose name="Name22">
+                        <dgm:if name="Name23" func="var" arg="dir" op="equ" val="norm">
+                          <dgm:alg type="lin">
+                            <dgm:param type="linDir" val="fromL"/>
+                            <dgm:param type="nodeVertAlign" val="t"/>
+                          </dgm:alg>
+                        </dgm:if>
+                        <dgm:else name="Name24">
+                          <dgm:alg type="lin">
+                            <dgm:param type="linDir" val="fromR"/>
+                            <dgm:param type="nodeVertAlign" val="t"/>
+                          </dgm:alg>
+                        </dgm:else>
+                      </dgm:choose>
+                      <dgm:shape xmlns:r="http://schemas.openxmlformats.org/officeDocument/2006/relationships" r:blip="">
+                        <dgm:adjLst/>
+                      </dgm:shape>
+                      <dgm:presOf/>
+                      <dgm:constrLst/>
+                      <dgm:ruleLst>
+                        <dgm:rule type="w" val="INF" fact="NaN" max="NaN"/>
+                      </dgm:ruleLst>
+                      <dgm:forEach name="repeat" axis="ch" ptType="node">
+                        <dgm:layoutNode name="vertFour">
+                          <dgm:varLst>
+                            <dgm:chPref val="3"/>
+                          </dgm:varLst>
+                          <dgm:alg type="lin">
+                            <dgm:param type="linDir" val="fromT"/>
+                          </dgm:alg>
+                          <dgm:shape xmlns:r="http://schemas.openxmlformats.org/officeDocument/2006/relationships" r:blip="">
+                            <dgm:adjLst/>
+                          </dgm:shape>
+                          <dgm:presOf/>
+                          <dgm:constrLst>
+                            <dgm:constr type="w" for="ch" forName="txFour" refType="w" refFor="ch" refForName="horzFour" op="gte"/>
+                          </dgm:constrLst>
+                          <dgm:ruleLst/>
+                          <dgm:layoutNode name="txFour">
+                            <dgm:varLst>
+                              <dgm:chPref val="3"/>
+                            </dgm:varLst>
+                            <dgm:alg type="tx"/>
+                            <dgm:shape xmlns:r="http://schemas.openxmlformats.org/officeDocument/2006/relationships" type="roundRect" r:blip="">
+                              <dgm:adjLst>
+                                <dgm:adj idx="1" val="0.1"/>
+                              </dgm:adjLst>
+                            </dgm:shape>
+                            <dgm:presOf axis="self"/>
+                            <dgm:constrLst>
+                              <dgm:constr type="userH"/>
+                              <dgm:constr type="h" refType="userH"/>
+                              <dgm:constr type="tMarg" refType="primFontSz" fact="0.3"/>
+                              <dgm:constr type="bMarg" refType="primFontSz" fact="0.3"/>
+                              <dgm:constr type="lMarg" refType="primFontSz" fact="0.3"/>
+                              <dgm:constr type="rMarg" refType="primFontSz" fact="0.3"/>
+                            </dgm:constrLst>
+                            <dgm:ruleLst>
+                              <dgm:rule type="primFontSz" val="5" fact="NaN" max="NaN"/>
+                            </dgm:ruleLst>
+                          </dgm:layoutNode>
+                          <dgm:choose name="Name25">
+                            <dgm:if name="Name26" axis="des" ptType="node" func="cnt" op="gt" val="0">
+                              <dgm:layoutNode name="parTransFour">
+                                <dgm:alg type="sp"/>
+                                <dgm:shape xmlns:r="http://schemas.openxmlformats.org/officeDocument/2006/relationships" r:blip="">
+                                  <dgm:adjLst/>
+                                </dgm:shape>
+                                <dgm:presOf/>
+                                <dgm:constrLst/>
+                                <dgm:ruleLst/>
+                              </dgm:layoutNode>
+                            </dgm:if>
+                            <dgm:else name="Name27"/>
+                          </dgm:choose>
+                          <dgm:layoutNode name="horzFour">
+                            <dgm:choose name="Name28">
+                              <dgm:if name="Name29" func="var" arg="dir" op="equ" val="norm">
+                                <dgm:alg type="lin">
+                                  <dgm:param type="linDir" val="fromL"/>
+                                  <dgm:param type="nodeVertAlign" val="t"/>
+                                </dgm:alg>
+                              </dgm:if>
+                              <dgm:else name="Name30">
+                                <dgm:alg type="lin">
+                                  <dgm:param type="linDir" val="fromR"/>
+                                  <dgm:param type="nodeVertAlign" val="t"/>
+                                </dgm:alg>
+                              </dgm:else>
+                            </dgm:choose>
+                            <dgm:shape xmlns:r="http://schemas.openxmlformats.org/officeDocument/2006/relationships" r:blip="">
+                              <dgm:adjLst/>
+                            </dgm:shape>
+                            <dgm:presOf/>
+                            <dgm:constrLst/>
+                            <dgm:ruleLst>
+                              <dgm:rule type="w" val="INF" fact="NaN" max="NaN"/>
+                            </dgm:ruleLst>
+                            <dgm:forEach name="Name31" ref="repeat"/>
+                          </dgm:layoutNode>
+                        </dgm:layoutNode>
+                        <dgm:choose name="Name32">
+                          <dgm:if name="Name33" axis="self" ptType="node" func="revPos" op="gte" val="2">
+                            <dgm:forEach name="Name34" axis="followSib" ptType="sibTrans" cnt="1">
+                              <dgm:layoutNode name="sibSpaceFour">
+                                <dgm:alg type="sp"/>
+                                <dgm:shape xmlns:r="http://schemas.openxmlformats.org/officeDocument/2006/relationships" r:blip="">
+                                  <dgm:adjLst/>
+                                </dgm:shape>
+                                <dgm:presOf/>
+                                <dgm:constrLst/>
+                                <dgm:ruleLst/>
+                              </dgm:layoutNode>
+                            </dgm:forEach>
+                          </dgm:if>
+                          <dgm:else name="Name35"/>
+                        </dgm:choose>
+                      </dgm:forEach>
+                    </dgm:layoutNode>
+                  </dgm:layoutNode>
+                  <dgm:choose name="Name36">
+                    <dgm:if name="Name37" axis="self" ptType="node" func="revPos" op="gte" val="2">
+                      <dgm:forEach name="Name38" axis="followSib" ptType="sibTrans" cnt="1">
+                        <dgm:layoutNode name="sibSpaceThree">
+                          <dgm:alg type="sp"/>
+                          <dgm:shape xmlns:r="http://schemas.openxmlformats.org/officeDocument/2006/relationships" r:blip="">
+                            <dgm:adjLst/>
+                          </dgm:shape>
+                          <dgm:presOf/>
+                          <dgm:constrLst/>
+                          <dgm:ruleLst/>
+                        </dgm:layoutNode>
+                      </dgm:forEach>
+                    </dgm:if>
+                    <dgm:else name="Name39"/>
+                  </dgm:choose>
+                </dgm:forEach>
+              </dgm:layoutNode>
+            </dgm:layoutNode>
+            <dgm:choose name="Name40">
+              <dgm:if name="Name41" axis="self" ptType="node" func="revPos" op="gte" val="2">
+                <dgm:forEach name="Name42" axis="followSib" ptType="sibTrans" cnt="1">
+                  <dgm:layoutNode name="sibSpaceTwo">
+                    <dgm:alg type="sp"/>
+                    <dgm:shape xmlns:r="http://schemas.openxmlformats.org/officeDocument/2006/relationships" r:blip="">
+                      <dgm:adjLst/>
+                    </dgm:shape>
+                    <dgm:presOf/>
+                    <dgm:constrLst/>
+                    <dgm:ruleLst/>
+                  </dgm:layoutNode>
+                </dgm:forEach>
+              </dgm:if>
+              <dgm:else name="Name43"/>
+            </dgm:choose>
+          </dgm:forEach>
+        </dgm:layoutNode>
+      </dgm:layoutNode>
+      <dgm:choose name="Name44">
+        <dgm:if name="Name45" axis="self" ptType="node" func="revPos" op="gte" val="2">
+          <dgm:forEach name="Name46" axis="followSib" ptType="sibTrans" cnt="1">
+            <dgm:layoutNode name="sibSpaceOne">
+              <dgm:alg type="sp"/>
+              <dgm:shape xmlns:r="http://schemas.openxmlformats.org/officeDocument/2006/relationships" r:blip="">
+                <dgm:adjLst/>
+              </dgm:shape>
+              <dgm:presOf/>
+              <dgm:constrLst/>
+              <dgm:ruleLst/>
+            </dgm:layoutNode>
+          </dgm:forEach>
+        </dgm:if>
+        <dgm:else name="Name47"/>
+      </dgm:choose>
+    </dgm:forEach>
+  </dgm:layoutNode>
+</dgm:layoutDef>
+</file>
+
 <file path=ppt/diagrams/quickStyle1.xml><?xml version="1.0" encoding="utf-8"?>
+<dgm:styleDef xmlns:dgm="http://schemas.openxmlformats.org/drawingml/2006/diagram" xmlns:a="http://schemas.openxmlformats.org/drawingml/2006/main" uniqueId="urn:microsoft.com/office/officeart/2005/8/quickstyle/simple1">
+  <dgm:title val=""/>
+  <dgm:desc val=""/>
+  <dgm:catLst>
+    <dgm:cat type="simple" pri="10100"/>
+  </dgm:catLst>
+  <dgm:scene3d>
+    <a:camera prst="orthographicFront"/>
+    <a:lightRig rig="threePt" dir="t"/>
+  </dgm:scene3d>
+  <dgm:styleLbl name="node0">
+    <dgm:scene3d>
+      <a:camera prst="orthographicFront"/>
+      <a:lightRig rig="threePt" dir="t"/>
+    </dgm:scene3d>
+    <dgm:sp3d/>
+    <dgm:txPr/>
+    <dgm:style>
+      <a:lnRef idx="2">
+        <a:scrgbClr r="0" g="0" b="0"/>
+      </a:lnRef>
+      <a:fillRef idx="1">
+        <a:scrgbClr r="0" g="0" b="0"/>
+      </a:fillRef>
+      <a:effectRef idx="0">
+        <a:scrgbClr r="0" g="0" b="0"/>
+      </a:effectRef>
+      <a:fontRef idx="minor">
+        <a:schemeClr val="lt1"/>
+      </a:fontRef>
+    </dgm:style>
+  </dgm:styleLbl>
+  <dgm:styleLbl name="lnNode1">
+    <dgm:scene3d>
+      <a:camera prst="orthographicFront"/>
+      <a:lightRig rig="threePt" dir="t"/>
+    </dgm:scene3d>
+    <dgm:sp3d/>
+    <dgm:txPr/>
+    <dgm:style>
+      <a:lnRef idx="2">
+        <a:scrgbClr r="0" g="0" b="0"/>
+      </a:lnRef>
+      <a:fillRef idx="1">
+        <a:scrgbClr r="0" g="0" b="0"/>
+      </a:fillRef>
+      <a:effectRef idx="0">
+        <a:scrgbClr r="0" g="0" b="0"/>
+      </a:effectRef>
+      <a:fontRef idx="minor">
+        <a:schemeClr val="lt1"/>
+      </a:fontRef>
+    </dgm:style>
+  </dgm:styleLbl>
+  <dgm:styleLbl name="vennNode1">
+    <dgm:scene3d>
+      <a:camera prst="orthographicFront"/>
+      <a:lightRig rig="threePt" dir="t"/>
+    </dgm:scene3d>
+    <dgm:sp3d/>
+    <dgm:txPr/>
+    <dgm:style>
+      <a:lnRef idx="2">
+        <a:scrgbClr r="0" g="0" b="0"/>
+      </a:lnRef>
+      <a:fillRef idx="1">
+        <a:scrgbClr r="0" g="0" b="0"/>
+      </a:fillRef>
+      <a:effectRef idx="0">
+        <a:scrgbClr r="0" g="0" b="0"/>
+      </a:effectRef>
+      <a:fontRef idx="minor">
+        <a:schemeClr val="tx1"/>
+      </a:fontRef>
+    </dgm:style>
+  </dgm:styleLbl>
+  <dgm:styleLbl name="alignNode1">
+    <dgm:scene3d>
+      <a:camera prst="orthographicFront"/>
+      <a:lightRig rig="threePt" dir="t"/>
+    </dgm:scene3d>
+    <dgm:sp3d/>
+    <dgm:txPr/>
+    <dgm:style>
+      <a:lnRef idx="2">
+        <a:scrgbClr r="0" g="0" b="0"/>
+      </a:lnRef>
+      <a:fillRef idx="1">
+        <a:scrgbClr r="0" g="0" b="0"/>
+      </a:fillRef>
+      <a:effectRef idx="0">
+        <a:scrgbClr r="0" g="0" b="0"/>
+      </a:effectRef>
+      <a:fontRef idx="minor">
+        <a:schemeClr val="lt1"/>
+      </a:fontRef>
+    </dgm:style>
+  </dgm:styleLbl>
+  <dgm:styleLbl name="node1">
+    <dgm:scene3d>
+      <a:camera prst="orthographicFront"/>
+      <a:lightRig rig="threePt" dir="t"/>
+    </dgm:scene3d>
+    <dgm:sp3d/>
+    <dgm:txPr/>
+    <dgm:style>
+      <a:lnRef idx="2">
+        <a:scrgbClr r="0" g="0" b="0"/>
+      </a:lnRef>
+      <a:fillRef idx="1">
+        <a:scrgbClr r="0" g="0" b="0"/>
+      </a:fillRef>
+      <a:effectRef idx="0">
+        <a:scrgbClr r="0" g="0" b="0"/>
+      </a:effectRef>
+      <a:fontRef idx="minor">
+        <a:schemeClr val="lt1"/>
+      </a:fontRef>
+    </dgm:style>
+  </dgm:styleLbl>
+  <dgm:styleLbl name="node2">
+    <dgm:scene3d>
+      <a:camera prst="orthographicFront"/>
+      <a:lightRig rig="threePt" dir="t"/>
+    </dgm:scene3d>
+    <dgm:sp3d/>
+    <dgm:txPr/>
+    <dgm:style>
+      <a:lnRef idx="2">
+        <a:scrgbClr r="0" g="0" b="0"/>
+      </a:lnRef>
+      <a:fillRef idx="1">
+        <a:scrgbClr r="0" g="0" b="0"/>
+      </a:fillRef>
+      <a:effectRef idx="0">
+        <a:scrgbClr r="0" g="0" b="0"/>
+      </a:effectRef>
+      <a:fontRef idx="minor">
+        <a:schemeClr val="lt1"/>
+      </a:fontRef>
+    </dgm:style>
+  </dgm:styleLbl>
+  <dgm:styleLbl name="node3">
+    <dgm:scene3d>
+      <a:camera prst="orthographicFront"/>
+      <a:lightRig rig="threePt" dir="t"/>
+    </dgm:scene3d>
+    <dgm:sp3d/>
+    <dgm:txPr/>
+    <dgm:style>
+      <a:lnRef idx="2">
+        <a:scrgbClr r="0" g="0" b="0"/>
+      </a:lnRef>
+      <a:fillRef idx="1">
+        <a:scrgbClr r="0" g="0" b="0"/>
+      </a:fillRef>
+      <a:effectRef idx="0">
+        <a:scrgbClr r="0" g="0" b="0"/>
+      </a:effectRef>
+      <a:fontRef idx="minor">
+        <a:schemeClr val="lt1"/>
+      </a:fontRef>
+    </dgm:style>
+  </dgm:styleLbl>
+  <dgm:styleLbl name="node4">
+    <dgm:scene3d>
+      <a:camera prst="orthographicFront"/>
+      <a:lightRig rig="threePt" dir="t"/>
+    </dgm:scene3d>
+    <dgm:sp3d/>
+    <dgm:txPr/>
+    <dgm:style>
+      <a:lnRef idx="2">
+        <a:scrgbClr r="0" g="0" b="0"/>
+      </a:lnRef>
+      <a:fillRef idx="1">
+        <a:scrgbClr r="0" g="0" b="0"/>
+      </a:fillRef>
+      <a:effectRef idx="0">
+        <a:scrgbClr r="0" g="0" b="0"/>
+      </a:effectRef>
+      <a:fontRef idx="minor">
+        <a:schemeClr val="lt1"/>
+      </a:fontRef>
+    </dgm:style>
+  </dgm:styleLbl>
+  <dgm:styleLbl name="fgImgPlace1">
+    <dgm:scene3d>
+      <a:camera prst="orthographicFront"/>
+      <a:lightRig rig="threePt" dir="t"/>
+    </dgm:scene3d>
+    <dgm:sp3d/>
+    <dgm:txPr/>
+    <dgm:style>
+      <a:lnRef idx="2">
+        <a:scrgbClr r="0" g="0" b="0"/>
+      </a:lnRef>
+      <a:fillRef idx="1">
+        <a:scrgbClr r="0" g="0" b="0"/>
+      </a:fillRef>
+      <a:effectRef idx="0">
+        <a:scrgbClr r="0" g="0" b="0"/>
+      </a:effectRef>
+      <a:fontRef idx="minor"/>
+    </dgm:style>
+  </dgm:styleLbl>
+  <dgm:styleLbl name="alignImgPlace1">
+    <dgm:scene3d>
+      <a:camera prst="orthographicFront"/>
+      <a:lightRig rig="threePt" dir="t"/>
+    </dgm:scene3d>
+    <dgm:sp3d/>
+    <dgm:txPr/>
+    <dgm:style>
+      <a:lnRef idx="2">
+        <a:scrgbClr r="0" g="0" b="0"/>
+      </a:lnRef>
+      <a:fillRef idx="1">
+        <a:scrgbClr r="0" g="0" b="0"/>
+      </a:fillRef>
+      <a:effectRef idx="0">
+        <a:scrgbClr r="0" g="0" b="0"/>
+      </a:effectRef>
+      <a:fontRef idx="minor"/>
+    </dgm:style>
+  </dgm:styleLbl>
+  <dgm:styleLbl name="bgImgPlace1">
+    <dgm:scene3d>
+      <a:camera prst="orthographicFront"/>
+      <a:lightRig rig="threePt" dir="t"/>
+    </dgm:scene3d>
+    <dgm:sp3d/>
+    <dgm:txPr/>
+    <dgm:style>
+      <a:lnRef idx="2">
+        <a:scrgbClr r="0" g="0" b="0"/>
+      </a:lnRef>
+      <a:fillRef idx="1">
+        <a:scrgbClr r="0" g="0" b="0"/>
+      </a:fillRef>
+      <a:effectRef idx="0">
+        <a:scrgbClr r="0" g="0" b="0"/>
+      </a:effectRef>
+      <a:fontRef idx="minor"/>
+    </dgm:style>
+  </dgm:styleLbl>
+  <dgm:styleLbl name="sibTrans2D1">
+    <dgm:scene3d>
+      <a:camera prst="orthographicFront"/>
+      <a:lightRig rig="threePt" dir="t"/>
+    </dgm:scene3d>
+    <dgm:sp3d/>
+    <dgm:txPr/>
+    <dgm:style>
+      <a:lnRef idx="0">
+        <a:scrgbClr r="0" g="0" b="0"/>
+      </a:lnRef>
+      <a:fillRef idx="1">
+        <a:scrgbClr r="0" g="0" b="0"/>
+      </a:fillRef>
+      <a:effectRef idx="0">
+        <a:scrgbClr r="0" g="0" b="0"/>
+      </a:effectRef>
+      <a:fontRef idx="minor">
+        <a:schemeClr val="lt1"/>
+      </a:fontRef>
+    </dgm:style>
+  </dgm:styleLbl>
+  <dgm:styleLbl name="fgSibTrans2D1">
+    <dgm:scene3d>
+      <a:camera prst="orthographicFront"/>
+      <a:lightRig rig="threePt" dir="t"/>
+    </dgm:scene3d>
+    <dgm:sp3d/>
+    <dgm:txPr/>
+    <dgm:style>
+      <a:lnRef idx="0">
+        <a:scrgbClr r="0" g="0" b="0"/>
+      </a:lnRef>
+      <a:fillRef idx="1">
+        <a:scrgbClr r="0" g="0" b="0"/>
+      </a:fillRef>
+      <a:effectRef idx="0">
+        <a:scrgbClr r="0" g="0" b="0"/>
+      </a:effectRef>
+      <a:fontRef idx="minor">
+        <a:schemeClr val="lt1"/>
+      </a:fontRef>
+    </dgm:style>
+  </dgm:styleLbl>
+  <dgm:styleLbl name="bgSibTrans2D1">
+    <dgm:scene3d>
+      <a:camera prst="orthographicFront"/>
+      <a:lightRig rig="threePt" dir="t"/>
+    </dgm:scene3d>
+    <dgm:sp3d/>
+    <dgm:txPr/>
+    <dgm:style>
+      <a:lnRef idx="0">
+        <a:scrgbClr r="0" g="0" b="0"/>
+      </a:lnRef>
+      <a:fillRef idx="1">
+        <a:scrgbClr r="0" g="0" b="0"/>
+      </a:fillRef>
+      <a:effectRef idx="0">
+        <a:scrgbClr r="0" g="0" b="0"/>
+      </a:effectRef>
+      <a:fontRef idx="minor">
+        <a:schemeClr val="lt1"/>
+      </a:fontRef>
+    </dgm:style>
+  </dgm:styleLbl>
+  <dgm:styleLbl name="sibTrans1D1">
+    <dgm:scene3d>
+      <a:camera prst="orthographicFront"/>
+      <a:lightRig rig="threePt" dir="t"/>
+    </dgm:scene3d>
+    <dgm:sp3d/>
+    <dgm:txPr/>
+    <dgm:style>
+      <a:lnRef idx="1">
+        <a:scrgbClr r="0" g="0" b="0"/>
+      </a:lnRef>
+      <a:fillRef idx="0">
+        <a:scrgbClr r="0" g="0" b="0"/>
+      </a:fillRef>
+      <a:effectRef idx="0">
+        <a:scrgbClr r="0" g="0" b="0"/>
+      </a:effectRef>
+      <a:fontRef idx="minor"/>
+    </dgm:style>
+  </dgm:styleLbl>
+  <dgm:styleLbl name="callout">
+    <dgm:scene3d>
+      <a:camera prst="orthographicFront"/>
+      <a:lightRig rig="threePt" dir="t"/>
+    </dgm:scene3d>
+    <dgm:sp3d/>
+    <dgm:txPr/>
+    <dgm:style>
+      <a:lnRef idx="2">
+        <a:scrgbClr r="0" g="0" b="0"/>
+      </a:lnRef>
+      <a:fillRef idx="1">
+        <a:scrgbClr r="0" g="0" b="0"/>
+      </a:fillRef>
+      <a:effectRef idx="0">
+        <a:scrgbClr r="0" g="0" b="0"/>
+      </a:effectRef>
+      <a:fontRef idx="minor"/>
+    </dgm:style>
+  </dgm:styleLbl>
+  <dgm:styleLbl name="asst0">
+    <dgm:scene3d>
+      <a:camera prst="orthographicFront"/>
+      <a:lightRig rig="threePt" dir="t"/>
+    </dgm:scene3d>
+    <dgm:sp3d/>
+    <dgm:txPr/>
+    <dgm:style>
+      <a:lnRef idx="2">
+        <a:scrgbClr r="0" g="0" b="0"/>
+      </a:lnRef>
+      <a:fillRef idx="1">
+        <a:scrgbClr r="0" g="0" b="0"/>
+      </a:fillRef>
+      <a:effectRef idx="0">
+        <a:scrgbClr r="0" g="0" b="0"/>
+      </a:effectRef>
+      <a:fontRef idx="minor">
+        <a:schemeClr val="lt1"/>
+      </a:fontRef>
+    </dgm:style>
+  </dgm:styleLbl>
+  <dgm:styleLbl name="asst1">
+    <dgm:scene3d>
+      <a:camera prst="orthographicFront"/>
+      <a:lightRig rig="threePt" dir="t"/>
+    </dgm:scene3d>
+    <dgm:sp3d/>
+    <dgm:txPr/>
+    <dgm:style>
+      <a:lnRef idx="2">
+        <a:scrgbClr r="0" g="0" b="0"/>
+      </a:lnRef>
+      <a:fillRef idx="1">
+        <a:scrgbClr r="0" g="0" b="0"/>
+      </a:fillRef>
+      <a:effectRef idx="0">
+        <a:scrgbClr r="0" g="0" b="0"/>
+      </a:effectRef>
+      <a:fontRef idx="minor">
+        <a:schemeClr val="lt1"/>
+      </a:fontRef>
+    </dgm:style>
+  </dgm:styleLbl>
+  <dgm:styleLbl name="asst2">
+    <dgm:scene3d>
+      <a:camera prst="orthographicFront"/>
+      <a:lightRig rig="threePt" dir="t"/>
+    </dgm:scene3d>
+    <dgm:sp3d/>
+    <dgm:txPr/>
+    <dgm:style>
+      <a:lnRef idx="2">
+        <a:scrgbClr r="0" g="0" b="0"/>
+      </a:lnRef>
+      <a:fillRef idx="1">
+        <a:scrgbClr r="0" g="0" b="0"/>
+      </a:fillRef>
+      <a:effectRef idx="0">
+        <a:scrgbClr r="0" g="0" b="0"/>
+      </a:effectRef>
+      <a:fontRef idx="minor">
+        <a:schemeClr val="lt1"/>
+      </a:fontRef>
+    </dgm:style>
+  </dgm:styleLbl>
+  <dgm:styleLbl name="asst3">
+    <dgm:scene3d>
+      <a:camera prst="orthographicFront"/>
+      <a:lightRig rig="threePt" dir="t"/>
+    </dgm:scene3d>
+    <dgm:sp3d/>
+    <dgm:txPr/>
+    <dgm:style>
+      <a:lnRef idx="2">
+        <a:scrgbClr r="0" g="0" b="0"/>
+      </a:lnRef>
+      <a:fillRef idx="1">
+        <a:scrgbClr r="0" g="0" b="0"/>
+      </a:fillRef>
+      <a:effectRef idx="0">
+        <a:scrgbClr r="0" g="0" b="0"/>
+      </a:effectRef>
+      <a:fontRef idx="minor">
+        <a:schemeClr val="lt1"/>
+      </a:fontRef>
+    </dgm:style>
+  </dgm:styleLbl>
+  <dgm:styleLbl name="asst4">
+    <dgm:scene3d>
+      <a:camera prst="orthographicFront"/>
+      <a:lightRig rig="threePt" dir="t"/>
+    </dgm:scene3d>
+    <dgm:sp3d/>
+    <dgm:txPr/>
+    <dgm:style>
+      <a:lnRef idx="2">
+        <a:scrgbClr r="0" g="0" b="0"/>
+      </a:lnRef>
+      <a:fillRef idx="1">
+        <a:scrgbClr r="0" g="0" b="0"/>
+      </a:fillRef>
+      <a:effectRef idx="0">
+        <a:scrgbClr r="0" g="0" b="0"/>
+      </a:effectRef>
+      <a:fontRef idx="minor">
+        <a:schemeClr val="lt1"/>
+      </a:fontRef>
+    </dgm:style>
+  </dgm:styleLbl>
+  <dgm:styleLbl name="parChTrans2D1">
+    <dgm:scene3d>
+      <a:camera prst="orthographicFront"/>
+      <a:lightRig rig="threePt" dir="t"/>
+    </dgm:scene3d>
+    <dgm:sp3d/>
+    <dgm:txPr/>
+    <dgm:style>
+      <a:lnRef idx="2">
+        <a:scrgbClr r="0" g="0" b="0"/>
+      </a:lnRef>
+      <a:fillRef idx="1">
+        <a:scrgbClr r="0" g="0" b="0"/>
+      </a:fillRef>
+      <a:effectRef idx="0">
+        <a:scrgbClr r="0" g="0" b="0"/>
+      </a:effectRef>
+      <a:fontRef idx="minor">
+        <a:schemeClr val="lt1"/>
+      </a:fontRef>
+    </dgm:style>
+  </dgm:styleLbl>
+  <dgm:styleLbl name="parChTrans2D2">
+    <dgm:scene3d>
+      <a:camera prst="orthographicFront"/>
+      <a:lightRig rig="threePt" dir="t"/>
+    </dgm:scene3d>
+    <dgm:sp3d/>
+    <dgm:txPr/>
+    <dgm:style>
+      <a:lnRef idx="2">
+        <a:scrgbClr r="0" g="0" b="0"/>
+      </a:lnRef>
+      <a:fillRef idx="1">
+        <a:scrgbClr r="0" g="0" b="0"/>
+      </a:fillRef>
+      <a:effectRef idx="0">
+        <a:scrgbClr r="0" g="0" b="0"/>
+      </a:effectRef>
+      <a:fontRef idx="minor">
+        <a:schemeClr val="lt1"/>
+      </a:fontRef>
+    </dgm:style>
+  </dgm:styleLbl>
+  <dgm:styleLbl name="parChTrans2D3">
+    <dgm:scene3d>
+      <a:camera prst="orthographicFront"/>
+      <a:lightRig rig="threePt" dir="t"/>
+    </dgm:scene3d>
+    <dgm:sp3d/>
+    <dgm:txPr/>
+    <dgm:style>
+      <a:lnRef idx="2">
+        <a:scrgbClr r="0" g="0" b="0"/>
+      </a:lnRef>
+      <a:fillRef idx="1">
+        <a:scrgbClr r="0" g="0" b="0"/>
+      </a:fillRef>
+      <a:effectRef idx="0">
+        <a:scrgbClr r="0" g="0" b="0"/>
+      </a:effectRef>
+      <a:fontRef idx="minor">
+        <a:schemeClr val="lt1"/>
+      </a:fontRef>
+    </dgm:style>
+  </dgm:styleLbl>
+  <dgm:styleLbl name="parChTrans2D4">
+    <dgm:scene3d>
+      <a:camera prst="orthographicFront"/>
+      <a:lightRig rig="threePt" dir="t"/>
+    </dgm:scene3d>
+    <dgm:sp3d/>
+    <dgm:txPr/>
+    <dgm:style>
+      <a:lnRef idx="2">
+        <a:scrgbClr r="0" g="0" b="0"/>
+      </a:lnRef>
+      <a:fillRef idx="1">
+        <a:scrgbClr r="0" g="0" b="0"/>
+      </a:fillRef>
+      <a:effectRef idx="0">
+        <a:scrgbClr r="0" g="0" b="0"/>
+      </a:effectRef>
+      <a:fontRef idx="minor">
+        <a:schemeClr val="lt1"/>
+      </a:fontRef>
+    </dgm:style>
+  </dgm:styleLbl>
+  <dgm:styleLbl name="parChTrans1D1">
+    <dgm:scene3d>
+      <a:camera prst="orthographicFront"/>
+      <a:lightRig rig="threePt" dir="t"/>
+    </dgm:scene3d>
+    <dgm:sp3d/>
+    <dgm:txPr/>
+    <dgm:style>
+      <a:lnRef idx="2">
+        <a:scrgbClr r="0" g="0" b="0"/>
+      </a:lnRef>
+      <a:fillRef idx="0">
+        <a:scrgbClr r="0" g="0" b="0"/>
+      </a:fillRef>
+      <a:effectRef idx="0">
+        <a:scrgbClr r="0" g="0" b="0"/>
+      </a:effectRef>
+      <a:fontRef idx="minor"/>
+    </dgm:style>
+  </dgm:styleLbl>
+  <dgm:styleLbl name="parChTrans1D2">
+    <dgm:scene3d>
+      <a:camera prst="orthographicFront"/>
+      <a:lightRig rig="threePt" dir="t"/>
+    </dgm:scene3d>
+    <dgm:sp3d/>
+    <dgm:txPr/>
+    <dgm:style>
+      <a:lnRef idx="2">
+        <a:scrgbClr r="0" g="0" b="0"/>
+      </a:lnRef>
+      <a:fillRef idx="0">
+        <a:scrgbClr r="0" g="0" b="0"/>
+      </a:fillRef>
+      <a:effectRef idx="0">
+        <a:scrgbClr r="0" g="0" b="0"/>
+      </a:effectRef>
+      <a:fontRef idx="minor"/>
+    </dgm:style>
+  </dgm:styleLbl>
+  <dgm:styleLbl name="parChTrans1D3">
+    <dgm:scene3d>
+      <a:camera prst="orthographicFront"/>
+      <a:lightRig rig="threePt" dir="t"/>
+    </dgm:scene3d>
+    <dgm:sp3d/>
+    <dgm:txPr/>
+    <dgm:style>
+      <a:lnRef idx="2">
+        <a:scrgbClr r="0" g="0" b="0"/>
+      </a:lnRef>
+      <a:fillRef idx="0">
+        <a:scrgbClr r="0" g="0" b="0"/>
+      </a:fillRef>
+      <a:effectRef idx="0">
+        <a:scrgbClr r="0" g="0" b="0"/>
+      </a:effectRef>
+      <a:fontRef idx="minor"/>
+    </dgm:style>
+  </dgm:styleLbl>
+  <dgm:styleLbl name="parChTrans1D4">
+    <dgm:scene3d>
+      <a:camera prst="orthographicFront"/>
+      <a:lightRig rig="threePt" dir="t"/>
+    </dgm:scene3d>
+    <dgm:sp3d/>
+    <dgm:txPr/>
+    <dgm:style>
+      <a:lnRef idx="2">
+        <a:scrgbClr r="0" g="0" b="0"/>
+      </a:lnRef>
+      <a:fillRef idx="0">
+        <a:scrgbClr r="0" g="0" b="0"/>
+      </a:fillRef>
+      <a:effectRef idx="0">
+        <a:scrgbClr r="0" g="0" b="0"/>
+      </a:effectRef>
+      <a:fontRef idx="minor"/>
+    </dgm:style>
+  </dgm:styleLbl>
+  <dgm:styleLbl name="fgAcc1">
+    <dgm:scene3d>
+      <a:camera prst="orthographicFront"/>
+      <a:lightRig rig="threePt" dir="t"/>
+    </dgm:scene3d>
+    <dgm:sp3d/>
+    <dgm:txPr/>
+    <dgm:style>
+      <a:lnRef idx="2">
+        <a:scrgbClr r="0" g="0" b="0"/>
+      </a:lnRef>
+      <a:fillRef idx="1">
+        <a:scrgbClr r="0" g="0" b="0"/>
+      </a:fillRef>
+      <a:effectRef idx="0">
+        <a:scrgbClr r="0" g="0" b="0"/>
+      </a:effectRef>
+      <a:fontRef idx="minor"/>
+    </dgm:style>
+  </dgm:styleLbl>
+  <dgm:styleLbl name="conFgAcc1">
+    <dgm:scene3d>
+      <a:camera prst="orthographicFront"/>
+      <a:lightRig rig="threePt" dir="t"/>
+    </dgm:scene3d>
+    <dgm:sp3d/>
+    <dgm:txPr/>
+    <dgm:style>
+      <a:lnRef idx="2">
+        <a:scrgbClr r="0" g="0" b="0"/>
+      </a:lnRef>
+      <a:fillRef idx="1">
+        <a:scrgbClr r="0" g="0" b="0"/>
+      </a:fillRef>
+      <a:effectRef idx="0">
+        <a:scrgbClr r="0" g="0" b="0"/>
+      </a:effectRef>
+      <a:fontRef idx="minor"/>
+    </dgm:style>
+  </dgm:styleLbl>
+  <dgm:styleLbl name="alignAcc1">
+    <dgm:scene3d>
+      <a:camera prst="orthographicFront"/>
+      <a:lightRig rig="threePt" dir="t"/>
+    </dgm:scene3d>
+    <dgm:sp3d/>
+    <dgm:txPr/>
+    <dgm:style>
+      <a:lnRef idx="2">
+        <a:scrgbClr r="0" g="0" b="0"/>
+      </a:lnRef>
+      <a:fillRef idx="1">
+        <a:scrgbClr r="0" g="0" b="0"/>
+      </a:fillRef>
+      <a:effectRef idx="0">
+        <a:scrgbClr r="0" g="0" b="0"/>
+      </a:effectRef>
+      <a:fontRef idx="minor"/>
+    </dgm:style>
+  </dgm:styleLbl>
+  <dgm:styleLbl name="trAlignAcc1">
+    <dgm:scene3d>
+      <a:camera prst="orthographicFront"/>
+      <a:lightRig rig="threePt" dir="t"/>
+    </dgm:scene3d>
+    <dgm:sp3d/>
+    <dgm:txPr/>
+    <dgm:style>
+      <a:lnRef idx="1">
+        <a:scrgbClr r="0" g="0" b="0"/>
+      </a:lnRef>
+      <a:fillRef idx="1">
+        <a:scrgbClr r="0" g="0" b="0"/>
+      </a:fillRef>
+      <a:effectRef idx="0">
+        <a:scrgbClr r="0" g="0" b="0"/>
+      </a:effectRef>
+      <a:fontRef idx="minor"/>
+    </dgm:style>
+  </dgm:styleLbl>
+  <dgm:styleLbl name="bgAcc1">
+    <dgm:scene3d>
+      <a:camera prst="orthographicFront"/>
+      <a:lightRig rig="threePt" dir="t"/>
+    </dgm:scene3d>
+    <dgm:sp3d/>
+    <dgm:txPr/>
+    <dgm:style>
+      <a:lnRef idx="2">
+        <a:scrgbClr r="0" g="0" b="0"/>
+      </a:lnRef>
+      <a:fillRef idx="1">
+        <a:scrgbClr r="0" g="0" b="0"/>
+      </a:fillRef>
+      <a:effectRef idx="0">
+        <a:scrgbClr r="0" g="0" b="0"/>
+      </a:effectRef>
+      <a:fontRef idx="minor"/>
+    </dgm:style>
+  </dgm:styleLbl>
+  <dgm:styleLbl name="solidFgAcc1">
+    <dgm:scene3d>
+      <a:camera prst="orthographicFront"/>
+      <a:lightRig rig="threePt" dir="t"/>
+    </dgm:scene3d>
+    <dgm:sp3d/>
+    <dgm:txPr/>
+    <dgm:style>
+      <a:lnRef idx="2">
+        <a:scrgbClr r="0" g="0" b="0"/>
+      </a:lnRef>
+      <a:fillRef idx="1">
+        <a:scrgbClr r="0" g="0" b="0"/>
+      </a:fillRef>
+      <a:effectRef idx="0">
+        <a:scrgbClr r="0" g="0" b="0"/>
+      </a:effectRef>
+      <a:fontRef idx="minor"/>
+    </dgm:style>
+  </dgm:styleLbl>
+  <dgm:styleLbl name="solidAlignAcc1">
+    <dgm:scene3d>
+      <a:camera prst="orthographicFront"/>
+      <a:lightRig rig="threePt" dir="t"/>
+    </dgm:scene3d>
+    <dgm:sp3d/>
+    <dgm:txPr/>
+    <dgm:style>
+      <a:lnRef idx="2">
+        <a:scrgbClr r="0" g="0" b="0"/>
+      </a:lnRef>
+      <a:fillRef idx="1">
+        <a:scrgbClr r="0" g="0" b="0"/>
+      </a:fillRef>
+      <a:effectRef idx="0">
+        <a:scrgbClr r="0" g="0" b="0"/>
+      </a:effectRef>
+      <a:fontRef idx="minor"/>
+    </dgm:style>
+  </dgm:styleLbl>
+  <dgm:styleLbl name="solidBgAcc1">
+    <dgm:scene3d>
+      <a:camera prst="orthographicFront"/>
+      <a:lightRig rig="threePt" dir="t"/>
+    </dgm:scene3d>
+    <dgm:sp3d/>
+    <dgm:txPr/>
+    <dgm:style>
+      <a:lnRef idx="2">
+        <a:scrgbClr r="0" g="0" b="0"/>
+      </a:lnRef>
+      <a:fillRef idx="1">
+        <a:scrgbClr r="0" g="0" b="0"/>
+      </a:fillRef>
+      <a:effectRef idx="0">
+        <a:scrgbClr r="0" g="0" b="0"/>
+      </a:effectRef>
+      <a:fontRef idx="minor"/>
+    </dgm:style>
+  </dgm:styleLbl>
+  <dgm:styleLbl name="fgAccFollowNode1">
+    <dgm:scene3d>
+      <a:camera prst="orthographicFront"/>
+      <a:lightRig rig="threePt" dir="t"/>
+    </dgm:scene3d>
+    <dgm:sp3d/>
+    <dgm:txPr/>
+    <dgm:style>
+      <a:lnRef idx="2">
+        <a:scrgbClr r="0" g="0" b="0"/>
+      </a:lnRef>
+      <a:fillRef idx="1">
+        <a:scrgbClr r="0" g="0" b="0"/>
+      </a:fillRef>
+      <a:effectRef idx="0">
+        <a:scrgbClr r="0" g="0" b="0"/>
+      </a:effectRef>
+      <a:fontRef idx="minor"/>
+    </dgm:style>
+  </dgm:styleLbl>
+  <dgm:styleLbl name="alignAccFollowNode1">
+    <dgm:scene3d>
+      <a:camera prst="orthographicFront"/>
+      <a:lightRig rig="threePt" dir="t"/>
+    </dgm:scene3d>
+    <dgm:sp3d/>
+    <dgm:txPr/>
+    <dgm:style>
+      <a:lnRef idx="2">
+        <a:scrgbClr r="0" g="0" b="0"/>
+      </a:lnRef>
+      <a:fillRef idx="1">
+        <a:scrgbClr r="0" g="0" b="0"/>
+      </a:fillRef>
+      <a:effectRef idx="0">
+        <a:scrgbClr r="0" g="0" b="0"/>
+      </a:effectRef>
+      <a:fontRef idx="minor"/>
+    </dgm:style>
+  </dgm:styleLbl>
+  <dgm:styleLbl name="bgAccFollowNode1">
+    <dgm:scene3d>
+      <a:camera prst="orthographicFront"/>
+      <a:lightRig rig="threePt" dir="t"/>
+    </dgm:scene3d>
+    <dgm:sp3d/>
+    <dgm:txPr/>
+    <dgm:style>
+      <a:lnRef idx="2">
+        <a:scrgbClr r="0" g="0" b="0"/>
+      </a:lnRef>
+      <a:fillRef idx="1">
+        <a:scrgbClr r="0" g="0" b="0"/>
+      </a:fillRef>
+      <a:effectRef idx="0">
+        <a:scrgbClr r="0" g="0" b="0"/>
+      </a:effectRef>
+      <a:fontRef idx="minor"/>
+    </dgm:style>
+  </dgm:styleLbl>
+  <dgm:styleLbl name="fgAcc0">
+    <dgm:scene3d>
+      <a:camera prst="orthographicFront"/>
+      <a:lightRig rig="threePt" dir="t"/>
+    </dgm:scene3d>
+    <dgm:sp3d/>
+    <dgm:txPr/>
+    <dgm:style>
+      <a:lnRef idx="2">
+        <a:scrgbClr r="0" g="0" b="0"/>
+      </a:lnRef>
+      <a:fillRef idx="1">
+        <a:scrgbClr r="0" g="0" b="0"/>
+      </a:fillRef>
+      <a:effectRef idx="0">
+        <a:scrgbClr r="0" g="0" b="0"/>
+      </a:effectRef>
+      <a:fontRef idx="minor"/>
+    </dgm:style>
+  </dgm:styleLbl>
+  <dgm:styleLbl name="fgAcc2">
+    <dgm:scene3d>
+      <a:camera prst="orthographicFront"/>
+      <a:lightRig rig="threePt" dir="t"/>
+    </dgm:scene3d>
+    <dgm:sp3d/>
+    <dgm:txPr/>
+    <dgm:style>
+      <a:lnRef idx="2">
+        <a:scrgbClr r="0" g="0" b="0"/>
+      </a:lnRef>
+      <a:fillRef idx="1">
+        <a:scrgbClr r="0" g="0" b="0"/>
+      </a:fillRef>
+      <a:effectRef idx="0">
+        <a:scrgbClr r="0" g="0" b="0"/>
+      </a:effectRef>
+      <a:fontRef idx="minor"/>
+    </dgm:style>
+  </dgm:styleLbl>
+  <dgm:styleLbl name="fgAcc3">
+    <dgm:scene3d>
+      <a:camera prst="orthographicFront"/>
+      <a:lightRig rig="threePt" dir="t"/>
+    </dgm:scene3d>
+    <dgm:sp3d/>
+    <dgm:txPr/>
+    <dgm:style>
+      <a:lnRef idx="2">
+        <a:scrgbClr r="0" g="0" b="0"/>
+      </a:lnRef>
+      <a:fillRef idx="1">
+        <a:scrgbClr r="0" g="0" b="0"/>
+      </a:fillRef>
+      <a:effectRef idx="0">
+        <a:scrgbClr r="0" g="0" b="0"/>
+      </a:effectRef>
+      <a:fontRef idx="minor"/>
+    </dgm:style>
+  </dgm:styleLbl>
+  <dgm:styleLbl name="fgAcc4">
+    <dgm:scene3d>
+      <a:camera prst="orthographicFront"/>
+      <a:lightRig rig="threePt" dir="t"/>
+    </dgm:scene3d>
+    <dgm:sp3d/>
+    <dgm:txPr/>
+    <dgm:style>
+      <a:lnRef idx="2">
+        <a:scrgbClr r="0" g="0" b="0"/>
+      </a:lnRef>
+      <a:fillRef idx="1">
+        <a:scrgbClr r="0" g="0" b="0"/>
+      </a:fillRef>
+      <a:effectRef idx="0">
+        <a:scrgbClr r="0" g="0" b="0"/>
+      </a:effectRef>
+      <a:fontRef idx="minor"/>
+    </dgm:style>
+  </dgm:styleLbl>
+  <dgm:styleLbl name="bgShp">
+    <dgm:scene3d>
+      <a:camera prst="orthographicFront"/>
+      <a:lightRig rig="threePt" dir="t"/>
+    </dgm:scene3d>
+    <dgm:sp3d/>
+    <dgm:txPr/>
+    <dgm:style>
+      <a:lnRef idx="0">
+        <a:scrgbClr r="0" g="0" b="0"/>
+      </a:lnRef>
+      <a:fillRef idx="1">
+        <a:scrgbClr r="0" g="0" b="0"/>
+      </a:fillRef>
+      <a:effectRef idx="0">
+        <a:scrgbClr r="0" g="0" b="0"/>
+      </a:effectRef>
+      <a:fontRef idx="minor"/>
+    </dgm:style>
+  </dgm:styleLbl>
+  <dgm:styleLbl name="dkBgShp">
+    <dgm:scene3d>
+      <a:camera prst="orthographicFront"/>
+      <a:lightRig rig="threePt" dir="t"/>
+    </dgm:scene3d>
+    <dgm:sp3d/>
+    <dgm:txPr/>
+    <dgm:style>
+      <a:lnRef idx="0">
+        <a:scrgbClr r="0" g="0" b="0"/>
+      </a:lnRef>
+      <a:fillRef idx="1">
+        <a:scrgbClr r="0" g="0" b="0"/>
+      </a:fillRef>
+      <a:effectRef idx="0">
+        <a:scrgbClr r="0" g="0" b="0"/>
+      </a:effectRef>
+      <a:fontRef idx="minor"/>
+    </dgm:style>
+  </dgm:styleLbl>
+  <dgm:styleLbl name="trBgShp">
+    <dgm:scene3d>
+      <a:camera prst="orthographicFront"/>
+      <a:lightRig rig="threePt" dir="t"/>
+    </dgm:scene3d>
+    <dgm:sp3d/>
+    <dgm:txPr/>
+    <dgm:style>
+      <a:lnRef idx="0">
+        <a:scrgbClr r="0" g="0" b="0"/>
+      </a:lnRef>
+      <a:fillRef idx="1">
+        <a:scrgbClr r="0" g="0" b="0"/>
+      </a:fillRef>
+      <a:effectRef idx="0">
+        <a:scrgbClr r="0" g="0" b="0"/>
+      </a:effectRef>
+      <a:fontRef idx="minor"/>
+    </dgm:style>
+  </dgm:styleLbl>
+  <dgm:styleLbl name="fgShp">
+    <dgm:scene3d>
+      <a:camera prst="orthographicFront"/>
+      <a:lightRig rig="threePt" dir="t"/>
+    </dgm:scene3d>
+    <dgm:sp3d/>
+    <dgm:txPr/>
+    <dgm:style>
+      <a:lnRef idx="2">
+        <a:scrgbClr r="0" g="0" b="0"/>
+      </a:lnRef>
+      <a:fillRef idx="1">
+        <a:scrgbClr r="0" g="0" b="0"/>
+      </a:fillRef>
+      <a:effectRef idx="0">
+        <a:scrgbClr r="0" g="0" b="0"/>
+      </a:effectRef>
+      <a:fontRef idx="minor"/>
+    </dgm:style>
+  </dgm:styleLbl>
+  <dgm:styleLbl name="revTx">
+    <dgm:scene3d>
+      <a:camera prst="orthographicFront"/>
+      <a:lightRig rig="threePt" dir="t"/>
+    </dgm:scene3d>
+    <dgm:sp3d/>
+    <dgm:txPr/>
+    <dgm:style>
+      <a:lnRef idx="0">
+        <a:scrgbClr r="0" g="0" b="0"/>
+      </a:lnRef>
+      <a:fillRef idx="0">
+        <a:scrgbClr r="0" g="0" b="0"/>
+      </a:fillRef>
+      <a:effectRef idx="0">
+        <a:scrgbClr r="0" g="0" b="0"/>
+      </a:effectRef>
+      <a:fontRef idx="minor"/>
+    </dgm:style>
+  </dgm:styleLbl>
+</dgm:styleDef>
+</file>
+
+<file path=ppt/diagrams/quickStyle2.xml><?xml version="1.0" encoding="utf-8"?>
 <dgm:styleDef xmlns:dgm="http://schemas.openxmlformats.org/drawingml/2006/diagram" xmlns:a="http://schemas.openxmlformats.org/drawingml/2006/main" uniqueId="urn:microsoft.com/office/officeart/2005/8/quickstyle/simple1">
   <dgm:title val=""/>
   <dgm:desc val=""/>
@@ -3441,7 +6705,7 @@
           <a:p>
             <a:fld id="{375A5F64-36BE-4217-8DE8-E88D08642151}" type="datetimeFigureOut">
               <a:rPr lang="de-AT" smtClean="0"/>
-              <a:t>25.01.2012</a:t>
+              <a:t>26.01.2012</a:t>
             </a:fld>
             <a:endParaRPr lang="de-AT" dirty="0"/>
           </a:p>
@@ -5570,7 +8834,7 @@
           <a:p>
             <a:fld id="{BACE1809-AA98-4BAD-BCB8-BE7883164EAB}" type="datetime1">
               <a:rPr lang="de-AT" smtClean="0"/>
-              <a:t>25.01.2012</a:t>
+              <a:t>26.01.2012</a:t>
             </a:fld>
             <a:endParaRPr lang="de-AT" dirty="0"/>
           </a:p>
@@ -5627,13 +8891,13 @@
   <p:clrMapOvr>
     <a:masterClrMapping/>
   </p:clrMapOvr>
-  <mc:AlternateContent xmlns:mc="http://schemas.openxmlformats.org/markup-compatibility/2006">
-    <mc:Choice xmlns:p14="http://schemas.microsoft.com/office/powerpoint/2010/main" Requires="p14">
+  <mc:AlternateContent xmlns:mc="http://schemas.openxmlformats.org/markup-compatibility/2006" xmlns:p14="http://schemas.microsoft.com/office/powerpoint/2010/main">
+    <mc:Choice Requires="p14">
       <p:transition spd="med" p14:dur="700">
         <p:fade/>
       </p:transition>
     </mc:Choice>
-    <mc:Fallback>
+    <mc:Fallback xmlns="">
       <p:transition spd="med">
         <p:fade/>
       </p:transition>
@@ -5751,7 +9015,7 @@
           <a:p>
             <a:fld id="{2DC962D1-E8D0-470F-B656-BC999DD80C23}" type="datetime1">
               <a:rPr lang="de-AT" smtClean="0"/>
-              <a:t>25.01.2012</a:t>
+              <a:t>26.01.2012</a:t>
             </a:fld>
             <a:endParaRPr lang="de-AT" dirty="0"/>
           </a:p>
@@ -5808,13 +9072,13 @@
   <p:clrMapOvr>
     <a:masterClrMapping/>
   </p:clrMapOvr>
-  <mc:AlternateContent xmlns:mc="http://schemas.openxmlformats.org/markup-compatibility/2006">
-    <mc:Choice xmlns:p14="http://schemas.microsoft.com/office/powerpoint/2010/main" Requires="p14">
+  <mc:AlternateContent xmlns:mc="http://schemas.openxmlformats.org/markup-compatibility/2006" xmlns:p14="http://schemas.microsoft.com/office/powerpoint/2010/main">
+    <mc:Choice Requires="p14">
       <p:transition spd="med" p14:dur="700">
         <p:fade/>
       </p:transition>
     </mc:Choice>
-    <mc:Fallback>
+    <mc:Fallback xmlns="">
       <p:transition spd="med">
         <p:fade/>
       </p:transition>
@@ -5942,7 +9206,7 @@
           <a:p>
             <a:fld id="{006B3C88-27AA-4728-BEAB-BA743B40086C}" type="datetime1">
               <a:rPr lang="de-AT" smtClean="0"/>
-              <a:t>25.01.2012</a:t>
+              <a:t>26.01.2012</a:t>
             </a:fld>
             <a:endParaRPr lang="de-AT" dirty="0"/>
           </a:p>
@@ -5999,13 +9263,13 @@
   <p:clrMapOvr>
     <a:masterClrMapping/>
   </p:clrMapOvr>
-  <mc:AlternateContent xmlns:mc="http://schemas.openxmlformats.org/markup-compatibility/2006">
-    <mc:Choice xmlns:p14="http://schemas.microsoft.com/office/powerpoint/2010/main" Requires="p14">
+  <mc:AlternateContent xmlns:mc="http://schemas.openxmlformats.org/markup-compatibility/2006" xmlns:p14="http://schemas.microsoft.com/office/powerpoint/2010/main">
+    <mc:Choice Requires="p14">
       <p:transition spd="med" p14:dur="700">
         <p:fade/>
       </p:transition>
     </mc:Choice>
-    <mc:Fallback>
+    <mc:Fallback xmlns="">
       <p:transition spd="med">
         <p:fade/>
       </p:transition>
@@ -6141,7 +9405,7 @@
           <a:p>
             <a:fld id="{39F134A7-41B4-49E7-AB9E-B006674CA0D9}" type="datetime1">
               <a:rPr lang="de-AT" smtClean="0"/>
-              <a:t>25.01.2012</a:t>
+              <a:t>26.01.2012</a:t>
             </a:fld>
             <a:endParaRPr lang="de-AT" dirty="0"/>
           </a:p>
@@ -6198,13 +9462,13 @@
   <p:clrMapOvr>
     <a:masterClrMapping/>
   </p:clrMapOvr>
-  <mc:AlternateContent xmlns:mc="http://schemas.openxmlformats.org/markup-compatibility/2006">
-    <mc:Choice xmlns:p14="http://schemas.microsoft.com/office/powerpoint/2010/main" Requires="p14">
+  <mc:AlternateContent xmlns:mc="http://schemas.openxmlformats.org/markup-compatibility/2006" xmlns:p14="http://schemas.microsoft.com/office/powerpoint/2010/main">
+    <mc:Choice Requires="p14">
       <p:transition spd="med" p14:dur="700">
         <p:fade/>
       </p:transition>
     </mc:Choice>
-    <mc:Fallback>
+    <mc:Fallback xmlns="">
       <p:transition spd="med">
         <p:fade/>
       </p:transition>
@@ -6419,7 +9683,7 @@
           <a:p>
             <a:fld id="{C9177AC3-5D84-435F-AEA3-F502D6C4F3B1}" type="datetime1">
               <a:rPr lang="de-AT" smtClean="0"/>
-              <a:t>25.01.2012</a:t>
+              <a:t>26.01.2012</a:t>
             </a:fld>
             <a:endParaRPr lang="de-AT" dirty="0"/>
           </a:p>
@@ -6626,13 +9890,13 @@
   <p:clrMapOvr>
     <a:masterClrMapping/>
   </p:clrMapOvr>
-  <mc:AlternateContent xmlns:mc="http://schemas.openxmlformats.org/markup-compatibility/2006">
-    <mc:Choice xmlns:p14="http://schemas.microsoft.com/office/powerpoint/2010/main" Requires="p14">
+  <mc:AlternateContent xmlns:mc="http://schemas.openxmlformats.org/markup-compatibility/2006" xmlns:p14="http://schemas.microsoft.com/office/powerpoint/2010/main">
+    <mc:Choice Requires="p14">
       <p:transition spd="med" p14:dur="700">
         <p:fade/>
       </p:transition>
     </mc:Choice>
-    <mc:Fallback>
+    <mc:Fallback xmlns="">
       <p:transition spd="med">
         <p:fade/>
       </p:transition>
@@ -6783,7 +10047,7 @@
           <a:p>
             <a:fld id="{E5829EAB-6695-4CF3-ADFD-7A515F886E1B}" type="datetime1">
               <a:rPr lang="de-AT" smtClean="0"/>
-              <a:t>25.01.2012</a:t>
+              <a:t>26.01.2012</a:t>
             </a:fld>
             <a:endParaRPr lang="de-AT" dirty="0"/>
           </a:p>
@@ -6897,13 +10161,13 @@
   <p:clrMapOvr>
     <a:masterClrMapping/>
   </p:clrMapOvr>
-  <mc:AlternateContent xmlns:mc="http://schemas.openxmlformats.org/markup-compatibility/2006">
-    <mc:Choice xmlns:p14="http://schemas.microsoft.com/office/powerpoint/2010/main" Requires="p14">
+  <mc:AlternateContent xmlns:mc="http://schemas.openxmlformats.org/markup-compatibility/2006" xmlns:p14="http://schemas.microsoft.com/office/powerpoint/2010/main">
+    <mc:Choice Requires="p14">
       <p:transition spd="med" p14:dur="700">
         <p:fade/>
       </p:transition>
     </mc:Choice>
-    <mc:Fallback>
+    <mc:Fallback xmlns="">
       <p:transition spd="med">
         <p:fade/>
       </p:transition>
@@ -7107,7 +10371,7 @@
           <a:p>
             <a:fld id="{52E2E7A4-C449-4DB4-84D1-0396CD9385AC}" type="datetime1">
               <a:rPr lang="de-AT" smtClean="0"/>
-              <a:t>25.01.2012</a:t>
+              <a:t>26.01.2012</a:t>
             </a:fld>
             <a:endParaRPr lang="de-AT" dirty="0"/>
           </a:p>
@@ -7278,13 +10542,13 @@
   <p:clrMapOvr>
     <a:masterClrMapping/>
   </p:clrMapOvr>
-  <mc:AlternateContent xmlns:mc="http://schemas.openxmlformats.org/markup-compatibility/2006">
-    <mc:Choice xmlns:p14="http://schemas.microsoft.com/office/powerpoint/2010/main" Requires="p14">
+  <mc:AlternateContent xmlns:mc="http://schemas.openxmlformats.org/markup-compatibility/2006" xmlns:p14="http://schemas.microsoft.com/office/powerpoint/2010/main">
+    <mc:Choice Requires="p14">
       <p:transition spd="med" p14:dur="700">
         <p:fade/>
       </p:transition>
     </mc:Choice>
-    <mc:Fallback>
+    <mc:Fallback xmlns="">
       <p:transition spd="med">
         <p:fade/>
       </p:transition>
@@ -7350,7 +10614,7 @@
           <a:p>
             <a:fld id="{97EE6AA3-FD20-4A65-BC8B-6D523D4D3057}" type="datetime1">
               <a:rPr lang="de-AT" smtClean="0"/>
-              <a:t>25.01.2012</a:t>
+              <a:t>26.01.2012</a:t>
             </a:fld>
             <a:endParaRPr lang="de-AT" dirty="0"/>
           </a:p>
@@ -7407,13 +10671,13 @@
   <p:clrMapOvr>
     <a:masterClrMapping/>
   </p:clrMapOvr>
-  <mc:AlternateContent xmlns:mc="http://schemas.openxmlformats.org/markup-compatibility/2006">
-    <mc:Choice xmlns:p14="http://schemas.microsoft.com/office/powerpoint/2010/main" Requires="p14">
+  <mc:AlternateContent xmlns:mc="http://schemas.openxmlformats.org/markup-compatibility/2006" xmlns:p14="http://schemas.microsoft.com/office/powerpoint/2010/main">
+    <mc:Choice Requires="p14">
       <p:transition spd="med" p14:dur="700">
         <p:fade/>
       </p:transition>
     </mc:Choice>
-    <mc:Fallback>
+    <mc:Fallback xmlns="">
       <p:transition spd="med">
         <p:fade/>
       </p:transition>
@@ -7456,7 +10720,7 @@
           <a:p>
             <a:fld id="{33B659B6-6A74-49CE-9F52-2D27CD6AC018}" type="datetime1">
               <a:rPr lang="de-AT" smtClean="0"/>
-              <a:t>25.01.2012</a:t>
+              <a:t>26.01.2012</a:t>
             </a:fld>
             <a:endParaRPr lang="de-AT" dirty="0"/>
           </a:p>
@@ -7513,13 +10777,13 @@
   <p:clrMapOvr>
     <a:masterClrMapping/>
   </p:clrMapOvr>
-  <mc:AlternateContent xmlns:mc="http://schemas.openxmlformats.org/markup-compatibility/2006">
-    <mc:Choice xmlns:p14="http://schemas.microsoft.com/office/powerpoint/2010/main" Requires="p14">
+  <mc:AlternateContent xmlns:mc="http://schemas.openxmlformats.org/markup-compatibility/2006" xmlns:p14="http://schemas.microsoft.com/office/powerpoint/2010/main">
+    <mc:Choice Requires="p14">
       <p:transition spd="med" p14:dur="700">
         <p:fade/>
       </p:transition>
     </mc:Choice>
-    <mc:Fallback>
+    <mc:Fallback xmlns="">
       <p:transition spd="med">
         <p:fade/>
       </p:transition>
@@ -7760,7 +11024,7 @@
           <a:p>
             <a:fld id="{A7E181A2-7D08-4DAD-9DF4-C17692464342}" type="datetime1">
               <a:rPr lang="de-AT" smtClean="0"/>
-              <a:t>25.01.2012</a:t>
+              <a:t>26.01.2012</a:t>
             </a:fld>
             <a:endParaRPr lang="de-AT" dirty="0"/>
           </a:p>
@@ -7817,13 +11081,13 @@
   <p:clrMapOvr>
     <a:masterClrMapping/>
   </p:clrMapOvr>
-  <mc:AlternateContent xmlns:mc="http://schemas.openxmlformats.org/markup-compatibility/2006">
-    <mc:Choice xmlns:p14="http://schemas.microsoft.com/office/powerpoint/2010/main" Requires="p14">
+  <mc:AlternateContent xmlns:mc="http://schemas.openxmlformats.org/markup-compatibility/2006" xmlns:p14="http://schemas.microsoft.com/office/powerpoint/2010/main">
+    <mc:Choice Requires="p14">
       <p:transition spd="med" p14:dur="700">
         <p:fade/>
       </p:transition>
     </mc:Choice>
-    <mc:Fallback>
+    <mc:Fallback xmlns="">
       <p:transition spd="med">
         <p:fade/>
       </p:transition>
@@ -8045,7 +11309,7 @@
           <a:p>
             <a:fld id="{61607C6D-123C-4024-9D4D-6DFCB33247A2}" type="datetime1">
               <a:rPr lang="de-AT" smtClean="0"/>
-              <a:t>25.01.2012</a:t>
+              <a:t>26.01.2012</a:t>
             </a:fld>
             <a:endParaRPr lang="de-AT" dirty="0"/>
           </a:p>
@@ -8102,13 +11366,13 @@
   <p:clrMapOvr>
     <a:masterClrMapping/>
   </p:clrMapOvr>
-  <mc:AlternateContent xmlns:mc="http://schemas.openxmlformats.org/markup-compatibility/2006">
-    <mc:Choice xmlns:p14="http://schemas.microsoft.com/office/powerpoint/2010/main" Requires="p14">
+  <mc:AlternateContent xmlns:mc="http://schemas.openxmlformats.org/markup-compatibility/2006" xmlns:p14="http://schemas.microsoft.com/office/powerpoint/2010/main">
+    <mc:Choice Requires="p14">
       <p:transition spd="med" p14:dur="700">
         <p:fade/>
       </p:transition>
     </mc:Choice>
-    <mc:Fallback>
+    <mc:Fallback xmlns="">
       <p:transition spd="med">
         <p:fade/>
       </p:transition>
@@ -8271,7 +11535,7 @@
           <a:p>
             <a:fld id="{0D024312-CF2F-4ECE-8EED-4030DE5DF3C6}" type="datetime1">
               <a:rPr lang="de-AT" smtClean="0"/>
-              <a:t>25.01.2012</a:t>
+              <a:t>26.01.2012</a:t>
             </a:fld>
             <a:endParaRPr lang="de-AT" dirty="0"/>
           </a:p>
@@ -8486,13 +11750,13 @@
     <p:sldLayoutId id="2147483742" r:id="rId10"/>
     <p:sldLayoutId id="2147483743" r:id="rId11"/>
   </p:sldLayoutIdLst>
-  <mc:AlternateContent xmlns:mc="http://schemas.openxmlformats.org/markup-compatibility/2006">
-    <mc:Choice xmlns:p14="http://schemas.microsoft.com/office/powerpoint/2010/main" Requires="p14">
+  <mc:AlternateContent xmlns:mc="http://schemas.openxmlformats.org/markup-compatibility/2006" xmlns:p14="http://schemas.microsoft.com/office/powerpoint/2010/main">
+    <mc:Choice Requires="p14">
       <p:transition spd="med" p14:dur="700">
         <p:fade/>
       </p:transition>
     </mc:Choice>
-    <mc:Fallback>
+    <mc:Fallback xmlns="">
       <p:transition spd="med">
         <p:fade/>
       </p:transition>
@@ -8913,13 +12177,13 @@
   <p:clrMapOvr>
     <a:masterClrMapping/>
   </p:clrMapOvr>
-  <mc:AlternateContent xmlns:mc="http://schemas.openxmlformats.org/markup-compatibility/2006">
-    <mc:Choice xmlns:p14="http://schemas.microsoft.com/office/powerpoint/2010/main" Requires="p14">
+  <mc:AlternateContent xmlns:mc="http://schemas.openxmlformats.org/markup-compatibility/2006" xmlns:p14="http://schemas.microsoft.com/office/powerpoint/2010/main">
+    <mc:Choice Requires="p14">
       <p:transition spd="med" p14:dur="700">
         <p:fade/>
       </p:transition>
     </mc:Choice>
-    <mc:Fallback>
+    <mc:Fallback xmlns="">
       <p:transition spd="med">
         <p:fade/>
       </p:transition>
@@ -9062,13 +12326,13 @@
   <p:clrMapOvr>
     <a:masterClrMapping/>
   </p:clrMapOvr>
-  <mc:AlternateContent xmlns:mc="http://schemas.openxmlformats.org/markup-compatibility/2006">
-    <mc:Choice xmlns:p14="http://schemas.microsoft.com/office/powerpoint/2010/main" Requires="p14">
+  <mc:AlternateContent xmlns:mc="http://schemas.openxmlformats.org/markup-compatibility/2006" xmlns:p14="http://schemas.microsoft.com/office/powerpoint/2010/main">
+    <mc:Choice Requires="p14">
       <p:transition spd="med" p14:dur="700">
         <p:fade/>
       </p:transition>
     </mc:Choice>
-    <mc:Fallback>
+    <mc:Fallback xmlns="">
       <p:transition spd="med">
         <p:fade/>
       </p:transition>
@@ -9190,13 +12454,13 @@
   <p:clrMapOvr>
     <a:masterClrMapping/>
   </p:clrMapOvr>
-  <mc:AlternateContent xmlns:mc="http://schemas.openxmlformats.org/markup-compatibility/2006">
-    <mc:Choice xmlns:p14="http://schemas.microsoft.com/office/powerpoint/2010/main" Requires="p14">
+  <mc:AlternateContent xmlns:mc="http://schemas.openxmlformats.org/markup-compatibility/2006" xmlns:p14="http://schemas.microsoft.com/office/powerpoint/2010/main">
+    <mc:Choice Requires="p14">
       <p:transition spd="med" p14:dur="700">
         <p:fade/>
       </p:transition>
     </mc:Choice>
-    <mc:Fallback>
+    <mc:Fallback xmlns="">
       <p:transition spd="med">
         <p:fade/>
       </p:transition>
@@ -9324,13 +12588,13 @@
   <p:clrMapOvr>
     <a:masterClrMapping/>
   </p:clrMapOvr>
-  <mc:AlternateContent xmlns:mc="http://schemas.openxmlformats.org/markup-compatibility/2006">
-    <mc:Choice xmlns:p14="http://schemas.microsoft.com/office/powerpoint/2010/main" Requires="p14">
+  <mc:AlternateContent xmlns:mc="http://schemas.openxmlformats.org/markup-compatibility/2006" xmlns:p14="http://schemas.microsoft.com/office/powerpoint/2010/main">
+    <mc:Choice Requires="p14">
       <p:transition spd="med" p14:dur="700">
         <p:fade/>
       </p:transition>
     </mc:Choice>
-    <mc:Fallback>
+    <mc:Fallback xmlns="">
       <p:transition spd="med">
         <p:fade/>
       </p:transition>
@@ -9530,13 +12794,13 @@
   <p:clrMapOvr>
     <a:masterClrMapping/>
   </p:clrMapOvr>
-  <mc:AlternateContent xmlns:mc="http://schemas.openxmlformats.org/markup-compatibility/2006">
-    <mc:Choice xmlns:p14="http://schemas.microsoft.com/office/powerpoint/2010/main" Requires="p14">
+  <mc:AlternateContent xmlns:mc="http://schemas.openxmlformats.org/markup-compatibility/2006" xmlns:p14="http://schemas.microsoft.com/office/powerpoint/2010/main">
+    <mc:Choice Requires="p14">
       <p:transition spd="med" p14:dur="700">
         <p:fade/>
       </p:transition>
     </mc:Choice>
-    <mc:Fallback>
+    <mc:Fallback xmlns="">
       <p:transition spd="med">
         <p:fade/>
       </p:transition>
@@ -9621,7 +12885,6 @@
               <a:rPr lang="de-AT" dirty="0" smtClean="0"/>
               <a:t>5 Schichten</a:t>
             </a:r>
-            <a:endParaRPr lang="de-AT" dirty="0" smtClean="0"/>
           </a:p>
           <a:p>
             <a:endParaRPr lang="de-AT" dirty="0" smtClean="0"/>
@@ -9709,13 +12972,13 @@
   <p:clrMapOvr>
     <a:masterClrMapping/>
   </p:clrMapOvr>
-  <mc:AlternateContent xmlns:mc="http://schemas.openxmlformats.org/markup-compatibility/2006">
-    <mc:Choice xmlns:p14="http://schemas.microsoft.com/office/powerpoint/2010/main" Requires="p14">
+  <mc:AlternateContent xmlns:mc="http://schemas.openxmlformats.org/markup-compatibility/2006" xmlns:p14="http://schemas.microsoft.com/office/powerpoint/2010/main">
+    <mc:Choice Requires="p14">
       <p:transition spd="med" p14:dur="700">
         <p:fade/>
       </p:transition>
     </mc:Choice>
-    <mc:Fallback>
+    <mc:Fallback xmlns="">
       <p:transition spd="med">
         <p:fade/>
       </p:transition>
@@ -10148,7 +13411,6 @@
               <a:rPr lang="de-AT" dirty="0" smtClean="0"/>
               <a:t>Contra</a:t>
             </a:r>
-            <a:endParaRPr lang="de-AT" dirty="0" smtClean="0"/>
           </a:p>
           <a:p>
             <a:pPr lvl="1"/>
@@ -10203,11 +13465,7 @@
             <a:pPr lvl="1"/>
             <a:r>
               <a:rPr lang="de-AT" dirty="0" smtClean="0"/>
-              <a:t>Datenbank-Mapping </a:t>
-            </a:r>
-            <a:r>
-              <a:rPr lang="de-AT" dirty="0" smtClean="0"/>
-              <a:t>entfällt</a:t>
+              <a:t>Datenbank-Mapping entfällt</a:t>
             </a:r>
           </a:p>
           <a:p>
@@ -10293,13 +13551,13 @@
   <p:clrMapOvr>
     <a:masterClrMapping/>
   </p:clrMapOvr>
-  <mc:AlternateContent xmlns:mc="http://schemas.openxmlformats.org/markup-compatibility/2006">
-    <mc:Choice xmlns:p14="http://schemas.microsoft.com/office/powerpoint/2010/main" Requires="p14">
+  <mc:AlternateContent xmlns:mc="http://schemas.openxmlformats.org/markup-compatibility/2006" xmlns:p14="http://schemas.microsoft.com/office/powerpoint/2010/main">
+    <mc:Choice Requires="p14">
       <p:transition spd="med" p14:dur="700">
         <p:fade/>
       </p:transition>
     </mc:Choice>
-    <mc:Fallback>
+    <mc:Fallback xmlns="">
       <p:transition spd="med">
         <p:fade/>
       </p:transition>
@@ -10454,13 +13712,13 @@
   <p:clrMapOvr>
     <a:masterClrMapping/>
   </p:clrMapOvr>
-  <mc:AlternateContent xmlns:mc="http://schemas.openxmlformats.org/markup-compatibility/2006">
-    <mc:Choice xmlns:p14="http://schemas.microsoft.com/office/powerpoint/2010/main" Requires="p14">
+  <mc:AlternateContent xmlns:mc="http://schemas.openxmlformats.org/markup-compatibility/2006" xmlns:p14="http://schemas.microsoft.com/office/powerpoint/2010/main">
+    <mc:Choice Requires="p14">
       <p:transition spd="med" p14:dur="700">
         <p:fade/>
       </p:transition>
     </mc:Choice>
-    <mc:Fallback>
+    <mc:Fallback xmlns="">
       <p:transition spd="med">
         <p:fade/>
       </p:transition>
@@ -10632,13 +13890,13 @@
   <p:clrMapOvr>
     <a:masterClrMapping/>
   </p:clrMapOvr>
-  <mc:AlternateContent xmlns:mc="http://schemas.openxmlformats.org/markup-compatibility/2006">
-    <mc:Choice xmlns:p14="http://schemas.microsoft.com/office/powerpoint/2010/main" Requires="p14">
+  <mc:AlternateContent xmlns:mc="http://schemas.openxmlformats.org/markup-compatibility/2006" xmlns:p14="http://schemas.microsoft.com/office/powerpoint/2010/main">
+    <mc:Choice Requires="p14">
       <p:transition spd="med" p14:dur="700">
         <p:fade/>
       </p:transition>
     </mc:Choice>
-    <mc:Fallback>
+    <mc:Fallback xmlns="">
       <p:transition spd="med">
         <p:fade/>
       </p:transition>
@@ -10801,13 +14059,13 @@
   <p:clrMapOvr>
     <a:masterClrMapping/>
   </p:clrMapOvr>
-  <mc:AlternateContent xmlns:mc="http://schemas.openxmlformats.org/markup-compatibility/2006">
-    <mc:Choice xmlns:p14="http://schemas.microsoft.com/office/powerpoint/2010/main" Requires="p14">
+  <mc:AlternateContent xmlns:mc="http://schemas.openxmlformats.org/markup-compatibility/2006" xmlns:p14="http://schemas.microsoft.com/office/powerpoint/2010/main">
+    <mc:Choice Requires="p14">
       <p:transition spd="med" p14:dur="700">
         <p:fade/>
       </p:transition>
     </mc:Choice>
-    <mc:Fallback>
+    <mc:Fallback xmlns="">
       <p:transition spd="med">
         <p:fade/>
       </p:transition>
@@ -10970,13 +14228,13 @@
   <p:clrMapOvr>
     <a:masterClrMapping/>
   </p:clrMapOvr>
-  <mc:AlternateContent xmlns:mc="http://schemas.openxmlformats.org/markup-compatibility/2006">
-    <mc:Choice xmlns:p14="http://schemas.microsoft.com/office/powerpoint/2010/main" Requires="p14">
+  <mc:AlternateContent xmlns:mc="http://schemas.openxmlformats.org/markup-compatibility/2006" xmlns:p14="http://schemas.microsoft.com/office/powerpoint/2010/main">
+    <mc:Choice Requires="p14">
       <p:transition spd="med" p14:dur="700">
         <p:fade/>
       </p:transition>
     </mc:Choice>
-    <mc:Fallback>
+    <mc:Fallback xmlns="">
       <p:transition spd="med">
         <p:fade/>
       </p:transition>
@@ -11244,13 +14502,13 @@
   <p:clrMapOvr>
     <a:masterClrMapping/>
   </p:clrMapOvr>
-  <mc:AlternateContent xmlns:mc="http://schemas.openxmlformats.org/markup-compatibility/2006">
-    <mc:Choice xmlns:p14="http://schemas.microsoft.com/office/powerpoint/2010/main" Requires="p14">
+  <mc:AlternateContent xmlns:mc="http://schemas.openxmlformats.org/markup-compatibility/2006" xmlns:p14="http://schemas.microsoft.com/office/powerpoint/2010/main">
+    <mc:Choice Requires="p14">
       <p:transition spd="med" p14:dur="700">
         <p:fade/>
       </p:transition>
     </mc:Choice>
-    <mc:Fallback>
+    <mc:Fallback xmlns="">
       <p:transition spd="med">
         <p:fade/>
       </p:transition>
@@ -11455,13 +14713,13 @@
   <p:clrMapOvr>
     <a:masterClrMapping/>
   </p:clrMapOvr>
-  <mc:AlternateContent xmlns:mc="http://schemas.openxmlformats.org/markup-compatibility/2006">
-    <mc:Choice xmlns:p14="http://schemas.microsoft.com/office/powerpoint/2010/main" Requires="p14">
+  <mc:AlternateContent xmlns:mc="http://schemas.openxmlformats.org/markup-compatibility/2006" xmlns:p14="http://schemas.microsoft.com/office/powerpoint/2010/main">
+    <mc:Choice Requires="p14">
       <p:transition spd="med" p14:dur="700">
         <p:fade/>
       </p:transition>
     </mc:Choice>
-    <mc:Fallback>
+    <mc:Fallback xmlns="">
       <p:transition spd="med">
         <p:fade/>
       </p:transition>
@@ -11626,13 +14884,13 @@
   <p:clrMapOvr>
     <a:masterClrMapping/>
   </p:clrMapOvr>
-  <mc:AlternateContent xmlns:mc="http://schemas.openxmlformats.org/markup-compatibility/2006">
-    <mc:Choice xmlns:p14="http://schemas.microsoft.com/office/powerpoint/2010/main" Requires="p14">
+  <mc:AlternateContent xmlns:mc="http://schemas.openxmlformats.org/markup-compatibility/2006" xmlns:p14="http://schemas.microsoft.com/office/powerpoint/2010/main">
+    <mc:Choice Requires="p14">
       <p:transition spd="med" p14:dur="700">
         <p:fade/>
       </p:transition>
     </mc:Choice>
-    <mc:Fallback>
+    <mc:Fallback xmlns="">
       <p:transition spd="med">
         <p:fade/>
       </p:transition>
@@ -11813,13 +15071,13 @@
   <p:clrMapOvr>
     <a:masterClrMapping/>
   </p:clrMapOvr>
-  <mc:AlternateContent xmlns:mc="http://schemas.openxmlformats.org/markup-compatibility/2006">
-    <mc:Choice xmlns:p14="http://schemas.microsoft.com/office/powerpoint/2010/main" Requires="p14">
+  <mc:AlternateContent xmlns:mc="http://schemas.openxmlformats.org/markup-compatibility/2006" xmlns:p14="http://schemas.microsoft.com/office/powerpoint/2010/main">
+    <mc:Choice Requires="p14">
       <p:transition spd="med" p14:dur="700">
         <p:fade/>
       </p:transition>
     </mc:Choice>
-    <mc:Fallback>
+    <mc:Fallback xmlns="">
       <p:transition spd="med">
         <p:fade/>
       </p:transition>
@@ -11931,7 +15189,7 @@
       </p:sp>
       <p:pic>
         <p:nvPicPr>
-          <p:cNvPr id="6146" name="Picture 2" descr="C:\Users\Manuel\Documents\uni\semester 5\workspace\OwlSoft\documentation\AblaufMessaging.jpg"/>
+          <p:cNvPr id="6146" name="Picture 2"/>
           <p:cNvPicPr>
             <a:picLocks noChangeAspect="1" noChangeArrowheads="1"/>
           </p:cNvPicPr>
@@ -11945,15 +15203,14 @@
               </a:ext>
             </a:extLst>
           </a:blip>
-          <a:srcRect/>
           <a:stretch>
             <a:fillRect/>
           </a:stretch>
         </p:blipFill>
         <p:spPr bwMode="auto">
           <a:xfrm>
-            <a:off x="0" y="0"/>
-            <a:ext cx="9144000" cy="6858000"/>
+            <a:off x="0" y="140245"/>
+            <a:ext cx="9144000" cy="6577509"/>
           </a:xfrm>
           <a:prstGeom prst="rect">
             <a:avLst/>
@@ -11980,13 +15237,13 @@
   <p:clrMapOvr>
     <a:masterClrMapping/>
   </p:clrMapOvr>
-  <mc:AlternateContent xmlns:mc="http://schemas.openxmlformats.org/markup-compatibility/2006">
-    <mc:Choice xmlns:p14="http://schemas.microsoft.com/office/powerpoint/2010/main" Requires="p14">
+  <mc:AlternateContent xmlns:mc="http://schemas.openxmlformats.org/markup-compatibility/2006" xmlns:p14="http://schemas.microsoft.com/office/powerpoint/2010/main">
+    <mc:Choice Requires="p14">
       <p:transition spd="med" p14:dur="700">
         <p:fade/>
       </p:transition>
     </mc:Choice>
-    <mc:Fallback>
+    <mc:Fallback xmlns="">
       <p:transition spd="med">
         <p:fade/>
       </p:transition>
@@ -12098,6 +15355,10 @@
             </a:r>
             <a:endParaRPr lang="de-AT" dirty="0" smtClean="0"/>
           </a:p>
+          <a:p>
+            <a:pPr lvl="1"/>
+            <a:endParaRPr lang="de-AT" dirty="0" smtClean="0"/>
+          </a:p>
         </p:txBody>
       </p:sp>
       <p:sp>
@@ -12146,6 +15407,28 @@
           </a:p>
         </p:txBody>
       </p:sp>
+      <p:graphicFrame>
+        <p:nvGraphicFramePr>
+          <p:cNvPr id="6" name="Diagramm 5"/>
+          <p:cNvGraphicFramePr/>
+          <p:nvPr>
+            <p:extLst>
+              <p:ext uri="{D42A27DB-BD31-4B8C-83A1-F6EECF244321}">
+                <p14:modId xmlns:p14="http://schemas.microsoft.com/office/powerpoint/2010/main" val="1318803253"/>
+              </p:ext>
+            </p:extLst>
+          </p:nvPr>
+        </p:nvGraphicFramePr>
+        <p:xfrm>
+          <a:off x="5076056" y="2564904"/>
+          <a:ext cx="3719736" cy="3703960"/>
+        </p:xfrm>
+        <a:graphic>
+          <a:graphicData uri="http://schemas.openxmlformats.org/drawingml/2006/diagram">
+            <dgm:relIds xmlns:dgm="http://schemas.openxmlformats.org/drawingml/2006/diagram" xmlns:r="http://schemas.openxmlformats.org/officeDocument/2006/relationships" r:dm="rId3" r:lo="rId4" r:qs="rId5" r:cs="rId6"/>
+          </a:graphicData>
+        </a:graphic>
+      </p:graphicFrame>
     </p:spTree>
     <p:extLst>
       <p:ext uri="{BB962C8B-B14F-4D97-AF65-F5344CB8AC3E}">
@@ -12156,18 +15439,25 @@
   <p:clrMapOvr>
     <a:masterClrMapping/>
   </p:clrMapOvr>
-  <mc:AlternateContent xmlns:mc="http://schemas.openxmlformats.org/markup-compatibility/2006">
-    <mc:Choice xmlns:p14="http://schemas.microsoft.com/office/powerpoint/2010/main" Requires="p14">
+  <mc:AlternateContent xmlns:mc="http://schemas.openxmlformats.org/markup-compatibility/2006" xmlns:p14="http://schemas.microsoft.com/office/powerpoint/2010/main">
+    <mc:Choice Requires="p14">
       <p:transition spd="med" p14:dur="700">
         <p:fade/>
       </p:transition>
     </mc:Choice>
-    <mc:Fallback>
+    <mc:Fallback xmlns="">
       <p:transition spd="med">
         <p:fade/>
       </p:transition>
     </mc:Fallback>
   </mc:AlternateContent>
+  <p:timing>
+    <p:tnLst>
+      <p:par>
+        <p:cTn id="1" dur="indefinite" restart="never" nodeType="tmRoot"/>
+      </p:par>
+    </p:tnLst>
+  </p:timing>
 </p:sld>
 </file>
 
@@ -12329,13 +15619,13 @@
   <p:clrMapOvr>
     <a:masterClrMapping/>
   </p:clrMapOvr>
-  <mc:AlternateContent xmlns:mc="http://schemas.openxmlformats.org/markup-compatibility/2006">
-    <mc:Choice xmlns:p14="http://schemas.microsoft.com/office/powerpoint/2010/main" Requires="p14">
+  <mc:AlternateContent xmlns:mc="http://schemas.openxmlformats.org/markup-compatibility/2006" xmlns:p14="http://schemas.microsoft.com/office/powerpoint/2010/main">
+    <mc:Choice Requires="p14">
       <p:transition spd="med" p14:dur="700">
         <p:fade/>
       </p:transition>
     </mc:Choice>
-    <mc:Fallback>
+    <mc:Fallback xmlns="">
       <p:transition spd="med">
         <p:fade/>
       </p:transition>
@@ -12575,13 +15865,13 @@
   <p:clrMapOvr>
     <a:masterClrMapping/>
   </p:clrMapOvr>
-  <mc:AlternateContent xmlns:mc="http://schemas.openxmlformats.org/markup-compatibility/2006">
-    <mc:Choice xmlns:p14="http://schemas.microsoft.com/office/powerpoint/2010/main" Requires="p14">
+  <mc:AlternateContent xmlns:mc="http://schemas.openxmlformats.org/markup-compatibility/2006" xmlns:p14="http://schemas.microsoft.com/office/powerpoint/2010/main">
+    <mc:Choice Requires="p14">
       <p:transition spd="med" p14:dur="700">
         <p:fade/>
       </p:transition>
     </mc:Choice>
-    <mc:Fallback>
+    <mc:Fallback xmlns="">
       <p:transition spd="med">
         <p:fade/>
       </p:transition>
@@ -12748,13 +16038,13 @@
   <p:clrMapOvr>
     <a:masterClrMapping/>
   </p:clrMapOvr>
-  <mc:AlternateContent xmlns:mc="http://schemas.openxmlformats.org/markup-compatibility/2006">
-    <mc:Choice xmlns:p14="http://schemas.microsoft.com/office/powerpoint/2010/main" Requires="p14">
+  <mc:AlternateContent xmlns:mc="http://schemas.openxmlformats.org/markup-compatibility/2006" xmlns:p14="http://schemas.microsoft.com/office/powerpoint/2010/main">
+    <mc:Choice Requires="p14">
       <p:transition spd="med" p14:dur="700">
         <p:fade/>
       </p:transition>
     </mc:Choice>
-    <mc:Fallback>
+    <mc:Fallback xmlns="">
       <p:transition spd="med">
         <p:fade/>
       </p:transition>
@@ -12887,13 +16177,13 @@
   <p:clrMapOvr>
     <a:masterClrMapping/>
   </p:clrMapOvr>
-  <mc:AlternateContent xmlns:mc="http://schemas.openxmlformats.org/markup-compatibility/2006">
-    <mc:Choice xmlns:p14="http://schemas.microsoft.com/office/powerpoint/2010/main" Requires="p14">
+  <mc:AlternateContent xmlns:mc="http://schemas.openxmlformats.org/markup-compatibility/2006" xmlns:p14="http://schemas.microsoft.com/office/powerpoint/2010/main">
+    <mc:Choice Requires="p14">
       <p:transition spd="med" p14:dur="700">
         <p:fade/>
       </p:transition>
     </mc:Choice>
-    <mc:Fallback>
+    <mc:Fallback xmlns="">
       <p:transition spd="med">
         <p:fade/>
       </p:transition>
@@ -13080,13 +16370,13 @@
   <p:clrMapOvr>
     <a:masterClrMapping/>
   </p:clrMapOvr>
-  <mc:AlternateContent xmlns:mc="http://schemas.openxmlformats.org/markup-compatibility/2006">
-    <mc:Choice xmlns:p14="http://schemas.microsoft.com/office/powerpoint/2010/main" Requires="p14">
+  <mc:AlternateContent xmlns:mc="http://schemas.openxmlformats.org/markup-compatibility/2006" xmlns:p14="http://schemas.microsoft.com/office/powerpoint/2010/main">
+    <mc:Choice Requires="p14">
       <p:transition spd="med" p14:dur="700">
         <p:fade/>
       </p:transition>
     </mc:Choice>
-    <mc:Fallback>
+    <mc:Fallback xmlns="">
       <p:transition spd="med">
         <p:fade/>
       </p:transition>
@@ -13331,13 +16621,13 @@
   <p:clrMapOvr>
     <a:masterClrMapping/>
   </p:clrMapOvr>
-  <mc:AlternateContent xmlns:mc="http://schemas.openxmlformats.org/markup-compatibility/2006">
-    <mc:Choice xmlns:p14="http://schemas.microsoft.com/office/powerpoint/2010/main" Requires="p14">
+  <mc:AlternateContent xmlns:mc="http://schemas.openxmlformats.org/markup-compatibility/2006" xmlns:p14="http://schemas.microsoft.com/office/powerpoint/2010/main">
+    <mc:Choice Requires="p14">
       <p:transition spd="med" p14:dur="700">
         <p:fade/>
       </p:transition>
     </mc:Choice>
-    <mc:Fallback>
+    <mc:Fallback xmlns="">
       <p:transition spd="med">
         <p:fade/>
       </p:transition>
@@ -13391,15 +16681,7 @@
             </a:r>
             <a:r>
               <a:rPr lang="de-AT" dirty="0" smtClean="0"/>
-              <a:t> 1 </a:t>
-            </a:r>
-            <a:r>
-              <a:rPr lang="de-AT" dirty="0" smtClean="0"/>
-              <a:t>- </a:t>
-            </a:r>
-            <a:r>
-              <a:rPr lang="de-AT" dirty="0" smtClean="0"/>
-              <a:t>Datenmodel</a:t>
+              <a:t> 1 - Datenmodel</a:t>
             </a:r>
             <a:endParaRPr lang="de-AT" dirty="0"/>
           </a:p>
@@ -13430,18 +16712,12 @@
               <a:rPr lang="de-AT" dirty="0" smtClean="0"/>
               <a:t>Ziel: umfangreich und erweiterbar</a:t>
             </a:r>
-            <a:endParaRPr lang="de-AT" dirty="0" smtClean="0"/>
           </a:p>
           <a:p>
             <a:r>
               <a:rPr lang="de-AT" dirty="0" smtClean="0"/>
-              <a:t>Sehr </a:t>
-            </a:r>
-            <a:r>
-              <a:rPr lang="de-AT" dirty="0" smtClean="0"/>
-              <a:t>Dynamisch</a:t>
-            </a:r>
-            <a:endParaRPr lang="de-AT" dirty="0" smtClean="0"/>
+              <a:t>Sehr Dynamisch</a:t>
+            </a:r>
           </a:p>
           <a:p>
             <a:r>
@@ -13537,13 +16813,13 @@
   <p:clrMapOvr>
     <a:masterClrMapping/>
   </p:clrMapOvr>
-  <mc:AlternateContent xmlns:mc="http://schemas.openxmlformats.org/markup-compatibility/2006">
-    <mc:Choice xmlns:p14="http://schemas.microsoft.com/office/powerpoint/2010/main" Requires="p14">
+  <mc:AlternateContent xmlns:mc="http://schemas.openxmlformats.org/markup-compatibility/2006" xmlns:p14="http://schemas.microsoft.com/office/powerpoint/2010/main">
+    <mc:Choice Requires="p14">
       <p:transition spd="med" p14:dur="700">
         <p:fade/>
       </p:transition>
     </mc:Choice>
-    <mc:Fallback>
+    <mc:Fallback xmlns="">
       <p:transition spd="med">
         <p:fade/>
       </p:transition>
@@ -13665,13 +16941,13 @@
   <p:clrMapOvr>
     <a:masterClrMapping/>
   </p:clrMapOvr>
-  <mc:AlternateContent xmlns:mc="http://schemas.openxmlformats.org/markup-compatibility/2006">
-    <mc:Choice xmlns:p14="http://schemas.microsoft.com/office/powerpoint/2010/main" Requires="p14">
+  <mc:AlternateContent xmlns:mc="http://schemas.openxmlformats.org/markup-compatibility/2006" xmlns:p14="http://schemas.microsoft.com/office/powerpoint/2010/main">
+    <mc:Choice Requires="p14">
       <p:transition spd="med" p14:dur="700">
         <p:fade/>
       </p:transition>
     </mc:Choice>
-    <mc:Fallback>
+    <mc:Fallback xmlns="">
       <p:transition spd="med">
         <p:fade/>
       </p:transition>
@@ -13814,13 +17090,13 @@
   <p:clrMapOvr>
     <a:masterClrMapping/>
   </p:clrMapOvr>
-  <mc:AlternateContent xmlns:mc="http://schemas.openxmlformats.org/markup-compatibility/2006">
-    <mc:Choice xmlns:p14="http://schemas.microsoft.com/office/powerpoint/2010/main" Requires="p14">
+  <mc:AlternateContent xmlns:mc="http://schemas.openxmlformats.org/markup-compatibility/2006" xmlns:p14="http://schemas.microsoft.com/office/powerpoint/2010/main">
+    <mc:Choice Requires="p14">
       <p:transition spd="med" p14:dur="700">
         <p:fade/>
       </p:transition>
     </mc:Choice>
-    <mc:Fallback>
+    <mc:Fallback xmlns="">
       <p:transition spd="med">
         <p:fade/>
       </p:transition>
@@ -13963,13 +17239,13 @@
   <p:clrMapOvr>
     <a:masterClrMapping/>
   </p:clrMapOvr>
-  <mc:AlternateContent xmlns:mc="http://schemas.openxmlformats.org/markup-compatibility/2006">
-    <mc:Choice xmlns:p14="http://schemas.microsoft.com/office/powerpoint/2010/main" Requires="p14">
+  <mc:AlternateContent xmlns:mc="http://schemas.openxmlformats.org/markup-compatibility/2006" xmlns:p14="http://schemas.microsoft.com/office/powerpoint/2010/main">
+    <mc:Choice Requires="p14">
       <p:transition spd="med" p14:dur="700">
         <p:fade/>
       </p:transition>
     </mc:Choice>
-    <mc:Fallback>
+    <mc:Fallback xmlns="">
       <p:transition spd="med">
         <p:fade/>
       </p:transition>
@@ -14112,13 +17388,13 @@
   <p:clrMapOvr>
     <a:masterClrMapping/>
   </p:clrMapOvr>
-  <mc:AlternateContent xmlns:mc="http://schemas.openxmlformats.org/markup-compatibility/2006">
-    <mc:Choice xmlns:p14="http://schemas.microsoft.com/office/powerpoint/2010/main" Requires="p14">
+  <mc:AlternateContent xmlns:mc="http://schemas.openxmlformats.org/markup-compatibility/2006" xmlns:p14="http://schemas.microsoft.com/office/powerpoint/2010/main">
+    <mc:Choice Requires="p14">
       <p:transition spd="med" p14:dur="700">
         <p:fade/>
       </p:transition>
     </mc:Choice>
-    <mc:Fallback>
+    <mc:Fallback xmlns="">
       <p:transition spd="med">
         <p:fade/>
       </p:transition>
